--- a/01_public_health_study/public_health_study_presentation.pptx
+++ b/01_public_health_study/public_health_study_presentation.pptx
@@ -7,6 +7,11 @@
   <p:sldIdLst>
     <p:sldId id="256" r:id="rId2"/>
     <p:sldId id="257" r:id="rId3"/>
+    <p:sldId id="259" r:id="rId4"/>
+    <p:sldId id="260" r:id="rId5"/>
+    <p:sldId id="261" r:id="rId6"/>
+    <p:sldId id="262" r:id="rId7"/>
+    <p:sldId id="263" r:id="rId8"/>
   </p:sldIdLst>
   <p:sldSz cx="12192000" cy="6858000"/>
   <p:notesSz cx="6858000" cy="9144000"/>
@@ -105,6 +110,11 @@
       </a:defRPr>
     </a:lvl9pPr>
   </p:defaultTextStyle>
+  <p:extLst>
+    <p:ext uri="{EFAFB233-063F-42B5-8137-9DF3F51BA10A}">
+      <p15:sldGuideLst xmlns:p15="http://schemas.microsoft.com/office/powerpoint/2012/main"/>
+    </p:ext>
+  </p:extLst>
 </p:presentation>
 </file>
 
@@ -352,7 +362,7 @@
           <a:p>
             <a:fld id="{9184DA70-C731-4C70-880D-CCD4705E623C}" type="datetime1">
               <a:rPr lang="en-US" smtClean="0"/>
-              <a:t>5/2/2020</a:t>
+              <a:t>5/5/2020</a:t>
             </a:fld>
             <a:endParaRPr lang="en-US" dirty="0"/>
           </a:p>
@@ -540,7 +550,7 @@
           <a:p>
             <a:fld id="{B612A279-0833-481D-8C56-F67FD0AC6C50}" type="datetime1">
               <a:rPr lang="en-US" smtClean="0"/>
-              <a:t>5/2/2020</a:t>
+              <a:t>5/5/2020</a:t>
             </a:fld>
             <a:endParaRPr lang="en-US" dirty="0"/>
           </a:p>
@@ -782,7 +792,7 @@
           <a:p>
             <a:fld id="{6587DA83-5663-4C9C-B9AA-0B40A3DAFF81}" type="datetime1">
               <a:rPr lang="en-US" smtClean="0"/>
-              <a:t>5/2/2020</a:t>
+              <a:t>5/5/2020</a:t>
             </a:fld>
             <a:endParaRPr lang="en-US" dirty="0"/>
           </a:p>
@@ -970,7 +980,7 @@
           <a:p>
             <a:fld id="{4BE1D723-8F53-4F53-90B0-1982A396982E}" type="datetime1">
               <a:rPr lang="en-US" smtClean="0"/>
-              <a:t>5/2/2020</a:t>
+              <a:t>5/5/2020</a:t>
             </a:fld>
             <a:endParaRPr lang="en-US" dirty="0"/>
           </a:p>
@@ -1343,7 +1353,7 @@
           <a:p>
             <a:fld id="{97669AF7-7BEB-44E4-9852-375E34362B5B}" type="datetime1">
               <a:rPr lang="en-US" smtClean="0"/>
-              <a:t>5/2/2020</a:t>
+              <a:t>5/5/2020</a:t>
             </a:fld>
             <a:endParaRPr lang="en-US" dirty="0"/>
           </a:p>
@@ -1598,7 +1608,7 @@
           <a:p>
             <a:fld id="{BAAAC38D-0552-4C82-B593-E6124DFADBE2}" type="datetime1">
               <a:rPr lang="en-US" smtClean="0"/>
-              <a:t>5/2/2020</a:t>
+              <a:t>5/5/2020</a:t>
             </a:fld>
             <a:endParaRPr lang="en-US" dirty="0"/>
           </a:p>
@@ -1995,7 +2005,7 @@
           <a:p>
             <a:fld id="{D9DF0F1C-5577-4ACB-BB62-DF8F3C494C7E}" type="datetime1">
               <a:rPr lang="en-US" smtClean="0"/>
-              <a:t>5/2/2020</a:t>
+              <a:t>5/5/2020</a:t>
             </a:fld>
             <a:endParaRPr lang="en-US" dirty="0"/>
           </a:p>
@@ -2131,7 +2141,7 @@
           <a:p>
             <a:fld id="{1775B394-D9F9-4F0C-B15D-605F45CB9E9F}" type="datetime1">
               <a:rPr lang="en-US" smtClean="0"/>
-              <a:t>5/2/2020</a:t>
+              <a:t>5/5/2020</a:t>
             </a:fld>
             <a:endParaRPr lang="en-US" dirty="0"/>
           </a:p>
@@ -2288,7 +2298,7 @@
           <a:p>
             <a:fld id="{39667345-2558-425A-8533-9BFDBCE15005}" type="datetime1">
               <a:rPr lang="en-US" smtClean="0"/>
-              <a:t>5/2/2020</a:t>
+              <a:t>5/5/2020</a:t>
             </a:fld>
             <a:endParaRPr lang="en-US" dirty="0"/>
           </a:p>
@@ -2617,7 +2627,7 @@
           <a:p>
             <a:fld id="{92BEA474-078D-4E9B-9B14-09A87B19DC46}" type="datetime1">
               <a:rPr lang="en-US" smtClean="0"/>
-              <a:t>5/2/2020</a:t>
+              <a:t>5/5/2020</a:t>
             </a:fld>
             <a:endParaRPr lang="en-US" dirty="0"/>
           </a:p>
@@ -2967,7 +2977,7 @@
           <a:p>
             <a:fld id="{4907D986-8816-4272-A432-0437A28A9828}" type="datetime1">
               <a:rPr lang="en-US" smtClean="0"/>
-              <a:t>5/2/2020</a:t>
+              <a:t>5/5/2020</a:t>
             </a:fld>
             <a:endParaRPr lang="en-US" dirty="0"/>
           </a:p>
@@ -3228,7 +3238,7 @@
           <a:p>
             <a:fld id="{62D6E202-B606-4609-B914-27C9371A1F6D}" type="datetime1">
               <a:rPr lang="en-US" smtClean="0"/>
-              <a:t>5/2/2020</a:t>
+              <a:t>5/5/2020</a:t>
             </a:fld>
             <a:endParaRPr lang="en-US" dirty="0"/>
           </a:p>
@@ -3881,15 +3891,31 @@
           </a:bodyPr>
           <a:lstStyle/>
           <a:p>
-            <a:r>
-              <a:rPr lang="en-US">
+            <a:pPr algn="ctr"/>
+            <a:r>
+              <a:rPr lang="en-US" sz="6000" b="1" dirty="0">
                 <a:solidFill>
                   <a:srgbClr val="FFFFFF"/>
                 </a:solidFill>
               </a:rPr>
-              <a:t>Public Health Study</a:t>
-            </a:r>
-            <a:endParaRPr lang="it-IT">
+              <a:t>GLOBAL UNDERNUTRITION </a:t>
+            </a:r>
+            <a:br>
+              <a:rPr lang="en-US" sz="6000" dirty="0">
+                <a:solidFill>
+                  <a:srgbClr val="FFFFFF"/>
+                </a:solidFill>
+              </a:rPr>
+            </a:br>
+            <a:r>
+              <a:rPr lang="en-US" sz="5400" dirty="0">
+                <a:solidFill>
+                  <a:srgbClr val="FFFFFF"/>
+                </a:solidFill>
+              </a:rPr>
+              <a:t>1 IN 9 PEOPLE AROUND THE WORLD GO HUNGRY EACH DAY</a:t>
+            </a:r>
+            <a:endParaRPr lang="it-IT" sz="5400" dirty="0">
               <a:solidFill>
                 <a:srgbClr val="FFFFFF"/>
               </a:solidFill>
@@ -3926,14 +3952,32 @@
           <a:lstStyle/>
           <a:p>
             <a:r>
-              <a:rPr lang="en-US">
+              <a:rPr lang="en-US" dirty="0">
                 <a:solidFill>
                   <a:srgbClr val="FFFFFF"/>
                 </a:solidFill>
               </a:rPr>
-              <a:t>WORLD HUNGER</a:t>
-            </a:r>
-            <a:endParaRPr lang="it-IT">
+              <a:t>Public health study(</a:t>
+            </a:r>
+            <a:r>
+              <a:rPr lang="en-US" dirty="0" err="1">
+                <a:solidFill>
+                  <a:srgbClr val="FFFFFF"/>
+                </a:solidFill>
+              </a:rPr>
+              <a:t>fao</a:t>
+            </a:r>
+            <a:r>
+              <a:rPr lang="en-US" dirty="0">
+                <a:solidFill>
+                  <a:srgbClr val="FFFFFF"/>
+                </a:solidFill>
+              </a:rPr>
+              <a:t>*)</a:t>
+            </a:r>
+          </a:p>
+          <a:p>
+            <a:endParaRPr lang="en-US" dirty="0">
               <a:solidFill>
                 <a:srgbClr val="FFFFFF"/>
               </a:solidFill>
@@ -4049,6 +4093,53 @@
             <a:schemeClr val="lt1"/>
           </a:fontRef>
         </p:style>
+      </p:sp>
+      <p:sp>
+        <p:nvSpPr>
+          <p:cNvPr id="5" name="TextBox 4">
+            <a:extLst>
+              <a:ext uri="{FF2B5EF4-FFF2-40B4-BE49-F238E27FC236}">
+                <a16:creationId xmlns:a16="http://schemas.microsoft.com/office/drawing/2014/main" id="{B1F48905-D80F-411B-B480-4D40C1FE2702}"/>
+              </a:ext>
+            </a:extLst>
+          </p:cNvPr>
+          <p:cNvSpPr txBox="1"/>
+          <p:nvPr/>
+        </p:nvSpPr>
+        <p:spPr>
+          <a:xfrm>
+            <a:off x="93306" y="6444734"/>
+            <a:ext cx="10142376" cy="646331"/>
+          </a:xfrm>
+          <a:prstGeom prst="rect">
+            <a:avLst/>
+          </a:prstGeom>
+          <a:noFill/>
+        </p:spPr>
+        <p:txBody>
+          <a:bodyPr wrap="square" rtlCol="0">
+            <a:spAutoFit/>
+          </a:bodyPr>
+          <a:lstStyle/>
+          <a:p>
+            <a:r>
+              <a:rPr lang="en-US" dirty="0">
+                <a:solidFill>
+                  <a:srgbClr val="FFFFFF"/>
+                </a:solidFill>
+              </a:rPr>
+              <a:t>(*)Food and agriculture organization of the united nations</a:t>
+            </a:r>
+            <a:endParaRPr lang="it-IT" dirty="0">
+              <a:solidFill>
+                <a:srgbClr val="FFFFFF"/>
+              </a:solidFill>
+            </a:endParaRPr>
+          </a:p>
+          <a:p>
+            <a:endParaRPr lang="it-IT" dirty="0"/>
+          </a:p>
+        </p:txBody>
       </p:sp>
     </p:spTree>
     <p:extLst>
@@ -4066,6 +4157,14 @@
 <file path=ppt/slides/slide2.xml><?xml version="1.0" encoding="utf-8"?>
 <p:sld xmlns:a="http://schemas.openxmlformats.org/drawingml/2006/main" xmlns:r="http://schemas.openxmlformats.org/officeDocument/2006/relationships" xmlns:p="http://schemas.openxmlformats.org/presentationml/2006/main">
   <p:cSld>
+    <p:bg>
+      <p:bgPr>
+        <a:solidFill>
+          <a:schemeClr val="bg1"/>
+        </a:solidFill>
+        <a:effectLst/>
+      </p:bgPr>
+    </p:bg>
     <p:spTree>
       <p:nvGrpSpPr>
         <p:cNvPr id="1" name=""/>
@@ -4082,6 +4181,208 @@
       </p:grpSpPr>
       <p:sp>
         <p:nvSpPr>
+          <p:cNvPr id="41" name="Rectangle 30">
+            <a:extLst>
+              <a:ext uri="{FF2B5EF4-FFF2-40B4-BE49-F238E27FC236}">
+                <a16:creationId xmlns:a16="http://schemas.microsoft.com/office/drawing/2014/main" id="{39E3965E-AC41-4711-9D10-E25ABB132D86}"/>
+              </a:ext>
+              <a:ext uri="{C183D7F6-B498-43B3-948B-1728B52AA6E4}">
+                <adec:decorative xmlns:adec="http://schemas.microsoft.com/office/drawing/2017/decorative" val="1"/>
+              </a:ext>
+            </a:extLst>
+          </p:cNvPr>
+          <p:cNvSpPr>
+            <a:spLocks noGrp="1" noRot="1" noChangeAspect="1" noMove="1" noResize="1" noEditPoints="1" noAdjustHandles="1" noChangeArrowheads="1" noChangeShapeType="1" noTextEdit="1"/>
+          </p:cNvSpPr>
+          <p:nvPr>
+            <p:extLst>
+              <p:ext uri="{386F3935-93C4-4BCD-93E2-E3B085C9AB24}">
+                <p16:designElem xmlns:p16="http://schemas.microsoft.com/office/powerpoint/2015/main" val="1"/>
+              </p:ext>
+            </p:extLst>
+          </p:nvPr>
+        </p:nvSpPr>
+        <p:spPr>
+          <a:xfrm>
+            <a:off x="3175" y="6400800"/>
+            <a:ext cx="12188825" cy="457200"/>
+          </a:xfrm>
+          <a:prstGeom prst="rect">
+            <a:avLst/>
+          </a:prstGeom>
+          <a:solidFill>
+            <a:srgbClr val="262626"/>
+          </a:solidFill>
+          <a:ln>
+            <a:noFill/>
+          </a:ln>
+        </p:spPr>
+        <p:style>
+          <a:lnRef idx="2">
+            <a:schemeClr val="accent1">
+              <a:shade val="50000"/>
+            </a:schemeClr>
+          </a:lnRef>
+          <a:fillRef idx="1">
+            <a:schemeClr val="accent1"/>
+          </a:fillRef>
+          <a:effectRef idx="0">
+            <a:schemeClr val="accent1"/>
+          </a:effectRef>
+          <a:fontRef idx="minor">
+            <a:schemeClr val="lt1"/>
+          </a:fontRef>
+        </p:style>
+      </p:sp>
+      <p:cxnSp>
+        <p:nvCxnSpPr>
+          <p:cNvPr id="42" name="Straight Connector 32">
+            <a:extLst>
+              <a:ext uri="{FF2B5EF4-FFF2-40B4-BE49-F238E27FC236}">
+                <a16:creationId xmlns:a16="http://schemas.microsoft.com/office/drawing/2014/main" id="{1F5DC8C3-BA5F-4EED-BB9A-A14272BD82A1}"/>
+              </a:ext>
+              <a:ext uri="{C183D7F6-B498-43B3-948B-1728B52AA6E4}">
+                <adec:decorative xmlns:adec="http://schemas.microsoft.com/office/drawing/2017/decorative" val="1"/>
+              </a:ext>
+            </a:extLst>
+          </p:cNvPr>
+          <p:cNvCxnSpPr>
+            <a:cxnSpLocks noGrp="1" noRot="1" noChangeAspect="1" noMove="1" noResize="1" noEditPoints="1" noAdjustHandles="1" noChangeArrowheads="1" noChangeShapeType="1"/>
+          </p:cNvCxnSpPr>
+          <p:nvPr>
+            <p:extLst>
+              <p:ext uri="{386F3935-93C4-4BCD-93E2-E3B085C9AB24}">
+                <p16:designElem xmlns:p16="http://schemas.microsoft.com/office/powerpoint/2015/main" val="1"/>
+              </p:ext>
+            </p:extLst>
+          </p:nvPr>
+        </p:nvCxnSpPr>
+        <p:spPr>
+          <a:xfrm>
+            <a:off x="1207658" y="4474741"/>
+            <a:ext cx="9875520" cy="0"/>
+          </a:xfrm>
+          <a:prstGeom prst="line">
+            <a:avLst/>
+          </a:prstGeom>
+          <a:ln w="12700">
+            <a:solidFill>
+              <a:schemeClr val="tx1">
+                <a:lumMod val="75000"/>
+                <a:lumOff val="25000"/>
+              </a:schemeClr>
+            </a:solidFill>
+          </a:ln>
+        </p:spPr>
+        <p:style>
+          <a:lnRef idx="1">
+            <a:schemeClr val="accent1"/>
+          </a:lnRef>
+          <a:fillRef idx="0">
+            <a:schemeClr val="accent1"/>
+          </a:fillRef>
+          <a:effectRef idx="0">
+            <a:schemeClr val="accent1"/>
+          </a:effectRef>
+          <a:fontRef idx="minor">
+            <a:schemeClr val="tx1"/>
+          </a:fontRef>
+        </p:style>
+      </p:cxnSp>
+      <p:pic>
+        <p:nvPicPr>
+          <p:cNvPr id="5" name="Content Placeholder 4" descr="A picture containing person, eating, sitting, young&#10;&#10;Description automatically generated">
+            <a:extLst>
+              <a:ext uri="{FF2B5EF4-FFF2-40B4-BE49-F238E27FC236}">
+                <a16:creationId xmlns:a16="http://schemas.microsoft.com/office/drawing/2014/main" id="{23969E33-09F7-4D36-A276-D65F73D63EC6}"/>
+              </a:ext>
+            </a:extLst>
+          </p:cNvPr>
+          <p:cNvPicPr>
+            <a:picLocks noGrp="1" noChangeAspect="1"/>
+          </p:cNvPicPr>
+          <p:nvPr>
+            <p:ph idx="1"/>
+          </p:nvPr>
+        </p:nvPicPr>
+        <p:blipFill rotWithShape="1">
+          <a:blip r:embed="rId2">
+            <a:extLst>
+              <a:ext uri="{28A0092B-C50C-407E-A947-70E740481C1C}">
+                <a14:useLocalDpi xmlns:a14="http://schemas.microsoft.com/office/drawing/2010/main" val="0"/>
+              </a:ext>
+            </a:extLst>
+          </a:blip>
+          <a:srcRect t="5068" b="31446"/>
+          <a:stretch/>
+        </p:blipFill>
+        <p:spPr>
+          <a:xfrm>
+            <a:off x="-32" y="10"/>
+            <a:ext cx="12192031" cy="4915066"/>
+          </a:xfrm>
+          <a:prstGeom prst="rect">
+            <a:avLst/>
+          </a:prstGeom>
+        </p:spPr>
+      </p:pic>
+      <p:sp>
+        <p:nvSpPr>
+          <p:cNvPr id="43" name="Rectangle 34">
+            <a:extLst>
+              <a:ext uri="{FF2B5EF4-FFF2-40B4-BE49-F238E27FC236}">
+                <a16:creationId xmlns:a16="http://schemas.microsoft.com/office/drawing/2014/main" id="{0B4FB531-34DA-4777-9BD5-5B885DC38198}"/>
+              </a:ext>
+              <a:ext uri="{C183D7F6-B498-43B3-948B-1728B52AA6E4}">
+                <adec:decorative xmlns:adec="http://schemas.microsoft.com/office/drawing/2017/decorative" val="1"/>
+              </a:ext>
+            </a:extLst>
+          </p:cNvPr>
+          <p:cNvSpPr>
+            <a:spLocks noGrp="1" noRot="1" noChangeAspect="1" noMove="1" noResize="1" noEditPoints="1" noAdjustHandles="1" noChangeArrowheads="1" noChangeShapeType="1" noTextEdit="1"/>
+          </p:cNvSpPr>
+          <p:nvPr>
+            <p:extLst>
+              <p:ext uri="{386F3935-93C4-4BCD-93E2-E3B085C9AB24}">
+                <p16:designElem xmlns:p16="http://schemas.microsoft.com/office/powerpoint/2015/main" val="1"/>
+              </p:ext>
+            </p:extLst>
+          </p:nvPr>
+        </p:nvSpPr>
+        <p:spPr bwMode="white">
+          <a:xfrm>
+            <a:off x="1507" y="4915076"/>
+            <a:ext cx="12188952" cy="1942924"/>
+          </a:xfrm>
+          <a:prstGeom prst="rect">
+            <a:avLst/>
+          </a:prstGeom>
+          <a:solidFill>
+            <a:srgbClr val="262626"/>
+          </a:solidFill>
+          <a:ln>
+            <a:noFill/>
+          </a:ln>
+        </p:spPr>
+        <p:style>
+          <a:lnRef idx="2">
+            <a:schemeClr val="accent1">
+              <a:shade val="50000"/>
+            </a:schemeClr>
+          </a:lnRef>
+          <a:fillRef idx="1">
+            <a:schemeClr val="accent1"/>
+          </a:fillRef>
+          <a:effectRef idx="0">
+            <a:schemeClr val="accent1"/>
+          </a:effectRef>
+          <a:fontRef idx="minor">
+            <a:schemeClr val="lt1"/>
+          </a:fontRef>
+        </p:style>
+      </p:sp>
+      <p:sp>
+        <p:nvSpPr>
           <p:cNvPr id="2" name="Title 1">
             <a:extLst>
               <a:ext uri="{FF2B5EF4-FFF2-40B4-BE49-F238E27FC236}">
@@ -4096,44 +4397,82 @@
             <p:ph type="title"/>
           </p:nvPr>
         </p:nvSpPr>
-        <p:spPr/>
-        <p:txBody>
-          <a:bodyPr/>
-          <a:lstStyle/>
-          <a:p>
-            <a:r>
-              <a:rPr lang="en-US" dirty="0"/>
-              <a:t>Introduction to the world hunger problem and FAO DATASET	</a:t>
-            </a:r>
-            <a:endParaRPr lang="it-IT" dirty="0"/>
-          </a:p>
-        </p:txBody>
-      </p:sp>
-      <p:sp>
-        <p:nvSpPr>
-          <p:cNvPr id="3" name="Content Placeholder 2">
-            <a:extLst>
-              <a:ext uri="{FF2B5EF4-FFF2-40B4-BE49-F238E27FC236}">
-                <a16:creationId xmlns:a16="http://schemas.microsoft.com/office/drawing/2014/main" id="{F7243A90-ACD1-4B68-852F-88CFC54AC5A8}"/>
-              </a:ext>
-            </a:extLst>
-          </p:cNvPr>
-          <p:cNvSpPr>
-            <a:spLocks noGrp="1"/>
-          </p:cNvSpPr>
-          <p:nvPr>
-            <p:ph idx="1"/>
-          </p:nvPr>
-        </p:nvSpPr>
-        <p:spPr/>
-        <p:txBody>
-          <a:bodyPr/>
-          <a:lstStyle/>
-          <a:p>
-            <a:endParaRPr lang="it-IT" dirty="0"/>
-          </a:p>
-        </p:txBody>
-      </p:sp>
+        <p:spPr>
+          <a:xfrm>
+            <a:off x="828675" y="5120639"/>
+            <a:ext cx="7137263" cy="1280161"/>
+          </a:xfrm>
+        </p:spPr>
+        <p:txBody>
+          <a:bodyPr vert="horz" lIns="91440" tIns="45720" rIns="91440" bIns="45720" rtlCol="0" anchor="ctr">
+            <a:normAutofit/>
+          </a:bodyPr>
+          <a:lstStyle/>
+          <a:p>
+            <a:pPr algn="ctr"/>
+            <a:r>
+              <a:rPr lang="en-US" sz="4100" dirty="0">
+                <a:solidFill>
+                  <a:srgbClr val="FFFFFF"/>
+                </a:solidFill>
+              </a:rPr>
+              <a:t>A Child Dies From Hunger Every 10 Seconds</a:t>
+            </a:r>
+          </a:p>
+        </p:txBody>
+      </p:sp>
+      <p:cxnSp>
+        <p:nvCxnSpPr>
+          <p:cNvPr id="44" name="Straight Connector 36">
+            <a:extLst>
+              <a:ext uri="{FF2B5EF4-FFF2-40B4-BE49-F238E27FC236}">
+                <a16:creationId xmlns:a16="http://schemas.microsoft.com/office/drawing/2014/main" id="{D5B557D3-D7B4-404B-84A1-9BD182BE5B06}"/>
+              </a:ext>
+              <a:ext uri="{C183D7F6-B498-43B3-948B-1728B52AA6E4}">
+                <adec:decorative xmlns:adec="http://schemas.microsoft.com/office/drawing/2017/decorative" val="1"/>
+              </a:ext>
+            </a:extLst>
+          </p:cNvPr>
+          <p:cNvCxnSpPr>
+            <a:cxnSpLocks noGrp="1" noRot="1" noChangeAspect="1" noMove="1" noResize="1" noEditPoints="1" noAdjustHandles="1" noChangeArrowheads="1" noChangeShapeType="1"/>
+          </p:cNvCxnSpPr>
+          <p:nvPr>
+            <p:extLst>
+              <p:ext uri="{386F3935-93C4-4BCD-93E2-E3B085C9AB24}">
+                <p16:designElem xmlns:p16="http://schemas.microsoft.com/office/powerpoint/2015/main" val="1"/>
+              </p:ext>
+            </p:extLst>
+          </p:nvPr>
+        </p:nvCxnSpPr>
+        <p:spPr>
+          <a:xfrm rot="16200000">
+            <a:off x="7532813" y="5760720"/>
+            <a:ext cx="1188720" cy="0"/>
+          </a:xfrm>
+          <a:prstGeom prst="line">
+            <a:avLst/>
+          </a:prstGeom>
+          <a:ln w="19050">
+            <a:solidFill>
+              <a:schemeClr val="accent1"/>
+            </a:solidFill>
+          </a:ln>
+        </p:spPr>
+        <p:style>
+          <a:lnRef idx="1">
+            <a:schemeClr val="accent1"/>
+          </a:lnRef>
+          <a:fillRef idx="0">
+            <a:schemeClr val="accent1"/>
+          </a:fillRef>
+          <a:effectRef idx="0">
+            <a:schemeClr val="accent1"/>
+          </a:effectRef>
+          <a:fontRef idx="minor">
+            <a:schemeClr val="tx1"/>
+          </a:fontRef>
+        </p:style>
+      </p:cxnSp>
     </p:spTree>
     <p:extLst>
       <p:ext uri="{BB962C8B-B14F-4D97-AF65-F5344CB8AC3E}">
@@ -4142,7 +4481,1654 @@
     </p:extLst>
   </p:cSld>
   <p:clrMapOvr>
+    <a:overrideClrMapping bg1="dk1" tx1="lt1" bg2="dk2" tx2="lt2" accent1="accent1" accent2="accent2" accent3="accent3" accent4="accent4" accent5="accent5" accent6="accent6" hlink="hlink" folHlink="folHlink"/>
+  </p:clrMapOvr>
+</p:sld>
+</file>
+
+<file path=ppt/slides/slide3.xml><?xml version="1.0" encoding="utf-8"?>
+<p:sld xmlns:a="http://schemas.openxmlformats.org/drawingml/2006/main" xmlns:r="http://schemas.openxmlformats.org/officeDocument/2006/relationships" xmlns:p="http://schemas.openxmlformats.org/presentationml/2006/main">
+  <p:cSld>
+    <p:bg>
+      <p:bgPr>
+        <a:solidFill>
+          <a:schemeClr val="bg1"/>
+        </a:solidFill>
+        <a:effectLst/>
+      </p:bgPr>
+    </p:bg>
+    <p:spTree>
+      <p:nvGrpSpPr>
+        <p:cNvPr id="1" name=""/>
+        <p:cNvGrpSpPr/>
+        <p:nvPr/>
+      </p:nvGrpSpPr>
+      <p:grpSpPr>
+        <a:xfrm>
+          <a:off x="0" y="0"/>
+          <a:ext cx="0" cy="0"/>
+          <a:chOff x="0" y="0"/>
+          <a:chExt cx="0" cy="0"/>
+        </a:xfrm>
+      </p:grpSpPr>
+      <p:sp>
+        <p:nvSpPr>
+          <p:cNvPr id="41" name="Rectangle 30">
+            <a:extLst>
+              <a:ext uri="{FF2B5EF4-FFF2-40B4-BE49-F238E27FC236}">
+                <a16:creationId xmlns:a16="http://schemas.microsoft.com/office/drawing/2014/main" id="{39E3965E-AC41-4711-9D10-E25ABB132D86}"/>
+              </a:ext>
+              <a:ext uri="{C183D7F6-B498-43B3-948B-1728B52AA6E4}">
+                <adec:decorative xmlns:adec="http://schemas.microsoft.com/office/drawing/2017/decorative" val="1"/>
+              </a:ext>
+            </a:extLst>
+          </p:cNvPr>
+          <p:cNvSpPr>
+            <a:spLocks noGrp="1" noRot="1" noChangeAspect="1" noMove="1" noResize="1" noEditPoints="1" noAdjustHandles="1" noChangeArrowheads="1" noChangeShapeType="1" noTextEdit="1"/>
+          </p:cNvSpPr>
+          <p:nvPr>
+            <p:extLst>
+              <p:ext uri="{386F3935-93C4-4BCD-93E2-E3B085C9AB24}">
+                <p16:designElem xmlns:p16="http://schemas.microsoft.com/office/powerpoint/2015/main" val="1"/>
+              </p:ext>
+            </p:extLst>
+          </p:nvPr>
+        </p:nvSpPr>
+        <p:spPr>
+          <a:xfrm>
+            <a:off x="3175" y="6400800"/>
+            <a:ext cx="12188825" cy="457200"/>
+          </a:xfrm>
+          <a:prstGeom prst="rect">
+            <a:avLst/>
+          </a:prstGeom>
+          <a:solidFill>
+            <a:srgbClr val="262626"/>
+          </a:solidFill>
+          <a:ln>
+            <a:noFill/>
+          </a:ln>
+        </p:spPr>
+        <p:style>
+          <a:lnRef idx="2">
+            <a:schemeClr val="accent1">
+              <a:shade val="50000"/>
+            </a:schemeClr>
+          </a:lnRef>
+          <a:fillRef idx="1">
+            <a:schemeClr val="accent1"/>
+          </a:fillRef>
+          <a:effectRef idx="0">
+            <a:schemeClr val="accent1"/>
+          </a:effectRef>
+          <a:fontRef idx="minor">
+            <a:schemeClr val="lt1"/>
+          </a:fontRef>
+        </p:style>
+      </p:sp>
+      <p:cxnSp>
+        <p:nvCxnSpPr>
+          <p:cNvPr id="42" name="Straight Connector 32">
+            <a:extLst>
+              <a:ext uri="{FF2B5EF4-FFF2-40B4-BE49-F238E27FC236}">
+                <a16:creationId xmlns:a16="http://schemas.microsoft.com/office/drawing/2014/main" id="{1F5DC8C3-BA5F-4EED-BB9A-A14272BD82A1}"/>
+              </a:ext>
+              <a:ext uri="{C183D7F6-B498-43B3-948B-1728B52AA6E4}">
+                <adec:decorative xmlns:adec="http://schemas.microsoft.com/office/drawing/2017/decorative" val="1"/>
+              </a:ext>
+            </a:extLst>
+          </p:cNvPr>
+          <p:cNvCxnSpPr>
+            <a:cxnSpLocks noGrp="1" noRot="1" noChangeAspect="1" noMove="1" noResize="1" noEditPoints="1" noAdjustHandles="1" noChangeArrowheads="1" noChangeShapeType="1"/>
+          </p:cNvCxnSpPr>
+          <p:nvPr>
+            <p:extLst>
+              <p:ext uri="{386F3935-93C4-4BCD-93E2-E3B085C9AB24}">
+                <p16:designElem xmlns:p16="http://schemas.microsoft.com/office/powerpoint/2015/main" val="1"/>
+              </p:ext>
+            </p:extLst>
+          </p:nvPr>
+        </p:nvCxnSpPr>
+        <p:spPr>
+          <a:xfrm>
+            <a:off x="1207658" y="4474741"/>
+            <a:ext cx="9875520" cy="0"/>
+          </a:xfrm>
+          <a:prstGeom prst="line">
+            <a:avLst/>
+          </a:prstGeom>
+          <a:ln w="12700">
+            <a:solidFill>
+              <a:schemeClr val="tx1">
+                <a:lumMod val="75000"/>
+                <a:lumOff val="25000"/>
+              </a:schemeClr>
+            </a:solidFill>
+          </a:ln>
+        </p:spPr>
+        <p:style>
+          <a:lnRef idx="1">
+            <a:schemeClr val="accent1"/>
+          </a:lnRef>
+          <a:fillRef idx="0">
+            <a:schemeClr val="accent1"/>
+          </a:fillRef>
+          <a:effectRef idx="0">
+            <a:schemeClr val="accent1"/>
+          </a:effectRef>
+          <a:fontRef idx="minor">
+            <a:schemeClr val="tx1"/>
+          </a:fontRef>
+        </p:style>
+      </p:cxnSp>
+      <p:sp>
+        <p:nvSpPr>
+          <p:cNvPr id="43" name="Rectangle 34">
+            <a:extLst>
+              <a:ext uri="{FF2B5EF4-FFF2-40B4-BE49-F238E27FC236}">
+                <a16:creationId xmlns:a16="http://schemas.microsoft.com/office/drawing/2014/main" id="{0B4FB531-34DA-4777-9BD5-5B885DC38198}"/>
+              </a:ext>
+              <a:ext uri="{C183D7F6-B498-43B3-948B-1728B52AA6E4}">
+                <adec:decorative xmlns:adec="http://schemas.microsoft.com/office/drawing/2017/decorative" val="1"/>
+              </a:ext>
+            </a:extLst>
+          </p:cNvPr>
+          <p:cNvSpPr>
+            <a:spLocks noGrp="1" noRot="1" noChangeAspect="1" noMove="1" noResize="1" noEditPoints="1" noAdjustHandles="1" noChangeArrowheads="1" noChangeShapeType="1" noTextEdit="1"/>
+          </p:cNvSpPr>
+          <p:nvPr>
+            <p:extLst>
+              <p:ext uri="{386F3935-93C4-4BCD-93E2-E3B085C9AB24}">
+                <p16:designElem xmlns:p16="http://schemas.microsoft.com/office/powerpoint/2015/main" val="1"/>
+              </p:ext>
+            </p:extLst>
+          </p:nvPr>
+        </p:nvSpPr>
+        <p:spPr bwMode="white">
+          <a:xfrm>
+            <a:off x="1507" y="4915076"/>
+            <a:ext cx="12188952" cy="1942924"/>
+          </a:xfrm>
+          <a:prstGeom prst="rect">
+            <a:avLst/>
+          </a:prstGeom>
+          <a:solidFill>
+            <a:srgbClr val="262626"/>
+          </a:solidFill>
+          <a:ln>
+            <a:noFill/>
+          </a:ln>
+        </p:spPr>
+        <p:style>
+          <a:lnRef idx="2">
+            <a:schemeClr val="accent1">
+              <a:shade val="50000"/>
+            </a:schemeClr>
+          </a:lnRef>
+          <a:fillRef idx="1">
+            <a:schemeClr val="accent1"/>
+          </a:fillRef>
+          <a:effectRef idx="0">
+            <a:schemeClr val="accent1"/>
+          </a:effectRef>
+          <a:fontRef idx="minor">
+            <a:schemeClr val="lt1"/>
+          </a:fontRef>
+        </p:style>
+      </p:sp>
+      <p:sp>
+        <p:nvSpPr>
+          <p:cNvPr id="2" name="Title 1">
+            <a:extLst>
+              <a:ext uri="{FF2B5EF4-FFF2-40B4-BE49-F238E27FC236}">
+                <a16:creationId xmlns:a16="http://schemas.microsoft.com/office/drawing/2014/main" id="{6711F5FE-D1C2-4264-AB43-B952A55FF8F2}"/>
+              </a:ext>
+            </a:extLst>
+          </p:cNvPr>
+          <p:cNvSpPr>
+            <a:spLocks noGrp="1"/>
+          </p:cNvSpPr>
+          <p:nvPr>
+            <p:ph type="title"/>
+          </p:nvPr>
+        </p:nvSpPr>
+        <p:spPr>
+          <a:xfrm>
+            <a:off x="828675" y="5120639"/>
+            <a:ext cx="7137263" cy="1280161"/>
+          </a:xfrm>
+        </p:spPr>
+        <p:txBody>
+          <a:bodyPr vert="horz" lIns="91440" tIns="45720" rIns="91440" bIns="45720" rtlCol="0" anchor="ctr">
+            <a:normAutofit/>
+          </a:bodyPr>
+          <a:lstStyle/>
+          <a:p>
+            <a:pPr algn="ctr"/>
+            <a:r>
+              <a:rPr lang="en-US" sz="4100" dirty="0">
+                <a:solidFill>
+                  <a:srgbClr val="FFFFFF"/>
+                </a:solidFill>
+              </a:rPr>
+              <a:t>The Number Of  Chronic Undernutrition is Increasing </a:t>
+            </a:r>
+          </a:p>
+        </p:txBody>
+      </p:sp>
+      <p:cxnSp>
+        <p:nvCxnSpPr>
+          <p:cNvPr id="44" name="Straight Connector 36">
+            <a:extLst>
+              <a:ext uri="{FF2B5EF4-FFF2-40B4-BE49-F238E27FC236}">
+                <a16:creationId xmlns:a16="http://schemas.microsoft.com/office/drawing/2014/main" id="{D5B557D3-D7B4-404B-84A1-9BD182BE5B06}"/>
+              </a:ext>
+              <a:ext uri="{C183D7F6-B498-43B3-948B-1728B52AA6E4}">
+                <adec:decorative xmlns:adec="http://schemas.microsoft.com/office/drawing/2017/decorative" val="1"/>
+              </a:ext>
+            </a:extLst>
+          </p:cNvPr>
+          <p:cNvCxnSpPr>
+            <a:cxnSpLocks noGrp="1" noRot="1" noChangeAspect="1" noMove="1" noResize="1" noEditPoints="1" noAdjustHandles="1" noChangeArrowheads="1" noChangeShapeType="1"/>
+          </p:cNvCxnSpPr>
+          <p:nvPr>
+            <p:extLst>
+              <p:ext uri="{386F3935-93C4-4BCD-93E2-E3B085C9AB24}">
+                <p16:designElem xmlns:p16="http://schemas.microsoft.com/office/powerpoint/2015/main" val="1"/>
+              </p:ext>
+            </p:extLst>
+          </p:nvPr>
+        </p:nvCxnSpPr>
+        <p:spPr>
+          <a:xfrm rot="16200000">
+            <a:off x="7532813" y="5760720"/>
+            <a:ext cx="1188720" cy="0"/>
+          </a:xfrm>
+          <a:prstGeom prst="line">
+            <a:avLst/>
+          </a:prstGeom>
+          <a:ln w="19050">
+            <a:solidFill>
+              <a:schemeClr val="accent1"/>
+            </a:solidFill>
+          </a:ln>
+        </p:spPr>
+        <p:style>
+          <a:lnRef idx="1">
+            <a:schemeClr val="accent1"/>
+          </a:lnRef>
+          <a:fillRef idx="0">
+            <a:schemeClr val="accent1"/>
+          </a:fillRef>
+          <a:effectRef idx="0">
+            <a:schemeClr val="accent1"/>
+          </a:effectRef>
+          <a:fontRef idx="minor">
+            <a:schemeClr val="tx1"/>
+          </a:fontRef>
+        </p:style>
+      </p:cxnSp>
+      <p:pic>
+        <p:nvPicPr>
+          <p:cNvPr id="7" name="Content Placeholder 6" descr="A close up of a map&#10;&#10;Description automatically generated">
+            <a:extLst>
+              <a:ext uri="{FF2B5EF4-FFF2-40B4-BE49-F238E27FC236}">
+                <a16:creationId xmlns:a16="http://schemas.microsoft.com/office/drawing/2014/main" id="{EEE14E3A-B4C2-44B3-85D4-765E43125F84}"/>
+              </a:ext>
+            </a:extLst>
+          </p:cNvPr>
+          <p:cNvPicPr>
+            <a:picLocks noGrp="1" noChangeAspect="1"/>
+          </p:cNvPicPr>
+          <p:nvPr>
+            <p:ph idx="1"/>
+          </p:nvPr>
+        </p:nvPicPr>
+        <p:blipFill>
+          <a:blip r:embed="rId2">
+            <a:extLst>
+              <a:ext uri="{28A0092B-C50C-407E-A947-70E740481C1C}">
+                <a14:useLocalDpi xmlns:a14="http://schemas.microsoft.com/office/drawing/2010/main" val="0"/>
+              </a:ext>
+            </a:extLst>
+          </a:blip>
+          <a:stretch>
+            <a:fillRect/>
+          </a:stretch>
+        </p:blipFill>
+        <p:spPr>
+          <a:xfrm>
+            <a:off x="50188" y="45720"/>
+            <a:ext cx="12190459" cy="4869356"/>
+          </a:xfrm>
+        </p:spPr>
+      </p:pic>
+      <p:sp>
+        <p:nvSpPr>
+          <p:cNvPr id="9" name="TextBox 8">
+            <a:extLst>
+              <a:ext uri="{FF2B5EF4-FFF2-40B4-BE49-F238E27FC236}">
+                <a16:creationId xmlns:a16="http://schemas.microsoft.com/office/drawing/2014/main" id="{D3EF6F36-F6B8-4B7F-8CD4-A2C263245218}"/>
+              </a:ext>
+            </a:extLst>
+          </p:cNvPr>
+          <p:cNvSpPr txBox="1"/>
+          <p:nvPr/>
+        </p:nvSpPr>
+        <p:spPr>
+          <a:xfrm>
+            <a:off x="3447466" y="933062"/>
+            <a:ext cx="5395901" cy="369332"/>
+          </a:xfrm>
+          <a:prstGeom prst="rect">
+            <a:avLst/>
+          </a:prstGeom>
+          <a:noFill/>
+        </p:spPr>
+        <p:txBody>
+          <a:bodyPr wrap="none" rtlCol="0">
+            <a:spAutoFit/>
+          </a:bodyPr>
+          <a:lstStyle/>
+          <a:p>
+            <a:r>
+              <a:rPr lang="en-US" dirty="0">
+                <a:solidFill>
+                  <a:srgbClr val="FF0000"/>
+                </a:solidFill>
+              </a:rPr>
+              <a:t>Around 11% of the global population is undernourished</a:t>
+            </a:r>
+            <a:endParaRPr lang="it-IT" dirty="0">
+              <a:solidFill>
+                <a:srgbClr val="FF0000"/>
+              </a:solidFill>
+            </a:endParaRPr>
+          </a:p>
+        </p:txBody>
+      </p:sp>
+    </p:spTree>
+    <p:extLst>
+      <p:ext uri="{BB962C8B-B14F-4D97-AF65-F5344CB8AC3E}">
+        <p14:creationId xmlns:p14="http://schemas.microsoft.com/office/powerpoint/2010/main" val="113839371"/>
+      </p:ext>
+    </p:extLst>
+  </p:cSld>
+  <p:clrMapOvr>
+    <a:overrideClrMapping bg1="dk1" tx1="lt1" bg2="dk2" tx2="lt2" accent1="accent1" accent2="accent2" accent3="accent3" accent4="accent4" accent5="accent5" accent6="accent6" hlink="hlink" folHlink="folHlink"/>
+  </p:clrMapOvr>
+</p:sld>
+</file>
+
+<file path=ppt/slides/slide4.xml><?xml version="1.0" encoding="utf-8"?>
+<p:sld xmlns:a="http://schemas.openxmlformats.org/drawingml/2006/main" xmlns:r="http://schemas.openxmlformats.org/officeDocument/2006/relationships" xmlns:p="http://schemas.openxmlformats.org/presentationml/2006/main">
+  <p:cSld>
+    <p:spTree>
+      <p:nvGrpSpPr>
+        <p:cNvPr id="1" name=""/>
+        <p:cNvGrpSpPr/>
+        <p:nvPr/>
+      </p:nvGrpSpPr>
+      <p:grpSpPr>
+        <a:xfrm>
+          <a:off x="0" y="0"/>
+          <a:ext cx="0" cy="0"/>
+          <a:chOff x="0" y="0"/>
+          <a:chExt cx="0" cy="0"/>
+        </a:xfrm>
+      </p:grpSpPr>
+      <p:sp>
+        <p:nvSpPr>
+          <p:cNvPr id="2" name="Title 1">
+            <a:extLst>
+              <a:ext uri="{FF2B5EF4-FFF2-40B4-BE49-F238E27FC236}">
+                <a16:creationId xmlns:a16="http://schemas.microsoft.com/office/drawing/2014/main" id="{CA220DAE-D661-420C-BC4D-A828DF6727D9}"/>
+              </a:ext>
+            </a:extLst>
+          </p:cNvPr>
+          <p:cNvSpPr>
+            <a:spLocks noGrp="1"/>
+          </p:cNvSpPr>
+          <p:nvPr>
+            <p:ph type="title"/>
+          </p:nvPr>
+        </p:nvSpPr>
+        <p:spPr/>
+        <p:txBody>
+          <a:bodyPr/>
+          <a:lstStyle/>
+          <a:p>
+            <a:r>
+              <a:rPr lang="en-US" dirty="0"/>
+              <a:t>There are many causes of HUNGER</a:t>
+            </a:r>
+            <a:endParaRPr lang="it-IT" dirty="0"/>
+          </a:p>
+        </p:txBody>
+      </p:sp>
+      <p:sp>
+        <p:nvSpPr>
+          <p:cNvPr id="3" name="Text Placeholder 2">
+            <a:extLst>
+              <a:ext uri="{FF2B5EF4-FFF2-40B4-BE49-F238E27FC236}">
+                <a16:creationId xmlns:a16="http://schemas.microsoft.com/office/drawing/2014/main" id="{C145CD10-7815-4A0F-8EBE-15784D35C3E6}"/>
+              </a:ext>
+            </a:extLst>
+          </p:cNvPr>
+          <p:cNvSpPr>
+            <a:spLocks noGrp="1"/>
+          </p:cNvSpPr>
+          <p:nvPr>
+            <p:ph type="body" idx="1"/>
+          </p:nvPr>
+        </p:nvSpPr>
+        <p:spPr/>
+        <p:txBody>
+          <a:bodyPr/>
+          <a:lstStyle/>
+          <a:p>
+            <a:endParaRPr lang="it-IT"/>
+          </a:p>
+        </p:txBody>
+      </p:sp>
+    </p:spTree>
+    <p:extLst>
+      <p:ext uri="{BB962C8B-B14F-4D97-AF65-F5344CB8AC3E}">
+        <p14:creationId xmlns:p14="http://schemas.microsoft.com/office/powerpoint/2010/main" val="3564309828"/>
+      </p:ext>
+    </p:extLst>
+  </p:cSld>
+  <p:clrMapOvr>
     <a:masterClrMapping/>
+  </p:clrMapOvr>
+</p:sld>
+</file>
+
+<file path=ppt/slides/slide5.xml><?xml version="1.0" encoding="utf-8"?>
+<p:sld xmlns:a="http://schemas.openxmlformats.org/drawingml/2006/main" xmlns:r="http://schemas.openxmlformats.org/officeDocument/2006/relationships" xmlns:p="http://schemas.openxmlformats.org/presentationml/2006/main">
+  <p:cSld>
+    <p:bg>
+      <p:bgPr>
+        <a:solidFill>
+          <a:schemeClr val="bg1"/>
+        </a:solidFill>
+        <a:effectLst/>
+      </p:bgPr>
+    </p:bg>
+    <p:spTree>
+      <p:nvGrpSpPr>
+        <p:cNvPr id="1" name=""/>
+        <p:cNvGrpSpPr/>
+        <p:nvPr/>
+      </p:nvGrpSpPr>
+      <p:grpSpPr>
+        <a:xfrm>
+          <a:off x="0" y="0"/>
+          <a:ext cx="0" cy="0"/>
+          <a:chOff x="0" y="0"/>
+          <a:chExt cx="0" cy="0"/>
+        </a:xfrm>
+      </p:grpSpPr>
+      <p:sp useBgFill="1">
+        <p:nvSpPr>
+          <p:cNvPr id="55" name="Rectangle 54">
+            <a:extLst>
+              <a:ext uri="{FF2B5EF4-FFF2-40B4-BE49-F238E27FC236}">
+                <a16:creationId xmlns:a16="http://schemas.microsoft.com/office/drawing/2014/main" id="{990D0034-F768-41E7-85D4-F38C4DE85770}"/>
+              </a:ext>
+              <a:ext uri="{C183D7F6-B498-43B3-948B-1728B52AA6E4}">
+                <adec:decorative xmlns:adec="http://schemas.microsoft.com/office/drawing/2017/decorative" val="1"/>
+              </a:ext>
+            </a:extLst>
+          </p:cNvPr>
+          <p:cNvSpPr>
+            <a:spLocks noGrp="1" noRot="1" noChangeAspect="1" noMove="1" noResize="1" noEditPoints="1" noAdjustHandles="1" noChangeArrowheads="1" noChangeShapeType="1" noTextEdit="1"/>
+          </p:cNvSpPr>
+          <p:nvPr>
+            <p:extLst>
+              <p:ext uri="{386F3935-93C4-4BCD-93E2-E3B085C9AB24}">
+                <p16:designElem xmlns:p16="http://schemas.microsoft.com/office/powerpoint/2015/main" val="1"/>
+              </p:ext>
+            </p:extLst>
+          </p:nvPr>
+        </p:nvSpPr>
+        <p:spPr>
+          <a:xfrm>
+            <a:off x="0" y="0"/>
+            <a:ext cx="12186315" cy="6858000"/>
+          </a:xfrm>
+          <a:prstGeom prst="rect">
+            <a:avLst/>
+          </a:prstGeom>
+          <a:ln>
+            <a:noFill/>
+          </a:ln>
+        </p:spPr>
+        <p:style>
+          <a:lnRef idx="2">
+            <a:schemeClr val="accent6">
+              <a:shade val="50000"/>
+            </a:schemeClr>
+          </a:lnRef>
+          <a:fillRef idx="1001">
+            <a:schemeClr val="lt1"/>
+          </a:fillRef>
+          <a:effectRef idx="0">
+            <a:schemeClr val="accent6"/>
+          </a:effectRef>
+          <a:fontRef idx="minor">
+            <a:schemeClr val="lt1"/>
+          </a:fontRef>
+        </p:style>
+        <p:txBody>
+          <a:bodyPr rtlCol="0" anchor="ctr"/>
+          <a:lstStyle/>
+          <a:p>
+            <a:pPr algn="ctr"/>
+            <a:endParaRPr lang="en-US" dirty="0"/>
+          </a:p>
+        </p:txBody>
+      </p:sp>
+      <p:pic>
+        <p:nvPicPr>
+          <p:cNvPr id="13" name="Content Placeholder 12" descr="A picture containing building, outdoor, man, truck&#10;&#10;Description automatically generated">
+            <a:extLst>
+              <a:ext uri="{FF2B5EF4-FFF2-40B4-BE49-F238E27FC236}">
+                <a16:creationId xmlns:a16="http://schemas.microsoft.com/office/drawing/2014/main" id="{FA095AC3-4EC6-4075-A68A-D41C718371FE}"/>
+              </a:ext>
+            </a:extLst>
+          </p:cNvPr>
+          <p:cNvPicPr>
+            <a:picLocks noChangeAspect="1"/>
+          </p:cNvPicPr>
+          <p:nvPr/>
+        </p:nvPicPr>
+        <p:blipFill rotWithShape="1">
+          <a:blip r:embed="rId2">
+            <a:extLst>
+              <a:ext uri="{28A0092B-C50C-407E-A947-70E740481C1C}">
+                <a14:useLocalDpi xmlns:a14="http://schemas.microsoft.com/office/drawing/2010/main" val="0"/>
+              </a:ext>
+            </a:extLst>
+          </a:blip>
+          <a:srcRect t="5286" r="1" b="10089"/>
+          <a:stretch/>
+        </p:blipFill>
+        <p:spPr>
+          <a:xfrm>
+            <a:off x="20" y="10"/>
+            <a:ext cx="12186295" cy="6857990"/>
+          </a:xfrm>
+          <a:prstGeom prst="rect">
+            <a:avLst/>
+          </a:prstGeom>
+        </p:spPr>
+      </p:pic>
+      <p:sp>
+        <p:nvSpPr>
+          <p:cNvPr id="57" name="Rectangle 56">
+            <a:extLst>
+              <a:ext uri="{FF2B5EF4-FFF2-40B4-BE49-F238E27FC236}">
+                <a16:creationId xmlns:a16="http://schemas.microsoft.com/office/drawing/2014/main" id="{95B38FD6-641F-41BF-B466-C1C6366420F0}"/>
+              </a:ext>
+              <a:ext uri="{C183D7F6-B498-43B3-948B-1728B52AA6E4}">
+                <adec:decorative xmlns:adec="http://schemas.microsoft.com/office/drawing/2017/decorative" val="1"/>
+              </a:ext>
+            </a:extLst>
+          </p:cNvPr>
+          <p:cNvSpPr>
+            <a:spLocks noGrp="1" noRot="1" noChangeAspect="1" noMove="1" noResize="1" noEditPoints="1" noAdjustHandles="1" noChangeArrowheads="1" noChangeShapeType="1" noTextEdit="1"/>
+          </p:cNvSpPr>
+          <p:nvPr>
+            <p:extLst>
+              <p:ext uri="{386F3935-93C4-4BCD-93E2-E3B085C9AB24}">
+                <p16:designElem xmlns:p16="http://schemas.microsoft.com/office/powerpoint/2015/main" val="1"/>
+              </p:ext>
+            </p:extLst>
+          </p:nvPr>
+        </p:nvSpPr>
+        <p:spPr>
+          <a:xfrm>
+            <a:off x="7848599" y="1238442"/>
+            <a:ext cx="3635926" cy="4355751"/>
+          </a:xfrm>
+          <a:prstGeom prst="rect">
+            <a:avLst/>
+          </a:prstGeom>
+          <a:solidFill>
+            <a:srgbClr val="000000">
+              <a:alpha val="79000"/>
+            </a:srgbClr>
+          </a:solidFill>
+          <a:ln>
+            <a:noFill/>
+          </a:ln>
+        </p:spPr>
+        <p:style>
+          <a:lnRef idx="2">
+            <a:schemeClr val="accent1">
+              <a:shade val="50000"/>
+            </a:schemeClr>
+          </a:lnRef>
+          <a:fillRef idx="1">
+            <a:schemeClr val="accent1"/>
+          </a:fillRef>
+          <a:effectRef idx="0">
+            <a:schemeClr val="accent1"/>
+          </a:effectRef>
+          <a:fontRef idx="minor">
+            <a:schemeClr val="lt1"/>
+          </a:fontRef>
+        </p:style>
+        <p:txBody>
+          <a:bodyPr rtlCol="0" anchor="ctr"/>
+          <a:lstStyle/>
+          <a:p>
+            <a:pPr algn="ctr"/>
+            <a:endParaRPr lang="en-US"/>
+          </a:p>
+        </p:txBody>
+      </p:sp>
+      <p:sp>
+        <p:nvSpPr>
+          <p:cNvPr id="2" name="Title 1">
+            <a:extLst>
+              <a:ext uri="{FF2B5EF4-FFF2-40B4-BE49-F238E27FC236}">
+                <a16:creationId xmlns:a16="http://schemas.microsoft.com/office/drawing/2014/main" id="{BA7C13DF-B12E-4D86-B899-E2B482090FF2}"/>
+              </a:ext>
+            </a:extLst>
+          </p:cNvPr>
+          <p:cNvSpPr>
+            <a:spLocks noGrp="1"/>
+          </p:cNvSpPr>
+          <p:nvPr>
+            <p:ph type="title"/>
+          </p:nvPr>
+        </p:nvSpPr>
+        <p:spPr>
+          <a:xfrm>
+            <a:off x="8089772" y="1419273"/>
+            <a:ext cx="3153580" cy="1358188"/>
+          </a:xfrm>
+        </p:spPr>
+        <p:txBody>
+          <a:bodyPr vert="horz" lIns="91440" tIns="45720" rIns="91440" bIns="45720" rtlCol="0">
+            <a:normAutofit/>
+          </a:bodyPr>
+          <a:lstStyle/>
+          <a:p>
+            <a:r>
+              <a:rPr lang="en-US" sz="1700">
+                <a:solidFill>
+                  <a:srgbClr val="FFFFFF"/>
+                </a:solidFill>
+              </a:rPr>
+              <a:t>Absolute Poverty</a:t>
+            </a:r>
+            <a:br>
+              <a:rPr lang="en-US" sz="1700">
+                <a:solidFill>
+                  <a:srgbClr val="FFFFFF"/>
+                </a:solidFill>
+              </a:rPr>
+            </a:br>
+            <a:r>
+              <a:rPr lang="en-US" sz="1700">
+                <a:solidFill>
+                  <a:srgbClr val="FFFFFF"/>
+                </a:solidFill>
+              </a:rPr>
+              <a:t>The complete lack of the means necessary to meet basic personal needs, such as food, clothing and shelter(Wikipedia)</a:t>
+            </a:r>
+          </a:p>
+        </p:txBody>
+      </p:sp>
+      <p:cxnSp>
+        <p:nvCxnSpPr>
+          <p:cNvPr id="59" name="Straight Connector 58">
+            <a:extLst>
+              <a:ext uri="{FF2B5EF4-FFF2-40B4-BE49-F238E27FC236}">
+                <a16:creationId xmlns:a16="http://schemas.microsoft.com/office/drawing/2014/main" id="{6BF9119E-766E-4526-AAE5-639F577C0493}"/>
+              </a:ext>
+              <a:ext uri="{C183D7F6-B498-43B3-948B-1728B52AA6E4}">
+                <adec:decorative xmlns:adec="http://schemas.microsoft.com/office/drawing/2017/decorative" val="1"/>
+              </a:ext>
+            </a:extLst>
+          </p:cNvPr>
+          <p:cNvCxnSpPr>
+            <a:cxnSpLocks noGrp="1" noRot="1" noChangeAspect="1" noMove="1" noResize="1" noEditPoints="1" noAdjustHandles="1" noChangeArrowheads="1" noChangeShapeType="1"/>
+          </p:cNvCxnSpPr>
+          <p:nvPr>
+            <p:extLst>
+              <p:ext uri="{386F3935-93C4-4BCD-93E2-E3B085C9AB24}">
+                <p16:designElem xmlns:p16="http://schemas.microsoft.com/office/powerpoint/2015/main" val="1"/>
+              </p:ext>
+            </p:extLst>
+          </p:nvPr>
+        </p:nvCxnSpPr>
+        <p:spPr>
+          <a:xfrm>
+            <a:off x="8173792" y="2865016"/>
+            <a:ext cx="2926080" cy="0"/>
+          </a:xfrm>
+          <a:prstGeom prst="line">
+            <a:avLst/>
+          </a:prstGeom>
+          <a:ln w="19050">
+            <a:solidFill>
+              <a:schemeClr val="accent1"/>
+            </a:solidFill>
+          </a:ln>
+        </p:spPr>
+        <p:style>
+          <a:lnRef idx="1">
+            <a:schemeClr val="accent1"/>
+          </a:lnRef>
+          <a:fillRef idx="0">
+            <a:schemeClr val="accent1"/>
+          </a:fillRef>
+          <a:effectRef idx="0">
+            <a:schemeClr val="accent1"/>
+          </a:effectRef>
+          <a:fontRef idx="minor">
+            <a:schemeClr val="tx1"/>
+          </a:fontRef>
+        </p:style>
+      </p:cxnSp>
+      <p:sp>
+        <p:nvSpPr>
+          <p:cNvPr id="52" name="Content Placeholder 51">
+            <a:extLst>
+              <a:ext uri="{FF2B5EF4-FFF2-40B4-BE49-F238E27FC236}">
+                <a16:creationId xmlns:a16="http://schemas.microsoft.com/office/drawing/2014/main" id="{5C34FDAB-008D-4997-B256-C3B8B4899CDA}"/>
+              </a:ext>
+            </a:extLst>
+          </p:cNvPr>
+          <p:cNvSpPr>
+            <a:spLocks noGrp="1"/>
+          </p:cNvSpPr>
+          <p:nvPr>
+            <p:ph idx="1"/>
+          </p:nvPr>
+        </p:nvSpPr>
+        <p:spPr>
+          <a:xfrm>
+            <a:off x="8089772" y="2978254"/>
+            <a:ext cx="3153580" cy="2444238"/>
+          </a:xfrm>
+        </p:spPr>
+        <p:txBody>
+          <a:bodyPr>
+            <a:normAutofit/>
+          </a:bodyPr>
+          <a:lstStyle/>
+          <a:p>
+            <a:endParaRPr lang="en-US" sz="1600">
+              <a:solidFill>
+                <a:srgbClr val="FFFFFF"/>
+              </a:solidFill>
+            </a:endParaRPr>
+          </a:p>
+        </p:txBody>
+      </p:sp>
+      <p:sp>
+        <p:nvSpPr>
+          <p:cNvPr id="61" name="Rectangle 60">
+            <a:extLst>
+              <a:ext uri="{FF2B5EF4-FFF2-40B4-BE49-F238E27FC236}">
+                <a16:creationId xmlns:a16="http://schemas.microsoft.com/office/drawing/2014/main" id="{7363FFA6-C551-4935-A474-8B2482E55BAC}"/>
+              </a:ext>
+              <a:ext uri="{C183D7F6-B498-43B3-948B-1728B52AA6E4}">
+                <adec:decorative xmlns:adec="http://schemas.microsoft.com/office/drawing/2017/decorative" val="1"/>
+              </a:ext>
+            </a:extLst>
+          </p:cNvPr>
+          <p:cNvSpPr>
+            <a:spLocks noGrp="1" noRot="1" noChangeAspect="1" noMove="1" noResize="1" noEditPoints="1" noAdjustHandles="1" noChangeArrowheads="1" noChangeShapeType="1" noTextEdit="1"/>
+          </p:cNvSpPr>
+          <p:nvPr>
+            <p:extLst>
+              <p:ext uri="{386F3935-93C4-4BCD-93E2-E3B085C9AB24}">
+                <p16:designElem xmlns:p16="http://schemas.microsoft.com/office/powerpoint/2015/main" val="1"/>
+              </p:ext>
+            </p:extLst>
+          </p:nvPr>
+        </p:nvSpPr>
+        <p:spPr>
+          <a:xfrm>
+            <a:off x="1" y="6400800"/>
+            <a:ext cx="12192000" cy="457200"/>
+          </a:xfrm>
+          <a:prstGeom prst="rect">
+            <a:avLst/>
+          </a:prstGeom>
+          <a:solidFill>
+            <a:srgbClr val="262626">
+              <a:alpha val="95000"/>
+            </a:srgbClr>
+          </a:solidFill>
+          <a:ln>
+            <a:noFill/>
+          </a:ln>
+        </p:spPr>
+        <p:style>
+          <a:lnRef idx="2">
+            <a:schemeClr val="accent1">
+              <a:shade val="50000"/>
+            </a:schemeClr>
+          </a:lnRef>
+          <a:fillRef idx="1">
+            <a:schemeClr val="accent1"/>
+          </a:fillRef>
+          <a:effectRef idx="0">
+            <a:schemeClr val="accent1"/>
+          </a:effectRef>
+          <a:fontRef idx="minor">
+            <a:schemeClr val="lt1"/>
+          </a:fontRef>
+        </p:style>
+      </p:sp>
+    </p:spTree>
+    <p:extLst>
+      <p:ext uri="{BB962C8B-B14F-4D97-AF65-F5344CB8AC3E}">
+        <p14:creationId xmlns:p14="http://schemas.microsoft.com/office/powerpoint/2010/main" val="3994096116"/>
+      </p:ext>
+    </p:extLst>
+  </p:cSld>
+  <p:clrMapOvr>
+    <a:overrideClrMapping bg1="dk1" tx1="lt1" bg2="dk2" tx2="lt2" accent1="accent1" accent2="accent2" accent3="accent3" accent4="accent4" accent5="accent5" accent6="accent6" hlink="hlink" folHlink="folHlink"/>
+  </p:clrMapOvr>
+</p:sld>
+</file>
+
+<file path=ppt/slides/slide6.xml><?xml version="1.0" encoding="utf-8"?>
+<p:sld xmlns:a="http://schemas.openxmlformats.org/drawingml/2006/main" xmlns:r="http://schemas.openxmlformats.org/officeDocument/2006/relationships" xmlns:p="http://schemas.openxmlformats.org/presentationml/2006/main">
+  <p:cSld>
+    <p:bg>
+      <p:bgPr>
+        <a:solidFill>
+          <a:schemeClr val="bg1"/>
+        </a:solidFill>
+        <a:effectLst/>
+      </p:bgPr>
+    </p:bg>
+    <p:spTree>
+      <p:nvGrpSpPr>
+        <p:cNvPr id="1" name=""/>
+        <p:cNvGrpSpPr/>
+        <p:nvPr/>
+      </p:nvGrpSpPr>
+      <p:grpSpPr>
+        <a:xfrm>
+          <a:off x="0" y="0"/>
+          <a:ext cx="0" cy="0"/>
+          <a:chOff x="0" y="0"/>
+          <a:chExt cx="0" cy="0"/>
+        </a:xfrm>
+      </p:grpSpPr>
+      <p:sp useBgFill="1">
+        <p:nvSpPr>
+          <p:cNvPr id="55" name="Rectangle 54">
+            <a:extLst>
+              <a:ext uri="{FF2B5EF4-FFF2-40B4-BE49-F238E27FC236}">
+                <a16:creationId xmlns:a16="http://schemas.microsoft.com/office/drawing/2014/main" id="{990D0034-F768-41E7-85D4-F38C4DE85770}"/>
+              </a:ext>
+              <a:ext uri="{C183D7F6-B498-43B3-948B-1728B52AA6E4}">
+                <adec:decorative xmlns:adec="http://schemas.microsoft.com/office/drawing/2017/decorative" val="1"/>
+              </a:ext>
+            </a:extLst>
+          </p:cNvPr>
+          <p:cNvSpPr>
+            <a:spLocks noGrp="1" noRot="1" noChangeAspect="1" noMove="1" noResize="1" noEditPoints="1" noAdjustHandles="1" noChangeArrowheads="1" noChangeShapeType="1" noTextEdit="1"/>
+          </p:cNvSpPr>
+          <p:nvPr>
+            <p:extLst>
+              <p:ext uri="{386F3935-93C4-4BCD-93E2-E3B085C9AB24}">
+                <p16:designElem xmlns:p16="http://schemas.microsoft.com/office/powerpoint/2015/main" val="1"/>
+              </p:ext>
+            </p:extLst>
+          </p:nvPr>
+        </p:nvSpPr>
+        <p:spPr>
+          <a:xfrm>
+            <a:off x="0" y="0"/>
+            <a:ext cx="12186315" cy="6858000"/>
+          </a:xfrm>
+          <a:prstGeom prst="rect">
+            <a:avLst/>
+          </a:prstGeom>
+          <a:ln>
+            <a:noFill/>
+          </a:ln>
+        </p:spPr>
+        <p:style>
+          <a:lnRef idx="2">
+            <a:schemeClr val="accent6">
+              <a:shade val="50000"/>
+            </a:schemeClr>
+          </a:lnRef>
+          <a:fillRef idx="1001">
+            <a:schemeClr val="lt1"/>
+          </a:fillRef>
+          <a:effectRef idx="0">
+            <a:schemeClr val="accent6"/>
+          </a:effectRef>
+          <a:fontRef idx="minor">
+            <a:schemeClr val="lt1"/>
+          </a:fontRef>
+        </p:style>
+        <p:txBody>
+          <a:bodyPr rtlCol="0" anchor="ctr"/>
+          <a:lstStyle/>
+          <a:p>
+            <a:pPr algn="ctr"/>
+            <a:endParaRPr lang="en-US" dirty="0"/>
+          </a:p>
+        </p:txBody>
+      </p:sp>
+      <p:pic>
+        <p:nvPicPr>
+          <p:cNvPr id="6" name="Content Placeholder 5" descr="A picture containing person, sitting, man, table&#10;&#10;Description automatically generated">
+            <a:extLst>
+              <a:ext uri="{FF2B5EF4-FFF2-40B4-BE49-F238E27FC236}">
+                <a16:creationId xmlns:a16="http://schemas.microsoft.com/office/drawing/2014/main" id="{5DDC648E-9F97-40A2-9883-FC227D719610}"/>
+              </a:ext>
+            </a:extLst>
+          </p:cNvPr>
+          <p:cNvPicPr>
+            <a:picLocks noChangeAspect="1"/>
+          </p:cNvPicPr>
+          <p:nvPr/>
+        </p:nvPicPr>
+        <p:blipFill rotWithShape="1">
+          <a:blip r:embed="rId2">
+            <a:extLst>
+              <a:ext uri="{28A0092B-C50C-407E-A947-70E740481C1C}">
+                <a14:useLocalDpi xmlns:a14="http://schemas.microsoft.com/office/drawing/2010/main" val="0"/>
+              </a:ext>
+            </a:extLst>
+          </a:blip>
+          <a:srcRect l="491"/>
+          <a:stretch/>
+        </p:blipFill>
+        <p:spPr>
+          <a:xfrm>
+            <a:off x="20" y="10"/>
+            <a:ext cx="12186295" cy="6857990"/>
+          </a:xfrm>
+          <a:prstGeom prst="rect">
+            <a:avLst/>
+          </a:prstGeom>
+        </p:spPr>
+      </p:pic>
+      <p:sp>
+        <p:nvSpPr>
+          <p:cNvPr id="57" name="Rectangle 56">
+            <a:extLst>
+              <a:ext uri="{FF2B5EF4-FFF2-40B4-BE49-F238E27FC236}">
+                <a16:creationId xmlns:a16="http://schemas.microsoft.com/office/drawing/2014/main" id="{95B38FD6-641F-41BF-B466-C1C6366420F0}"/>
+              </a:ext>
+              <a:ext uri="{C183D7F6-B498-43B3-948B-1728B52AA6E4}">
+                <adec:decorative xmlns:adec="http://schemas.microsoft.com/office/drawing/2017/decorative" val="1"/>
+              </a:ext>
+            </a:extLst>
+          </p:cNvPr>
+          <p:cNvSpPr>
+            <a:spLocks noGrp="1" noRot="1" noChangeAspect="1" noMove="1" noResize="1" noEditPoints="1" noAdjustHandles="1" noChangeArrowheads="1" noChangeShapeType="1" noTextEdit="1"/>
+          </p:cNvSpPr>
+          <p:nvPr>
+            <p:extLst>
+              <p:ext uri="{386F3935-93C4-4BCD-93E2-E3B085C9AB24}">
+                <p16:designElem xmlns:p16="http://schemas.microsoft.com/office/powerpoint/2015/main" val="1"/>
+              </p:ext>
+            </p:extLst>
+          </p:nvPr>
+        </p:nvSpPr>
+        <p:spPr>
+          <a:xfrm>
+            <a:off x="7848599" y="1238442"/>
+            <a:ext cx="3635926" cy="4355751"/>
+          </a:xfrm>
+          <a:prstGeom prst="rect">
+            <a:avLst/>
+          </a:prstGeom>
+          <a:solidFill>
+            <a:srgbClr val="000000">
+              <a:alpha val="79000"/>
+            </a:srgbClr>
+          </a:solidFill>
+          <a:ln>
+            <a:noFill/>
+          </a:ln>
+        </p:spPr>
+        <p:style>
+          <a:lnRef idx="2">
+            <a:schemeClr val="accent1">
+              <a:shade val="50000"/>
+            </a:schemeClr>
+          </a:lnRef>
+          <a:fillRef idx="1">
+            <a:schemeClr val="accent1"/>
+          </a:fillRef>
+          <a:effectRef idx="0">
+            <a:schemeClr val="accent1"/>
+          </a:effectRef>
+          <a:fontRef idx="minor">
+            <a:schemeClr val="lt1"/>
+          </a:fontRef>
+        </p:style>
+        <p:txBody>
+          <a:bodyPr rtlCol="0" anchor="ctr"/>
+          <a:lstStyle/>
+          <a:p>
+            <a:pPr algn="ctr"/>
+            <a:endParaRPr lang="en-US"/>
+          </a:p>
+        </p:txBody>
+      </p:sp>
+      <p:sp>
+        <p:nvSpPr>
+          <p:cNvPr id="2" name="Title 1">
+            <a:extLst>
+              <a:ext uri="{FF2B5EF4-FFF2-40B4-BE49-F238E27FC236}">
+                <a16:creationId xmlns:a16="http://schemas.microsoft.com/office/drawing/2014/main" id="{BA7C13DF-B12E-4D86-B899-E2B482090FF2}"/>
+              </a:ext>
+            </a:extLst>
+          </p:cNvPr>
+          <p:cNvSpPr>
+            <a:spLocks noGrp="1"/>
+          </p:cNvSpPr>
+          <p:nvPr>
+            <p:ph type="title"/>
+          </p:nvPr>
+        </p:nvSpPr>
+        <p:spPr>
+          <a:xfrm>
+            <a:off x="8089772" y="1419273"/>
+            <a:ext cx="3153580" cy="1358188"/>
+          </a:xfrm>
+        </p:spPr>
+        <p:txBody>
+          <a:bodyPr vert="horz" lIns="91440" tIns="45720" rIns="91440" bIns="45720" rtlCol="0">
+            <a:normAutofit/>
+          </a:bodyPr>
+          <a:lstStyle/>
+          <a:p>
+            <a:r>
+              <a:rPr lang="en-US" sz="1700" dirty="0">
+                <a:solidFill>
+                  <a:srgbClr val="FFFFFF"/>
+                </a:solidFill>
+              </a:rPr>
+              <a:t>Food Shortage</a:t>
+            </a:r>
+            <a:br>
+              <a:rPr lang="en-US" sz="1700" dirty="0">
+                <a:solidFill>
+                  <a:srgbClr val="FFFFFF"/>
+                </a:solidFill>
+              </a:rPr>
+            </a:br>
+            <a:endParaRPr lang="en-US" sz="1700" dirty="0">
+              <a:solidFill>
+                <a:srgbClr val="FFFFFF"/>
+              </a:solidFill>
+            </a:endParaRPr>
+          </a:p>
+        </p:txBody>
+      </p:sp>
+      <p:cxnSp>
+        <p:nvCxnSpPr>
+          <p:cNvPr id="59" name="Straight Connector 58">
+            <a:extLst>
+              <a:ext uri="{FF2B5EF4-FFF2-40B4-BE49-F238E27FC236}">
+                <a16:creationId xmlns:a16="http://schemas.microsoft.com/office/drawing/2014/main" id="{6BF9119E-766E-4526-AAE5-639F577C0493}"/>
+              </a:ext>
+              <a:ext uri="{C183D7F6-B498-43B3-948B-1728B52AA6E4}">
+                <adec:decorative xmlns:adec="http://schemas.microsoft.com/office/drawing/2017/decorative" val="1"/>
+              </a:ext>
+            </a:extLst>
+          </p:cNvPr>
+          <p:cNvCxnSpPr>
+            <a:cxnSpLocks noGrp="1" noRot="1" noChangeAspect="1" noMove="1" noResize="1" noEditPoints="1" noAdjustHandles="1" noChangeArrowheads="1" noChangeShapeType="1"/>
+          </p:cNvCxnSpPr>
+          <p:nvPr>
+            <p:extLst>
+              <p:ext uri="{386F3935-93C4-4BCD-93E2-E3B085C9AB24}">
+                <p16:designElem xmlns:p16="http://schemas.microsoft.com/office/powerpoint/2015/main" val="1"/>
+              </p:ext>
+            </p:extLst>
+          </p:nvPr>
+        </p:nvCxnSpPr>
+        <p:spPr>
+          <a:xfrm>
+            <a:off x="8173792" y="2865016"/>
+            <a:ext cx="2926080" cy="0"/>
+          </a:xfrm>
+          <a:prstGeom prst="line">
+            <a:avLst/>
+          </a:prstGeom>
+          <a:ln w="19050">
+            <a:solidFill>
+              <a:schemeClr val="accent1"/>
+            </a:solidFill>
+          </a:ln>
+        </p:spPr>
+        <p:style>
+          <a:lnRef idx="1">
+            <a:schemeClr val="accent1"/>
+          </a:lnRef>
+          <a:fillRef idx="0">
+            <a:schemeClr val="accent1"/>
+          </a:fillRef>
+          <a:effectRef idx="0">
+            <a:schemeClr val="accent1"/>
+          </a:effectRef>
+          <a:fontRef idx="minor">
+            <a:schemeClr val="tx1"/>
+          </a:fontRef>
+        </p:style>
+      </p:cxnSp>
+      <p:sp>
+        <p:nvSpPr>
+          <p:cNvPr id="52" name="Content Placeholder 51">
+            <a:extLst>
+              <a:ext uri="{FF2B5EF4-FFF2-40B4-BE49-F238E27FC236}">
+                <a16:creationId xmlns:a16="http://schemas.microsoft.com/office/drawing/2014/main" id="{3DB976E6-9198-41BF-AE01-10D42CF7D15A}"/>
+              </a:ext>
+            </a:extLst>
+          </p:cNvPr>
+          <p:cNvSpPr>
+            <a:spLocks noGrp="1"/>
+          </p:cNvSpPr>
+          <p:nvPr>
+            <p:ph idx="1"/>
+          </p:nvPr>
+        </p:nvSpPr>
+        <p:spPr>
+          <a:xfrm>
+            <a:off x="8089772" y="2978254"/>
+            <a:ext cx="3153580" cy="2444238"/>
+          </a:xfrm>
+        </p:spPr>
+        <p:txBody>
+          <a:bodyPr>
+            <a:normAutofit/>
+          </a:bodyPr>
+          <a:lstStyle/>
+          <a:p>
+            <a:endParaRPr lang="en-US" sz="1600" dirty="0">
+              <a:solidFill>
+                <a:srgbClr val="FFFFFF"/>
+              </a:solidFill>
+            </a:endParaRPr>
+          </a:p>
+        </p:txBody>
+      </p:sp>
+      <p:sp>
+        <p:nvSpPr>
+          <p:cNvPr id="61" name="Rectangle 60">
+            <a:extLst>
+              <a:ext uri="{FF2B5EF4-FFF2-40B4-BE49-F238E27FC236}">
+                <a16:creationId xmlns:a16="http://schemas.microsoft.com/office/drawing/2014/main" id="{7363FFA6-C551-4935-A474-8B2482E55BAC}"/>
+              </a:ext>
+              <a:ext uri="{C183D7F6-B498-43B3-948B-1728B52AA6E4}">
+                <adec:decorative xmlns:adec="http://schemas.microsoft.com/office/drawing/2017/decorative" val="1"/>
+              </a:ext>
+            </a:extLst>
+          </p:cNvPr>
+          <p:cNvSpPr>
+            <a:spLocks noGrp="1" noRot="1" noChangeAspect="1" noMove="1" noResize="1" noEditPoints="1" noAdjustHandles="1" noChangeArrowheads="1" noChangeShapeType="1" noTextEdit="1"/>
+          </p:cNvSpPr>
+          <p:nvPr>
+            <p:extLst>
+              <p:ext uri="{386F3935-93C4-4BCD-93E2-E3B085C9AB24}">
+                <p16:designElem xmlns:p16="http://schemas.microsoft.com/office/powerpoint/2015/main" val="1"/>
+              </p:ext>
+            </p:extLst>
+          </p:nvPr>
+        </p:nvSpPr>
+        <p:spPr>
+          <a:xfrm>
+            <a:off x="1" y="6400800"/>
+            <a:ext cx="12192000" cy="457200"/>
+          </a:xfrm>
+          <a:prstGeom prst="rect">
+            <a:avLst/>
+          </a:prstGeom>
+          <a:solidFill>
+            <a:srgbClr val="262626">
+              <a:alpha val="95000"/>
+            </a:srgbClr>
+          </a:solidFill>
+          <a:ln>
+            <a:noFill/>
+          </a:ln>
+        </p:spPr>
+        <p:style>
+          <a:lnRef idx="2">
+            <a:schemeClr val="accent1">
+              <a:shade val="50000"/>
+            </a:schemeClr>
+          </a:lnRef>
+          <a:fillRef idx="1">
+            <a:schemeClr val="accent1"/>
+          </a:fillRef>
+          <a:effectRef idx="0">
+            <a:schemeClr val="accent1"/>
+          </a:effectRef>
+          <a:fontRef idx="minor">
+            <a:schemeClr val="lt1"/>
+          </a:fontRef>
+        </p:style>
+      </p:sp>
+    </p:spTree>
+    <p:extLst>
+      <p:ext uri="{BB962C8B-B14F-4D97-AF65-F5344CB8AC3E}">
+        <p14:creationId xmlns:p14="http://schemas.microsoft.com/office/powerpoint/2010/main" val="1898177312"/>
+      </p:ext>
+    </p:extLst>
+  </p:cSld>
+  <p:clrMapOvr>
+    <a:overrideClrMapping bg1="dk1" tx1="lt1" bg2="dk2" tx2="lt2" accent1="accent1" accent2="accent2" accent3="accent3" accent4="accent4" accent5="accent5" accent6="accent6" hlink="hlink" folHlink="folHlink"/>
+  </p:clrMapOvr>
+</p:sld>
+</file>
+
+<file path=ppt/slides/slide7.xml><?xml version="1.0" encoding="utf-8"?>
+<p:sld xmlns:a="http://schemas.openxmlformats.org/drawingml/2006/main" xmlns:r="http://schemas.openxmlformats.org/officeDocument/2006/relationships" xmlns:p="http://schemas.openxmlformats.org/presentationml/2006/main">
+  <p:cSld>
+    <p:bg>
+      <p:bgPr>
+        <a:solidFill>
+          <a:schemeClr val="bg1"/>
+        </a:solidFill>
+        <a:effectLst/>
+      </p:bgPr>
+    </p:bg>
+    <p:spTree>
+      <p:nvGrpSpPr>
+        <p:cNvPr id="1" name=""/>
+        <p:cNvGrpSpPr/>
+        <p:nvPr/>
+      </p:nvGrpSpPr>
+      <p:grpSpPr>
+        <a:xfrm>
+          <a:off x="0" y="0"/>
+          <a:ext cx="0" cy="0"/>
+          <a:chOff x="0" y="0"/>
+          <a:chExt cx="0" cy="0"/>
+        </a:xfrm>
+      </p:grpSpPr>
+      <p:sp useBgFill="1">
+        <p:nvSpPr>
+          <p:cNvPr id="55" name="Rectangle 54">
+            <a:extLst>
+              <a:ext uri="{FF2B5EF4-FFF2-40B4-BE49-F238E27FC236}">
+                <a16:creationId xmlns:a16="http://schemas.microsoft.com/office/drawing/2014/main" id="{990D0034-F768-41E7-85D4-F38C4DE85770}"/>
+              </a:ext>
+              <a:ext uri="{C183D7F6-B498-43B3-948B-1728B52AA6E4}">
+                <adec:decorative xmlns:adec="http://schemas.microsoft.com/office/drawing/2017/decorative" val="1"/>
+              </a:ext>
+            </a:extLst>
+          </p:cNvPr>
+          <p:cNvSpPr>
+            <a:spLocks noGrp="1" noRot="1" noChangeAspect="1" noMove="1" noResize="1" noEditPoints="1" noAdjustHandles="1" noChangeArrowheads="1" noChangeShapeType="1" noTextEdit="1"/>
+          </p:cNvSpPr>
+          <p:nvPr>
+            <p:extLst>
+              <p:ext uri="{386F3935-93C4-4BCD-93E2-E3B085C9AB24}">
+                <p16:designElem xmlns:p16="http://schemas.microsoft.com/office/powerpoint/2015/main" val="1"/>
+              </p:ext>
+            </p:extLst>
+          </p:nvPr>
+        </p:nvSpPr>
+        <p:spPr>
+          <a:xfrm>
+            <a:off x="0" y="0"/>
+            <a:ext cx="12186315" cy="6858000"/>
+          </a:xfrm>
+          <a:prstGeom prst="rect">
+            <a:avLst/>
+          </a:prstGeom>
+          <a:ln>
+            <a:noFill/>
+          </a:ln>
+        </p:spPr>
+        <p:style>
+          <a:lnRef idx="2">
+            <a:schemeClr val="accent6">
+              <a:shade val="50000"/>
+            </a:schemeClr>
+          </a:lnRef>
+          <a:fillRef idx="1001">
+            <a:schemeClr val="lt1"/>
+          </a:fillRef>
+          <a:effectRef idx="0">
+            <a:schemeClr val="accent6"/>
+          </a:effectRef>
+          <a:fontRef idx="minor">
+            <a:schemeClr val="lt1"/>
+          </a:fontRef>
+        </p:style>
+        <p:txBody>
+          <a:bodyPr rtlCol="0" anchor="ctr"/>
+          <a:lstStyle/>
+          <a:p>
+            <a:pPr algn="ctr"/>
+            <a:endParaRPr lang="en-US" dirty="0"/>
+          </a:p>
+        </p:txBody>
+      </p:sp>
+      <p:pic>
+        <p:nvPicPr>
+          <p:cNvPr id="4" name="Picture 3" descr="A picture containing outdoor, building, vegetable, food&#10;&#10;Description automatically generated">
+            <a:extLst>
+              <a:ext uri="{FF2B5EF4-FFF2-40B4-BE49-F238E27FC236}">
+                <a16:creationId xmlns:a16="http://schemas.microsoft.com/office/drawing/2014/main" id="{F83BDAE5-9B09-4B30-8BF6-6F4E234679DE}"/>
+              </a:ext>
+            </a:extLst>
+          </p:cNvPr>
+          <p:cNvPicPr>
+            <a:picLocks noChangeAspect="1"/>
+          </p:cNvPicPr>
+          <p:nvPr/>
+        </p:nvPicPr>
+        <p:blipFill>
+          <a:blip r:embed="rId2">
+            <a:extLst>
+              <a:ext uri="{28A0092B-C50C-407E-A947-70E740481C1C}">
+                <a14:useLocalDpi xmlns:a14="http://schemas.microsoft.com/office/drawing/2010/main" val="0"/>
+              </a:ext>
+            </a:extLst>
+          </a:blip>
+          <a:stretch>
+            <a:fillRect/>
+          </a:stretch>
+        </p:blipFill>
+        <p:spPr>
+          <a:xfrm>
+            <a:off x="5685" y="0"/>
+            <a:ext cx="12180630" cy="6400800"/>
+          </a:xfrm>
+          <a:prstGeom prst="rect">
+            <a:avLst/>
+          </a:prstGeom>
+        </p:spPr>
+      </p:pic>
+      <p:sp>
+        <p:nvSpPr>
+          <p:cNvPr id="57" name="Rectangle 56">
+            <a:extLst>
+              <a:ext uri="{FF2B5EF4-FFF2-40B4-BE49-F238E27FC236}">
+                <a16:creationId xmlns:a16="http://schemas.microsoft.com/office/drawing/2014/main" id="{95B38FD6-641F-41BF-B466-C1C6366420F0}"/>
+              </a:ext>
+              <a:ext uri="{C183D7F6-B498-43B3-948B-1728B52AA6E4}">
+                <adec:decorative xmlns:adec="http://schemas.microsoft.com/office/drawing/2017/decorative" val="1"/>
+              </a:ext>
+            </a:extLst>
+          </p:cNvPr>
+          <p:cNvSpPr>
+            <a:spLocks noGrp="1" noRot="1" noChangeAspect="1" noMove="1" noResize="1" noEditPoints="1" noAdjustHandles="1" noChangeArrowheads="1" noChangeShapeType="1" noTextEdit="1"/>
+          </p:cNvSpPr>
+          <p:nvPr>
+            <p:extLst>
+              <p:ext uri="{386F3935-93C4-4BCD-93E2-E3B085C9AB24}">
+                <p16:designElem xmlns:p16="http://schemas.microsoft.com/office/powerpoint/2015/main" val="1"/>
+              </p:ext>
+            </p:extLst>
+          </p:nvPr>
+        </p:nvSpPr>
+        <p:spPr>
+          <a:xfrm>
+            <a:off x="7848599" y="1238442"/>
+            <a:ext cx="3635926" cy="4355751"/>
+          </a:xfrm>
+          <a:prstGeom prst="rect">
+            <a:avLst/>
+          </a:prstGeom>
+          <a:solidFill>
+            <a:srgbClr val="000000">
+              <a:alpha val="79000"/>
+            </a:srgbClr>
+          </a:solidFill>
+          <a:ln>
+            <a:noFill/>
+          </a:ln>
+        </p:spPr>
+        <p:style>
+          <a:lnRef idx="2">
+            <a:schemeClr val="accent1">
+              <a:shade val="50000"/>
+            </a:schemeClr>
+          </a:lnRef>
+          <a:fillRef idx="1">
+            <a:schemeClr val="accent1"/>
+          </a:fillRef>
+          <a:effectRef idx="0">
+            <a:schemeClr val="accent1"/>
+          </a:effectRef>
+          <a:fontRef idx="minor">
+            <a:schemeClr val="lt1"/>
+          </a:fontRef>
+        </p:style>
+        <p:txBody>
+          <a:bodyPr rtlCol="0" anchor="ctr"/>
+          <a:lstStyle/>
+          <a:p>
+            <a:pPr algn="ctr"/>
+            <a:endParaRPr lang="en-US"/>
+          </a:p>
+        </p:txBody>
+      </p:sp>
+      <p:sp>
+        <p:nvSpPr>
+          <p:cNvPr id="2" name="Title 1">
+            <a:extLst>
+              <a:ext uri="{FF2B5EF4-FFF2-40B4-BE49-F238E27FC236}">
+                <a16:creationId xmlns:a16="http://schemas.microsoft.com/office/drawing/2014/main" id="{BA7C13DF-B12E-4D86-B899-E2B482090FF2}"/>
+              </a:ext>
+            </a:extLst>
+          </p:cNvPr>
+          <p:cNvSpPr>
+            <a:spLocks noGrp="1"/>
+          </p:cNvSpPr>
+          <p:nvPr>
+            <p:ph type="title"/>
+          </p:nvPr>
+        </p:nvSpPr>
+        <p:spPr>
+          <a:xfrm>
+            <a:off x="8089772" y="1419273"/>
+            <a:ext cx="3153580" cy="1358188"/>
+          </a:xfrm>
+        </p:spPr>
+        <p:txBody>
+          <a:bodyPr vert="horz" lIns="91440" tIns="45720" rIns="91440" bIns="45720" rtlCol="0">
+            <a:normAutofit/>
+          </a:bodyPr>
+          <a:lstStyle/>
+          <a:p>
+            <a:r>
+              <a:rPr lang="en-US" sz="1700" dirty="0">
+                <a:solidFill>
+                  <a:srgbClr val="FFFFFF"/>
+                </a:solidFill>
+              </a:rPr>
+              <a:t>Food Waste</a:t>
+            </a:r>
+            <a:br>
+              <a:rPr lang="en-US" sz="1700" dirty="0">
+                <a:solidFill>
+                  <a:srgbClr val="FFFFFF"/>
+                </a:solidFill>
+              </a:rPr>
+            </a:br>
+            <a:endParaRPr lang="en-US" sz="1700" dirty="0">
+              <a:solidFill>
+                <a:srgbClr val="FFFFFF"/>
+              </a:solidFill>
+            </a:endParaRPr>
+          </a:p>
+        </p:txBody>
+      </p:sp>
+      <p:cxnSp>
+        <p:nvCxnSpPr>
+          <p:cNvPr id="59" name="Straight Connector 58">
+            <a:extLst>
+              <a:ext uri="{FF2B5EF4-FFF2-40B4-BE49-F238E27FC236}">
+                <a16:creationId xmlns:a16="http://schemas.microsoft.com/office/drawing/2014/main" id="{6BF9119E-766E-4526-AAE5-639F577C0493}"/>
+              </a:ext>
+              <a:ext uri="{C183D7F6-B498-43B3-948B-1728B52AA6E4}">
+                <adec:decorative xmlns:adec="http://schemas.microsoft.com/office/drawing/2017/decorative" val="1"/>
+              </a:ext>
+            </a:extLst>
+          </p:cNvPr>
+          <p:cNvCxnSpPr>
+            <a:cxnSpLocks noGrp="1" noRot="1" noChangeAspect="1" noMove="1" noResize="1" noEditPoints="1" noAdjustHandles="1" noChangeArrowheads="1" noChangeShapeType="1"/>
+          </p:cNvCxnSpPr>
+          <p:nvPr>
+            <p:extLst>
+              <p:ext uri="{386F3935-93C4-4BCD-93E2-E3B085C9AB24}">
+                <p16:designElem xmlns:p16="http://schemas.microsoft.com/office/powerpoint/2015/main" val="1"/>
+              </p:ext>
+            </p:extLst>
+          </p:nvPr>
+        </p:nvCxnSpPr>
+        <p:spPr>
+          <a:xfrm>
+            <a:off x="8173792" y="2865016"/>
+            <a:ext cx="2926080" cy="0"/>
+          </a:xfrm>
+          <a:prstGeom prst="line">
+            <a:avLst/>
+          </a:prstGeom>
+          <a:ln w="19050">
+            <a:solidFill>
+              <a:schemeClr val="accent1"/>
+            </a:solidFill>
+          </a:ln>
+        </p:spPr>
+        <p:style>
+          <a:lnRef idx="1">
+            <a:schemeClr val="accent1"/>
+          </a:lnRef>
+          <a:fillRef idx="0">
+            <a:schemeClr val="accent1"/>
+          </a:fillRef>
+          <a:effectRef idx="0">
+            <a:schemeClr val="accent1"/>
+          </a:effectRef>
+          <a:fontRef idx="minor">
+            <a:schemeClr val="tx1"/>
+          </a:fontRef>
+        </p:style>
+      </p:cxnSp>
+      <p:sp>
+        <p:nvSpPr>
+          <p:cNvPr id="52" name="Content Placeholder 51">
+            <a:extLst>
+              <a:ext uri="{FF2B5EF4-FFF2-40B4-BE49-F238E27FC236}">
+                <a16:creationId xmlns:a16="http://schemas.microsoft.com/office/drawing/2014/main" id="{3DB976E6-9198-41BF-AE01-10D42CF7D15A}"/>
+              </a:ext>
+            </a:extLst>
+          </p:cNvPr>
+          <p:cNvSpPr>
+            <a:spLocks noGrp="1"/>
+          </p:cNvSpPr>
+          <p:nvPr>
+            <p:ph idx="1"/>
+          </p:nvPr>
+        </p:nvSpPr>
+        <p:spPr>
+          <a:xfrm>
+            <a:off x="8089772" y="2978254"/>
+            <a:ext cx="3153580" cy="2444238"/>
+          </a:xfrm>
+        </p:spPr>
+        <p:txBody>
+          <a:bodyPr>
+            <a:normAutofit/>
+          </a:bodyPr>
+          <a:lstStyle/>
+          <a:p>
+            <a:r>
+              <a:rPr lang="en-US" sz="1600" dirty="0">
+                <a:solidFill>
+                  <a:srgbClr val="FFFFFF"/>
+                </a:solidFill>
+              </a:rPr>
+              <a:t>1/3 of the global food production is wasted each year.</a:t>
+            </a:r>
+          </a:p>
+        </p:txBody>
+      </p:sp>
+      <p:sp>
+        <p:nvSpPr>
+          <p:cNvPr id="61" name="Rectangle 60">
+            <a:extLst>
+              <a:ext uri="{FF2B5EF4-FFF2-40B4-BE49-F238E27FC236}">
+                <a16:creationId xmlns:a16="http://schemas.microsoft.com/office/drawing/2014/main" id="{7363FFA6-C551-4935-A474-8B2482E55BAC}"/>
+              </a:ext>
+              <a:ext uri="{C183D7F6-B498-43B3-948B-1728B52AA6E4}">
+                <adec:decorative xmlns:adec="http://schemas.microsoft.com/office/drawing/2017/decorative" val="1"/>
+              </a:ext>
+            </a:extLst>
+          </p:cNvPr>
+          <p:cNvSpPr>
+            <a:spLocks noGrp="1" noRot="1" noChangeAspect="1" noMove="1" noResize="1" noEditPoints="1" noAdjustHandles="1" noChangeArrowheads="1" noChangeShapeType="1" noTextEdit="1"/>
+          </p:cNvSpPr>
+          <p:nvPr>
+            <p:extLst>
+              <p:ext uri="{386F3935-93C4-4BCD-93E2-E3B085C9AB24}">
+                <p16:designElem xmlns:p16="http://schemas.microsoft.com/office/powerpoint/2015/main" val="1"/>
+              </p:ext>
+            </p:extLst>
+          </p:nvPr>
+        </p:nvSpPr>
+        <p:spPr>
+          <a:xfrm>
+            <a:off x="1" y="6400800"/>
+            <a:ext cx="12192000" cy="457200"/>
+          </a:xfrm>
+          <a:prstGeom prst="rect">
+            <a:avLst/>
+          </a:prstGeom>
+          <a:solidFill>
+            <a:srgbClr val="262626">
+              <a:alpha val="95000"/>
+            </a:srgbClr>
+          </a:solidFill>
+          <a:ln>
+            <a:noFill/>
+          </a:ln>
+        </p:spPr>
+        <p:style>
+          <a:lnRef idx="2">
+            <a:schemeClr val="accent1">
+              <a:shade val="50000"/>
+            </a:schemeClr>
+          </a:lnRef>
+          <a:fillRef idx="1">
+            <a:schemeClr val="accent1"/>
+          </a:fillRef>
+          <a:effectRef idx="0">
+            <a:schemeClr val="accent1"/>
+          </a:effectRef>
+          <a:fontRef idx="minor">
+            <a:schemeClr val="lt1"/>
+          </a:fontRef>
+        </p:style>
+      </p:sp>
+    </p:spTree>
+    <p:extLst>
+      <p:ext uri="{BB962C8B-B14F-4D97-AF65-F5344CB8AC3E}">
+        <p14:creationId xmlns:p14="http://schemas.microsoft.com/office/powerpoint/2010/main" val="1369970980"/>
+      </p:ext>
+    </p:extLst>
+  </p:cSld>
+  <p:clrMapOvr>
+    <a:overrideClrMapping bg1="dk1" tx1="lt1" bg2="dk2" tx2="lt2" accent1="accent1" accent2="accent2" accent3="accent3" accent4="accent4" accent5="accent5" accent6="accent6" hlink="hlink" folHlink="folHlink"/>
   </p:clrMapOvr>
 </p:sld>
 </file>

--- a/01_public_health_study/public_health_study_presentation.pptx
+++ b/01_public_health_study/public_health_study_presentation.pptx
@@ -5,36 +5,35 @@
     <p:sldMasterId id="2147483660" r:id="rId1"/>
   </p:sldMasterIdLst>
   <p:notesMasterIdLst>
-    <p:notesMasterId r:id="rId29"/>
+    <p:notesMasterId r:id="rId28"/>
   </p:notesMasterIdLst>
   <p:sldIdLst>
     <p:sldId id="256" r:id="rId2"/>
     <p:sldId id="257" r:id="rId3"/>
     <p:sldId id="259" r:id="rId4"/>
-    <p:sldId id="260" r:id="rId5"/>
+    <p:sldId id="284" r:id="rId5"/>
     <p:sldId id="261" r:id="rId6"/>
     <p:sldId id="262" r:id="rId7"/>
     <p:sldId id="263" r:id="rId8"/>
-    <p:sldId id="264" r:id="rId9"/>
+    <p:sldId id="285" r:id="rId9"/>
     <p:sldId id="265" r:id="rId10"/>
     <p:sldId id="266" r:id="rId11"/>
-    <p:sldId id="268" r:id="rId12"/>
-    <p:sldId id="267" r:id="rId13"/>
+    <p:sldId id="270" r:id="rId12"/>
+    <p:sldId id="268" r:id="rId13"/>
     <p:sldId id="269" r:id="rId14"/>
-    <p:sldId id="270" r:id="rId15"/>
-    <p:sldId id="271" r:id="rId16"/>
-    <p:sldId id="272" r:id="rId17"/>
-    <p:sldId id="273" r:id="rId18"/>
-    <p:sldId id="274" r:id="rId19"/>
-    <p:sldId id="275" r:id="rId20"/>
-    <p:sldId id="276" r:id="rId21"/>
-    <p:sldId id="277" r:id="rId22"/>
-    <p:sldId id="278" r:id="rId23"/>
-    <p:sldId id="279" r:id="rId24"/>
-    <p:sldId id="280" r:id="rId25"/>
-    <p:sldId id="281" r:id="rId26"/>
-    <p:sldId id="282" r:id="rId27"/>
-    <p:sldId id="283" r:id="rId28"/>
+    <p:sldId id="271" r:id="rId15"/>
+    <p:sldId id="272" r:id="rId16"/>
+    <p:sldId id="273" r:id="rId17"/>
+    <p:sldId id="274" r:id="rId18"/>
+    <p:sldId id="275" r:id="rId19"/>
+    <p:sldId id="276" r:id="rId20"/>
+    <p:sldId id="277" r:id="rId21"/>
+    <p:sldId id="278" r:id="rId22"/>
+    <p:sldId id="279" r:id="rId23"/>
+    <p:sldId id="280" r:id="rId24"/>
+    <p:sldId id="281" r:id="rId25"/>
+    <p:sldId id="282" r:id="rId26"/>
+    <p:sldId id="283" r:id="rId27"/>
   </p:sldIdLst>
   <p:sldSz cx="12192000" cy="6858000"/>
   <p:notesSz cx="6858000" cy="9144000"/>
@@ -136,27 +135,34 @@
   <p:extLst>
     <p:ext uri="{521415D9-36F7-43E2-AB2F-B90AF26B5E84}">
       <p14:sectionLst xmlns:p14="http://schemas.microsoft.com/office/powerpoint/2010/main">
-        <p14:section name="Default Section" id="{39890FE3-B625-45AE-8DED-26CFE8433712}">
+        <p14:section name="Intro" id="{39890FE3-B625-45AE-8DED-26CFE8433712}">
           <p14:sldIdLst>
             <p14:sldId id="256"/>
             <p14:sldId id="257"/>
             <p14:sldId id="259"/>
-            <p14:sldId id="260"/>
+          </p14:sldIdLst>
+        </p14:section>
+        <p14:section name="Causes of Hunger" id="{71BDC5F2-8BB2-4FD4-830E-8B4D89F24EF2}">
+          <p14:sldIdLst>
+            <p14:sldId id="284"/>
             <p14:sldId id="261"/>
             <p14:sldId id="262"/>
             <p14:sldId id="263"/>
           </p14:sldIdLst>
         </p14:section>
-        <p14:section name="task5" id="{241B4193-54ED-4A09-9DB2-FC127B7BB745}">
+        <p14:section name="Major Trends" id="{241B4193-54ED-4A09-9DB2-FC127B7BB745}">
           <p14:sldIdLst>
-            <p14:sldId id="264"/>
+            <p14:sldId id="285"/>
             <p14:sldId id="265"/>
             <p14:sldId id="266"/>
+            <p14:sldId id="270"/>
             <p14:sldId id="268"/>
-            <p14:sldId id="267"/>
             <p14:sldId id="269"/>
-            <p14:sldId id="270"/>
             <p14:sldId id="271"/>
+          </p14:sldIdLst>
+        </p14:section>
+        <p14:section name="Conclusion" id="{50A204B9-6B0E-435F-97B3-99E1852F629C}">
+          <p14:sldIdLst>
             <p14:sldId id="272"/>
             <p14:sldId id="273"/>
           </p14:sldIdLst>
@@ -692,7 +698,7 @@
           <cx:dataId val="0"/>
         </cx:series>
       </cx:plotAreaRegion>
-      <cx:axis id="1">
+      <cx:axis id="0">
         <cx:catScaling gapWidth="0.0599999987"/>
         <cx:tickLabels/>
       </cx:axis>
@@ -740,7 +746,7 @@
           <cx:dataId val="0"/>
         </cx:series>
       </cx:plotAreaRegion>
-      <cx:axis id="1">
+      <cx:axis id="0">
         <cx:catScaling gapWidth="0.0599999987"/>
         <cx:tickLabels/>
       </cx:axis>
@@ -2450,7 +2456,7 @@
 </file>
 
 <file path=ppt/diagrams/colors1.xml><?xml version="1.0" encoding="utf-8"?>
-<dgm:colorsDef xmlns:dgm="http://schemas.openxmlformats.org/drawingml/2006/diagram" xmlns:a="http://schemas.openxmlformats.org/drawingml/2006/main" uniqueId="urn:microsoft.com/office/officeart/2018/5/colors/Iconchunking_neutralicontext_colorful1">
+<dgm:colorsDef xmlns:dgm="http://schemas.openxmlformats.org/drawingml/2006/diagram" xmlns:a="http://schemas.openxmlformats.org/drawingml/2006/main" uniqueId="urn:microsoft.com/office/officeart/2018/5/colors/Iconchunking_coloredtext_colorful1">
   <dgm:title val=""/>
   <dgm:desc val=""/>
   <dgm:catLst>
@@ -2975,11 +2981,15 @@
   <dgm:styleLbl name="trAlignAcc1">
     <dgm:fillClrLst meth="repeat">
       <a:schemeClr val="lt1">
-        <a:alpha val="40000"/>
+        <a:alpha val="0"/>
       </a:schemeClr>
     </dgm:fillClrLst>
     <dgm:linClrLst meth="repeat">
-      <a:schemeClr val="accent1"/>
+      <a:schemeClr val="accent2"/>
+      <a:schemeClr val="accent3"/>
+      <a:schemeClr val="accent4"/>
+      <a:schemeClr val="accent5"/>
+      <a:schemeClr val="accent6"/>
     </dgm:linClrLst>
     <dgm:effectClrLst/>
     <dgm:txLinClrLst/>
@@ -3351,19 +3361,23 @@
   </dgm:styleLbl>
   <dgm:styleLbl name="revTx">
     <dgm:fillClrLst meth="repeat">
-      <a:schemeClr val="lt1">
+      <a:schemeClr val="accent2">
         <a:alpha val="0"/>
       </a:schemeClr>
     </dgm:fillClrLst>
     <dgm:linClrLst meth="repeat">
-      <a:schemeClr val="dk1">
+      <a:schemeClr val="accent2">
         <a:alpha val="0"/>
       </a:schemeClr>
     </dgm:linClrLst>
     <dgm:effectClrLst/>
     <dgm:txLinClrLst/>
     <dgm:txFillClrLst meth="repeat">
-      <a:schemeClr val="bg1"/>
+      <a:schemeClr val="accent2"/>
+      <a:schemeClr val="accent3"/>
+      <a:schemeClr val="accent4"/>
+      <a:schemeClr val="accent5"/>
+      <a:schemeClr val="accent6"/>
     </dgm:txFillClrLst>
     <dgm:txEffectClrLst/>
   </dgm:styleLbl>
@@ -3371,7 +3385,7 @@
 </file>
 
 <file path=ppt/diagrams/colors2.xml><?xml version="1.0" encoding="utf-8"?>
-<dgm:colorsDef xmlns:dgm="http://schemas.openxmlformats.org/drawingml/2006/diagram" xmlns:a="http://schemas.openxmlformats.org/drawingml/2006/main" uniqueId="urn:microsoft.com/office/officeart/2018/5/colors/Iconchunking_neutralicontext_colorful1">
+<dgm:colorsDef xmlns:dgm="http://schemas.openxmlformats.org/drawingml/2006/diagram" xmlns:a="http://schemas.openxmlformats.org/drawingml/2006/main" uniqueId="urn:microsoft.com/office/officeart/2018/5/colors/Iconchunking_coloredtext_colorful1">
   <dgm:title val=""/>
   <dgm:desc val=""/>
   <dgm:catLst>
@@ -3896,11 +3910,15 @@
   <dgm:styleLbl name="trAlignAcc1">
     <dgm:fillClrLst meth="repeat">
       <a:schemeClr val="lt1">
-        <a:alpha val="40000"/>
+        <a:alpha val="0"/>
       </a:schemeClr>
     </dgm:fillClrLst>
     <dgm:linClrLst meth="repeat">
-      <a:schemeClr val="accent1"/>
+      <a:schemeClr val="accent2"/>
+      <a:schemeClr val="accent3"/>
+      <a:schemeClr val="accent4"/>
+      <a:schemeClr val="accent5"/>
+      <a:schemeClr val="accent6"/>
     </dgm:linClrLst>
     <dgm:effectClrLst/>
     <dgm:txLinClrLst/>
@@ -4272,19 +4290,23 @@
   </dgm:styleLbl>
   <dgm:styleLbl name="revTx">
     <dgm:fillClrLst meth="repeat">
-      <a:schemeClr val="lt1">
+      <a:schemeClr val="accent2">
         <a:alpha val="0"/>
       </a:schemeClr>
     </dgm:fillClrLst>
     <dgm:linClrLst meth="repeat">
-      <a:schemeClr val="dk1">
+      <a:schemeClr val="accent2">
         <a:alpha val="0"/>
       </a:schemeClr>
     </dgm:linClrLst>
     <dgm:effectClrLst/>
     <dgm:txLinClrLst/>
     <dgm:txFillClrLst meth="repeat">
-      <a:schemeClr val="bg1"/>
+      <a:schemeClr val="accent2"/>
+      <a:schemeClr val="accent3"/>
+      <a:schemeClr val="accent4"/>
+      <a:schemeClr val="accent5"/>
+      <a:schemeClr val="accent6"/>
     </dgm:txFillClrLst>
     <dgm:txEffectClrLst/>
   </dgm:styleLbl>
@@ -4295,7 +4317,7 @@
 <dgm:dataModel xmlns:dgm="http://schemas.openxmlformats.org/drawingml/2006/diagram" xmlns:a="http://schemas.openxmlformats.org/drawingml/2006/main">
   <dgm:ptLst>
     <dgm:pt modelId="{01D4190E-CE2B-48A8-960A-4DE34262387D}" type="doc">
-      <dgm:prSet loTypeId="urn:microsoft.com/office/officeart/2018/2/layout/IconVerticalSolidList" loCatId="icon" qsTypeId="urn:microsoft.com/office/officeart/2005/8/quickstyle/simple1" qsCatId="simple" csTypeId="urn:microsoft.com/office/officeart/2018/5/colors/Iconchunking_neutralicontext_colorful1" csCatId="colorful" phldr="1"/>
+      <dgm:prSet loTypeId="urn:microsoft.com/office/officeart/2018/5/layout/IconLeafLabelList" loCatId="icon" qsTypeId="urn:microsoft.com/office/officeart/2005/8/quickstyle/simple1" qsCatId="simple" csTypeId="urn:microsoft.com/office/officeart/2018/5/colors/Iconchunking_coloredtext_colorful1" csCatId="colorful" phldr="1"/>
       <dgm:spPr/>
       <dgm:t>
         <a:bodyPr/>
@@ -4306,14 +4328,24 @@
       </dgm:t>
     </dgm:pt>
     <dgm:pt modelId="{A9ABEB37-95D1-43B6-8565-75A25C98842C}">
-      <dgm:prSet/>
+      <dgm:prSet custT="1"/>
       <dgm:spPr/>
       <dgm:t>
         <a:bodyPr/>
         <a:lstStyle/>
         <a:p>
+          <a:pPr>
+            <a:lnSpc>
+              <a:spcPct val="100000"/>
+            </a:lnSpc>
+            <a:defRPr cap="all"/>
+          </a:pPr>
           <a:r>
-            <a:rPr lang="en-US" dirty="0"/>
+            <a:rPr lang="en-US" sz="2000" dirty="0">
+              <a:latin typeface="Open Sans Light" panose="020B0306030504020204" pitchFamily="34" charset="0"/>
+              <a:ea typeface="Open Sans Light" panose="020B0306030504020204" pitchFamily="34" charset="0"/>
+              <a:cs typeface="Open Sans Light" panose="020B0306030504020204" pitchFamily="34" charset="0"/>
+            </a:rPr>
             <a:t>The number of chronic undernutrition is increasing</a:t>
           </a:r>
         </a:p>
@@ -4342,14 +4374,24 @@
       </dgm:t>
     </dgm:pt>
     <dgm:pt modelId="{CA0BC42F-C78F-40B8-A7C9-9227EF842480}">
-      <dgm:prSet/>
+      <dgm:prSet custT="1"/>
       <dgm:spPr/>
       <dgm:t>
         <a:bodyPr/>
         <a:lstStyle/>
         <a:p>
+          <a:pPr>
+            <a:lnSpc>
+              <a:spcPct val="100000"/>
+            </a:lnSpc>
+            <a:defRPr cap="all"/>
+          </a:pPr>
           <a:r>
-            <a:rPr lang="en-US"/>
+            <a:rPr lang="en-US" sz="2000" dirty="0">
+              <a:latin typeface="Open Sans Light" panose="020B0306030504020204" pitchFamily="34" charset="0"/>
+              <a:ea typeface="Open Sans Light" panose="020B0306030504020204" pitchFamily="34" charset="0"/>
+              <a:cs typeface="Open Sans Light" panose="020B0306030504020204" pitchFamily="34" charset="0"/>
+            </a:rPr>
             <a:t>The World hunger is not due to a lack of production</a:t>
           </a:r>
         </a:p>
@@ -4378,15 +4420,25 @@
       </dgm:t>
     </dgm:pt>
     <dgm:pt modelId="{8502A6FB-94E6-4F3B-A794-BAD57A85CF09}">
-      <dgm:prSet/>
+      <dgm:prSet custT="1"/>
       <dgm:spPr/>
       <dgm:t>
         <a:bodyPr/>
         <a:lstStyle/>
         <a:p>
+          <a:pPr>
+            <a:lnSpc>
+              <a:spcPct val="100000"/>
+            </a:lnSpc>
+            <a:defRPr cap="all"/>
+          </a:pPr>
           <a:r>
-            <a:rPr lang="en-US"/>
-            <a:t>The population is increasing, yet we are producing enough food for the entire planet. </a:t>
+            <a:rPr lang="en-US" sz="2000" dirty="0">
+              <a:latin typeface="Open Sans Light" panose="020B0306030504020204" pitchFamily="34" charset="0"/>
+              <a:ea typeface="Open Sans Light" panose="020B0306030504020204" pitchFamily="34" charset="0"/>
+              <a:cs typeface="Open Sans Light" panose="020B0306030504020204" pitchFamily="34" charset="0"/>
+            </a:rPr>
+            <a:t>we are producing enough food to feed the entire planet. </a:t>
           </a:r>
         </a:p>
       </dgm:t>
@@ -4413,7 +4465,7 @@
         </a:p>
       </dgm:t>
     </dgm:pt>
-    <dgm:pt modelId="{07694F1F-F598-4EC8-9B80-E71AE48F1C95}" type="pres">
+    <dgm:pt modelId="{2BC2F1E0-FBA4-4517-894D-1135AF50B0FB}" type="pres">
       <dgm:prSet presAssocID="{01D4190E-CE2B-48A8-960A-4DE34262387D}" presName="root" presStyleCnt="0">
         <dgm:presLayoutVars>
           <dgm:dir/>
@@ -4422,15 +4474,22 @@
       </dgm:prSet>
       <dgm:spPr/>
     </dgm:pt>
-    <dgm:pt modelId="{74D18DF5-50F0-4432-A261-EBF50F466DC3}" type="pres">
+    <dgm:pt modelId="{5C345F34-EEF1-49F4-8304-7504D48B7C3D}" type="pres">
       <dgm:prSet presAssocID="{A9ABEB37-95D1-43B6-8565-75A25C98842C}" presName="compNode" presStyleCnt="0"/>
       <dgm:spPr/>
     </dgm:pt>
-    <dgm:pt modelId="{FFFEBA7B-E846-4420-9D17-FF0D4D1883E3}" type="pres">
-      <dgm:prSet presAssocID="{A9ABEB37-95D1-43B6-8565-75A25C98842C}" presName="bgRect" presStyleLbl="bgShp" presStyleIdx="0" presStyleCnt="3"/>
-      <dgm:spPr/>
+    <dgm:pt modelId="{026E70BE-0E85-4DA5-A375-2A5DE8253850}" type="pres">
+      <dgm:prSet presAssocID="{A9ABEB37-95D1-43B6-8565-75A25C98842C}" presName="iconBgRect" presStyleLbl="bgShp" presStyleIdx="0" presStyleCnt="3"/>
+      <dgm:spPr>
+        <a:prstGeom prst="round2DiagRect">
+          <a:avLst>
+            <a:gd name="adj1" fmla="val 29727"/>
+            <a:gd name="adj2" fmla="val 0"/>
+          </a:avLst>
+        </a:prstGeom>
+      </dgm:spPr>
     </dgm:pt>
-    <dgm:pt modelId="{DA2A91C4-A064-4A8B-A11B-7295AD8F2BAA}" type="pres">
+    <dgm:pt modelId="{B936A727-9688-4A6B-98F6-685D50DBE958}" type="pres">
       <dgm:prSet presAssocID="{A9ABEB37-95D1-43B6-8565-75A25C98842C}" presName="iconRect" presStyleLbl="node1" presStyleIdx="0" presStyleCnt="3"/>
       <dgm:spPr>
         <a:blipFill>
@@ -4458,32 +4517,39 @@
         </a:ext>
       </dgm:extLst>
     </dgm:pt>
-    <dgm:pt modelId="{12B02051-CCCF-48E5-913E-D72AA3385E4C}" type="pres">
+    <dgm:pt modelId="{9AB3AD84-A0F1-45DB-AEC7-DE5611734919}" type="pres">
       <dgm:prSet presAssocID="{A9ABEB37-95D1-43B6-8565-75A25C98842C}" presName="spaceRect" presStyleCnt="0"/>
       <dgm:spPr/>
     </dgm:pt>
-    <dgm:pt modelId="{99AF213D-9B7C-486F-9195-4AA58238B5E7}" type="pres">
-      <dgm:prSet presAssocID="{A9ABEB37-95D1-43B6-8565-75A25C98842C}" presName="parTx" presStyleLbl="revTx" presStyleIdx="0" presStyleCnt="3">
+    <dgm:pt modelId="{865BE5BE-0485-4E14-AE87-639DAC713D08}" type="pres">
+      <dgm:prSet presAssocID="{A9ABEB37-95D1-43B6-8565-75A25C98842C}" presName="textRect" presStyleLbl="revTx" presStyleIdx="0" presStyleCnt="3">
         <dgm:presLayoutVars>
-          <dgm:chMax val="0"/>
-          <dgm:chPref val="0"/>
+          <dgm:chMax val="1"/>
+          <dgm:chPref val="1"/>
         </dgm:presLayoutVars>
       </dgm:prSet>
       <dgm:spPr/>
     </dgm:pt>
-    <dgm:pt modelId="{BCD99638-FF31-4E90-90D6-F073799E2F6A}" type="pres">
+    <dgm:pt modelId="{B0C09DE3-BB26-4C04-9FF5-A7842EF8F157}" type="pres">
       <dgm:prSet presAssocID="{BE1479CC-171D-4C68-84B1-D94C560A2F2C}" presName="sibTrans" presStyleCnt="0"/>
       <dgm:spPr/>
     </dgm:pt>
-    <dgm:pt modelId="{6D047CB0-9A9C-4A09-A6EF-46145EC0D990}" type="pres">
+    <dgm:pt modelId="{5A82162B-4F06-4930-A57E-7FC6C491B27E}" type="pres">
       <dgm:prSet presAssocID="{CA0BC42F-C78F-40B8-A7C9-9227EF842480}" presName="compNode" presStyleCnt="0"/>
       <dgm:spPr/>
     </dgm:pt>
-    <dgm:pt modelId="{B2E14D80-8462-4A9F-8A64-606B7AF8DC21}" type="pres">
-      <dgm:prSet presAssocID="{CA0BC42F-C78F-40B8-A7C9-9227EF842480}" presName="bgRect" presStyleLbl="bgShp" presStyleIdx="1" presStyleCnt="3"/>
-      <dgm:spPr/>
+    <dgm:pt modelId="{9E5A5459-F675-47CD-9C92-028517E22D22}" type="pres">
+      <dgm:prSet presAssocID="{CA0BC42F-C78F-40B8-A7C9-9227EF842480}" presName="iconBgRect" presStyleLbl="bgShp" presStyleIdx="1" presStyleCnt="3"/>
+      <dgm:spPr>
+        <a:prstGeom prst="round2DiagRect">
+          <a:avLst>
+            <a:gd name="adj1" fmla="val 29727"/>
+            <a:gd name="adj2" fmla="val 0"/>
+          </a:avLst>
+        </a:prstGeom>
+      </dgm:spPr>
     </dgm:pt>
-    <dgm:pt modelId="{54C9AEA2-9DD4-4651-AAB8-817F549B5E8A}" type="pres">
+    <dgm:pt modelId="{F9419720-9DED-4E24-B858-04FD370F6E2B}" type="pres">
       <dgm:prSet presAssocID="{CA0BC42F-C78F-40B8-A7C9-9227EF842480}" presName="iconRect" presStyleLbl="node1" presStyleIdx="1" presStyleCnt="3"/>
       <dgm:spPr>
         <a:blipFill>
@@ -4511,32 +4577,39 @@
         </a:ext>
       </dgm:extLst>
     </dgm:pt>
-    <dgm:pt modelId="{4275052A-D422-4D58-97D2-B3ACB5B36FF4}" type="pres">
+    <dgm:pt modelId="{3D08A865-6FFD-4FFF-AC04-F0BE4B0AFBD8}" type="pres">
       <dgm:prSet presAssocID="{CA0BC42F-C78F-40B8-A7C9-9227EF842480}" presName="spaceRect" presStyleCnt="0"/>
       <dgm:spPr/>
     </dgm:pt>
-    <dgm:pt modelId="{C0BEFAA7-429F-427C-A160-3DC046A008B8}" type="pres">
-      <dgm:prSet presAssocID="{CA0BC42F-C78F-40B8-A7C9-9227EF842480}" presName="parTx" presStyleLbl="revTx" presStyleIdx="1" presStyleCnt="3">
+    <dgm:pt modelId="{784939BF-D93D-491B-811A-7423E27DD62B}" type="pres">
+      <dgm:prSet presAssocID="{CA0BC42F-C78F-40B8-A7C9-9227EF842480}" presName="textRect" presStyleLbl="revTx" presStyleIdx="1" presStyleCnt="3">
         <dgm:presLayoutVars>
-          <dgm:chMax val="0"/>
-          <dgm:chPref val="0"/>
+          <dgm:chMax val="1"/>
+          <dgm:chPref val="1"/>
         </dgm:presLayoutVars>
       </dgm:prSet>
       <dgm:spPr/>
     </dgm:pt>
-    <dgm:pt modelId="{EB71E358-71A0-4CC7-A788-1A36A5D682BA}" type="pres">
+    <dgm:pt modelId="{351C7EA8-FB99-49B7-A675-1D4A848D51EB}" type="pres">
       <dgm:prSet presAssocID="{24BA02CD-1E42-4BBC-BE48-D5BB1CBF18BD}" presName="sibTrans" presStyleCnt="0"/>
       <dgm:spPr/>
     </dgm:pt>
-    <dgm:pt modelId="{9E7F1AE1-15B6-49ED-80D8-8FE866BCA9EE}" type="pres">
+    <dgm:pt modelId="{9A7C3C44-C420-47A8-9860-98DBA1376A0F}" type="pres">
       <dgm:prSet presAssocID="{8502A6FB-94E6-4F3B-A794-BAD57A85CF09}" presName="compNode" presStyleCnt="0"/>
       <dgm:spPr/>
     </dgm:pt>
-    <dgm:pt modelId="{7F0C6C9D-FDF8-4033-8F7B-000B031C06FA}" type="pres">
-      <dgm:prSet presAssocID="{8502A6FB-94E6-4F3B-A794-BAD57A85CF09}" presName="bgRect" presStyleLbl="bgShp" presStyleIdx="2" presStyleCnt="3"/>
-      <dgm:spPr/>
+    <dgm:pt modelId="{EE7291F3-6EB9-4ACD-81B4-8BA2B30F02F2}" type="pres">
+      <dgm:prSet presAssocID="{8502A6FB-94E6-4F3B-A794-BAD57A85CF09}" presName="iconBgRect" presStyleLbl="bgShp" presStyleIdx="2" presStyleCnt="3"/>
+      <dgm:spPr>
+        <a:prstGeom prst="round2DiagRect">
+          <a:avLst>
+            <a:gd name="adj1" fmla="val 29727"/>
+            <a:gd name="adj2" fmla="val 0"/>
+          </a:avLst>
+        </a:prstGeom>
+      </dgm:spPr>
     </dgm:pt>
-    <dgm:pt modelId="{3B2F5BF4-8CF4-4EC9-AFBB-0973BB90019B}" type="pres">
+    <dgm:pt modelId="{ACD71865-87F2-4EF3-84F5-3404FCE29D4A}" type="pres">
       <dgm:prSet presAssocID="{8502A6FB-94E6-4F3B-A794-BAD57A85CF09}" presName="iconRect" presStyleLbl="node1" presStyleIdx="2" presStyleCnt="3"/>
       <dgm:spPr>
         <a:blipFill>
@@ -4560,49 +4633,49 @@
       </dgm:spPr>
       <dgm:extLst>
         <a:ext uri="{E40237B7-FDA0-4F09-8148-C483321AD2D9}">
-          <dgm14:cNvPr xmlns:dgm14="http://schemas.microsoft.com/office/drawing/2010/diagram" id="0" name="" descr="Earth"/>
+          <dgm14:cNvPr xmlns:dgm14="http://schemas.microsoft.com/office/drawing/2010/diagram" id="0" name="" descr="Earth Globe Americas"/>
         </a:ext>
       </dgm:extLst>
     </dgm:pt>
-    <dgm:pt modelId="{3C12EB1D-E06A-4D2A-9F91-5FFB70699B94}" type="pres">
+    <dgm:pt modelId="{CBB6AFB3-2841-4E3F-B9E9-27B695821356}" type="pres">
       <dgm:prSet presAssocID="{8502A6FB-94E6-4F3B-A794-BAD57A85CF09}" presName="spaceRect" presStyleCnt="0"/>
       <dgm:spPr/>
     </dgm:pt>
-    <dgm:pt modelId="{C6E0BA58-9EE8-44E7-8B85-D73E58D1D4C0}" type="pres">
-      <dgm:prSet presAssocID="{8502A6FB-94E6-4F3B-A794-BAD57A85CF09}" presName="parTx" presStyleLbl="revTx" presStyleIdx="2" presStyleCnt="3">
+    <dgm:pt modelId="{5F12FB59-8AF4-4372-9F66-43437B683CF7}" type="pres">
+      <dgm:prSet presAssocID="{8502A6FB-94E6-4F3B-A794-BAD57A85CF09}" presName="textRect" presStyleLbl="revTx" presStyleIdx="2" presStyleCnt="3">
         <dgm:presLayoutVars>
-          <dgm:chMax val="0"/>
-          <dgm:chPref val="0"/>
+          <dgm:chMax val="1"/>
+          <dgm:chPref val="1"/>
         </dgm:presLayoutVars>
       </dgm:prSet>
       <dgm:spPr/>
     </dgm:pt>
   </dgm:ptLst>
   <dgm:cxnLst>
-    <dgm:cxn modelId="{1CBA1606-621B-4A78-9312-551DE0DAE38A}" type="presOf" srcId="{CA0BC42F-C78F-40B8-A7C9-9227EF842480}" destId="{C0BEFAA7-429F-427C-A160-3DC046A008B8}" srcOrd="0" destOrd="0" presId="urn:microsoft.com/office/officeart/2018/2/layout/IconVerticalSolidList"/>
+    <dgm:cxn modelId="{4647960B-DC55-45ED-BC47-41BEDBACC28C}" type="presOf" srcId="{A9ABEB37-95D1-43B6-8565-75A25C98842C}" destId="{865BE5BE-0485-4E14-AE87-639DAC713D08}" srcOrd="0" destOrd="0" presId="urn:microsoft.com/office/officeart/2018/5/layout/IconLeafLabelList"/>
     <dgm:cxn modelId="{BC28D314-33F4-4B9D-BA2C-37F622189EC2}" srcId="{01D4190E-CE2B-48A8-960A-4DE34262387D}" destId="{8502A6FB-94E6-4F3B-A794-BAD57A85CF09}" srcOrd="2" destOrd="0" parTransId="{8B7D3885-1F0D-4F1C-80B2-BE84A7A5089E}" sibTransId="{DC53ABD1-1EE1-49A8-9478-2889294408FB}"/>
-    <dgm:cxn modelId="{81030633-0631-42EA-9A99-12B2F9D7E60B}" type="presOf" srcId="{8502A6FB-94E6-4F3B-A794-BAD57A85CF09}" destId="{C6E0BA58-9EE8-44E7-8B85-D73E58D1D4C0}" srcOrd="0" destOrd="0" presId="urn:microsoft.com/office/officeart/2018/2/layout/IconVerticalSolidList"/>
+    <dgm:cxn modelId="{66A1431C-1E38-4556-8020-EA36E8880014}" type="presOf" srcId="{8502A6FB-94E6-4F3B-A794-BAD57A85CF09}" destId="{5F12FB59-8AF4-4372-9F66-43437B683CF7}" srcOrd="0" destOrd="0" presId="urn:microsoft.com/office/officeart/2018/5/layout/IconLeafLabelList"/>
     <dgm:cxn modelId="{4354C969-EB12-41E6-8080-9927A2451A25}" srcId="{01D4190E-CE2B-48A8-960A-4DE34262387D}" destId="{CA0BC42F-C78F-40B8-A7C9-9227EF842480}" srcOrd="1" destOrd="0" parTransId="{61D9C6E2-F37A-4743-B850-B2B4FFEA01E6}" sibTransId="{24BA02CD-1E42-4BBC-BE48-D5BB1CBF18BD}"/>
-    <dgm:cxn modelId="{0E25FE70-99D1-4612-918E-C41B25EFB468}" type="presOf" srcId="{A9ABEB37-95D1-43B6-8565-75A25C98842C}" destId="{99AF213D-9B7C-486F-9195-4AA58238B5E7}" srcOrd="0" destOrd="0" presId="urn:microsoft.com/office/officeart/2018/2/layout/IconVerticalSolidList"/>
-    <dgm:cxn modelId="{437D74BC-DFBA-4404-944A-A565FADCA2BB}" type="presOf" srcId="{01D4190E-CE2B-48A8-960A-4DE34262387D}" destId="{07694F1F-F598-4EC8-9B80-E71AE48F1C95}" srcOrd="0" destOrd="0" presId="urn:microsoft.com/office/officeart/2018/2/layout/IconVerticalSolidList"/>
+    <dgm:cxn modelId="{38899C95-350F-4CCD-AC91-6B51A68CCC4F}" type="presOf" srcId="{CA0BC42F-C78F-40B8-A7C9-9227EF842480}" destId="{784939BF-D93D-491B-811A-7423E27DD62B}" srcOrd="0" destOrd="0" presId="urn:microsoft.com/office/officeart/2018/5/layout/IconLeafLabelList"/>
+    <dgm:cxn modelId="{B3F6919D-F531-4376-AC44-02E78FBA13B7}" type="presOf" srcId="{01D4190E-CE2B-48A8-960A-4DE34262387D}" destId="{2BC2F1E0-FBA4-4517-894D-1135AF50B0FB}" srcOrd="0" destOrd="0" presId="urn:microsoft.com/office/officeart/2018/5/layout/IconLeafLabelList"/>
     <dgm:cxn modelId="{067E7EF5-6499-4270-9A38-EEB17FBC839A}" srcId="{01D4190E-CE2B-48A8-960A-4DE34262387D}" destId="{A9ABEB37-95D1-43B6-8565-75A25C98842C}" srcOrd="0" destOrd="0" parTransId="{8A849865-971F-40C3-B70F-0FC315E6A848}" sibTransId="{BE1479CC-171D-4C68-84B1-D94C560A2F2C}"/>
-    <dgm:cxn modelId="{4C64D702-4C1A-43FF-A210-0AE3C5715D97}" type="presParOf" srcId="{07694F1F-F598-4EC8-9B80-E71AE48F1C95}" destId="{74D18DF5-50F0-4432-A261-EBF50F466DC3}" srcOrd="0" destOrd="0" presId="urn:microsoft.com/office/officeart/2018/2/layout/IconVerticalSolidList"/>
-    <dgm:cxn modelId="{3082B34A-E30F-42E8-A175-6A224D4D1F26}" type="presParOf" srcId="{74D18DF5-50F0-4432-A261-EBF50F466DC3}" destId="{FFFEBA7B-E846-4420-9D17-FF0D4D1883E3}" srcOrd="0" destOrd="0" presId="urn:microsoft.com/office/officeart/2018/2/layout/IconVerticalSolidList"/>
-    <dgm:cxn modelId="{4C74AF02-0A3B-4532-A6B2-9A8391880750}" type="presParOf" srcId="{74D18DF5-50F0-4432-A261-EBF50F466DC3}" destId="{DA2A91C4-A064-4A8B-A11B-7295AD8F2BAA}" srcOrd="1" destOrd="0" presId="urn:microsoft.com/office/officeart/2018/2/layout/IconVerticalSolidList"/>
-    <dgm:cxn modelId="{E68EE105-9E00-4AA8-9BB3-7BBBE4710972}" type="presParOf" srcId="{74D18DF5-50F0-4432-A261-EBF50F466DC3}" destId="{12B02051-CCCF-48E5-913E-D72AA3385E4C}" srcOrd="2" destOrd="0" presId="urn:microsoft.com/office/officeart/2018/2/layout/IconVerticalSolidList"/>
-    <dgm:cxn modelId="{AEA28954-DDEE-4CED-BB52-01CBCB6E83AA}" type="presParOf" srcId="{74D18DF5-50F0-4432-A261-EBF50F466DC3}" destId="{99AF213D-9B7C-486F-9195-4AA58238B5E7}" srcOrd="3" destOrd="0" presId="urn:microsoft.com/office/officeart/2018/2/layout/IconVerticalSolidList"/>
-    <dgm:cxn modelId="{A45B7B99-3FFD-4BEE-BDF1-7601ADD0AD96}" type="presParOf" srcId="{07694F1F-F598-4EC8-9B80-E71AE48F1C95}" destId="{BCD99638-FF31-4E90-90D6-F073799E2F6A}" srcOrd="1" destOrd="0" presId="urn:microsoft.com/office/officeart/2018/2/layout/IconVerticalSolidList"/>
-    <dgm:cxn modelId="{571E68CE-D686-4B97-8A36-2786FED6DFC4}" type="presParOf" srcId="{07694F1F-F598-4EC8-9B80-E71AE48F1C95}" destId="{6D047CB0-9A9C-4A09-A6EF-46145EC0D990}" srcOrd="2" destOrd="0" presId="urn:microsoft.com/office/officeart/2018/2/layout/IconVerticalSolidList"/>
-    <dgm:cxn modelId="{06A6DDC8-17F7-4B41-AEC9-D364EE38AC71}" type="presParOf" srcId="{6D047CB0-9A9C-4A09-A6EF-46145EC0D990}" destId="{B2E14D80-8462-4A9F-8A64-606B7AF8DC21}" srcOrd="0" destOrd="0" presId="urn:microsoft.com/office/officeart/2018/2/layout/IconVerticalSolidList"/>
-    <dgm:cxn modelId="{91D2E397-45D2-4019-B080-CA7DA64ECE80}" type="presParOf" srcId="{6D047CB0-9A9C-4A09-A6EF-46145EC0D990}" destId="{54C9AEA2-9DD4-4651-AAB8-817F549B5E8A}" srcOrd="1" destOrd="0" presId="urn:microsoft.com/office/officeart/2018/2/layout/IconVerticalSolidList"/>
-    <dgm:cxn modelId="{192E06A4-202D-412C-A59D-89A2507A7F12}" type="presParOf" srcId="{6D047CB0-9A9C-4A09-A6EF-46145EC0D990}" destId="{4275052A-D422-4D58-97D2-B3ACB5B36FF4}" srcOrd="2" destOrd="0" presId="urn:microsoft.com/office/officeart/2018/2/layout/IconVerticalSolidList"/>
-    <dgm:cxn modelId="{5C616F78-8310-42F2-B369-2A965E754A7B}" type="presParOf" srcId="{6D047CB0-9A9C-4A09-A6EF-46145EC0D990}" destId="{C0BEFAA7-429F-427C-A160-3DC046A008B8}" srcOrd="3" destOrd="0" presId="urn:microsoft.com/office/officeart/2018/2/layout/IconVerticalSolidList"/>
-    <dgm:cxn modelId="{4AB57FBE-397C-43F8-B1B2-C64B25DFEBE4}" type="presParOf" srcId="{07694F1F-F598-4EC8-9B80-E71AE48F1C95}" destId="{EB71E358-71A0-4CC7-A788-1A36A5D682BA}" srcOrd="3" destOrd="0" presId="urn:microsoft.com/office/officeart/2018/2/layout/IconVerticalSolidList"/>
-    <dgm:cxn modelId="{FC768B20-E85A-44C7-8E66-8F59AA2F137A}" type="presParOf" srcId="{07694F1F-F598-4EC8-9B80-E71AE48F1C95}" destId="{9E7F1AE1-15B6-49ED-80D8-8FE866BCA9EE}" srcOrd="4" destOrd="0" presId="urn:microsoft.com/office/officeart/2018/2/layout/IconVerticalSolidList"/>
-    <dgm:cxn modelId="{21A4C697-4771-4001-9F4A-59F0E9D2625F}" type="presParOf" srcId="{9E7F1AE1-15B6-49ED-80D8-8FE866BCA9EE}" destId="{7F0C6C9D-FDF8-4033-8F7B-000B031C06FA}" srcOrd="0" destOrd="0" presId="urn:microsoft.com/office/officeart/2018/2/layout/IconVerticalSolidList"/>
-    <dgm:cxn modelId="{223E3448-03AF-426D-86B5-E522B350CC8A}" type="presParOf" srcId="{9E7F1AE1-15B6-49ED-80D8-8FE866BCA9EE}" destId="{3B2F5BF4-8CF4-4EC9-AFBB-0973BB90019B}" srcOrd="1" destOrd="0" presId="urn:microsoft.com/office/officeart/2018/2/layout/IconVerticalSolidList"/>
-    <dgm:cxn modelId="{CB4F17DB-F656-4E98-A590-BF917F09EE3D}" type="presParOf" srcId="{9E7F1AE1-15B6-49ED-80D8-8FE866BCA9EE}" destId="{3C12EB1D-E06A-4D2A-9F91-5FFB70699B94}" srcOrd="2" destOrd="0" presId="urn:microsoft.com/office/officeart/2018/2/layout/IconVerticalSolidList"/>
-    <dgm:cxn modelId="{6EEE107A-87A0-4459-B031-B6BD3BC9AA89}" type="presParOf" srcId="{9E7F1AE1-15B6-49ED-80D8-8FE866BCA9EE}" destId="{C6E0BA58-9EE8-44E7-8B85-D73E58D1D4C0}" srcOrd="3" destOrd="0" presId="urn:microsoft.com/office/officeart/2018/2/layout/IconVerticalSolidList"/>
+    <dgm:cxn modelId="{C1D80ABF-7159-49C1-8774-97A3D684981D}" type="presParOf" srcId="{2BC2F1E0-FBA4-4517-894D-1135AF50B0FB}" destId="{5C345F34-EEF1-49F4-8304-7504D48B7C3D}" srcOrd="0" destOrd="0" presId="urn:microsoft.com/office/officeart/2018/5/layout/IconLeafLabelList"/>
+    <dgm:cxn modelId="{457B676D-4C24-4B40-9FBD-36BA937B96AF}" type="presParOf" srcId="{5C345F34-EEF1-49F4-8304-7504D48B7C3D}" destId="{026E70BE-0E85-4DA5-A375-2A5DE8253850}" srcOrd="0" destOrd="0" presId="urn:microsoft.com/office/officeart/2018/5/layout/IconLeafLabelList"/>
+    <dgm:cxn modelId="{E29B21D4-09A1-49B2-961D-654EB8A69715}" type="presParOf" srcId="{5C345F34-EEF1-49F4-8304-7504D48B7C3D}" destId="{B936A727-9688-4A6B-98F6-685D50DBE958}" srcOrd="1" destOrd="0" presId="urn:microsoft.com/office/officeart/2018/5/layout/IconLeafLabelList"/>
+    <dgm:cxn modelId="{43578981-7B98-44E2-8BB3-55596BE199D7}" type="presParOf" srcId="{5C345F34-EEF1-49F4-8304-7504D48B7C3D}" destId="{9AB3AD84-A0F1-45DB-AEC7-DE5611734919}" srcOrd="2" destOrd="0" presId="urn:microsoft.com/office/officeart/2018/5/layout/IconLeafLabelList"/>
+    <dgm:cxn modelId="{FA951670-0E79-45DB-8E20-4E44E1195DC1}" type="presParOf" srcId="{5C345F34-EEF1-49F4-8304-7504D48B7C3D}" destId="{865BE5BE-0485-4E14-AE87-639DAC713D08}" srcOrd="3" destOrd="0" presId="urn:microsoft.com/office/officeart/2018/5/layout/IconLeafLabelList"/>
+    <dgm:cxn modelId="{293DE0AD-0879-4940-903D-A12DE087E5D0}" type="presParOf" srcId="{2BC2F1E0-FBA4-4517-894D-1135AF50B0FB}" destId="{B0C09DE3-BB26-4C04-9FF5-A7842EF8F157}" srcOrd="1" destOrd="0" presId="urn:microsoft.com/office/officeart/2018/5/layout/IconLeafLabelList"/>
+    <dgm:cxn modelId="{1A9E1AAB-35B2-4E12-BB4C-BEBC506901A3}" type="presParOf" srcId="{2BC2F1E0-FBA4-4517-894D-1135AF50B0FB}" destId="{5A82162B-4F06-4930-A57E-7FC6C491B27E}" srcOrd="2" destOrd="0" presId="urn:microsoft.com/office/officeart/2018/5/layout/IconLeafLabelList"/>
+    <dgm:cxn modelId="{0A4FC8A4-BFDE-4227-9EC2-B9E0363313C2}" type="presParOf" srcId="{5A82162B-4F06-4930-A57E-7FC6C491B27E}" destId="{9E5A5459-F675-47CD-9C92-028517E22D22}" srcOrd="0" destOrd="0" presId="urn:microsoft.com/office/officeart/2018/5/layout/IconLeafLabelList"/>
+    <dgm:cxn modelId="{86B2BCDE-3982-4FC3-88A8-A6824DB1378E}" type="presParOf" srcId="{5A82162B-4F06-4930-A57E-7FC6C491B27E}" destId="{F9419720-9DED-4E24-B858-04FD370F6E2B}" srcOrd="1" destOrd="0" presId="urn:microsoft.com/office/officeart/2018/5/layout/IconLeafLabelList"/>
+    <dgm:cxn modelId="{A94637C9-ECDA-41A6-852E-E2EA29B5FA5B}" type="presParOf" srcId="{5A82162B-4F06-4930-A57E-7FC6C491B27E}" destId="{3D08A865-6FFD-4FFF-AC04-F0BE4B0AFBD8}" srcOrd="2" destOrd="0" presId="urn:microsoft.com/office/officeart/2018/5/layout/IconLeafLabelList"/>
+    <dgm:cxn modelId="{4E342675-729C-4B64-80DE-CD55149A367E}" type="presParOf" srcId="{5A82162B-4F06-4930-A57E-7FC6C491B27E}" destId="{784939BF-D93D-491B-811A-7423E27DD62B}" srcOrd="3" destOrd="0" presId="urn:microsoft.com/office/officeart/2018/5/layout/IconLeafLabelList"/>
+    <dgm:cxn modelId="{913D8FBA-35CF-4A68-A030-213113D24AC1}" type="presParOf" srcId="{2BC2F1E0-FBA4-4517-894D-1135AF50B0FB}" destId="{351C7EA8-FB99-49B7-A675-1D4A848D51EB}" srcOrd="3" destOrd="0" presId="urn:microsoft.com/office/officeart/2018/5/layout/IconLeafLabelList"/>
+    <dgm:cxn modelId="{D76E5B53-D1C3-4E12-ACE7-12BD5354EB36}" type="presParOf" srcId="{2BC2F1E0-FBA4-4517-894D-1135AF50B0FB}" destId="{9A7C3C44-C420-47A8-9860-98DBA1376A0F}" srcOrd="4" destOrd="0" presId="urn:microsoft.com/office/officeart/2018/5/layout/IconLeafLabelList"/>
+    <dgm:cxn modelId="{68751160-4D36-4753-9047-3B90D66E01B4}" type="presParOf" srcId="{9A7C3C44-C420-47A8-9860-98DBA1376A0F}" destId="{EE7291F3-6EB9-4ACD-81B4-8BA2B30F02F2}" srcOrd="0" destOrd="0" presId="urn:microsoft.com/office/officeart/2018/5/layout/IconLeafLabelList"/>
+    <dgm:cxn modelId="{A8379266-9035-476F-91C4-D3166E5C4B20}" type="presParOf" srcId="{9A7C3C44-C420-47A8-9860-98DBA1376A0F}" destId="{ACD71865-87F2-4EF3-84F5-3404FCE29D4A}" srcOrd="1" destOrd="0" presId="urn:microsoft.com/office/officeart/2018/5/layout/IconLeafLabelList"/>
+    <dgm:cxn modelId="{FC3E3FE9-2952-47F0-9E13-52C94E527109}" type="presParOf" srcId="{9A7C3C44-C420-47A8-9860-98DBA1376A0F}" destId="{CBB6AFB3-2841-4E3F-B9E9-27B695821356}" srcOrd="2" destOrd="0" presId="urn:microsoft.com/office/officeart/2018/5/layout/IconLeafLabelList"/>
+    <dgm:cxn modelId="{541961B7-D4A9-4421-B033-311DCEC185AD}" type="presParOf" srcId="{9A7C3C44-C420-47A8-9860-98DBA1376A0F}" destId="{5F12FB59-8AF4-4372-9F66-43437B683CF7}" srcOrd="3" destOrd="0" presId="urn:microsoft.com/office/officeart/2018/5/layout/IconLeafLabelList"/>
   </dgm:cxnLst>
   <dgm:bg/>
   <dgm:whole/>
@@ -4618,7 +4691,7 @@
 <dgm:dataModel xmlns:dgm="http://schemas.openxmlformats.org/drawingml/2006/diagram" xmlns:a="http://schemas.openxmlformats.org/drawingml/2006/main">
   <dgm:ptLst>
     <dgm:pt modelId="{01D4190E-CE2B-48A8-960A-4DE34262387D}" type="doc">
-      <dgm:prSet loTypeId="urn:microsoft.com/office/officeart/2018/2/layout/IconVerticalSolidList" loCatId="icon" qsTypeId="urn:microsoft.com/office/officeart/2005/8/quickstyle/simple1" qsCatId="simple" csTypeId="urn:microsoft.com/office/officeart/2018/5/colors/Iconchunking_neutralicontext_colorful1" csCatId="colorful" phldr="1"/>
+      <dgm:prSet loTypeId="urn:microsoft.com/office/officeart/2018/5/layout/IconLeafLabelList" loCatId="icon" qsTypeId="urn:microsoft.com/office/officeart/2005/8/quickstyle/simple1" qsCatId="simple" csTypeId="urn:microsoft.com/office/officeart/2018/5/colors/Iconchunking_coloredtext_colorful1" csCatId="colorful" phldr="1"/>
       <dgm:spPr/>
       <dgm:t>
         <a:bodyPr/>
@@ -4635,8 +4708,15 @@
         <a:bodyPr/>
         <a:lstStyle/>
         <a:p>
+          <a:pPr>
+            <a:defRPr cap="all"/>
+          </a:pPr>
           <a:r>
-            <a:rPr lang="en-US"/>
+            <a:rPr lang="en-US">
+              <a:latin typeface="Open Sans Light" panose="020B0306030504020204" pitchFamily="34" charset="0"/>
+              <a:ea typeface="Open Sans Light" panose="020B0306030504020204" pitchFamily="34" charset="0"/>
+              <a:cs typeface="Open Sans Light" panose="020B0306030504020204" pitchFamily="34" charset="0"/>
+            </a:rPr>
             <a:t>Reduce The Meat Consumption</a:t>
           </a:r>
         </a:p>
@@ -4671,8 +4751,15 @@
         <a:bodyPr/>
         <a:lstStyle/>
         <a:p>
+          <a:pPr>
+            <a:defRPr cap="all"/>
+          </a:pPr>
           <a:r>
-            <a:rPr lang="en-US" dirty="0"/>
+            <a:rPr lang="en-US">
+              <a:latin typeface="Open Sans Light" panose="020B0306030504020204" pitchFamily="34" charset="0"/>
+              <a:ea typeface="Open Sans Light" panose="020B0306030504020204" pitchFamily="34" charset="0"/>
+              <a:cs typeface="Open Sans Light" panose="020B0306030504020204" pitchFamily="34" charset="0"/>
+            </a:rPr>
             <a:t>Improve the Logistic to avoid food shortage</a:t>
           </a:r>
         </a:p>
@@ -4707,8 +4794,15 @@
         <a:bodyPr/>
         <a:lstStyle/>
         <a:p>
+          <a:pPr>
+            <a:defRPr cap="all"/>
+          </a:pPr>
           <a:r>
-            <a:rPr lang="en-US" dirty="0"/>
+            <a:rPr lang="en-US">
+              <a:latin typeface="Open Sans Light" panose="020B0306030504020204" pitchFamily="34" charset="0"/>
+              <a:ea typeface="Open Sans Light" panose="020B0306030504020204" pitchFamily="34" charset="0"/>
+              <a:cs typeface="Open Sans Light" panose="020B0306030504020204" pitchFamily="34" charset="0"/>
+            </a:rPr>
             <a:t>Governments must change their exportation politics</a:t>
           </a:r>
         </a:p>
@@ -4736,7 +4830,7 @@
         </a:p>
       </dgm:t>
     </dgm:pt>
-    <dgm:pt modelId="{07694F1F-F598-4EC8-9B80-E71AE48F1C95}" type="pres">
+    <dgm:pt modelId="{05CDABE4-3152-4437-8AE5-B56733335E7F}" type="pres">
       <dgm:prSet presAssocID="{01D4190E-CE2B-48A8-960A-4DE34262387D}" presName="root" presStyleCnt="0">
         <dgm:presLayoutVars>
           <dgm:dir/>
@@ -4745,15 +4839,22 @@
       </dgm:prSet>
       <dgm:spPr/>
     </dgm:pt>
-    <dgm:pt modelId="{74D18DF5-50F0-4432-A261-EBF50F466DC3}" type="pres">
+    <dgm:pt modelId="{3003BC5F-6F82-4AE0-A5A6-88316690715D}" type="pres">
       <dgm:prSet presAssocID="{A9ABEB37-95D1-43B6-8565-75A25C98842C}" presName="compNode" presStyleCnt="0"/>
       <dgm:spPr/>
     </dgm:pt>
-    <dgm:pt modelId="{FFFEBA7B-E846-4420-9D17-FF0D4D1883E3}" type="pres">
-      <dgm:prSet presAssocID="{A9ABEB37-95D1-43B6-8565-75A25C98842C}" presName="bgRect" presStyleLbl="bgShp" presStyleIdx="0" presStyleCnt="3"/>
-      <dgm:spPr/>
+    <dgm:pt modelId="{206B0396-14CC-465B-9466-E3E63C331943}" type="pres">
+      <dgm:prSet presAssocID="{A9ABEB37-95D1-43B6-8565-75A25C98842C}" presName="iconBgRect" presStyleLbl="bgShp" presStyleIdx="0" presStyleCnt="3"/>
+      <dgm:spPr>
+        <a:prstGeom prst="round2DiagRect">
+          <a:avLst>
+            <a:gd name="adj1" fmla="val 29727"/>
+            <a:gd name="adj2" fmla="val 0"/>
+          </a:avLst>
+        </a:prstGeom>
+      </dgm:spPr>
     </dgm:pt>
-    <dgm:pt modelId="{DA2A91C4-A064-4A8B-A11B-7295AD8F2BAA}" type="pres">
+    <dgm:pt modelId="{D1EA8202-73CC-4D4F-B552-5825BEBA0711}" type="pres">
       <dgm:prSet presAssocID="{A9ABEB37-95D1-43B6-8565-75A25C98842C}" presName="iconRect" presStyleLbl="node1" presStyleIdx="0" presStyleCnt="3"/>
       <dgm:spPr>
         <a:blipFill>
@@ -4781,32 +4882,39 @@
         </a:ext>
       </dgm:extLst>
     </dgm:pt>
-    <dgm:pt modelId="{12B02051-CCCF-48E5-913E-D72AA3385E4C}" type="pres">
+    <dgm:pt modelId="{D449A271-8AB5-49F6-B6BA-6E20919F46DF}" type="pres">
       <dgm:prSet presAssocID="{A9ABEB37-95D1-43B6-8565-75A25C98842C}" presName="spaceRect" presStyleCnt="0"/>
       <dgm:spPr/>
     </dgm:pt>
-    <dgm:pt modelId="{99AF213D-9B7C-486F-9195-4AA58238B5E7}" type="pres">
-      <dgm:prSet presAssocID="{A9ABEB37-95D1-43B6-8565-75A25C98842C}" presName="parTx" presStyleLbl="revTx" presStyleIdx="0" presStyleCnt="3">
+    <dgm:pt modelId="{C87580A7-BF75-4F79-A853-97EC703A2DF1}" type="pres">
+      <dgm:prSet presAssocID="{A9ABEB37-95D1-43B6-8565-75A25C98842C}" presName="textRect" presStyleLbl="revTx" presStyleIdx="0" presStyleCnt="3">
         <dgm:presLayoutVars>
-          <dgm:chMax val="0"/>
-          <dgm:chPref val="0"/>
+          <dgm:chMax val="1"/>
+          <dgm:chPref val="1"/>
         </dgm:presLayoutVars>
       </dgm:prSet>
       <dgm:spPr/>
     </dgm:pt>
-    <dgm:pt modelId="{BCD99638-FF31-4E90-90D6-F073799E2F6A}" type="pres">
+    <dgm:pt modelId="{2A70325A-87DF-467B-88C1-E1D194166834}" type="pres">
       <dgm:prSet presAssocID="{BE1479CC-171D-4C68-84B1-D94C560A2F2C}" presName="sibTrans" presStyleCnt="0"/>
       <dgm:spPr/>
     </dgm:pt>
-    <dgm:pt modelId="{6D047CB0-9A9C-4A09-A6EF-46145EC0D990}" type="pres">
+    <dgm:pt modelId="{A8EA9E86-ED0F-43E3-83D0-EFEB012C839A}" type="pres">
       <dgm:prSet presAssocID="{CA0BC42F-C78F-40B8-A7C9-9227EF842480}" presName="compNode" presStyleCnt="0"/>
       <dgm:spPr/>
     </dgm:pt>
-    <dgm:pt modelId="{B2E14D80-8462-4A9F-8A64-606B7AF8DC21}" type="pres">
-      <dgm:prSet presAssocID="{CA0BC42F-C78F-40B8-A7C9-9227EF842480}" presName="bgRect" presStyleLbl="bgShp" presStyleIdx="1" presStyleCnt="3"/>
-      <dgm:spPr/>
+    <dgm:pt modelId="{3C78D14F-FA21-4249-A6DD-70923F6C27E6}" type="pres">
+      <dgm:prSet presAssocID="{CA0BC42F-C78F-40B8-A7C9-9227EF842480}" presName="iconBgRect" presStyleLbl="bgShp" presStyleIdx="1" presStyleCnt="3"/>
+      <dgm:spPr>
+        <a:prstGeom prst="round2DiagRect">
+          <a:avLst>
+            <a:gd name="adj1" fmla="val 29727"/>
+            <a:gd name="adj2" fmla="val 0"/>
+          </a:avLst>
+        </a:prstGeom>
+      </dgm:spPr>
     </dgm:pt>
-    <dgm:pt modelId="{54C9AEA2-9DD4-4651-AAB8-817F549B5E8A}" type="pres">
+    <dgm:pt modelId="{4DC65F85-D1D5-4E2D-82C3-38D054DAD496}" type="pres">
       <dgm:prSet presAssocID="{CA0BC42F-C78F-40B8-A7C9-9227EF842480}" presName="iconRect" presStyleLbl="node1" presStyleIdx="1" presStyleCnt="3"/>
       <dgm:spPr>
         <a:blipFill>
@@ -4834,32 +4942,39 @@
         </a:ext>
       </dgm:extLst>
     </dgm:pt>
-    <dgm:pt modelId="{4275052A-D422-4D58-97D2-B3ACB5B36FF4}" type="pres">
+    <dgm:pt modelId="{9A2B239B-61CC-4A97-9BE2-1B6F5D4565A4}" type="pres">
       <dgm:prSet presAssocID="{CA0BC42F-C78F-40B8-A7C9-9227EF842480}" presName="spaceRect" presStyleCnt="0"/>
       <dgm:spPr/>
     </dgm:pt>
-    <dgm:pt modelId="{C0BEFAA7-429F-427C-A160-3DC046A008B8}" type="pres">
-      <dgm:prSet presAssocID="{CA0BC42F-C78F-40B8-A7C9-9227EF842480}" presName="parTx" presStyleLbl="revTx" presStyleIdx="1" presStyleCnt="3">
+    <dgm:pt modelId="{66B6D849-1919-467C-A93D-BFC42CA94B5A}" type="pres">
+      <dgm:prSet presAssocID="{CA0BC42F-C78F-40B8-A7C9-9227EF842480}" presName="textRect" presStyleLbl="revTx" presStyleIdx="1" presStyleCnt="3">
         <dgm:presLayoutVars>
-          <dgm:chMax val="0"/>
-          <dgm:chPref val="0"/>
+          <dgm:chMax val="1"/>
+          <dgm:chPref val="1"/>
         </dgm:presLayoutVars>
       </dgm:prSet>
       <dgm:spPr/>
     </dgm:pt>
-    <dgm:pt modelId="{EB71E358-71A0-4CC7-A788-1A36A5D682BA}" type="pres">
+    <dgm:pt modelId="{3695B332-D2D6-4A57-8E31-06EB1A01AE56}" type="pres">
       <dgm:prSet presAssocID="{24BA02CD-1E42-4BBC-BE48-D5BB1CBF18BD}" presName="sibTrans" presStyleCnt="0"/>
       <dgm:spPr/>
     </dgm:pt>
-    <dgm:pt modelId="{9E7F1AE1-15B6-49ED-80D8-8FE866BCA9EE}" type="pres">
+    <dgm:pt modelId="{8E82272F-B48B-4A67-B357-C818301DB739}" type="pres">
       <dgm:prSet presAssocID="{8502A6FB-94E6-4F3B-A794-BAD57A85CF09}" presName="compNode" presStyleCnt="0"/>
       <dgm:spPr/>
     </dgm:pt>
-    <dgm:pt modelId="{7F0C6C9D-FDF8-4033-8F7B-000B031C06FA}" type="pres">
-      <dgm:prSet presAssocID="{8502A6FB-94E6-4F3B-A794-BAD57A85CF09}" presName="bgRect" presStyleLbl="bgShp" presStyleIdx="2" presStyleCnt="3"/>
-      <dgm:spPr/>
+    <dgm:pt modelId="{256AEEC0-1CF2-4A14-9591-A1F480DB1F48}" type="pres">
+      <dgm:prSet presAssocID="{8502A6FB-94E6-4F3B-A794-BAD57A85CF09}" presName="iconBgRect" presStyleLbl="bgShp" presStyleIdx="2" presStyleCnt="3"/>
+      <dgm:spPr>
+        <a:prstGeom prst="round2DiagRect">
+          <a:avLst>
+            <a:gd name="adj1" fmla="val 29727"/>
+            <a:gd name="adj2" fmla="val 0"/>
+          </a:avLst>
+        </a:prstGeom>
+      </dgm:spPr>
     </dgm:pt>
-    <dgm:pt modelId="{3B2F5BF4-8CF4-4EC9-AFBB-0973BB90019B}" type="pres">
+    <dgm:pt modelId="{28B6AD6C-741C-4418-85A1-C84AE4405B5C}" type="pres">
       <dgm:prSet presAssocID="{8502A6FB-94E6-4F3B-A794-BAD57A85CF09}" presName="iconRect" presStyleLbl="node1" presStyleIdx="2" presStyleCnt="3"/>
       <dgm:spPr>
         <a:blipFill>
@@ -4883,49 +4998,49 @@
       </dgm:spPr>
       <dgm:extLst>
         <a:ext uri="{E40237B7-FDA0-4F09-8148-C483321AD2D9}">
-          <dgm14:cNvPr xmlns:dgm14="http://schemas.microsoft.com/office/drawing/2010/diagram" id="0" name="" descr="UserCrownMale"/>
+          <dgm14:cNvPr xmlns:dgm14="http://schemas.microsoft.com/office/drawing/2010/diagram" id="0" name="" descr="Judge"/>
         </a:ext>
       </dgm:extLst>
     </dgm:pt>
-    <dgm:pt modelId="{3C12EB1D-E06A-4D2A-9F91-5FFB70699B94}" type="pres">
+    <dgm:pt modelId="{73C43221-C15D-4297-9A13-B14A108B2DE5}" type="pres">
       <dgm:prSet presAssocID="{8502A6FB-94E6-4F3B-A794-BAD57A85CF09}" presName="spaceRect" presStyleCnt="0"/>
       <dgm:spPr/>
     </dgm:pt>
-    <dgm:pt modelId="{C6E0BA58-9EE8-44E7-8B85-D73E58D1D4C0}" type="pres">
-      <dgm:prSet presAssocID="{8502A6FB-94E6-4F3B-A794-BAD57A85CF09}" presName="parTx" presStyleLbl="revTx" presStyleIdx="2" presStyleCnt="3">
+    <dgm:pt modelId="{9136DE40-AEFB-4447-B471-80F350DF960A}" type="pres">
+      <dgm:prSet presAssocID="{8502A6FB-94E6-4F3B-A794-BAD57A85CF09}" presName="textRect" presStyleLbl="revTx" presStyleIdx="2" presStyleCnt="3">
         <dgm:presLayoutVars>
-          <dgm:chMax val="0"/>
-          <dgm:chPref val="0"/>
+          <dgm:chMax val="1"/>
+          <dgm:chPref val="1"/>
         </dgm:presLayoutVars>
       </dgm:prSet>
       <dgm:spPr/>
     </dgm:pt>
   </dgm:ptLst>
   <dgm:cxnLst>
-    <dgm:cxn modelId="{1CBA1606-621B-4A78-9312-551DE0DAE38A}" type="presOf" srcId="{CA0BC42F-C78F-40B8-A7C9-9227EF842480}" destId="{C0BEFAA7-429F-427C-A160-3DC046A008B8}" srcOrd="0" destOrd="0" presId="urn:microsoft.com/office/officeart/2018/2/layout/IconVerticalSolidList"/>
+    <dgm:cxn modelId="{70CADE01-9B55-4CB5-AE61-E02D780B9C30}" type="presOf" srcId="{CA0BC42F-C78F-40B8-A7C9-9227EF842480}" destId="{66B6D849-1919-467C-A93D-BFC42CA94B5A}" srcOrd="0" destOrd="0" presId="urn:microsoft.com/office/officeart/2018/5/layout/IconLeafLabelList"/>
     <dgm:cxn modelId="{BC28D314-33F4-4B9D-BA2C-37F622189EC2}" srcId="{01D4190E-CE2B-48A8-960A-4DE34262387D}" destId="{8502A6FB-94E6-4F3B-A794-BAD57A85CF09}" srcOrd="2" destOrd="0" parTransId="{8B7D3885-1F0D-4F1C-80B2-BE84A7A5089E}" sibTransId="{DC53ABD1-1EE1-49A8-9478-2889294408FB}"/>
-    <dgm:cxn modelId="{81030633-0631-42EA-9A99-12B2F9D7E60B}" type="presOf" srcId="{8502A6FB-94E6-4F3B-A794-BAD57A85CF09}" destId="{C6E0BA58-9EE8-44E7-8B85-D73E58D1D4C0}" srcOrd="0" destOrd="0" presId="urn:microsoft.com/office/officeart/2018/2/layout/IconVerticalSolidList"/>
+    <dgm:cxn modelId="{3DA5B53F-8A2F-4E9C-8DC3-C10C1A89BB33}" type="presOf" srcId="{8502A6FB-94E6-4F3B-A794-BAD57A85CF09}" destId="{9136DE40-AEFB-4447-B471-80F350DF960A}" srcOrd="0" destOrd="0" presId="urn:microsoft.com/office/officeart/2018/5/layout/IconLeafLabelList"/>
     <dgm:cxn modelId="{4354C969-EB12-41E6-8080-9927A2451A25}" srcId="{01D4190E-CE2B-48A8-960A-4DE34262387D}" destId="{CA0BC42F-C78F-40B8-A7C9-9227EF842480}" srcOrd="1" destOrd="0" parTransId="{61D9C6E2-F37A-4743-B850-B2B4FFEA01E6}" sibTransId="{24BA02CD-1E42-4BBC-BE48-D5BB1CBF18BD}"/>
-    <dgm:cxn modelId="{0E25FE70-99D1-4612-918E-C41B25EFB468}" type="presOf" srcId="{A9ABEB37-95D1-43B6-8565-75A25C98842C}" destId="{99AF213D-9B7C-486F-9195-4AA58238B5E7}" srcOrd="0" destOrd="0" presId="urn:microsoft.com/office/officeart/2018/2/layout/IconVerticalSolidList"/>
-    <dgm:cxn modelId="{437D74BC-DFBA-4404-944A-A565FADCA2BB}" type="presOf" srcId="{01D4190E-CE2B-48A8-960A-4DE34262387D}" destId="{07694F1F-F598-4EC8-9B80-E71AE48F1C95}" srcOrd="0" destOrd="0" presId="urn:microsoft.com/office/officeart/2018/2/layout/IconVerticalSolidList"/>
+    <dgm:cxn modelId="{DC529CA6-305C-4F93-A982-E4B40E6A6A69}" type="presOf" srcId="{A9ABEB37-95D1-43B6-8565-75A25C98842C}" destId="{C87580A7-BF75-4F79-A853-97EC703A2DF1}" srcOrd="0" destOrd="0" presId="urn:microsoft.com/office/officeart/2018/5/layout/IconLeafLabelList"/>
+    <dgm:cxn modelId="{83C672BE-C4E2-431D-9517-9DA72370A835}" type="presOf" srcId="{01D4190E-CE2B-48A8-960A-4DE34262387D}" destId="{05CDABE4-3152-4437-8AE5-B56733335E7F}" srcOrd="0" destOrd="0" presId="urn:microsoft.com/office/officeart/2018/5/layout/IconLeafLabelList"/>
     <dgm:cxn modelId="{067E7EF5-6499-4270-9A38-EEB17FBC839A}" srcId="{01D4190E-CE2B-48A8-960A-4DE34262387D}" destId="{A9ABEB37-95D1-43B6-8565-75A25C98842C}" srcOrd="0" destOrd="0" parTransId="{8A849865-971F-40C3-B70F-0FC315E6A848}" sibTransId="{BE1479CC-171D-4C68-84B1-D94C560A2F2C}"/>
-    <dgm:cxn modelId="{4C64D702-4C1A-43FF-A210-0AE3C5715D97}" type="presParOf" srcId="{07694F1F-F598-4EC8-9B80-E71AE48F1C95}" destId="{74D18DF5-50F0-4432-A261-EBF50F466DC3}" srcOrd="0" destOrd="0" presId="urn:microsoft.com/office/officeart/2018/2/layout/IconVerticalSolidList"/>
-    <dgm:cxn modelId="{3082B34A-E30F-42E8-A175-6A224D4D1F26}" type="presParOf" srcId="{74D18DF5-50F0-4432-A261-EBF50F466DC3}" destId="{FFFEBA7B-E846-4420-9D17-FF0D4D1883E3}" srcOrd="0" destOrd="0" presId="urn:microsoft.com/office/officeart/2018/2/layout/IconVerticalSolidList"/>
-    <dgm:cxn modelId="{4C74AF02-0A3B-4532-A6B2-9A8391880750}" type="presParOf" srcId="{74D18DF5-50F0-4432-A261-EBF50F466DC3}" destId="{DA2A91C4-A064-4A8B-A11B-7295AD8F2BAA}" srcOrd="1" destOrd="0" presId="urn:microsoft.com/office/officeart/2018/2/layout/IconVerticalSolidList"/>
-    <dgm:cxn modelId="{E68EE105-9E00-4AA8-9BB3-7BBBE4710972}" type="presParOf" srcId="{74D18DF5-50F0-4432-A261-EBF50F466DC3}" destId="{12B02051-CCCF-48E5-913E-D72AA3385E4C}" srcOrd="2" destOrd="0" presId="urn:microsoft.com/office/officeart/2018/2/layout/IconVerticalSolidList"/>
-    <dgm:cxn modelId="{AEA28954-DDEE-4CED-BB52-01CBCB6E83AA}" type="presParOf" srcId="{74D18DF5-50F0-4432-A261-EBF50F466DC3}" destId="{99AF213D-9B7C-486F-9195-4AA58238B5E7}" srcOrd="3" destOrd="0" presId="urn:microsoft.com/office/officeart/2018/2/layout/IconVerticalSolidList"/>
-    <dgm:cxn modelId="{A45B7B99-3FFD-4BEE-BDF1-7601ADD0AD96}" type="presParOf" srcId="{07694F1F-F598-4EC8-9B80-E71AE48F1C95}" destId="{BCD99638-FF31-4E90-90D6-F073799E2F6A}" srcOrd="1" destOrd="0" presId="urn:microsoft.com/office/officeart/2018/2/layout/IconVerticalSolidList"/>
-    <dgm:cxn modelId="{571E68CE-D686-4B97-8A36-2786FED6DFC4}" type="presParOf" srcId="{07694F1F-F598-4EC8-9B80-E71AE48F1C95}" destId="{6D047CB0-9A9C-4A09-A6EF-46145EC0D990}" srcOrd="2" destOrd="0" presId="urn:microsoft.com/office/officeart/2018/2/layout/IconVerticalSolidList"/>
-    <dgm:cxn modelId="{06A6DDC8-17F7-4B41-AEC9-D364EE38AC71}" type="presParOf" srcId="{6D047CB0-9A9C-4A09-A6EF-46145EC0D990}" destId="{B2E14D80-8462-4A9F-8A64-606B7AF8DC21}" srcOrd="0" destOrd="0" presId="urn:microsoft.com/office/officeart/2018/2/layout/IconVerticalSolidList"/>
-    <dgm:cxn modelId="{91D2E397-45D2-4019-B080-CA7DA64ECE80}" type="presParOf" srcId="{6D047CB0-9A9C-4A09-A6EF-46145EC0D990}" destId="{54C9AEA2-9DD4-4651-AAB8-817F549B5E8A}" srcOrd="1" destOrd="0" presId="urn:microsoft.com/office/officeart/2018/2/layout/IconVerticalSolidList"/>
-    <dgm:cxn modelId="{192E06A4-202D-412C-A59D-89A2507A7F12}" type="presParOf" srcId="{6D047CB0-9A9C-4A09-A6EF-46145EC0D990}" destId="{4275052A-D422-4D58-97D2-B3ACB5B36FF4}" srcOrd="2" destOrd="0" presId="urn:microsoft.com/office/officeart/2018/2/layout/IconVerticalSolidList"/>
-    <dgm:cxn modelId="{5C616F78-8310-42F2-B369-2A965E754A7B}" type="presParOf" srcId="{6D047CB0-9A9C-4A09-A6EF-46145EC0D990}" destId="{C0BEFAA7-429F-427C-A160-3DC046A008B8}" srcOrd="3" destOrd="0" presId="urn:microsoft.com/office/officeart/2018/2/layout/IconVerticalSolidList"/>
-    <dgm:cxn modelId="{4AB57FBE-397C-43F8-B1B2-C64B25DFEBE4}" type="presParOf" srcId="{07694F1F-F598-4EC8-9B80-E71AE48F1C95}" destId="{EB71E358-71A0-4CC7-A788-1A36A5D682BA}" srcOrd="3" destOrd="0" presId="urn:microsoft.com/office/officeart/2018/2/layout/IconVerticalSolidList"/>
-    <dgm:cxn modelId="{FC768B20-E85A-44C7-8E66-8F59AA2F137A}" type="presParOf" srcId="{07694F1F-F598-4EC8-9B80-E71AE48F1C95}" destId="{9E7F1AE1-15B6-49ED-80D8-8FE866BCA9EE}" srcOrd="4" destOrd="0" presId="urn:microsoft.com/office/officeart/2018/2/layout/IconVerticalSolidList"/>
-    <dgm:cxn modelId="{21A4C697-4771-4001-9F4A-59F0E9D2625F}" type="presParOf" srcId="{9E7F1AE1-15B6-49ED-80D8-8FE866BCA9EE}" destId="{7F0C6C9D-FDF8-4033-8F7B-000B031C06FA}" srcOrd="0" destOrd="0" presId="urn:microsoft.com/office/officeart/2018/2/layout/IconVerticalSolidList"/>
-    <dgm:cxn modelId="{223E3448-03AF-426D-86B5-E522B350CC8A}" type="presParOf" srcId="{9E7F1AE1-15B6-49ED-80D8-8FE866BCA9EE}" destId="{3B2F5BF4-8CF4-4EC9-AFBB-0973BB90019B}" srcOrd="1" destOrd="0" presId="urn:microsoft.com/office/officeart/2018/2/layout/IconVerticalSolidList"/>
-    <dgm:cxn modelId="{CB4F17DB-F656-4E98-A590-BF917F09EE3D}" type="presParOf" srcId="{9E7F1AE1-15B6-49ED-80D8-8FE866BCA9EE}" destId="{3C12EB1D-E06A-4D2A-9F91-5FFB70699B94}" srcOrd="2" destOrd="0" presId="urn:microsoft.com/office/officeart/2018/2/layout/IconVerticalSolidList"/>
-    <dgm:cxn modelId="{6EEE107A-87A0-4459-B031-B6BD3BC9AA89}" type="presParOf" srcId="{9E7F1AE1-15B6-49ED-80D8-8FE866BCA9EE}" destId="{C6E0BA58-9EE8-44E7-8B85-D73E58D1D4C0}" srcOrd="3" destOrd="0" presId="urn:microsoft.com/office/officeart/2018/2/layout/IconVerticalSolidList"/>
+    <dgm:cxn modelId="{584C4986-A514-44EF-B425-DCFDE1BE6C48}" type="presParOf" srcId="{05CDABE4-3152-4437-8AE5-B56733335E7F}" destId="{3003BC5F-6F82-4AE0-A5A6-88316690715D}" srcOrd="0" destOrd="0" presId="urn:microsoft.com/office/officeart/2018/5/layout/IconLeafLabelList"/>
+    <dgm:cxn modelId="{99721842-AED9-4440-B285-EB19172DF839}" type="presParOf" srcId="{3003BC5F-6F82-4AE0-A5A6-88316690715D}" destId="{206B0396-14CC-465B-9466-E3E63C331943}" srcOrd="0" destOrd="0" presId="urn:microsoft.com/office/officeart/2018/5/layout/IconLeafLabelList"/>
+    <dgm:cxn modelId="{E681D049-0E3F-49B0-9561-2A8FA7CCE934}" type="presParOf" srcId="{3003BC5F-6F82-4AE0-A5A6-88316690715D}" destId="{D1EA8202-73CC-4D4F-B552-5825BEBA0711}" srcOrd="1" destOrd="0" presId="urn:microsoft.com/office/officeart/2018/5/layout/IconLeafLabelList"/>
+    <dgm:cxn modelId="{48D8B077-DA9A-4277-B00F-DAC0FBAEF430}" type="presParOf" srcId="{3003BC5F-6F82-4AE0-A5A6-88316690715D}" destId="{D449A271-8AB5-49F6-B6BA-6E20919F46DF}" srcOrd="2" destOrd="0" presId="urn:microsoft.com/office/officeart/2018/5/layout/IconLeafLabelList"/>
+    <dgm:cxn modelId="{A4A984C1-B440-4F16-8EB8-AF5CB2A1FB7D}" type="presParOf" srcId="{3003BC5F-6F82-4AE0-A5A6-88316690715D}" destId="{C87580A7-BF75-4F79-A853-97EC703A2DF1}" srcOrd="3" destOrd="0" presId="urn:microsoft.com/office/officeart/2018/5/layout/IconLeafLabelList"/>
+    <dgm:cxn modelId="{4475EAF2-9708-4DA6-AE68-C5C1A7692505}" type="presParOf" srcId="{05CDABE4-3152-4437-8AE5-B56733335E7F}" destId="{2A70325A-87DF-467B-88C1-E1D194166834}" srcOrd="1" destOrd="0" presId="urn:microsoft.com/office/officeart/2018/5/layout/IconLeafLabelList"/>
+    <dgm:cxn modelId="{BBE3EC9D-F163-4ABE-9671-D0E95203309C}" type="presParOf" srcId="{05CDABE4-3152-4437-8AE5-B56733335E7F}" destId="{A8EA9E86-ED0F-43E3-83D0-EFEB012C839A}" srcOrd="2" destOrd="0" presId="urn:microsoft.com/office/officeart/2018/5/layout/IconLeafLabelList"/>
+    <dgm:cxn modelId="{2F784439-2C9A-4B6C-AE67-D8D35AFB8822}" type="presParOf" srcId="{A8EA9E86-ED0F-43E3-83D0-EFEB012C839A}" destId="{3C78D14F-FA21-4249-A6DD-70923F6C27E6}" srcOrd="0" destOrd="0" presId="urn:microsoft.com/office/officeart/2018/5/layout/IconLeafLabelList"/>
+    <dgm:cxn modelId="{8EE9B886-9B32-40D7-8763-9BEAC8C07C57}" type="presParOf" srcId="{A8EA9E86-ED0F-43E3-83D0-EFEB012C839A}" destId="{4DC65F85-D1D5-4E2D-82C3-38D054DAD496}" srcOrd="1" destOrd="0" presId="urn:microsoft.com/office/officeart/2018/5/layout/IconLeafLabelList"/>
+    <dgm:cxn modelId="{687791A6-089F-44EA-A7F1-A66DE90F91C9}" type="presParOf" srcId="{A8EA9E86-ED0F-43E3-83D0-EFEB012C839A}" destId="{9A2B239B-61CC-4A97-9BE2-1B6F5D4565A4}" srcOrd="2" destOrd="0" presId="urn:microsoft.com/office/officeart/2018/5/layout/IconLeafLabelList"/>
+    <dgm:cxn modelId="{9544AC0E-14B6-452F-BC24-818F80A48E43}" type="presParOf" srcId="{A8EA9E86-ED0F-43E3-83D0-EFEB012C839A}" destId="{66B6D849-1919-467C-A93D-BFC42CA94B5A}" srcOrd="3" destOrd="0" presId="urn:microsoft.com/office/officeart/2018/5/layout/IconLeafLabelList"/>
+    <dgm:cxn modelId="{6626F719-D991-48FA-87EB-DD6A14742C18}" type="presParOf" srcId="{05CDABE4-3152-4437-8AE5-B56733335E7F}" destId="{3695B332-D2D6-4A57-8E31-06EB1A01AE56}" srcOrd="3" destOrd="0" presId="urn:microsoft.com/office/officeart/2018/5/layout/IconLeafLabelList"/>
+    <dgm:cxn modelId="{130A1D6D-43EE-4C96-B56E-872E6128BD0F}" type="presParOf" srcId="{05CDABE4-3152-4437-8AE5-B56733335E7F}" destId="{8E82272F-B48B-4A67-B357-C818301DB739}" srcOrd="4" destOrd="0" presId="urn:microsoft.com/office/officeart/2018/5/layout/IconLeafLabelList"/>
+    <dgm:cxn modelId="{6547638B-E221-4B61-9A73-5BB24E898E1B}" type="presParOf" srcId="{8E82272F-B48B-4A67-B357-C818301DB739}" destId="{256AEEC0-1CF2-4A14-9591-A1F480DB1F48}" srcOrd="0" destOrd="0" presId="urn:microsoft.com/office/officeart/2018/5/layout/IconLeafLabelList"/>
+    <dgm:cxn modelId="{E372D82B-14AE-4B1C-9C25-5CA5C5EAB775}" type="presParOf" srcId="{8E82272F-B48B-4A67-B357-C818301DB739}" destId="{28B6AD6C-741C-4418-85A1-C84AE4405B5C}" srcOrd="1" destOrd="0" presId="urn:microsoft.com/office/officeart/2018/5/layout/IconLeafLabelList"/>
+    <dgm:cxn modelId="{36B6CA44-3BC2-49B9-ADDE-313AE4DB596C}" type="presParOf" srcId="{8E82272F-B48B-4A67-B357-C818301DB739}" destId="{73C43221-C15D-4297-9A13-B14A108B2DE5}" srcOrd="2" destOrd="0" presId="urn:microsoft.com/office/officeart/2018/5/layout/IconLeafLabelList"/>
+    <dgm:cxn modelId="{7E3C0191-B91D-4552-BCB0-700A7FA5A276}" type="presParOf" srcId="{8E82272F-B48B-4A67-B357-C818301DB739}" destId="{9136DE40-AEFB-4447-B471-80F350DF960A}" srcOrd="3" destOrd="0" presId="urn:microsoft.com/office/officeart/2018/5/layout/IconLeafLabelList"/>
   </dgm:cxnLst>
   <dgm:bg/>
   <dgm:whole/>
@@ -4945,19 +5060,20 @@
       <dsp:cNvGrpSpPr/>
     </dsp:nvGrpSpPr>
     <dsp:grpSpPr/>
-    <dsp:sp modelId="{FFFEBA7B-E846-4420-9D17-FF0D4D1883E3}">
+    <dsp:sp modelId="{026E70BE-0E85-4DA5-A375-2A5DE8253850}">
       <dsp:nvSpPr>
         <dsp:cNvPr id="0" name=""/>
         <dsp:cNvSpPr/>
       </dsp:nvSpPr>
       <dsp:spPr>
         <a:xfrm>
-          <a:off x="0" y="616"/>
-          <a:ext cx="6910387" cy="1442911"/>
+          <a:off x="616949" y="6555"/>
+          <a:ext cx="1818562" cy="1818562"/>
         </a:xfrm>
-        <a:prstGeom prst="roundRect">
+        <a:prstGeom prst="round2DiagRect">
           <a:avLst>
-            <a:gd name="adj" fmla="val 10000"/>
+            <a:gd name="adj1" fmla="val 29727"/>
+            <a:gd name="adj2" fmla="val 0"/>
           </a:avLst>
         </a:prstGeom>
         <a:solidFill>
@@ -4986,15 +5102,15 @@
         <a:fontRef idx="minor"/>
       </dsp:style>
     </dsp:sp>
-    <dsp:sp modelId="{DA2A91C4-A064-4A8B-A11B-7295AD8F2BAA}">
+    <dsp:sp modelId="{B936A727-9688-4A6B-98F6-685D50DBE958}">
       <dsp:nvSpPr>
         <dsp:cNvPr id="0" name=""/>
         <dsp:cNvSpPr/>
       </dsp:nvSpPr>
       <dsp:spPr>
         <a:xfrm>
-          <a:off x="436480" y="325271"/>
-          <a:ext cx="793601" cy="793601"/>
+          <a:off x="1004512" y="394118"/>
+          <a:ext cx="1043437" cy="1043437"/>
         </a:xfrm>
         <a:prstGeom prst="rect">
           <a:avLst/>
@@ -5035,15 +5151,15 @@
         </a:fontRef>
       </dsp:style>
     </dsp:sp>
-    <dsp:sp modelId="{99AF213D-9B7C-486F-9195-4AA58238B5E7}">
+    <dsp:sp modelId="{865BE5BE-0485-4E14-AE87-639DAC713D08}">
       <dsp:nvSpPr>
         <dsp:cNvPr id="0" name=""/>
         <dsp:cNvSpPr/>
       </dsp:nvSpPr>
       <dsp:spPr>
         <a:xfrm>
-          <a:off x="1666563" y="616"/>
-          <a:ext cx="5243823" cy="1442911"/>
+          <a:off x="35606" y="2391555"/>
+          <a:ext cx="2981250" cy="1387968"/>
         </a:xfrm>
         <a:prstGeom prst="rect">
           <a:avLst/>
@@ -5067,14 +5183,14 @@
         <a:fontRef idx="minor"/>
       </dsp:style>
       <dsp:txBody>
-        <a:bodyPr spcFirstLastPara="0" vert="horz" wrap="square" lIns="152708" tIns="152708" rIns="152708" bIns="152708" numCol="1" spcCol="1270" anchor="ctr" anchorCtr="0">
+        <a:bodyPr spcFirstLastPara="0" vert="horz" wrap="square" lIns="0" tIns="0" rIns="0" bIns="0" numCol="1" spcCol="1270" anchor="t" anchorCtr="0">
           <a:noAutofit/>
         </a:bodyPr>
         <a:lstStyle/>
         <a:p>
-          <a:pPr marL="0" lvl="0" indent="0" algn="l" defTabSz="1111250">
+          <a:pPr marL="0" lvl="0" indent="0" algn="ctr" defTabSz="889000">
             <a:lnSpc>
-              <a:spcPct val="90000"/>
+              <a:spcPct val="100000"/>
             </a:lnSpc>
             <a:spcBef>
               <a:spcPct val="0"/>
@@ -5083,31 +5199,37 @@
               <a:spcPct val="35000"/>
             </a:spcAft>
             <a:buNone/>
+            <a:defRPr cap="all"/>
           </a:pPr>
           <a:r>
-            <a:rPr lang="en-US" sz="2500" kern="1200" dirty="0"/>
+            <a:rPr lang="en-US" sz="2000" kern="1200" dirty="0">
+              <a:latin typeface="Open Sans Light" panose="020B0306030504020204" pitchFamily="34" charset="0"/>
+              <a:ea typeface="Open Sans Light" panose="020B0306030504020204" pitchFamily="34" charset="0"/>
+              <a:cs typeface="Open Sans Light" panose="020B0306030504020204" pitchFamily="34" charset="0"/>
+            </a:rPr>
             <a:t>The number of chronic undernutrition is increasing</a:t>
           </a:r>
         </a:p>
       </dsp:txBody>
       <dsp:txXfrm>
-        <a:off x="1666563" y="616"/>
-        <a:ext cx="5243823" cy="1442911"/>
+        <a:off x="35606" y="2391555"/>
+        <a:ext cx="2981250" cy="1387968"/>
       </dsp:txXfrm>
     </dsp:sp>
-    <dsp:sp modelId="{B2E14D80-8462-4A9F-8A64-606B7AF8DC21}">
+    <dsp:sp modelId="{9E5A5459-F675-47CD-9C92-028517E22D22}">
       <dsp:nvSpPr>
         <dsp:cNvPr id="0" name=""/>
         <dsp:cNvSpPr/>
       </dsp:nvSpPr>
       <dsp:spPr>
         <a:xfrm>
-          <a:off x="0" y="1804256"/>
-          <a:ext cx="6910387" cy="1442911"/>
+          <a:off x="4119918" y="6555"/>
+          <a:ext cx="1818562" cy="1818562"/>
         </a:xfrm>
-        <a:prstGeom prst="roundRect">
+        <a:prstGeom prst="round2DiagRect">
           <a:avLst>
-            <a:gd name="adj" fmla="val 10000"/>
+            <a:gd name="adj1" fmla="val 29727"/>
+            <a:gd name="adj2" fmla="val 0"/>
           </a:avLst>
         </a:prstGeom>
         <a:solidFill>
@@ -5136,15 +5258,15 @@
         <a:fontRef idx="minor"/>
       </dsp:style>
     </dsp:sp>
-    <dsp:sp modelId="{54C9AEA2-9DD4-4651-AAB8-817F549B5E8A}">
+    <dsp:sp modelId="{F9419720-9DED-4E24-B858-04FD370F6E2B}">
       <dsp:nvSpPr>
         <dsp:cNvPr id="0" name=""/>
         <dsp:cNvSpPr/>
       </dsp:nvSpPr>
       <dsp:spPr>
         <a:xfrm>
-          <a:off x="436480" y="2128911"/>
-          <a:ext cx="793601" cy="793601"/>
+          <a:off x="4507481" y="394118"/>
+          <a:ext cx="1043437" cy="1043437"/>
         </a:xfrm>
         <a:prstGeom prst="rect">
           <a:avLst/>
@@ -5185,15 +5307,15 @@
         </a:fontRef>
       </dsp:style>
     </dsp:sp>
-    <dsp:sp modelId="{C0BEFAA7-429F-427C-A160-3DC046A008B8}">
+    <dsp:sp modelId="{784939BF-D93D-491B-811A-7423E27DD62B}">
       <dsp:nvSpPr>
         <dsp:cNvPr id="0" name=""/>
         <dsp:cNvSpPr/>
       </dsp:nvSpPr>
       <dsp:spPr>
         <a:xfrm>
-          <a:off x="1666563" y="1804256"/>
-          <a:ext cx="5243823" cy="1442911"/>
+          <a:off x="3538574" y="2391555"/>
+          <a:ext cx="2981250" cy="1387968"/>
         </a:xfrm>
         <a:prstGeom prst="rect">
           <a:avLst/>
@@ -5217,14 +5339,14 @@
         <a:fontRef idx="minor"/>
       </dsp:style>
       <dsp:txBody>
-        <a:bodyPr spcFirstLastPara="0" vert="horz" wrap="square" lIns="152708" tIns="152708" rIns="152708" bIns="152708" numCol="1" spcCol="1270" anchor="ctr" anchorCtr="0">
+        <a:bodyPr spcFirstLastPara="0" vert="horz" wrap="square" lIns="0" tIns="0" rIns="0" bIns="0" numCol="1" spcCol="1270" anchor="t" anchorCtr="0">
           <a:noAutofit/>
         </a:bodyPr>
         <a:lstStyle/>
         <a:p>
-          <a:pPr marL="0" lvl="0" indent="0" algn="l" defTabSz="1111250">
+          <a:pPr marL="0" lvl="0" indent="0" algn="ctr" defTabSz="889000">
             <a:lnSpc>
-              <a:spcPct val="90000"/>
+              <a:spcPct val="100000"/>
             </a:lnSpc>
             <a:spcBef>
               <a:spcPct val="0"/>
@@ -5233,31 +5355,37 @@
               <a:spcPct val="35000"/>
             </a:spcAft>
             <a:buNone/>
+            <a:defRPr cap="all"/>
           </a:pPr>
           <a:r>
-            <a:rPr lang="en-US" sz="2500" kern="1200"/>
+            <a:rPr lang="en-US" sz="2000" kern="1200" dirty="0">
+              <a:latin typeface="Open Sans Light" panose="020B0306030504020204" pitchFamily="34" charset="0"/>
+              <a:ea typeface="Open Sans Light" panose="020B0306030504020204" pitchFamily="34" charset="0"/>
+              <a:cs typeface="Open Sans Light" panose="020B0306030504020204" pitchFamily="34" charset="0"/>
+            </a:rPr>
             <a:t>The World hunger is not due to a lack of production</a:t>
           </a:r>
         </a:p>
       </dsp:txBody>
       <dsp:txXfrm>
-        <a:off x="1666563" y="1804256"/>
-        <a:ext cx="5243823" cy="1442911"/>
+        <a:off x="3538574" y="2391555"/>
+        <a:ext cx="2981250" cy="1387968"/>
       </dsp:txXfrm>
     </dsp:sp>
-    <dsp:sp modelId="{7F0C6C9D-FDF8-4033-8F7B-000B031C06FA}">
+    <dsp:sp modelId="{EE7291F3-6EB9-4ACD-81B4-8BA2B30F02F2}">
       <dsp:nvSpPr>
         <dsp:cNvPr id="0" name=""/>
         <dsp:cNvSpPr/>
       </dsp:nvSpPr>
       <dsp:spPr>
         <a:xfrm>
-          <a:off x="0" y="3607896"/>
-          <a:ext cx="6910387" cy="1442911"/>
+          <a:off x="7622887" y="6555"/>
+          <a:ext cx="1818562" cy="1818562"/>
         </a:xfrm>
-        <a:prstGeom prst="roundRect">
+        <a:prstGeom prst="round2DiagRect">
           <a:avLst>
-            <a:gd name="adj" fmla="val 10000"/>
+            <a:gd name="adj1" fmla="val 29727"/>
+            <a:gd name="adj2" fmla="val 0"/>
           </a:avLst>
         </a:prstGeom>
         <a:solidFill>
@@ -5286,15 +5414,15 @@
         <a:fontRef idx="minor"/>
       </dsp:style>
     </dsp:sp>
-    <dsp:sp modelId="{3B2F5BF4-8CF4-4EC9-AFBB-0973BB90019B}">
+    <dsp:sp modelId="{ACD71865-87F2-4EF3-84F5-3404FCE29D4A}">
       <dsp:nvSpPr>
         <dsp:cNvPr id="0" name=""/>
         <dsp:cNvSpPr/>
       </dsp:nvSpPr>
       <dsp:spPr>
         <a:xfrm>
-          <a:off x="436480" y="3932551"/>
-          <a:ext cx="793601" cy="793601"/>
+          <a:off x="8010450" y="394118"/>
+          <a:ext cx="1043437" cy="1043437"/>
         </a:xfrm>
         <a:prstGeom prst="rect">
           <a:avLst/>
@@ -5335,15 +5463,15 @@
         </a:fontRef>
       </dsp:style>
     </dsp:sp>
-    <dsp:sp modelId="{C6E0BA58-9EE8-44E7-8B85-D73E58D1D4C0}">
+    <dsp:sp modelId="{5F12FB59-8AF4-4372-9F66-43437B683CF7}">
       <dsp:nvSpPr>
         <dsp:cNvPr id="0" name=""/>
         <dsp:cNvSpPr/>
       </dsp:nvSpPr>
       <dsp:spPr>
         <a:xfrm>
-          <a:off x="1666563" y="3607896"/>
-          <a:ext cx="5243823" cy="1442911"/>
+          <a:off x="7041543" y="2391555"/>
+          <a:ext cx="2981250" cy="1387968"/>
         </a:xfrm>
         <a:prstGeom prst="rect">
           <a:avLst/>
@@ -5367,14 +5495,14 @@
         <a:fontRef idx="minor"/>
       </dsp:style>
       <dsp:txBody>
-        <a:bodyPr spcFirstLastPara="0" vert="horz" wrap="square" lIns="152708" tIns="152708" rIns="152708" bIns="152708" numCol="1" spcCol="1270" anchor="ctr" anchorCtr="0">
+        <a:bodyPr spcFirstLastPara="0" vert="horz" wrap="square" lIns="0" tIns="0" rIns="0" bIns="0" numCol="1" spcCol="1270" anchor="t" anchorCtr="0">
           <a:noAutofit/>
         </a:bodyPr>
         <a:lstStyle/>
         <a:p>
-          <a:pPr marL="0" lvl="0" indent="0" algn="l" defTabSz="1111250">
+          <a:pPr marL="0" lvl="0" indent="0" algn="ctr" defTabSz="889000">
             <a:lnSpc>
-              <a:spcPct val="90000"/>
+              <a:spcPct val="100000"/>
             </a:lnSpc>
             <a:spcBef>
               <a:spcPct val="0"/>
@@ -5383,16 +5511,21 @@
               <a:spcPct val="35000"/>
             </a:spcAft>
             <a:buNone/>
+            <a:defRPr cap="all"/>
           </a:pPr>
           <a:r>
-            <a:rPr lang="en-US" sz="2500" kern="1200"/>
-            <a:t>The population is increasing, yet we are producing enough food for the entire planet. </a:t>
+            <a:rPr lang="en-US" sz="2000" kern="1200" dirty="0">
+              <a:latin typeface="Open Sans Light" panose="020B0306030504020204" pitchFamily="34" charset="0"/>
+              <a:ea typeface="Open Sans Light" panose="020B0306030504020204" pitchFamily="34" charset="0"/>
+              <a:cs typeface="Open Sans Light" panose="020B0306030504020204" pitchFamily="34" charset="0"/>
+            </a:rPr>
+            <a:t>we are producing enough food to feed the entire planet. </a:t>
           </a:r>
         </a:p>
       </dsp:txBody>
       <dsp:txXfrm>
-        <a:off x="1666563" y="3607896"/>
-        <a:ext cx="5243823" cy="1442911"/>
+        <a:off x="7041543" y="2391555"/>
+        <a:ext cx="2981250" cy="1387968"/>
       </dsp:txXfrm>
     </dsp:sp>
   </dsp:spTree>
@@ -5407,19 +5540,20 @@
       <dsp:cNvGrpSpPr/>
     </dsp:nvGrpSpPr>
     <dsp:grpSpPr/>
-    <dsp:sp modelId="{FFFEBA7B-E846-4420-9D17-FF0D4D1883E3}">
+    <dsp:sp modelId="{206B0396-14CC-465B-9466-E3E63C331943}">
       <dsp:nvSpPr>
         <dsp:cNvPr id="0" name=""/>
         <dsp:cNvSpPr/>
       </dsp:nvSpPr>
       <dsp:spPr>
         <a:xfrm>
-          <a:off x="0" y="616"/>
-          <a:ext cx="6910387" cy="1442911"/>
+          <a:off x="616949" y="340539"/>
+          <a:ext cx="1818562" cy="1818562"/>
         </a:xfrm>
-        <a:prstGeom prst="roundRect">
+        <a:prstGeom prst="round2DiagRect">
           <a:avLst>
-            <a:gd name="adj" fmla="val 10000"/>
+            <a:gd name="adj1" fmla="val 29727"/>
+            <a:gd name="adj2" fmla="val 0"/>
           </a:avLst>
         </a:prstGeom>
         <a:solidFill>
@@ -5448,15 +5582,15 @@
         <a:fontRef idx="minor"/>
       </dsp:style>
     </dsp:sp>
-    <dsp:sp modelId="{DA2A91C4-A064-4A8B-A11B-7295AD8F2BAA}">
+    <dsp:sp modelId="{D1EA8202-73CC-4D4F-B552-5825BEBA0711}">
       <dsp:nvSpPr>
         <dsp:cNvPr id="0" name=""/>
         <dsp:cNvSpPr/>
       </dsp:nvSpPr>
       <dsp:spPr>
         <a:xfrm>
-          <a:off x="436480" y="325271"/>
-          <a:ext cx="793601" cy="793601"/>
+          <a:off x="1004512" y="728102"/>
+          <a:ext cx="1043437" cy="1043437"/>
         </a:xfrm>
         <a:prstGeom prst="rect">
           <a:avLst/>
@@ -5497,15 +5631,15 @@
         </a:fontRef>
       </dsp:style>
     </dsp:sp>
-    <dsp:sp modelId="{99AF213D-9B7C-486F-9195-4AA58238B5E7}">
+    <dsp:sp modelId="{C87580A7-BF75-4F79-A853-97EC703A2DF1}">
       <dsp:nvSpPr>
         <dsp:cNvPr id="0" name=""/>
         <dsp:cNvSpPr/>
       </dsp:nvSpPr>
       <dsp:spPr>
         <a:xfrm>
-          <a:off x="1666563" y="616"/>
-          <a:ext cx="5243823" cy="1442911"/>
+          <a:off x="35606" y="2725540"/>
+          <a:ext cx="2981250" cy="720000"/>
         </a:xfrm>
         <a:prstGeom prst="rect">
           <a:avLst/>
@@ -5529,12 +5663,12 @@
         <a:fontRef idx="minor"/>
       </dsp:style>
       <dsp:txBody>
-        <a:bodyPr spcFirstLastPara="0" vert="horz" wrap="square" lIns="152708" tIns="152708" rIns="152708" bIns="152708" numCol="1" spcCol="1270" anchor="ctr" anchorCtr="0">
+        <a:bodyPr spcFirstLastPara="0" vert="horz" wrap="square" lIns="0" tIns="0" rIns="0" bIns="0" numCol="1" spcCol="1270" anchor="t" anchorCtr="0">
           <a:noAutofit/>
         </a:bodyPr>
         <a:lstStyle/>
         <a:p>
-          <a:pPr marL="0" lvl="0" indent="0" algn="l" defTabSz="1111250">
+          <a:pPr marL="0" lvl="0" indent="0" algn="ctr" defTabSz="711200">
             <a:lnSpc>
               <a:spcPct val="90000"/>
             </a:lnSpc>
@@ -5545,31 +5679,37 @@
               <a:spcPct val="35000"/>
             </a:spcAft>
             <a:buNone/>
+            <a:defRPr cap="all"/>
           </a:pPr>
           <a:r>
-            <a:rPr lang="en-US" sz="2500" kern="1200"/>
+            <a:rPr lang="en-US" sz="1600" kern="1200">
+              <a:latin typeface="Open Sans Light" panose="020B0306030504020204" pitchFamily="34" charset="0"/>
+              <a:ea typeface="Open Sans Light" panose="020B0306030504020204" pitchFamily="34" charset="0"/>
+              <a:cs typeface="Open Sans Light" panose="020B0306030504020204" pitchFamily="34" charset="0"/>
+            </a:rPr>
             <a:t>Reduce The Meat Consumption</a:t>
           </a:r>
         </a:p>
       </dsp:txBody>
       <dsp:txXfrm>
-        <a:off x="1666563" y="616"/>
-        <a:ext cx="5243823" cy="1442911"/>
+        <a:off x="35606" y="2725540"/>
+        <a:ext cx="2981250" cy="720000"/>
       </dsp:txXfrm>
     </dsp:sp>
-    <dsp:sp modelId="{B2E14D80-8462-4A9F-8A64-606B7AF8DC21}">
+    <dsp:sp modelId="{3C78D14F-FA21-4249-A6DD-70923F6C27E6}">
       <dsp:nvSpPr>
         <dsp:cNvPr id="0" name=""/>
         <dsp:cNvSpPr/>
       </dsp:nvSpPr>
       <dsp:spPr>
         <a:xfrm>
-          <a:off x="0" y="1804256"/>
-          <a:ext cx="6910387" cy="1442911"/>
+          <a:off x="4119918" y="340539"/>
+          <a:ext cx="1818562" cy="1818562"/>
         </a:xfrm>
-        <a:prstGeom prst="roundRect">
+        <a:prstGeom prst="round2DiagRect">
           <a:avLst>
-            <a:gd name="adj" fmla="val 10000"/>
+            <a:gd name="adj1" fmla="val 29727"/>
+            <a:gd name="adj2" fmla="val 0"/>
           </a:avLst>
         </a:prstGeom>
         <a:solidFill>
@@ -5598,15 +5738,15 @@
         <a:fontRef idx="minor"/>
       </dsp:style>
     </dsp:sp>
-    <dsp:sp modelId="{54C9AEA2-9DD4-4651-AAB8-817F549B5E8A}">
+    <dsp:sp modelId="{4DC65F85-D1D5-4E2D-82C3-38D054DAD496}">
       <dsp:nvSpPr>
         <dsp:cNvPr id="0" name=""/>
         <dsp:cNvSpPr/>
       </dsp:nvSpPr>
       <dsp:spPr>
         <a:xfrm>
-          <a:off x="436480" y="2128911"/>
-          <a:ext cx="793601" cy="793601"/>
+          <a:off x="4507481" y="728102"/>
+          <a:ext cx="1043437" cy="1043437"/>
         </a:xfrm>
         <a:prstGeom prst="rect">
           <a:avLst/>
@@ -5647,15 +5787,15 @@
         </a:fontRef>
       </dsp:style>
     </dsp:sp>
-    <dsp:sp modelId="{C0BEFAA7-429F-427C-A160-3DC046A008B8}">
+    <dsp:sp modelId="{66B6D849-1919-467C-A93D-BFC42CA94B5A}">
       <dsp:nvSpPr>
         <dsp:cNvPr id="0" name=""/>
         <dsp:cNvSpPr/>
       </dsp:nvSpPr>
       <dsp:spPr>
         <a:xfrm>
-          <a:off x="1666563" y="1804256"/>
-          <a:ext cx="5243823" cy="1442911"/>
+          <a:off x="3538574" y="2725540"/>
+          <a:ext cx="2981250" cy="720000"/>
         </a:xfrm>
         <a:prstGeom prst="rect">
           <a:avLst/>
@@ -5679,12 +5819,12 @@
         <a:fontRef idx="minor"/>
       </dsp:style>
       <dsp:txBody>
-        <a:bodyPr spcFirstLastPara="0" vert="horz" wrap="square" lIns="152708" tIns="152708" rIns="152708" bIns="152708" numCol="1" spcCol="1270" anchor="ctr" anchorCtr="0">
+        <a:bodyPr spcFirstLastPara="0" vert="horz" wrap="square" lIns="0" tIns="0" rIns="0" bIns="0" numCol="1" spcCol="1270" anchor="t" anchorCtr="0">
           <a:noAutofit/>
         </a:bodyPr>
         <a:lstStyle/>
         <a:p>
-          <a:pPr marL="0" lvl="0" indent="0" algn="l" defTabSz="1111250">
+          <a:pPr marL="0" lvl="0" indent="0" algn="ctr" defTabSz="711200">
             <a:lnSpc>
               <a:spcPct val="90000"/>
             </a:lnSpc>
@@ -5695,31 +5835,37 @@
               <a:spcPct val="35000"/>
             </a:spcAft>
             <a:buNone/>
+            <a:defRPr cap="all"/>
           </a:pPr>
           <a:r>
-            <a:rPr lang="en-US" sz="2500" kern="1200" dirty="0"/>
+            <a:rPr lang="en-US" sz="1600" kern="1200">
+              <a:latin typeface="Open Sans Light" panose="020B0306030504020204" pitchFamily="34" charset="0"/>
+              <a:ea typeface="Open Sans Light" panose="020B0306030504020204" pitchFamily="34" charset="0"/>
+              <a:cs typeface="Open Sans Light" panose="020B0306030504020204" pitchFamily="34" charset="0"/>
+            </a:rPr>
             <a:t>Improve the Logistic to avoid food shortage</a:t>
           </a:r>
         </a:p>
       </dsp:txBody>
       <dsp:txXfrm>
-        <a:off x="1666563" y="1804256"/>
-        <a:ext cx="5243823" cy="1442911"/>
+        <a:off x="3538574" y="2725540"/>
+        <a:ext cx="2981250" cy="720000"/>
       </dsp:txXfrm>
     </dsp:sp>
-    <dsp:sp modelId="{7F0C6C9D-FDF8-4033-8F7B-000B031C06FA}">
+    <dsp:sp modelId="{256AEEC0-1CF2-4A14-9591-A1F480DB1F48}">
       <dsp:nvSpPr>
         <dsp:cNvPr id="0" name=""/>
         <dsp:cNvSpPr/>
       </dsp:nvSpPr>
       <dsp:spPr>
         <a:xfrm>
-          <a:off x="0" y="3607896"/>
-          <a:ext cx="6910387" cy="1442911"/>
+          <a:off x="7622887" y="340539"/>
+          <a:ext cx="1818562" cy="1818562"/>
         </a:xfrm>
-        <a:prstGeom prst="roundRect">
+        <a:prstGeom prst="round2DiagRect">
           <a:avLst>
-            <a:gd name="adj" fmla="val 10000"/>
+            <a:gd name="adj1" fmla="val 29727"/>
+            <a:gd name="adj2" fmla="val 0"/>
           </a:avLst>
         </a:prstGeom>
         <a:solidFill>
@@ -5748,15 +5894,15 @@
         <a:fontRef idx="minor"/>
       </dsp:style>
     </dsp:sp>
-    <dsp:sp modelId="{3B2F5BF4-8CF4-4EC9-AFBB-0973BB90019B}">
+    <dsp:sp modelId="{28B6AD6C-741C-4418-85A1-C84AE4405B5C}">
       <dsp:nvSpPr>
         <dsp:cNvPr id="0" name=""/>
         <dsp:cNvSpPr/>
       </dsp:nvSpPr>
       <dsp:spPr>
         <a:xfrm>
-          <a:off x="436480" y="3932551"/>
-          <a:ext cx="793601" cy="793601"/>
+          <a:off x="8010450" y="728102"/>
+          <a:ext cx="1043437" cy="1043437"/>
         </a:xfrm>
         <a:prstGeom prst="rect">
           <a:avLst/>
@@ -5797,15 +5943,15 @@
         </a:fontRef>
       </dsp:style>
     </dsp:sp>
-    <dsp:sp modelId="{C6E0BA58-9EE8-44E7-8B85-D73E58D1D4C0}">
+    <dsp:sp modelId="{9136DE40-AEFB-4447-B471-80F350DF960A}">
       <dsp:nvSpPr>
         <dsp:cNvPr id="0" name=""/>
         <dsp:cNvSpPr/>
       </dsp:nvSpPr>
       <dsp:spPr>
         <a:xfrm>
-          <a:off x="1666563" y="3607896"/>
-          <a:ext cx="5243823" cy="1442911"/>
+          <a:off x="7041543" y="2725540"/>
+          <a:ext cx="2981250" cy="720000"/>
         </a:xfrm>
         <a:prstGeom prst="rect">
           <a:avLst/>
@@ -5829,12 +5975,12 @@
         <a:fontRef idx="minor"/>
       </dsp:style>
       <dsp:txBody>
-        <a:bodyPr spcFirstLastPara="0" vert="horz" wrap="square" lIns="152708" tIns="152708" rIns="152708" bIns="152708" numCol="1" spcCol="1270" anchor="ctr" anchorCtr="0">
+        <a:bodyPr spcFirstLastPara="0" vert="horz" wrap="square" lIns="0" tIns="0" rIns="0" bIns="0" numCol="1" spcCol="1270" anchor="t" anchorCtr="0">
           <a:noAutofit/>
         </a:bodyPr>
         <a:lstStyle/>
         <a:p>
-          <a:pPr marL="0" lvl="0" indent="0" algn="l" defTabSz="1111250">
+          <a:pPr marL="0" lvl="0" indent="0" algn="ctr" defTabSz="711200">
             <a:lnSpc>
               <a:spcPct val="90000"/>
             </a:lnSpc>
@@ -5845,16 +5991,21 @@
               <a:spcPct val="35000"/>
             </a:spcAft>
             <a:buNone/>
+            <a:defRPr cap="all"/>
           </a:pPr>
           <a:r>
-            <a:rPr lang="en-US" sz="2500" kern="1200" dirty="0"/>
+            <a:rPr lang="en-US" sz="1600" kern="1200">
+              <a:latin typeface="Open Sans Light" panose="020B0306030504020204" pitchFamily="34" charset="0"/>
+              <a:ea typeface="Open Sans Light" panose="020B0306030504020204" pitchFamily="34" charset="0"/>
+              <a:cs typeface="Open Sans Light" panose="020B0306030504020204" pitchFamily="34" charset="0"/>
+            </a:rPr>
             <a:t>Governments must change their exportation politics</a:t>
           </a:r>
         </a:p>
       </dsp:txBody>
       <dsp:txXfrm>
-        <a:off x="1666563" y="3607896"/>
-        <a:ext cx="5243823" cy="1442911"/>
+        <a:off x="7041543" y="2725540"/>
+        <a:ext cx="2981250" cy="720000"/>
       </dsp:txXfrm>
     </dsp:sp>
   </dsp:spTree>
@@ -5862,9 +6013,9 @@
 </file>
 
 <file path=ppt/diagrams/layout1.xml><?xml version="1.0" encoding="utf-8"?>
-<dgm:layoutDef xmlns:dgm="http://schemas.openxmlformats.org/drawingml/2006/diagram" xmlns:a="http://schemas.openxmlformats.org/drawingml/2006/main" uniqueId="urn:microsoft.com/office/officeart/2018/2/layout/IconVerticalSolidList">
-  <dgm:title val="Icon Vertical Solid List"/>
-  <dgm:desc val="Use to show a series of visuals from top to bottom with Level 1 or Level 1 and Level 2 text grouped in a shape. Works best with icons or small pictures with lengthier descriptions."/>
+<dgm:layoutDef xmlns:dgm="http://schemas.openxmlformats.org/drawingml/2006/diagram" xmlns:a="http://schemas.openxmlformats.org/drawingml/2006/main" uniqueId="urn:microsoft.com/office/officeart/2018/5/layout/IconLeafLabelList">
+  <dgm:title val="Icon Leaf Label List"/>
+  <dgm:desc val="Use to show non-sequential or grouped chunks of information accompanied by a related visuals. Works best with icons or small pictures with short text captions."/>
   <dgm:catLst>
     <dgm:cat type="icon" pri="500"/>
   </dgm:catLst>
@@ -5896,15 +6047,23 @@
     </dgm:varLst>
     <dgm:choose name="Name0">
       <dgm:if name="Name1" axis="self" func="var" arg="dir" op="equ" val="norm">
-        <dgm:alg type="lin">
-          <dgm:param type="linDir" val="fromT"/>
-          <dgm:param type="nodeHorzAlign" val="l"/>
+        <dgm:alg type="snake">
+          <dgm:param type="grDir" val="tL"/>
+          <dgm:param type="flowDir" val="row"/>
+          <dgm:param type="contDir" val="sameDir"/>
+          <dgm:param type="off" val="ctr"/>
+          <dgm:param type="vertAlign" val="mid"/>
+          <dgm:param type="horzAlign" val="ctr"/>
         </dgm:alg>
       </dgm:if>
       <dgm:else name="Name2">
-        <dgm:alg type="lin">
-          <dgm:param type="linDir" val="fromT"/>
-          <dgm:param type="nodeHorzAlign" val="r"/>
+        <dgm:alg type="snake">
+          <dgm:param type="grDir" val="tR"/>
+          <dgm:param type="flowDir" val="row"/>
+          <dgm:param type="contDir" val="sameDir"/>
+          <dgm:param type="off" val="ctr"/>
+          <dgm:param type="vertAlign" val="mid"/>
+          <dgm:param type="horzAlign" val="ctr"/>
         </dgm:alg>
       </dgm:else>
     </dgm:choose>
@@ -5913,73 +6072,53 @@
     </dgm:shape>
     <dgm:presOf/>
     <dgm:choose name="Name3">
-      <dgm:if name="Name4" axis="ch" ptType="node" func="cnt" op="lte" val="3">
+      <dgm:if name="Name4" axis="ch" ptType="node" func="cnt" op="lte" val="2">
         <dgm:constrLst>
-          <dgm:constr type="h" for="ch" forName="compNode" refType="h" fact="0.3"/>
-          <dgm:constr type="w" for="ch" forName="compNode" refType="w"/>
-          <dgm:constr type="h" for="ch" forName="sibTrans" refType="h" refFor="ch" refForName="compNode" fact="0.25"/>
-          <dgm:constr type="primFontSz" for="des" forName="parTx" val="25"/>
-          <dgm:constr type="primFontSz" for="des" forName="desTx" refType="primFontSz" refFor="des" refForName="parTx" op="lte" fact="0.75"/>
+          <dgm:constr type="h" for="ch" forName="compNode" refType="h" fact="0.4"/>
+          <dgm:constr type="w" for="ch" forName="compNode" val="100"/>
+          <dgm:constr type="w" for="ch" forName="sibTrans" refType="w" refFor="ch" refForName="compNode" fact="0.175"/>
+          <dgm:constr type="sp" refType="w" refFor="ch" refForName="compNode" op="equ" fact="0.25"/>
+          <dgm:constr type="primFontSz" for="des" ptType="node" op="equ" val="44"/>
           <dgm:constr type="h" for="des" forName="compNode" op="equ"/>
-          <dgm:constr type="h" for="des" forName="bgRect" op="equ"/>
-          <dgm:constr type="h" for="des" forName="iconRect" op="equ"/>
-          <dgm:constr type="w" for="des" forName="iconRect" op="equ"/>
-          <dgm:constr type="h" for="des" forName="spaceRect" op="equ"/>
-          <dgm:constr type="h" for="des" forName="parTx" op="equ"/>
-          <dgm:constr type="h" for="des" forName="desTx" op="equ"/>
+          <dgm:constr type="h" for="des" forName="textRect" op="equ"/>
         </dgm:constrLst>
       </dgm:if>
-      <dgm:if name="Name5" axis="ch" ptType="node" func="cnt" op="lte" val="4">
+      <dgm:if name="Name5" axis="ch" ptType="node" func="cnt" op="lte" val="3">
         <dgm:constrLst>
-          <dgm:constr type="h" for="ch" forName="compNode" refType="h" fact="0.3"/>
-          <dgm:constr type="w" for="ch" forName="compNode" refType="w"/>
-          <dgm:constr type="h" for="ch" forName="sibTrans" refType="h" refFor="ch" refForName="compNode" fact="0.25"/>
-          <dgm:constr type="primFontSz" for="des" forName="parTx" val="22"/>
-          <dgm:constr type="primFontSz" for="des" forName="desTx" refType="primFontSz" refFor="des" refForName="parTx" op="lte" fact="0.75"/>
+          <dgm:constr type="h" for="ch" forName="compNode" refType="h" fact="0.4"/>
+          <dgm:constr type="w" for="ch" forName="compNode" val="100"/>
+          <dgm:constr type="w" for="ch" forName="sibTrans" refType="w" refFor="ch" refForName="compNode" fact="0.175"/>
+          <dgm:constr type="sp" refType="w" refFor="ch" refForName="compNode" op="equ" fact="0.25"/>
+          <dgm:constr type="primFontSz" for="des" ptType="node" op="equ" val="40"/>
           <dgm:constr type="h" for="des" forName="compNode" op="equ"/>
-          <dgm:constr type="h" for="des" forName="bgRect" op="equ"/>
-          <dgm:constr type="h" for="des" forName="iconRect" op="equ"/>
-          <dgm:constr type="w" for="des" forName="iconRect" op="equ"/>
-          <dgm:constr type="h" for="des" forName="spaceRect" op="equ"/>
-          <dgm:constr type="h" for="des" forName="parTx" op="equ"/>
-          <dgm:constr type="h" for="des" forName="desTx" op="equ"/>
+          <dgm:constr type="h" for="des" forName="textRect" op="equ"/>
         </dgm:constrLst>
       </dgm:if>
-      <dgm:if name="Name6" axis="ch" ptType="node" func="cnt" op="lte" val="6">
+      <dgm:if name="Name6" axis="ch" ptType="node" func="cnt" op="lte" val="4">
         <dgm:constrLst>
-          <dgm:constr type="h" for="ch" forName="compNode" refType="h" fact="0.3"/>
+          <dgm:constr type="h" for="ch" forName="compNode" refType="h" fact="0.4"/>
           <dgm:constr type="w" for="ch" forName="compNode" refType="w"/>
-          <dgm:constr type="h" for="ch" forName="sibTrans" refType="h" refFor="ch" refForName="compNode" fact="0.25"/>
-          <dgm:constr type="primFontSz" for="des" forName="parTx" val="19"/>
-          <dgm:constr type="primFontSz" for="des" forName="desTx" refType="primFontSz" refFor="des" refForName="parTx" op="lte" fact="0.75"/>
+          <dgm:constr type="w" for="ch" forName="sibTrans" refType="w" refFor="ch" refForName="compNode" fact="0.175"/>
+          <dgm:constr type="sp" refType="w" refFor="ch" refForName="compNode" op="equ" fact="0.25"/>
+          <dgm:constr type="primFontSz" for="des" ptType="node" op="equ" val="32"/>
           <dgm:constr type="h" for="des" forName="compNode" op="equ"/>
-          <dgm:constr type="h" for="des" forName="bgRect" op="equ"/>
-          <dgm:constr type="h" for="des" forName="iconRect" op="equ"/>
-          <dgm:constr type="w" for="des" forName="iconRect" op="equ"/>
-          <dgm:constr type="h" for="des" forName="spaceRect" op="equ"/>
-          <dgm:constr type="h" for="des" forName="parTx" op="equ"/>
-          <dgm:constr type="h" for="des" forName="desTx" op="equ"/>
+          <dgm:constr type="h" for="des" forName="textRect" op="equ"/>
         </dgm:constrLst>
       </dgm:if>
       <dgm:else name="Name7">
         <dgm:constrLst>
-          <dgm:constr type="h" for="ch" forName="compNode" refType="h" fact="0.3"/>
+          <dgm:constr type="h" for="ch" forName="compNode" refType="h" fact="0.4"/>
           <dgm:constr type="w" for="ch" forName="compNode" refType="w"/>
-          <dgm:constr type="h" for="ch" forName="sibTrans" refType="h" refFor="ch" refForName="compNode" fact="0.25"/>
-          <dgm:constr type="primFontSz" for="des" forName="parTx" val="16"/>
-          <dgm:constr type="primFontSz" for="des" forName="desTx" refType="primFontSz" refFor="des" refForName="parTx" op="lte" fact="0.75"/>
+          <dgm:constr type="w" for="ch" forName="sibTrans" refType="w" refFor="ch" refForName="compNode" fact="0.175"/>
+          <dgm:constr type="sp" refType="w" refFor="ch" refForName="compNode" op="equ" fact="0.25"/>
+          <dgm:constr type="primFontSz" for="des" ptType="node" op="equ" val="24"/>
           <dgm:constr type="h" for="des" forName="compNode" op="equ"/>
-          <dgm:constr type="h" for="des" forName="bgRect" op="equ"/>
-          <dgm:constr type="h" for="des" forName="iconRect" op="equ"/>
-          <dgm:constr type="w" for="des" forName="iconRect" op="equ"/>
-          <dgm:constr type="h" for="des" forName="spaceRect" op="equ"/>
-          <dgm:constr type="h" for="des" forName="parTx" op="equ"/>
-          <dgm:constr type="h" for="des" forName="desTx" op="equ"/>
+          <dgm:constr type="h" for="des" forName="textRect" op="equ"/>
         </dgm:constrLst>
       </dgm:else>
     </dgm:choose>
     <dgm:ruleLst>
-      <dgm:rule type="h" for="ch" forName="compNode" val="0" fact="NaN" max="NaN"/>
+      <dgm:rule type="w" for="ch" forName="compNode" val="50" fact="NaN" max="NaN"/>
     </dgm:ruleLst>
     <dgm:forEach name="Name8" axis="ch" ptType="node">
       <dgm:layoutNode name="compNode">
@@ -5988,59 +6127,43 @@
           <dgm:adjLst/>
         </dgm:shape>
         <dgm:presOf axis="self"/>
-        <dgm:choose name="Name9">
-          <dgm:if name="Name10" axis="ch" ptType="node" func="cnt" op="gte" val="1">
-            <dgm:constrLst>
-              <dgm:constr type="w" for="ch" forName="bgRect" refType="w"/>
-              <dgm:constr type="h" for="ch" forName="bgRect" refType="h"/>
-              <dgm:constr type="l" for="ch" forName="bgRect"/>
-              <dgm:constr type="t" for="ch" forName="bgRect"/>
-              <dgm:constr type="h" for="ch" forName="iconRect" refType="h" fact="0.55"/>
-              <dgm:constr type="w" for="ch" forName="iconRect" refType="h" refFor="ch" refForName="iconRect"/>
-              <dgm:constr type="l" for="ch" forName="iconRect" refType="h" refFor="ch" refForName="iconRect" fact="0.55"/>
-              <dgm:constr type="ctrY" for="ch" forName="iconRect" refType="ctrY" refFor="ch" refForName="bgRect"/>
-              <dgm:constr type="w" for="ch" forName="spaceRect" refType="l" refFor="ch" refForName="iconRect"/>
-              <dgm:constr type="h" for="ch" forName="spaceRect" refType="h"/>
-              <dgm:constr type="l" for="ch" forName="spaceRect" refType="r" refFor="ch" refForName="iconRect"/>
-              <dgm:constr type="t" for="ch" forName="spaceRect"/>
-              <dgm:constr type="w" for="ch" forName="parTx" refType="w" fact="0.45"/>
-              <dgm:constr type="h" for="ch" forName="parTx" refType="h"/>
-              <dgm:constr type="l" for="ch" forName="parTx" refType="r" refFor="ch" refForName="spaceRect"/>
-              <dgm:constr type="t" for="ch" forName="parTx"/>
-              <dgm:constr type="h" for="ch" forName="desTx" refType="h"/>
-              <dgm:constr type="l" for="ch" forName="desTx" refType="r" refFor="ch" refForName="parTx"/>
-              <dgm:constr type="t" for="ch" forName="desTx"/>
-            </dgm:constrLst>
-          </dgm:if>
-          <dgm:else name="Name11">
-            <dgm:constrLst>
-              <dgm:constr type="w" for="ch" forName="bgRect" refType="w"/>
-              <dgm:constr type="h" for="ch" forName="bgRect" refType="h"/>
-              <dgm:constr type="l" for="ch" forName="bgRect"/>
-              <dgm:constr type="t" for="ch" forName="bgRect"/>
-              <dgm:constr type="h" for="ch" forName="iconRect" refType="h" fact="0.55"/>
-              <dgm:constr type="w" for="ch" forName="iconRect" refType="h" refFor="ch" refForName="iconRect"/>
-              <dgm:constr type="l" for="ch" forName="iconRect" refType="h" refFor="ch" refForName="iconRect" fact="0.55"/>
-              <dgm:constr type="ctrY" for="ch" forName="iconRect" refType="ctrY" refFor="ch" refForName="bgRect"/>
-              <dgm:constr type="w" for="ch" forName="spaceRect" refType="l" refFor="ch" refForName="iconRect"/>
-              <dgm:constr type="h" for="ch" forName="spaceRect" refType="h"/>
-              <dgm:constr type="l" for="ch" forName="spaceRect" refType="r" refFor="ch" refForName="iconRect"/>
-              <dgm:constr type="t" for="ch" forName="spaceRect"/>
-              <dgm:constr type="h" for="ch" forName="parTx" refType="h"/>
-              <dgm:constr type="l" for="ch" forName="parTx" refType="r" refFor="ch" refForName="spaceRect"/>
-              <dgm:constr type="t" for="ch" forName="parTx"/>
-            </dgm:constrLst>
-          </dgm:else>
-        </dgm:choose>
+        <dgm:constrLst>
+          <dgm:constr type="w" for="ch" forName="iconBgRect" refType="w" fact="0.61"/>
+          <dgm:constr type="h" for="ch" forName="iconBgRect" refType="w" refFor="ch" refForName="iconBgRect"/>
+          <dgm:constr type="t" for="ch" forName="iconBgRect"/>
+          <dgm:constr type="ctrX" for="ch" forName="iconBgRect" refType="w" fact="0.5"/>
+          <dgm:constr type="w" for="ch" forName="iconRect" refType="w" fact="0.35"/>
+          <dgm:constr type="h" for="ch" forName="iconRect" refType="w" refFor="ch" refForName="iconRect"/>
+          <dgm:constr type="ctrX" for="ch" forName="iconRect" refType="ctrX" refFor="ch" refForName="iconBgRect"/>
+          <dgm:constr type="ctrY" for="ch" forName="iconRect" refType="ctrY" refFor="ch" refForName="iconBgRect"/>
+          <dgm:constr type="h" for="ch" forName="spaceRect" refType="w" fact="0.19"/>
+          <dgm:constr type="w" for="ch" forName="spaceRect" refType="w"/>
+          <dgm:constr type="l" for="ch" forName="spaceRect"/>
+          <dgm:constr type="t" for="ch" forName="spaceRect" refType="b" refFor="ch" refForName="iconBgRect"/>
+          <dgm:constr type="h" for="ch" forName="textRect" val="20"/>
+          <dgm:constr type="w" for="ch" forName="textRect" refType="w"/>
+          <dgm:constr type="l" for="ch" forName="textRect"/>
+          <dgm:constr type="t" for="ch" forName="textRect" refType="b" refFor="ch" refForName="spaceRect"/>
+        </dgm:constrLst>
         <dgm:ruleLst>
           <dgm:rule type="h" val="INF" fact="NaN" max="NaN"/>
         </dgm:ruleLst>
-        <dgm:layoutNode name="bgRect" styleLbl="bgShp">
+        <dgm:layoutNode name="iconBgRect" styleLbl="bgShp">
           <dgm:alg type="sp"/>
-          <dgm:shape xmlns:r="http://schemas.openxmlformats.org/officeDocument/2006/relationships" type="roundRect" r:blip="">
-            <dgm:adjLst>
-              <dgm:adj idx="1" val="0.1"/>
-            </dgm:adjLst>
+          <dgm:shape xmlns:r="http://schemas.openxmlformats.org/officeDocument/2006/relationships" type="round2DiagRect" r:blip="">
+            <dgm:adjLst/>
+            <dgm:extLst>
+              <a:ext uri="{B698B0E9-8C71-41B9-8309-B3DCBF30829C}">
+                <dgm1612:spPr xmlns:dgm1612="http://schemas.microsoft.com/office/drawing/2016/12/diagram">
+                  <a:prstGeom prst="round2DiagRect">
+                    <a:avLst>
+                      <a:gd name="adj1" fmla="val 29727"/>
+                      <a:gd name="adj2" fmla="val 0"/>
+                    </a:avLst>
+                  </a:prstGeom>
+                </dgm1612:spPr>
+              </a:ext>
+            </dgm:extLst>
           </dgm:shape>
           <dgm:presOf/>
           <dgm:constrLst/>
@@ -6064,66 +6187,31 @@
           <dgm:constrLst/>
           <dgm:ruleLst/>
         </dgm:layoutNode>
-        <dgm:layoutNode name="parTx" styleLbl="revTx">
+        <dgm:layoutNode name="textRect" styleLbl="revTx">
           <dgm:varLst>
-            <dgm:chMax val="0"/>
-            <dgm:chPref val="0"/>
+            <dgm:chMax val="1"/>
+            <dgm:chPref val="1"/>
           </dgm:varLst>
           <dgm:alg type="tx">
-            <dgm:param type="txAnchorVert" val="mid"/>
-            <dgm:param type="parTxLTRAlign" val="l"/>
-            <dgm:param type="shpTxLTRAlignCh" val="l"/>
-            <dgm:param type="parTxRTLAlign" val="r"/>
-            <dgm:param type="shpTxRTLAlignCh" val="r"/>
+            <dgm:param type="txAnchorVert" val="t"/>
           </dgm:alg>
           <dgm:shape xmlns:r="http://schemas.openxmlformats.org/officeDocument/2006/relationships" type="rect" r:blip="">
             <dgm:adjLst/>
           </dgm:shape>
           <dgm:presOf axis="self" ptType="node"/>
           <dgm:constrLst>
-            <dgm:constr type="lMarg" refType="h" fact="0.3"/>
-            <dgm:constr type="rMarg" refType="h" fact="0.3"/>
-            <dgm:constr type="tMarg" refType="h" fact="0.3"/>
-            <dgm:constr type="bMarg" refType="h" fact="0.3"/>
+            <dgm:constr type="lMarg"/>
+            <dgm:constr type="rMarg"/>
+            <dgm:constr type="tMarg"/>
+            <dgm:constr type="bMarg"/>
           </dgm:constrLst>
           <dgm:ruleLst>
-            <dgm:rule type="primFontSz" val="14" fact="NaN" max="NaN"/>
+            <dgm:rule type="primFontSz" val="11" fact="NaN" max="NaN"/>
             <dgm:rule type="h" val="INF" fact="NaN" max="NaN"/>
           </dgm:ruleLst>
         </dgm:layoutNode>
-        <dgm:choose name="Name12">
-          <dgm:if name="Name13" axis="ch" ptType="node" func="cnt" op="gte" val="1">
-            <dgm:layoutNode name="desTx" styleLbl="revTx">
-              <dgm:varLst/>
-              <dgm:alg type="tx">
-                <dgm:param type="txAnchorVertCh" val="mid"/>
-                <dgm:param type="parTxLTRAlign" val="l"/>
-                <dgm:param type="shpTxLTRAlignCh" val="l"/>
-                <dgm:param type="parTxRTLAlign" val="r"/>
-                <dgm:param type="shpTxRTLAlignCh" val="r"/>
-                <dgm:param type="stBulletLvl" val="0"/>
-              </dgm:alg>
-              <dgm:shape xmlns:r="http://schemas.openxmlformats.org/officeDocument/2006/relationships" type="rect" r:blip="">
-                <dgm:adjLst/>
-              </dgm:shape>
-              <dgm:presOf axis="des" ptType="node"/>
-              <dgm:constrLst>
-                <dgm:constr type="primFontSz" val="18"/>
-                <dgm:constr type="secFontSz" refType="primFontSz"/>
-                <dgm:constr type="lMarg" refType="h" fact="0.3"/>
-                <dgm:constr type="rMarg" refType="h" fact="0.3"/>
-                <dgm:constr type="tMarg" refType="h" fact="0.3"/>
-                <dgm:constr type="bMarg" refType="h" fact="0.3"/>
-              </dgm:constrLst>
-              <dgm:ruleLst>
-                <dgm:rule type="primFontSz" val="11" fact="NaN" max="NaN"/>
-              </dgm:ruleLst>
-            </dgm:layoutNode>
-          </dgm:if>
-          <dgm:else name="Name14"/>
-        </dgm:choose>
       </dgm:layoutNode>
-      <dgm:forEach name="Name15" axis="followSib" ptType="sibTrans" cnt="1">
+      <dgm:forEach name="Name9" axis="followSib" ptType="sibTrans" cnt="1">
         <dgm:layoutNode name="sibTrans">
           <dgm:alg type="sp"/>
           <dgm:shape xmlns:r="http://schemas.openxmlformats.org/officeDocument/2006/relationships" r:blip="">
@@ -6143,12 +6231,8 @@
           <a:lnSpc>
             <a:spcPct val="100000"/>
           </a:lnSpc>
+          <a:defRPr cap="all"/>
         </a:lvl1pPr>
-        <a:lvl2pPr>
-          <a:lnSpc>
-            <a:spcPct val="100000"/>
-          </a:lnSpc>
-        </a:lvl2pPr>
       </dgm1612:lstStyle>
     </a:ext>
   </dgm:extLst>
@@ -6156,9 +6240,9 @@
 </file>
 
 <file path=ppt/diagrams/layout2.xml><?xml version="1.0" encoding="utf-8"?>
-<dgm:layoutDef xmlns:dgm="http://schemas.openxmlformats.org/drawingml/2006/diagram" xmlns:a="http://schemas.openxmlformats.org/drawingml/2006/main" uniqueId="urn:microsoft.com/office/officeart/2018/2/layout/IconVerticalSolidList">
-  <dgm:title val="Icon Vertical Solid List"/>
-  <dgm:desc val="Use to show a series of visuals from top to bottom with Level 1 or Level 1 and Level 2 text grouped in a shape. Works best with icons or small pictures with lengthier descriptions."/>
+<dgm:layoutDef xmlns:dgm="http://schemas.openxmlformats.org/drawingml/2006/diagram" xmlns:a="http://schemas.openxmlformats.org/drawingml/2006/main" uniqueId="urn:microsoft.com/office/officeart/2018/5/layout/IconLeafLabelList">
+  <dgm:title val="Icon Leaf Label List"/>
+  <dgm:desc val="Use to show non-sequential or grouped chunks of information accompanied by a related visuals. Works best with icons or small pictures with short text captions."/>
   <dgm:catLst>
     <dgm:cat type="icon" pri="500"/>
   </dgm:catLst>
@@ -6190,15 +6274,23 @@
     </dgm:varLst>
     <dgm:choose name="Name0">
       <dgm:if name="Name1" axis="self" func="var" arg="dir" op="equ" val="norm">
-        <dgm:alg type="lin">
-          <dgm:param type="linDir" val="fromT"/>
-          <dgm:param type="nodeHorzAlign" val="l"/>
+        <dgm:alg type="snake">
+          <dgm:param type="grDir" val="tL"/>
+          <dgm:param type="flowDir" val="row"/>
+          <dgm:param type="contDir" val="sameDir"/>
+          <dgm:param type="off" val="ctr"/>
+          <dgm:param type="vertAlign" val="mid"/>
+          <dgm:param type="horzAlign" val="ctr"/>
         </dgm:alg>
       </dgm:if>
       <dgm:else name="Name2">
-        <dgm:alg type="lin">
-          <dgm:param type="linDir" val="fromT"/>
-          <dgm:param type="nodeHorzAlign" val="r"/>
+        <dgm:alg type="snake">
+          <dgm:param type="grDir" val="tR"/>
+          <dgm:param type="flowDir" val="row"/>
+          <dgm:param type="contDir" val="sameDir"/>
+          <dgm:param type="off" val="ctr"/>
+          <dgm:param type="vertAlign" val="mid"/>
+          <dgm:param type="horzAlign" val="ctr"/>
         </dgm:alg>
       </dgm:else>
     </dgm:choose>
@@ -6207,73 +6299,53 @@
     </dgm:shape>
     <dgm:presOf/>
     <dgm:choose name="Name3">
-      <dgm:if name="Name4" axis="ch" ptType="node" func="cnt" op="lte" val="3">
+      <dgm:if name="Name4" axis="ch" ptType="node" func="cnt" op="lte" val="2">
         <dgm:constrLst>
-          <dgm:constr type="h" for="ch" forName="compNode" refType="h" fact="0.3"/>
-          <dgm:constr type="w" for="ch" forName="compNode" refType="w"/>
-          <dgm:constr type="h" for="ch" forName="sibTrans" refType="h" refFor="ch" refForName="compNode" fact="0.25"/>
-          <dgm:constr type="primFontSz" for="des" forName="parTx" val="25"/>
-          <dgm:constr type="primFontSz" for="des" forName="desTx" refType="primFontSz" refFor="des" refForName="parTx" op="lte" fact="0.75"/>
+          <dgm:constr type="h" for="ch" forName="compNode" refType="h" fact="0.4"/>
+          <dgm:constr type="w" for="ch" forName="compNode" val="100"/>
+          <dgm:constr type="w" for="ch" forName="sibTrans" refType="w" refFor="ch" refForName="compNode" fact="0.175"/>
+          <dgm:constr type="sp" refType="w" refFor="ch" refForName="compNode" op="equ" fact="0.25"/>
+          <dgm:constr type="primFontSz" for="des" ptType="node" op="equ" val="44"/>
           <dgm:constr type="h" for="des" forName="compNode" op="equ"/>
-          <dgm:constr type="h" for="des" forName="bgRect" op="equ"/>
-          <dgm:constr type="h" for="des" forName="iconRect" op="equ"/>
-          <dgm:constr type="w" for="des" forName="iconRect" op="equ"/>
-          <dgm:constr type="h" for="des" forName="spaceRect" op="equ"/>
-          <dgm:constr type="h" for="des" forName="parTx" op="equ"/>
-          <dgm:constr type="h" for="des" forName="desTx" op="equ"/>
+          <dgm:constr type="h" for="des" forName="textRect" op="equ"/>
         </dgm:constrLst>
       </dgm:if>
-      <dgm:if name="Name5" axis="ch" ptType="node" func="cnt" op="lte" val="4">
+      <dgm:if name="Name5" axis="ch" ptType="node" func="cnt" op="lte" val="3">
         <dgm:constrLst>
-          <dgm:constr type="h" for="ch" forName="compNode" refType="h" fact="0.3"/>
-          <dgm:constr type="w" for="ch" forName="compNode" refType="w"/>
-          <dgm:constr type="h" for="ch" forName="sibTrans" refType="h" refFor="ch" refForName="compNode" fact="0.25"/>
-          <dgm:constr type="primFontSz" for="des" forName="parTx" val="22"/>
-          <dgm:constr type="primFontSz" for="des" forName="desTx" refType="primFontSz" refFor="des" refForName="parTx" op="lte" fact="0.75"/>
+          <dgm:constr type="h" for="ch" forName="compNode" refType="h" fact="0.4"/>
+          <dgm:constr type="w" for="ch" forName="compNode" val="100"/>
+          <dgm:constr type="w" for="ch" forName="sibTrans" refType="w" refFor="ch" refForName="compNode" fact="0.175"/>
+          <dgm:constr type="sp" refType="w" refFor="ch" refForName="compNode" op="equ" fact="0.25"/>
+          <dgm:constr type="primFontSz" for="des" ptType="node" op="equ" val="40"/>
           <dgm:constr type="h" for="des" forName="compNode" op="equ"/>
-          <dgm:constr type="h" for="des" forName="bgRect" op="equ"/>
-          <dgm:constr type="h" for="des" forName="iconRect" op="equ"/>
-          <dgm:constr type="w" for="des" forName="iconRect" op="equ"/>
-          <dgm:constr type="h" for="des" forName="spaceRect" op="equ"/>
-          <dgm:constr type="h" for="des" forName="parTx" op="equ"/>
-          <dgm:constr type="h" for="des" forName="desTx" op="equ"/>
+          <dgm:constr type="h" for="des" forName="textRect" op="equ"/>
         </dgm:constrLst>
       </dgm:if>
-      <dgm:if name="Name6" axis="ch" ptType="node" func="cnt" op="lte" val="6">
+      <dgm:if name="Name6" axis="ch" ptType="node" func="cnt" op="lte" val="4">
         <dgm:constrLst>
-          <dgm:constr type="h" for="ch" forName="compNode" refType="h" fact="0.3"/>
+          <dgm:constr type="h" for="ch" forName="compNode" refType="h" fact="0.4"/>
           <dgm:constr type="w" for="ch" forName="compNode" refType="w"/>
-          <dgm:constr type="h" for="ch" forName="sibTrans" refType="h" refFor="ch" refForName="compNode" fact="0.25"/>
-          <dgm:constr type="primFontSz" for="des" forName="parTx" val="19"/>
-          <dgm:constr type="primFontSz" for="des" forName="desTx" refType="primFontSz" refFor="des" refForName="parTx" op="lte" fact="0.75"/>
+          <dgm:constr type="w" for="ch" forName="sibTrans" refType="w" refFor="ch" refForName="compNode" fact="0.175"/>
+          <dgm:constr type="sp" refType="w" refFor="ch" refForName="compNode" op="equ" fact="0.25"/>
+          <dgm:constr type="primFontSz" for="des" ptType="node" op="equ" val="32"/>
           <dgm:constr type="h" for="des" forName="compNode" op="equ"/>
-          <dgm:constr type="h" for="des" forName="bgRect" op="equ"/>
-          <dgm:constr type="h" for="des" forName="iconRect" op="equ"/>
-          <dgm:constr type="w" for="des" forName="iconRect" op="equ"/>
-          <dgm:constr type="h" for="des" forName="spaceRect" op="equ"/>
-          <dgm:constr type="h" for="des" forName="parTx" op="equ"/>
-          <dgm:constr type="h" for="des" forName="desTx" op="equ"/>
+          <dgm:constr type="h" for="des" forName="textRect" op="equ"/>
         </dgm:constrLst>
       </dgm:if>
       <dgm:else name="Name7">
         <dgm:constrLst>
-          <dgm:constr type="h" for="ch" forName="compNode" refType="h" fact="0.3"/>
+          <dgm:constr type="h" for="ch" forName="compNode" refType="h" fact="0.4"/>
           <dgm:constr type="w" for="ch" forName="compNode" refType="w"/>
-          <dgm:constr type="h" for="ch" forName="sibTrans" refType="h" refFor="ch" refForName="compNode" fact="0.25"/>
-          <dgm:constr type="primFontSz" for="des" forName="parTx" val="16"/>
-          <dgm:constr type="primFontSz" for="des" forName="desTx" refType="primFontSz" refFor="des" refForName="parTx" op="lte" fact="0.75"/>
+          <dgm:constr type="w" for="ch" forName="sibTrans" refType="w" refFor="ch" refForName="compNode" fact="0.175"/>
+          <dgm:constr type="sp" refType="w" refFor="ch" refForName="compNode" op="equ" fact="0.25"/>
+          <dgm:constr type="primFontSz" for="des" ptType="node" op="equ" val="24"/>
           <dgm:constr type="h" for="des" forName="compNode" op="equ"/>
-          <dgm:constr type="h" for="des" forName="bgRect" op="equ"/>
-          <dgm:constr type="h" for="des" forName="iconRect" op="equ"/>
-          <dgm:constr type="w" for="des" forName="iconRect" op="equ"/>
-          <dgm:constr type="h" for="des" forName="spaceRect" op="equ"/>
-          <dgm:constr type="h" for="des" forName="parTx" op="equ"/>
-          <dgm:constr type="h" for="des" forName="desTx" op="equ"/>
+          <dgm:constr type="h" for="des" forName="textRect" op="equ"/>
         </dgm:constrLst>
       </dgm:else>
     </dgm:choose>
     <dgm:ruleLst>
-      <dgm:rule type="h" for="ch" forName="compNode" val="0" fact="NaN" max="NaN"/>
+      <dgm:rule type="w" for="ch" forName="compNode" val="50" fact="NaN" max="NaN"/>
     </dgm:ruleLst>
     <dgm:forEach name="Name8" axis="ch" ptType="node">
       <dgm:layoutNode name="compNode">
@@ -6282,59 +6354,43 @@
           <dgm:adjLst/>
         </dgm:shape>
         <dgm:presOf axis="self"/>
-        <dgm:choose name="Name9">
-          <dgm:if name="Name10" axis="ch" ptType="node" func="cnt" op="gte" val="1">
-            <dgm:constrLst>
-              <dgm:constr type="w" for="ch" forName="bgRect" refType="w"/>
-              <dgm:constr type="h" for="ch" forName="bgRect" refType="h"/>
-              <dgm:constr type="l" for="ch" forName="bgRect"/>
-              <dgm:constr type="t" for="ch" forName="bgRect"/>
-              <dgm:constr type="h" for="ch" forName="iconRect" refType="h" fact="0.55"/>
-              <dgm:constr type="w" for="ch" forName="iconRect" refType="h" refFor="ch" refForName="iconRect"/>
-              <dgm:constr type="l" for="ch" forName="iconRect" refType="h" refFor="ch" refForName="iconRect" fact="0.55"/>
-              <dgm:constr type="ctrY" for="ch" forName="iconRect" refType="ctrY" refFor="ch" refForName="bgRect"/>
-              <dgm:constr type="w" for="ch" forName="spaceRect" refType="l" refFor="ch" refForName="iconRect"/>
-              <dgm:constr type="h" for="ch" forName="spaceRect" refType="h"/>
-              <dgm:constr type="l" for="ch" forName="spaceRect" refType="r" refFor="ch" refForName="iconRect"/>
-              <dgm:constr type="t" for="ch" forName="spaceRect"/>
-              <dgm:constr type="w" for="ch" forName="parTx" refType="w" fact="0.45"/>
-              <dgm:constr type="h" for="ch" forName="parTx" refType="h"/>
-              <dgm:constr type="l" for="ch" forName="parTx" refType="r" refFor="ch" refForName="spaceRect"/>
-              <dgm:constr type="t" for="ch" forName="parTx"/>
-              <dgm:constr type="h" for="ch" forName="desTx" refType="h"/>
-              <dgm:constr type="l" for="ch" forName="desTx" refType="r" refFor="ch" refForName="parTx"/>
-              <dgm:constr type="t" for="ch" forName="desTx"/>
-            </dgm:constrLst>
-          </dgm:if>
-          <dgm:else name="Name11">
-            <dgm:constrLst>
-              <dgm:constr type="w" for="ch" forName="bgRect" refType="w"/>
-              <dgm:constr type="h" for="ch" forName="bgRect" refType="h"/>
-              <dgm:constr type="l" for="ch" forName="bgRect"/>
-              <dgm:constr type="t" for="ch" forName="bgRect"/>
-              <dgm:constr type="h" for="ch" forName="iconRect" refType="h" fact="0.55"/>
-              <dgm:constr type="w" for="ch" forName="iconRect" refType="h" refFor="ch" refForName="iconRect"/>
-              <dgm:constr type="l" for="ch" forName="iconRect" refType="h" refFor="ch" refForName="iconRect" fact="0.55"/>
-              <dgm:constr type="ctrY" for="ch" forName="iconRect" refType="ctrY" refFor="ch" refForName="bgRect"/>
-              <dgm:constr type="w" for="ch" forName="spaceRect" refType="l" refFor="ch" refForName="iconRect"/>
-              <dgm:constr type="h" for="ch" forName="spaceRect" refType="h"/>
-              <dgm:constr type="l" for="ch" forName="spaceRect" refType="r" refFor="ch" refForName="iconRect"/>
-              <dgm:constr type="t" for="ch" forName="spaceRect"/>
-              <dgm:constr type="h" for="ch" forName="parTx" refType="h"/>
-              <dgm:constr type="l" for="ch" forName="parTx" refType="r" refFor="ch" refForName="spaceRect"/>
-              <dgm:constr type="t" for="ch" forName="parTx"/>
-            </dgm:constrLst>
-          </dgm:else>
-        </dgm:choose>
+        <dgm:constrLst>
+          <dgm:constr type="w" for="ch" forName="iconBgRect" refType="w" fact="0.61"/>
+          <dgm:constr type="h" for="ch" forName="iconBgRect" refType="w" refFor="ch" refForName="iconBgRect"/>
+          <dgm:constr type="t" for="ch" forName="iconBgRect"/>
+          <dgm:constr type="ctrX" for="ch" forName="iconBgRect" refType="w" fact="0.5"/>
+          <dgm:constr type="w" for="ch" forName="iconRect" refType="w" fact="0.35"/>
+          <dgm:constr type="h" for="ch" forName="iconRect" refType="w" refFor="ch" refForName="iconRect"/>
+          <dgm:constr type="ctrX" for="ch" forName="iconRect" refType="ctrX" refFor="ch" refForName="iconBgRect"/>
+          <dgm:constr type="ctrY" for="ch" forName="iconRect" refType="ctrY" refFor="ch" refForName="iconBgRect"/>
+          <dgm:constr type="h" for="ch" forName="spaceRect" refType="w" fact="0.19"/>
+          <dgm:constr type="w" for="ch" forName="spaceRect" refType="w"/>
+          <dgm:constr type="l" for="ch" forName="spaceRect"/>
+          <dgm:constr type="t" for="ch" forName="spaceRect" refType="b" refFor="ch" refForName="iconBgRect"/>
+          <dgm:constr type="h" for="ch" forName="textRect" val="20"/>
+          <dgm:constr type="w" for="ch" forName="textRect" refType="w"/>
+          <dgm:constr type="l" for="ch" forName="textRect"/>
+          <dgm:constr type="t" for="ch" forName="textRect" refType="b" refFor="ch" refForName="spaceRect"/>
+        </dgm:constrLst>
         <dgm:ruleLst>
           <dgm:rule type="h" val="INF" fact="NaN" max="NaN"/>
         </dgm:ruleLst>
-        <dgm:layoutNode name="bgRect" styleLbl="bgShp">
+        <dgm:layoutNode name="iconBgRect" styleLbl="bgShp">
           <dgm:alg type="sp"/>
-          <dgm:shape xmlns:r="http://schemas.openxmlformats.org/officeDocument/2006/relationships" type="roundRect" r:blip="">
-            <dgm:adjLst>
-              <dgm:adj idx="1" val="0.1"/>
-            </dgm:adjLst>
+          <dgm:shape xmlns:r="http://schemas.openxmlformats.org/officeDocument/2006/relationships" type="round2DiagRect" r:blip="">
+            <dgm:adjLst/>
+            <dgm:extLst>
+              <a:ext uri="{B698B0E9-8C71-41B9-8309-B3DCBF30829C}">
+                <dgm1612:spPr xmlns:dgm1612="http://schemas.microsoft.com/office/drawing/2016/12/diagram">
+                  <a:prstGeom prst="round2DiagRect">
+                    <a:avLst>
+                      <a:gd name="adj1" fmla="val 29727"/>
+                      <a:gd name="adj2" fmla="val 0"/>
+                    </a:avLst>
+                  </a:prstGeom>
+                </dgm1612:spPr>
+              </a:ext>
+            </dgm:extLst>
           </dgm:shape>
           <dgm:presOf/>
           <dgm:constrLst/>
@@ -6358,66 +6414,31 @@
           <dgm:constrLst/>
           <dgm:ruleLst/>
         </dgm:layoutNode>
-        <dgm:layoutNode name="parTx" styleLbl="revTx">
+        <dgm:layoutNode name="textRect" styleLbl="revTx">
           <dgm:varLst>
-            <dgm:chMax val="0"/>
-            <dgm:chPref val="0"/>
+            <dgm:chMax val="1"/>
+            <dgm:chPref val="1"/>
           </dgm:varLst>
           <dgm:alg type="tx">
-            <dgm:param type="txAnchorVert" val="mid"/>
-            <dgm:param type="parTxLTRAlign" val="l"/>
-            <dgm:param type="shpTxLTRAlignCh" val="l"/>
-            <dgm:param type="parTxRTLAlign" val="r"/>
-            <dgm:param type="shpTxRTLAlignCh" val="r"/>
+            <dgm:param type="txAnchorVert" val="t"/>
           </dgm:alg>
           <dgm:shape xmlns:r="http://schemas.openxmlformats.org/officeDocument/2006/relationships" type="rect" r:blip="">
             <dgm:adjLst/>
           </dgm:shape>
           <dgm:presOf axis="self" ptType="node"/>
           <dgm:constrLst>
-            <dgm:constr type="lMarg" refType="h" fact="0.3"/>
-            <dgm:constr type="rMarg" refType="h" fact="0.3"/>
-            <dgm:constr type="tMarg" refType="h" fact="0.3"/>
-            <dgm:constr type="bMarg" refType="h" fact="0.3"/>
+            <dgm:constr type="lMarg"/>
+            <dgm:constr type="rMarg"/>
+            <dgm:constr type="tMarg"/>
+            <dgm:constr type="bMarg"/>
           </dgm:constrLst>
           <dgm:ruleLst>
-            <dgm:rule type="primFontSz" val="14" fact="NaN" max="NaN"/>
+            <dgm:rule type="primFontSz" val="11" fact="NaN" max="NaN"/>
             <dgm:rule type="h" val="INF" fact="NaN" max="NaN"/>
           </dgm:ruleLst>
         </dgm:layoutNode>
-        <dgm:choose name="Name12">
-          <dgm:if name="Name13" axis="ch" ptType="node" func="cnt" op="gte" val="1">
-            <dgm:layoutNode name="desTx" styleLbl="revTx">
-              <dgm:varLst/>
-              <dgm:alg type="tx">
-                <dgm:param type="txAnchorVertCh" val="mid"/>
-                <dgm:param type="parTxLTRAlign" val="l"/>
-                <dgm:param type="shpTxLTRAlignCh" val="l"/>
-                <dgm:param type="parTxRTLAlign" val="r"/>
-                <dgm:param type="shpTxRTLAlignCh" val="r"/>
-                <dgm:param type="stBulletLvl" val="0"/>
-              </dgm:alg>
-              <dgm:shape xmlns:r="http://schemas.openxmlformats.org/officeDocument/2006/relationships" type="rect" r:blip="">
-                <dgm:adjLst/>
-              </dgm:shape>
-              <dgm:presOf axis="des" ptType="node"/>
-              <dgm:constrLst>
-                <dgm:constr type="primFontSz" val="18"/>
-                <dgm:constr type="secFontSz" refType="primFontSz"/>
-                <dgm:constr type="lMarg" refType="h" fact="0.3"/>
-                <dgm:constr type="rMarg" refType="h" fact="0.3"/>
-                <dgm:constr type="tMarg" refType="h" fact="0.3"/>
-                <dgm:constr type="bMarg" refType="h" fact="0.3"/>
-              </dgm:constrLst>
-              <dgm:ruleLst>
-                <dgm:rule type="primFontSz" val="11" fact="NaN" max="NaN"/>
-              </dgm:ruleLst>
-            </dgm:layoutNode>
-          </dgm:if>
-          <dgm:else name="Name14"/>
-        </dgm:choose>
       </dgm:layoutNode>
-      <dgm:forEach name="Name15" axis="followSib" ptType="sibTrans" cnt="1">
+      <dgm:forEach name="Name9" axis="followSib" ptType="sibTrans" cnt="1">
         <dgm:layoutNode name="sibTrans">
           <dgm:alg type="sp"/>
           <dgm:shape xmlns:r="http://schemas.openxmlformats.org/officeDocument/2006/relationships" r:blip="">
@@ -6437,12 +6458,8 @@
           <a:lnSpc>
             <a:spcPct val="100000"/>
           </a:lnSpc>
+          <a:defRPr cap="all"/>
         </a:lvl1pPr>
-        <a:lvl2pPr>
-          <a:lnSpc>
-            <a:spcPct val="100000"/>
-          </a:lnSpc>
-        </a:lvl2pPr>
       </dgm1612:lstStyle>
     </a:ext>
   </dgm:extLst>
@@ -8599,7 +8616,7 @@
           <a:p>
             <a:fld id="{A05E3A18-9A65-4165-923B-8574AF832DB3}" type="datetimeFigureOut">
               <a:rPr lang="it-IT" smtClean="0"/>
-              <a:t>06/05/2020</a:t>
+              <a:t>11/05/2020</a:t>
             </a:fld>
             <a:endParaRPr lang="it-IT"/>
           </a:p>
@@ -9109,9 +9126,9 @@
           <a:bodyPr/>
           <a:lstStyle/>
           <a:p>
-            <a:fld id="{9184DA70-C731-4C70-880D-CCD4705E623C}" type="datetime1">
+            <a:fld id="{DDE3ACC6-C49F-44BD-BFFD-9DE0159DD6DF}" type="datetime1">
               <a:rPr lang="en-US" smtClean="0"/>
-              <a:t>5/6/2020</a:t>
+              <a:t>5/11/2020</a:t>
             </a:fld>
             <a:endParaRPr lang="en-US" dirty="0"/>
           </a:p>
@@ -9297,9 +9314,9 @@
           <a:bodyPr/>
           <a:lstStyle/>
           <a:p>
-            <a:fld id="{B612A279-0833-481D-8C56-F67FD0AC6C50}" type="datetime1">
+            <a:fld id="{61EEDE42-2EAE-4963-AAB8-ED7C9040CBB9}" type="datetime1">
               <a:rPr lang="en-US" smtClean="0"/>
-              <a:t>5/6/2020</a:t>
+              <a:t>5/11/2020</a:t>
             </a:fld>
             <a:endParaRPr lang="en-US" dirty="0"/>
           </a:p>
@@ -9539,9 +9556,9 @@
           <a:bodyPr/>
           <a:lstStyle/>
           <a:p>
-            <a:fld id="{6587DA83-5663-4C9C-B9AA-0B40A3DAFF81}" type="datetime1">
+            <a:fld id="{A43E5853-1DE1-4B89-A23E-EBEA60CB0C50}" type="datetime1">
               <a:rPr lang="en-US" smtClean="0"/>
-              <a:t>5/6/2020</a:t>
+              <a:t>5/11/2020</a:t>
             </a:fld>
             <a:endParaRPr lang="en-US" dirty="0"/>
           </a:p>
@@ -9727,9 +9744,9 @@
           <a:bodyPr/>
           <a:lstStyle/>
           <a:p>
-            <a:fld id="{4BE1D723-8F53-4F53-90B0-1982A396982E}" type="datetime1">
+            <a:fld id="{B6CA35A2-9FDC-4FB8-8EE3-82AD1D0A1798}" type="datetime1">
               <a:rPr lang="en-US" smtClean="0"/>
-              <a:t>5/6/2020</a:t>
+              <a:t>5/11/2020</a:t>
             </a:fld>
             <a:endParaRPr lang="en-US" dirty="0"/>
           </a:p>
@@ -10100,9 +10117,9 @@
           <a:bodyPr/>
           <a:lstStyle/>
           <a:p>
-            <a:fld id="{97669AF7-7BEB-44E4-9852-375E34362B5B}" type="datetime1">
+            <a:fld id="{236CF93E-ECAA-4E61-BCF8-7CC72D78DAC2}" type="datetime1">
               <a:rPr lang="en-US" smtClean="0"/>
-              <a:t>5/6/2020</a:t>
+              <a:t>5/11/2020</a:t>
             </a:fld>
             <a:endParaRPr lang="en-US" dirty="0"/>
           </a:p>
@@ -10355,9 +10372,9 @@
           <a:bodyPr/>
           <a:lstStyle/>
           <a:p>
-            <a:fld id="{BAAAC38D-0552-4C82-B593-E6124DFADBE2}" type="datetime1">
+            <a:fld id="{7CE58625-28BA-44B6-9A06-F0469B1552B4}" type="datetime1">
               <a:rPr lang="en-US" smtClean="0"/>
-              <a:t>5/6/2020</a:t>
+              <a:t>5/11/2020</a:t>
             </a:fld>
             <a:endParaRPr lang="en-US" dirty="0"/>
           </a:p>
@@ -10752,9 +10769,9 @@
           <a:bodyPr/>
           <a:lstStyle/>
           <a:p>
-            <a:fld id="{D9DF0F1C-5577-4ACB-BB62-DF8F3C494C7E}" type="datetime1">
+            <a:fld id="{BDAE4FFA-81ED-48DA-AA0E-37B6EEA00D85}" type="datetime1">
               <a:rPr lang="en-US" smtClean="0"/>
-              <a:t>5/6/2020</a:t>
+              <a:t>5/11/2020</a:t>
             </a:fld>
             <a:endParaRPr lang="en-US" dirty="0"/>
           </a:p>
@@ -10888,9 +10905,9 @@
           <a:bodyPr/>
           <a:lstStyle/>
           <a:p>
-            <a:fld id="{1775B394-D9F9-4F0C-B15D-605F45CB9E9F}" type="datetime1">
+            <a:fld id="{A2284725-CA75-4CAF-A763-9CE700EE05D9}" type="datetime1">
               <a:rPr lang="en-US" smtClean="0"/>
-              <a:t>5/6/2020</a:t>
+              <a:t>5/11/2020</a:t>
             </a:fld>
             <a:endParaRPr lang="en-US" dirty="0"/>
           </a:p>
@@ -11045,9 +11062,9 @@
           <a:bodyPr/>
           <a:lstStyle/>
           <a:p>
-            <a:fld id="{39667345-2558-425A-8533-9BFDBCE15005}" type="datetime1">
+            <a:fld id="{8BB7C100-128B-4F40-AF91-4E5FD1767BCC}" type="datetime1">
               <a:rPr lang="en-US" smtClean="0"/>
-              <a:t>5/6/2020</a:t>
+              <a:t>5/11/2020</a:t>
             </a:fld>
             <a:endParaRPr lang="en-US" dirty="0"/>
           </a:p>
@@ -11374,9 +11391,9 @@
             </a:lvl1pPr>
           </a:lstStyle>
           <a:p>
-            <a:fld id="{92BEA474-078D-4E9B-9B14-09A87B19DC46}" type="datetime1">
+            <a:fld id="{E7EF3BAB-1E6A-41BB-A539-75F4E9DC076F}" type="datetime1">
               <a:rPr lang="en-US" smtClean="0"/>
-              <a:t>5/6/2020</a:t>
+              <a:t>5/11/2020</a:t>
             </a:fld>
             <a:endParaRPr lang="en-US" dirty="0"/>
           </a:p>
@@ -11724,9 +11741,9 @@
             </a:lvl1pPr>
           </a:lstStyle>
           <a:p>
-            <a:fld id="{4907D986-8816-4272-A432-0437A28A9828}" type="datetime1">
+            <a:fld id="{3749D000-1FAD-4EE5-9EB4-B63A4D0B32DE}" type="datetime1">
               <a:rPr lang="en-US" smtClean="0"/>
-              <a:t>5/6/2020</a:t>
+              <a:t>5/11/2020</a:t>
             </a:fld>
             <a:endParaRPr lang="en-US" dirty="0"/>
           </a:p>
@@ -11985,9 +12002,9 @@
             </a:lvl1pPr>
           </a:lstStyle>
           <a:p>
-            <a:fld id="{62D6E202-B606-4609-B914-27C9371A1F6D}" type="datetime1">
+            <a:fld id="{8FA881C0-9FB8-4159-A626-4B979CC08AD4}" type="datetime1">
               <a:rPr lang="en-US" smtClean="0"/>
-              <a:t>5/6/2020</a:t>
+              <a:t>5/11/2020</a:t>
             </a:fld>
             <a:endParaRPr lang="en-US" dirty="0"/>
           </a:p>
@@ -12132,7 +12149,7 @@
     <p:sldLayoutId id="2147483662" r:id="rId10"/>
     <p:sldLayoutId id="2147483661" r:id="rId11"/>
   </p:sldLayoutIdLst>
-  <p:hf sldNum="0" hdr="0" ftr="0" dt="0"/>
+  <p:hf hdr="0" ftr="0"/>
   <p:txStyles>
     <p:titleStyle>
       <a:lvl1pPr algn="l" defTabSz="914400" rtl="0" eaLnBrk="1" latinLnBrk="0" hangingPunct="1">
@@ -12646,6 +12663,8 @@
                 <a:solidFill>
                   <a:srgbClr val="FFFFFF"/>
                 </a:solidFill>
+                <a:latin typeface="Roboto Medium" panose="02000000000000000000" pitchFamily="2" charset="0"/>
+                <a:ea typeface="Roboto Medium" panose="02000000000000000000" pitchFamily="2" charset="0"/>
               </a:rPr>
               <a:t>GLOBAL UNDERNUTRITION </a:t>
             </a:r>
@@ -12657,17 +12676,23 @@
               </a:rPr>
             </a:br>
             <a:r>
-              <a:rPr lang="en-US" sz="5400" dirty="0">
+              <a:rPr lang="en-US" sz="3600" dirty="0">
                 <a:solidFill>
                   <a:srgbClr val="FFFFFF"/>
                 </a:solidFill>
+                <a:latin typeface="Roboto Light" panose="02000000000000000000" pitchFamily="2" charset="0"/>
+                <a:ea typeface="Roboto Light" panose="02000000000000000000" pitchFamily="2" charset="0"/>
+                <a:cs typeface="Open Sans Light" panose="020B0306030504020204" pitchFamily="34" charset="0"/>
               </a:rPr>
               <a:t>1 IN 9 PEOPLE AROUND THE WORLD GO HUNGRY EACH DAY</a:t>
             </a:r>
-            <a:endParaRPr lang="it-IT" sz="5400" dirty="0">
+            <a:endParaRPr lang="it-IT" sz="3600" dirty="0">
               <a:solidFill>
                 <a:srgbClr val="FFFFFF"/>
               </a:solidFill>
+              <a:latin typeface="Roboto Light" panose="02000000000000000000" pitchFamily="2" charset="0"/>
+              <a:ea typeface="Roboto Light" panose="02000000000000000000" pitchFamily="2" charset="0"/>
+              <a:cs typeface="Open Sans Light" panose="020B0306030504020204" pitchFamily="34" charset="0"/>
             </a:endParaRPr>
           </a:p>
         </p:txBody>
@@ -12705,6 +12730,9 @@
                 <a:solidFill>
                   <a:srgbClr val="FFFFFF"/>
                 </a:solidFill>
+                <a:latin typeface="Open Sans Light" panose="020B0306030504020204" pitchFamily="34" charset="0"/>
+                <a:ea typeface="Open Sans Light" panose="020B0306030504020204" pitchFamily="34" charset="0"/>
+                <a:cs typeface="Open Sans Light" panose="020B0306030504020204" pitchFamily="34" charset="0"/>
               </a:rPr>
               <a:t>Public health study(</a:t>
             </a:r>
@@ -12713,6 +12741,9 @@
                 <a:solidFill>
                   <a:srgbClr val="FFFFFF"/>
                 </a:solidFill>
+                <a:latin typeface="Open Sans Light" panose="020B0306030504020204" pitchFamily="34" charset="0"/>
+                <a:ea typeface="Open Sans Light" panose="020B0306030504020204" pitchFamily="34" charset="0"/>
+                <a:cs typeface="Open Sans Light" panose="020B0306030504020204" pitchFamily="34" charset="0"/>
               </a:rPr>
               <a:t>fao</a:t>
             </a:r>
@@ -12721,6 +12752,9 @@
                 <a:solidFill>
                   <a:srgbClr val="FFFFFF"/>
                 </a:solidFill>
+                <a:latin typeface="Open Sans Light" panose="020B0306030504020204" pitchFamily="34" charset="0"/>
+                <a:ea typeface="Open Sans Light" panose="020B0306030504020204" pitchFamily="34" charset="0"/>
+                <a:cs typeface="Open Sans Light" panose="020B0306030504020204" pitchFamily="34" charset="0"/>
               </a:rPr>
               <a:t>*)</a:t>
             </a:r>
@@ -12890,6 +12924,64 @@
           </a:p>
         </p:txBody>
       </p:sp>
+      <p:sp>
+        <p:nvSpPr>
+          <p:cNvPr id="6" name="Date Placeholder 5">
+            <a:extLst>
+              <a:ext uri="{FF2B5EF4-FFF2-40B4-BE49-F238E27FC236}">
+                <a16:creationId xmlns:a16="http://schemas.microsoft.com/office/drawing/2014/main" id="{CDEC0E2E-C1DF-44F6-8D15-DDA9C889B1B2}"/>
+              </a:ext>
+            </a:extLst>
+          </p:cNvPr>
+          <p:cNvSpPr>
+            <a:spLocks noGrp="1"/>
+          </p:cNvSpPr>
+          <p:nvPr>
+            <p:ph type="dt" sz="half" idx="10"/>
+          </p:nvPr>
+        </p:nvSpPr>
+        <p:spPr/>
+        <p:txBody>
+          <a:bodyPr/>
+          <a:lstStyle/>
+          <a:p>
+            <a:fld id="{612791E6-27E8-45F3-86A2-5B121F2401FA}" type="datetime1">
+              <a:rPr lang="en-US" smtClean="0"/>
+              <a:t>5/11/2020</a:t>
+            </a:fld>
+            <a:endParaRPr lang="en-US" dirty="0"/>
+          </a:p>
+        </p:txBody>
+      </p:sp>
+      <p:sp>
+        <p:nvSpPr>
+          <p:cNvPr id="7" name="Slide Number Placeholder 6">
+            <a:extLst>
+              <a:ext uri="{FF2B5EF4-FFF2-40B4-BE49-F238E27FC236}">
+                <a16:creationId xmlns:a16="http://schemas.microsoft.com/office/drawing/2014/main" id="{550629DB-8152-4CEF-B9D7-178BC38E3738}"/>
+              </a:ext>
+            </a:extLst>
+          </p:cNvPr>
+          <p:cNvSpPr>
+            <a:spLocks noGrp="1"/>
+          </p:cNvSpPr>
+          <p:nvPr>
+            <p:ph type="sldNum" sz="quarter" idx="12"/>
+          </p:nvPr>
+        </p:nvSpPr>
+        <p:spPr/>
+        <p:txBody>
+          <a:bodyPr/>
+          <a:lstStyle/>
+          <a:p>
+            <a:fld id="{3A98EE3D-8CD1-4C3F-BD1C-C98C9596463C}" type="slidenum">
+              <a:rPr lang="en-US" smtClean="0"/>
+              <a:t>1</a:t>
+            </a:fld>
+            <a:endParaRPr lang="en-US" dirty="0"/>
+          </a:p>
+        </p:txBody>
+      </p:sp>
     </p:spTree>
     <p:extLst>
       <p:ext uri="{BB962C8B-B14F-4D97-AF65-F5344CB8AC3E}">
@@ -12934,7 +13026,7 @@
         </p:nvSpPr>
         <p:spPr>
           <a:xfrm>
-            <a:off x="0" y="0"/>
+            <a:off x="76200" y="-12810"/>
             <a:ext cx="12192000" cy="523220"/>
           </a:xfrm>
           <a:prstGeom prst="rect">
@@ -12955,18 +13047,22 @@
                   <a:schemeClr val="bg1"/>
                 </a:solidFill>
                 <a:highlight>
-                  <a:srgbClr val="000000"/>
+                  <a:srgbClr val="808080"/>
                 </a:highlight>
+                <a:latin typeface="Roboto Medium" panose="02000000000000000000" pitchFamily="2" charset="0"/>
+                <a:ea typeface="Roboto Medium" panose="02000000000000000000" pitchFamily="2" charset="0"/>
               </a:rPr>
-              <a:t>3 Highest  Exportations </a:t>
+              <a:t>3 Highest Items Exported</a:t>
             </a:r>
             <a:endParaRPr lang="it-IT" sz="2800" dirty="0">
               <a:solidFill>
                 <a:schemeClr val="bg1"/>
               </a:solidFill>
               <a:highlight>
-                <a:srgbClr val="000000"/>
+                <a:srgbClr val="808080"/>
               </a:highlight>
+              <a:latin typeface="Roboto Medium" panose="02000000000000000000" pitchFamily="2" charset="0"/>
+              <a:ea typeface="Roboto Medium" panose="02000000000000000000" pitchFamily="2" charset="0"/>
             </a:endParaRPr>
           </a:p>
         </p:txBody>
@@ -12986,7 +13082,7 @@
         <p:spPr>
           <a:xfrm>
             <a:off x="1362649" y="646279"/>
-            <a:ext cx="3409908" cy="400110"/>
+            <a:ext cx="3674404" cy="400110"/>
           </a:xfrm>
           <a:prstGeom prst="rect">
             <a:avLst/>
@@ -13000,10 +13096,16 @@
           <a:lstStyle/>
           <a:p>
             <a:r>
-              <a:rPr lang="en-US" sz="2000" dirty="0"/>
+              <a:rPr lang="en-US" sz="2000" dirty="0">
+                <a:latin typeface="Roboto Light" panose="02000000000000000000" pitchFamily="2" charset="0"/>
+                <a:ea typeface="Roboto Light" panose="02000000000000000000" pitchFamily="2" charset="0"/>
+              </a:rPr>
               <a:t>Considering Other Supply Ratio</a:t>
             </a:r>
-            <a:endParaRPr lang="it-IT" sz="2000" dirty="0"/>
+            <a:endParaRPr lang="it-IT" sz="2000" dirty="0">
+              <a:latin typeface="Roboto Light" panose="02000000000000000000" pitchFamily="2" charset="0"/>
+              <a:ea typeface="Roboto Light" panose="02000000000000000000" pitchFamily="2" charset="0"/>
+            </a:endParaRPr>
           </a:p>
         </p:txBody>
       </p:sp>
@@ -13022,7 +13124,7 @@
         <p:spPr>
           <a:xfrm>
             <a:off x="8058704" y="666908"/>
-            <a:ext cx="2882840" cy="400110"/>
+            <a:ext cx="3429144" cy="400110"/>
           </a:xfrm>
           <a:prstGeom prst="rect">
             <a:avLst/>
@@ -13036,14 +13138,16 @@
           <a:lstStyle/>
           <a:p>
             <a:r>
-              <a:rPr lang="en-US" dirty="0"/>
-              <a:t>Considering Feed Food </a:t>
+              <a:rPr lang="en-US" sz="2000" dirty="0">
+                <a:latin typeface="Roboto Light" panose="02000000000000000000" pitchFamily="2" charset="0"/>
+                <a:ea typeface="Roboto Light" panose="02000000000000000000" pitchFamily="2" charset="0"/>
+              </a:rPr>
+              <a:t>Considering Feed Food Ratio</a:t>
             </a:r>
-            <a:r>
-              <a:rPr lang="en-US" sz="2000" dirty="0"/>
-              <a:t>Ratio</a:t>
-            </a:r>
-            <a:endParaRPr lang="it-IT" sz="2000" dirty="0"/>
+            <a:endParaRPr lang="it-IT" sz="2000" dirty="0">
+              <a:latin typeface="Roboto Light" panose="02000000000000000000" pitchFamily="2" charset="0"/>
+              <a:ea typeface="Roboto Light" panose="02000000000000000000" pitchFamily="2" charset="0"/>
+            </a:endParaRPr>
           </a:p>
         </p:txBody>
       </p:sp>
@@ -13064,7 +13168,7 @@
         </p:nvCxnSpPr>
         <p:spPr>
           <a:xfrm>
-            <a:off x="6096000" y="523220"/>
+            <a:off x="6172200" y="510410"/>
             <a:ext cx="0" cy="0"/>
           </a:xfrm>
           <a:prstGeom prst="line">
@@ -13103,7 +13207,7 @@
         </p:nvCxnSpPr>
         <p:spPr>
           <a:xfrm>
-            <a:off x="6096000" y="523220"/>
+            <a:off x="6172200" y="510410"/>
             <a:ext cx="0" cy="5844126"/>
           </a:xfrm>
           <a:prstGeom prst="line">
@@ -13357,7 +13461,7 @@
         <p:spPr>
           <a:xfrm>
             <a:off x="991897" y="1249052"/>
-            <a:ext cx="901209" cy="369332"/>
+            <a:ext cx="944489" cy="338554"/>
           </a:xfrm>
           <a:prstGeom prst="rect">
             <a:avLst/>
@@ -13371,14 +13475,18 @@
           <a:lstStyle/>
           <a:p>
             <a:r>
-              <a:rPr lang="en-US" dirty="0"/>
-              <a:t>Palm </a:t>
+              <a:rPr lang="en-US" sz="1600" dirty="0">
+                <a:latin typeface="Open Sans Light" panose="020B0306030504020204" pitchFamily="34" charset="0"/>
+                <a:ea typeface="Open Sans Light" panose="020B0306030504020204" pitchFamily="34" charset="0"/>
+                <a:cs typeface="Open Sans Light" panose="020B0306030504020204" pitchFamily="34" charset="0"/>
+              </a:rPr>
+              <a:t>Palm Oil</a:t>
             </a:r>
-            <a:r>
-              <a:rPr lang="en-US" sz="1400" dirty="0"/>
-              <a:t>Oil</a:t>
-            </a:r>
-            <a:endParaRPr lang="it-IT" sz="1400" dirty="0"/>
+            <a:endParaRPr lang="it-IT" sz="1600" dirty="0">
+              <a:latin typeface="Open Sans Light" panose="020B0306030504020204" pitchFamily="34" charset="0"/>
+              <a:ea typeface="Open Sans Light" panose="020B0306030504020204" pitchFamily="34" charset="0"/>
+              <a:cs typeface="Open Sans Light" panose="020B0306030504020204" pitchFamily="34" charset="0"/>
+            </a:endParaRPr>
           </a:p>
         </p:txBody>
       </p:sp>
@@ -13397,7 +13505,7 @@
         <p:spPr>
           <a:xfrm>
             <a:off x="3804970" y="1249052"/>
-            <a:ext cx="1057021" cy="369332"/>
+            <a:ext cx="1266693" cy="338554"/>
           </a:xfrm>
           <a:prstGeom prst="rect">
             <a:avLst/>
@@ -13411,18 +13519,18 @@
           <a:lstStyle/>
           <a:p>
             <a:r>
-              <a:rPr lang="en-US" sz="1400" dirty="0"/>
-              <a:t>Coconut</a:t>
+              <a:rPr lang="en-US" sz="1600" dirty="0">
+                <a:latin typeface="Open Sans Light" panose="020B0306030504020204" pitchFamily="34" charset="0"/>
+                <a:ea typeface="Open Sans Light" panose="020B0306030504020204" pitchFamily="34" charset="0"/>
+                <a:cs typeface="Open Sans Light" panose="020B0306030504020204" pitchFamily="34" charset="0"/>
+              </a:rPr>
+              <a:t>Coconut Oil</a:t>
             </a:r>
-            <a:r>
-              <a:rPr lang="en-US" dirty="0"/>
-              <a:t> </a:t>
-            </a:r>
-            <a:r>
-              <a:rPr lang="en-US" sz="1400" dirty="0"/>
-              <a:t>Oil</a:t>
-            </a:r>
-            <a:endParaRPr lang="it-IT" sz="1400" dirty="0"/>
+            <a:endParaRPr lang="it-IT" sz="1600" dirty="0">
+              <a:latin typeface="Open Sans Light" panose="020B0306030504020204" pitchFamily="34" charset="0"/>
+              <a:ea typeface="Open Sans Light" panose="020B0306030504020204" pitchFamily="34" charset="0"/>
+              <a:cs typeface="Open Sans Light" panose="020B0306030504020204" pitchFamily="34" charset="0"/>
+            </a:endParaRPr>
           </a:p>
         </p:txBody>
       </p:sp>
@@ -13441,7 +13549,7 @@
         <p:spPr>
           <a:xfrm>
             <a:off x="7556103" y="1249052"/>
-            <a:ext cx="981422" cy="369332"/>
+            <a:ext cx="981422" cy="338554"/>
           </a:xfrm>
           <a:prstGeom prst="rect">
             <a:avLst/>
@@ -13455,14 +13563,18 @@
           <a:lstStyle/>
           <a:p>
             <a:r>
-              <a:rPr lang="en-US" sz="1400" dirty="0"/>
-              <a:t>Barley</a:t>
+              <a:rPr lang="en-US" sz="1600" dirty="0">
+                <a:latin typeface="Open Sans Light" panose="020B0306030504020204" pitchFamily="34" charset="0"/>
+                <a:ea typeface="Open Sans Light" panose="020B0306030504020204" pitchFamily="34" charset="0"/>
+                <a:cs typeface="Open Sans Light" panose="020B0306030504020204" pitchFamily="34" charset="0"/>
+              </a:rPr>
+              <a:t>Barley </a:t>
             </a:r>
-            <a:r>
-              <a:rPr lang="en-US" dirty="0"/>
-              <a:t> </a:t>
-            </a:r>
-            <a:endParaRPr lang="it-IT" dirty="0"/>
+            <a:endParaRPr lang="it-IT" sz="1600" dirty="0">
+              <a:latin typeface="Open Sans Light" panose="020B0306030504020204" pitchFamily="34" charset="0"/>
+              <a:ea typeface="Open Sans Light" panose="020B0306030504020204" pitchFamily="34" charset="0"/>
+              <a:cs typeface="Open Sans Light" panose="020B0306030504020204" pitchFamily="34" charset="0"/>
+            </a:endParaRPr>
           </a:p>
         </p:txBody>
       </p:sp>
@@ -13481,7 +13593,7 @@
         <p:spPr>
           <a:xfrm>
             <a:off x="10253976" y="1249052"/>
-            <a:ext cx="990977" cy="307777"/>
+            <a:ext cx="1241045" cy="338554"/>
           </a:xfrm>
           <a:prstGeom prst="rect">
             <a:avLst/>
@@ -13495,10 +13607,30 @@
           <a:lstStyle/>
           <a:p>
             <a:r>
+              <a:rPr lang="en-US" sz="1600" dirty="0">
+                <a:latin typeface="Open Sans Light" panose="020B0306030504020204" pitchFamily="34" charset="0"/>
+                <a:ea typeface="Open Sans Light" panose="020B0306030504020204" pitchFamily="34" charset="0"/>
+                <a:cs typeface="Open Sans Light" panose="020B0306030504020204" pitchFamily="34" charset="0"/>
+              </a:rPr>
+              <a:t>Soya</a:t>
+            </a:r>
+            <a:r>
               <a:rPr lang="en-US" sz="1400" dirty="0"/>
-              <a:t>Soya beans</a:t>
+              <a:t> </a:t>
             </a:r>
-            <a:endParaRPr lang="it-IT" sz="1400" dirty="0"/>
+            <a:r>
+              <a:rPr lang="en-US" sz="1600" dirty="0">
+                <a:latin typeface="Open Sans Light" panose="020B0306030504020204" pitchFamily="34" charset="0"/>
+                <a:ea typeface="Open Sans Light" panose="020B0306030504020204" pitchFamily="34" charset="0"/>
+                <a:cs typeface="Open Sans Light" panose="020B0306030504020204" pitchFamily="34" charset="0"/>
+              </a:rPr>
+              <a:t>beans</a:t>
+            </a:r>
+            <a:endParaRPr lang="it-IT" sz="1600" dirty="0">
+              <a:latin typeface="Open Sans Light" panose="020B0306030504020204" pitchFamily="34" charset="0"/>
+              <a:ea typeface="Open Sans Light" panose="020B0306030504020204" pitchFamily="34" charset="0"/>
+              <a:cs typeface="Open Sans Light" panose="020B0306030504020204" pitchFamily="34" charset="0"/>
+            </a:endParaRPr>
           </a:p>
         </p:txBody>
       </p:sp>
@@ -13517,7 +13649,7 @@
         <p:spPr>
           <a:xfrm>
             <a:off x="2432172" y="4117040"/>
-            <a:ext cx="713657" cy="307777"/>
+            <a:ext cx="861133" cy="338554"/>
           </a:xfrm>
           <a:prstGeom prst="rect">
             <a:avLst/>
@@ -13531,10 +13663,18 @@
           <a:lstStyle/>
           <a:p>
             <a:r>
-              <a:rPr lang="en-US" sz="1400" dirty="0"/>
+              <a:rPr lang="en-US" sz="1600" dirty="0">
+                <a:latin typeface="Open Sans Light" panose="020B0306030504020204" pitchFamily="34" charset="0"/>
+                <a:ea typeface="Open Sans Light" panose="020B0306030504020204" pitchFamily="34" charset="0"/>
+                <a:cs typeface="Open Sans Light" panose="020B0306030504020204" pitchFamily="34" charset="0"/>
+              </a:rPr>
               <a:t>Alcohol</a:t>
             </a:r>
-            <a:endParaRPr lang="it-IT" sz="1400" dirty="0"/>
+            <a:endParaRPr lang="it-IT" sz="1600" dirty="0">
+              <a:latin typeface="Open Sans Light" panose="020B0306030504020204" pitchFamily="34" charset="0"/>
+              <a:ea typeface="Open Sans Light" panose="020B0306030504020204" pitchFamily="34" charset="0"/>
+              <a:cs typeface="Open Sans Light" panose="020B0306030504020204" pitchFamily="34" charset="0"/>
+            </a:endParaRPr>
           </a:p>
         </p:txBody>
       </p:sp>
@@ -13568,7 +13708,11 @@
           <a:p>
             <a:pPr algn="ctr"/>
             <a:r>
-              <a:rPr lang="en-US" sz="1400" dirty="0"/>
+              <a:rPr lang="en-US" sz="1600" dirty="0">
+                <a:latin typeface="Open Sans Light" panose="020B0306030504020204" pitchFamily="34" charset="0"/>
+                <a:ea typeface="Open Sans Light" panose="020B0306030504020204" pitchFamily="34" charset="0"/>
+                <a:cs typeface="Open Sans Light" panose="020B0306030504020204" pitchFamily="34" charset="0"/>
+              </a:rPr>
               <a:t>Maize</a:t>
             </a:r>
             <a:r>
@@ -13576,6 +13720,64 @@
               <a:t> </a:t>
             </a:r>
             <a:endParaRPr lang="it-IT" dirty="0"/>
+          </a:p>
+        </p:txBody>
+      </p:sp>
+      <p:sp>
+        <p:nvSpPr>
+          <p:cNvPr id="2" name="Date Placeholder 1">
+            <a:extLst>
+              <a:ext uri="{FF2B5EF4-FFF2-40B4-BE49-F238E27FC236}">
+                <a16:creationId xmlns:a16="http://schemas.microsoft.com/office/drawing/2014/main" id="{36DEEA73-6894-4D82-9C84-A37A3791C64B}"/>
+              </a:ext>
+            </a:extLst>
+          </p:cNvPr>
+          <p:cNvSpPr>
+            <a:spLocks noGrp="1"/>
+          </p:cNvSpPr>
+          <p:nvPr>
+            <p:ph type="dt" sz="half" idx="10"/>
+          </p:nvPr>
+        </p:nvSpPr>
+        <p:spPr/>
+        <p:txBody>
+          <a:bodyPr/>
+          <a:lstStyle/>
+          <a:p>
+            <a:fld id="{FA586C91-FAB1-4237-996F-25E561E6AE6D}" type="datetime1">
+              <a:rPr lang="en-US" smtClean="0"/>
+              <a:t>5/11/2020</a:t>
+            </a:fld>
+            <a:endParaRPr lang="en-US" dirty="0"/>
+          </a:p>
+        </p:txBody>
+      </p:sp>
+      <p:sp>
+        <p:nvSpPr>
+          <p:cNvPr id="3" name="Slide Number Placeholder 2">
+            <a:extLst>
+              <a:ext uri="{FF2B5EF4-FFF2-40B4-BE49-F238E27FC236}">
+                <a16:creationId xmlns:a16="http://schemas.microsoft.com/office/drawing/2014/main" id="{F88C9679-328D-498D-AC7F-41D99E04DBD2}"/>
+              </a:ext>
+            </a:extLst>
+          </p:cNvPr>
+          <p:cNvSpPr>
+            <a:spLocks noGrp="1"/>
+          </p:cNvSpPr>
+          <p:nvPr>
+            <p:ph type="sldNum" sz="quarter" idx="12"/>
+          </p:nvPr>
+        </p:nvSpPr>
+        <p:spPr/>
+        <p:txBody>
+          <a:bodyPr/>
+          <a:lstStyle/>
+          <a:p>
+            <a:fld id="{3A98EE3D-8CD1-4C3F-BD1C-C98C9596463C}" type="slidenum">
+              <a:rPr lang="en-US" smtClean="0"/>
+              <a:t>10</a:t>
+            </a:fld>
+            <a:endParaRPr lang="en-US" dirty="0"/>
           </a:p>
         </p:txBody>
       </p:sp>
@@ -13593,448 +13795,6 @@
 </file>
 
 <file path=ppt/slides/slide11.xml><?xml version="1.0" encoding="utf-8"?>
-<p:sld xmlns:a="http://schemas.openxmlformats.org/drawingml/2006/main" xmlns:r="http://schemas.openxmlformats.org/officeDocument/2006/relationships" xmlns:p="http://schemas.openxmlformats.org/presentationml/2006/main">
-  <p:cSld>
-    <p:spTree>
-      <p:nvGrpSpPr>
-        <p:cNvPr id="1" name=""/>
-        <p:cNvGrpSpPr/>
-        <p:nvPr/>
-      </p:nvGrpSpPr>
-      <p:grpSpPr>
-        <a:xfrm>
-          <a:off x="0" y="0"/>
-          <a:ext cx="0" cy="0"/>
-          <a:chOff x="0" y="0"/>
-          <a:chExt cx="0" cy="0"/>
-        </a:xfrm>
-      </p:grpSpPr>
-      <p:sp>
-        <p:nvSpPr>
-          <p:cNvPr id="9" name="TextBox 8">
-            <a:extLst>
-              <a:ext uri="{FF2B5EF4-FFF2-40B4-BE49-F238E27FC236}">
-                <a16:creationId xmlns:a16="http://schemas.microsoft.com/office/drawing/2014/main" id="{547160C1-DD19-40A7-B1C9-FDB429920EE7}"/>
-              </a:ext>
-            </a:extLst>
-          </p:cNvPr>
-          <p:cNvSpPr txBox="1"/>
-          <p:nvPr/>
-        </p:nvSpPr>
-        <p:spPr>
-          <a:xfrm>
-            <a:off x="0" y="0"/>
-            <a:ext cx="12192000" cy="523220"/>
-          </a:xfrm>
-          <a:prstGeom prst="rect">
-            <a:avLst/>
-          </a:prstGeom>
-          <a:noFill/>
-        </p:spPr>
-        <p:txBody>
-          <a:bodyPr wrap="square" rtlCol="0">
-            <a:spAutoFit/>
-          </a:bodyPr>
-          <a:lstStyle/>
-          <a:p>
-            <a:pPr algn="ctr"/>
-            <a:r>
-              <a:rPr lang="en-US" sz="2800" dirty="0">
-                <a:solidFill>
-                  <a:schemeClr val="bg1"/>
-                </a:solidFill>
-                <a:highlight>
-                  <a:srgbClr val="000000"/>
-                </a:highlight>
-              </a:rPr>
-              <a:t>We Are Producing Enough Food For The Entire Planet</a:t>
-            </a:r>
-            <a:endParaRPr lang="it-IT" sz="2800" dirty="0">
-              <a:solidFill>
-                <a:schemeClr val="bg1"/>
-              </a:solidFill>
-              <a:highlight>
-                <a:srgbClr val="000000"/>
-              </a:highlight>
-            </a:endParaRPr>
-          </a:p>
-        </p:txBody>
-      </p:sp>
-      <p:sp>
-        <p:nvSpPr>
-          <p:cNvPr id="4" name="TextBox 3">
-            <a:extLst>
-              <a:ext uri="{FF2B5EF4-FFF2-40B4-BE49-F238E27FC236}">
-                <a16:creationId xmlns:a16="http://schemas.microsoft.com/office/drawing/2014/main" id="{D0298989-4C75-45C0-9034-4FDDF70F2737}"/>
-              </a:ext>
-            </a:extLst>
-          </p:cNvPr>
-          <p:cNvSpPr txBox="1"/>
-          <p:nvPr/>
-        </p:nvSpPr>
-        <p:spPr>
-          <a:xfrm>
-            <a:off x="1362649" y="646279"/>
-            <a:ext cx="2326855" cy="400110"/>
-          </a:xfrm>
-          <a:prstGeom prst="rect">
-            <a:avLst/>
-          </a:prstGeom>
-          <a:noFill/>
-        </p:spPr>
-        <p:txBody>
-          <a:bodyPr wrap="none" rtlCol="0">
-            <a:spAutoFit/>
-          </a:bodyPr>
-          <a:lstStyle/>
-          <a:p>
-            <a:r>
-              <a:rPr lang="en-US" sz="2000" dirty="0"/>
-              <a:t>Considering </a:t>
-            </a:r>
-            <a:r>
-              <a:rPr lang="en-US" sz="2000" dirty="0" err="1"/>
-              <a:t>Vegetals</a:t>
-            </a:r>
-            <a:endParaRPr lang="it-IT" sz="2000" dirty="0"/>
-          </a:p>
-        </p:txBody>
-      </p:sp>
-      <p:sp>
-        <p:nvSpPr>
-          <p:cNvPr id="10" name="TextBox 9">
-            <a:extLst>
-              <a:ext uri="{FF2B5EF4-FFF2-40B4-BE49-F238E27FC236}">
-                <a16:creationId xmlns:a16="http://schemas.microsoft.com/office/drawing/2014/main" id="{900A0AA6-8F72-4F88-B48B-724655E75DEF}"/>
-              </a:ext>
-            </a:extLst>
-          </p:cNvPr>
-          <p:cNvSpPr txBox="1"/>
-          <p:nvPr/>
-        </p:nvSpPr>
-        <p:spPr>
-          <a:xfrm>
-            <a:off x="8058704" y="666908"/>
-            <a:ext cx="3117841" cy="369332"/>
-          </a:xfrm>
-          <a:prstGeom prst="rect">
-            <a:avLst/>
-          </a:prstGeom>
-          <a:noFill/>
-        </p:spPr>
-        <p:txBody>
-          <a:bodyPr wrap="none" rtlCol="0">
-            <a:spAutoFit/>
-          </a:bodyPr>
-          <a:lstStyle/>
-          <a:p>
-            <a:r>
-              <a:rPr lang="en-US" dirty="0"/>
-              <a:t>Considering Global Food Supply</a:t>
-            </a:r>
-            <a:endParaRPr lang="it-IT" sz="2000" dirty="0"/>
-          </a:p>
-        </p:txBody>
-      </p:sp>
-      <p:cxnSp>
-        <p:nvCxnSpPr>
-          <p:cNvPr id="7" name="Straight Connector 6">
-            <a:extLst>
-              <a:ext uri="{FF2B5EF4-FFF2-40B4-BE49-F238E27FC236}">
-                <a16:creationId xmlns:a16="http://schemas.microsoft.com/office/drawing/2014/main" id="{3497C440-45A7-4057-AA77-66FCBA4F8344}"/>
-              </a:ext>
-            </a:extLst>
-          </p:cNvPr>
-          <p:cNvCxnSpPr>
-            <a:stCxn id="9" idx="2"/>
-            <a:endCxn id="9" idx="2"/>
-          </p:cNvCxnSpPr>
-          <p:nvPr/>
-        </p:nvCxnSpPr>
-        <p:spPr>
-          <a:xfrm>
-            <a:off x="6096000" y="523220"/>
-            <a:ext cx="0" cy="0"/>
-          </a:xfrm>
-          <a:prstGeom prst="line">
-            <a:avLst/>
-          </a:prstGeom>
-        </p:spPr>
-        <p:style>
-          <a:lnRef idx="1">
-            <a:schemeClr val="accent1"/>
-          </a:lnRef>
-          <a:fillRef idx="0">
-            <a:schemeClr val="accent1"/>
-          </a:fillRef>
-          <a:effectRef idx="0">
-            <a:schemeClr val="accent1"/>
-          </a:effectRef>
-          <a:fontRef idx="minor">
-            <a:schemeClr val="tx1"/>
-          </a:fontRef>
-        </p:style>
-      </p:cxnSp>
-      <p:cxnSp>
-        <p:nvCxnSpPr>
-          <p:cNvPr id="12" name="Straight Connector 11">
-            <a:extLst>
-              <a:ext uri="{FF2B5EF4-FFF2-40B4-BE49-F238E27FC236}">
-                <a16:creationId xmlns:a16="http://schemas.microsoft.com/office/drawing/2014/main" id="{FE64CEFF-8DF0-4833-A54C-BF2147289130}"/>
-              </a:ext>
-            </a:extLst>
-          </p:cNvPr>
-          <p:cNvCxnSpPr>
-            <a:cxnSpLocks/>
-            <a:stCxn id="9" idx="2"/>
-          </p:cNvCxnSpPr>
-          <p:nvPr/>
-        </p:nvCxnSpPr>
-        <p:spPr>
-          <a:xfrm>
-            <a:off x="6096000" y="523220"/>
-            <a:ext cx="0" cy="5474794"/>
-          </a:xfrm>
-          <a:prstGeom prst="line">
-            <a:avLst/>
-          </a:prstGeom>
-          <a:ln w="31750"/>
-        </p:spPr>
-        <p:style>
-          <a:lnRef idx="1">
-            <a:schemeClr val="accent1"/>
-          </a:lnRef>
-          <a:fillRef idx="0">
-            <a:schemeClr val="accent1"/>
-          </a:fillRef>
-          <a:effectRef idx="0">
-            <a:schemeClr val="accent1"/>
-          </a:effectRef>
-          <a:fontRef idx="minor">
-            <a:schemeClr val="tx1"/>
-          </a:fontRef>
-        </p:style>
-      </p:cxnSp>
-      <mc:AlternateContent xmlns:mc="http://schemas.openxmlformats.org/markup-compatibility/2006">
-        <mc:Choice xmlns:cx2="http://schemas.microsoft.com/office/drawing/2015/10/21/chartex" Requires="cx2">
-          <p:graphicFrame>
-            <p:nvGraphicFramePr>
-              <p:cNvPr id="5" name="Chart 4">
-                <a:extLst>
-                  <a:ext uri="{FF2B5EF4-FFF2-40B4-BE49-F238E27FC236}">
-                    <a16:creationId xmlns:a16="http://schemas.microsoft.com/office/drawing/2014/main" id="{85113DBC-1B38-4D43-A747-31862C0F4CD9}"/>
-                  </a:ext>
-                </a:extLst>
-              </p:cNvPr>
-              <p:cNvGraphicFramePr>
-                <a:graphicFrameLocks/>
-              </p:cNvGraphicFramePr>
-              <p:nvPr>
-                <p:extLst>
-                  <p:ext uri="{D42A27DB-BD31-4B8C-83A1-F6EECF244321}">
-                    <p14:modId xmlns:p14="http://schemas.microsoft.com/office/powerpoint/2010/main" val="3192058520"/>
-                  </p:ext>
-                </p:extLst>
-              </p:nvPr>
-            </p:nvGraphicFramePr>
-            <p:xfrm>
-              <a:off x="163892" y="1433718"/>
-              <a:ext cx="5168660" cy="4204405"/>
-            </p:xfrm>
-            <a:graphic>
-              <a:graphicData uri="http://schemas.microsoft.com/office/drawing/2014/chartex">
-                <cx:chart xmlns:cx="http://schemas.microsoft.com/office/drawing/2014/chartex" xmlns:r="http://schemas.openxmlformats.org/officeDocument/2006/relationships" r:id="rId2"/>
-              </a:graphicData>
-            </a:graphic>
-          </p:graphicFrame>
-        </mc:Choice>
-        <mc:Fallback>
-          <p:pic>
-            <p:nvPicPr>
-              <p:cNvPr id="5" name="Chart 4">
-                <a:extLst>
-                  <a:ext uri="{FF2B5EF4-FFF2-40B4-BE49-F238E27FC236}">
-                    <a16:creationId xmlns:a16="http://schemas.microsoft.com/office/drawing/2014/main" id="{85113DBC-1B38-4D43-A747-31862C0F4CD9}"/>
-                  </a:ext>
-                </a:extLst>
-              </p:cNvPr>
-              <p:cNvPicPr>
-                <a:picLocks noGrp="1" noRot="1" noChangeAspect="1" noMove="1" noResize="1" noEditPoints="1" noAdjustHandles="1" noChangeArrowheads="1" noChangeShapeType="1"/>
-              </p:cNvPicPr>
-              <p:nvPr/>
-            </p:nvPicPr>
-            <p:blipFill>
-              <a:blip r:embed="rId3"/>
-              <a:stretch>
-                <a:fillRect/>
-              </a:stretch>
-            </p:blipFill>
-            <p:spPr>
-              <a:xfrm>
-                <a:off x="163892" y="1433718"/>
-                <a:ext cx="5168660" cy="4204405"/>
-              </a:xfrm>
-              <a:prstGeom prst="rect">
-                <a:avLst/>
-              </a:prstGeom>
-            </p:spPr>
-          </p:pic>
-        </mc:Fallback>
-      </mc:AlternateContent>
-      <mc:AlternateContent xmlns:mc="http://schemas.openxmlformats.org/markup-compatibility/2006">
-        <mc:Choice xmlns:cx2="http://schemas.microsoft.com/office/drawing/2015/10/21/chartex" Requires="cx2">
-          <p:graphicFrame>
-            <p:nvGraphicFramePr>
-              <p:cNvPr id="22" name="Chart 21">
-                <a:extLst>
-                  <a:ext uri="{FF2B5EF4-FFF2-40B4-BE49-F238E27FC236}">
-                    <a16:creationId xmlns:a16="http://schemas.microsoft.com/office/drawing/2014/main" id="{C14132EF-FDBA-4984-A5DA-53110790EB23}"/>
-                  </a:ext>
-                </a:extLst>
-              </p:cNvPr>
-              <p:cNvGraphicFramePr>
-                <a:graphicFrameLocks/>
-              </p:cNvGraphicFramePr>
-              <p:nvPr>
-                <p:extLst>
-                  <p:ext uri="{D42A27DB-BD31-4B8C-83A1-F6EECF244321}">
-                    <p14:modId xmlns:p14="http://schemas.microsoft.com/office/powerpoint/2010/main" val="2084508052"/>
-                  </p:ext>
-                </p:extLst>
-              </p:nvPr>
-            </p:nvGraphicFramePr>
-            <p:xfrm>
-              <a:off x="6453180" y="1433718"/>
-              <a:ext cx="5168660" cy="4204405"/>
-            </p:xfrm>
-            <a:graphic>
-              <a:graphicData uri="http://schemas.microsoft.com/office/drawing/2014/chartex">
-                <cx:chart xmlns:cx="http://schemas.microsoft.com/office/drawing/2014/chartex" xmlns:r="http://schemas.openxmlformats.org/officeDocument/2006/relationships" r:id="rId4"/>
-              </a:graphicData>
-            </a:graphic>
-          </p:graphicFrame>
-        </mc:Choice>
-        <mc:Fallback>
-          <p:pic>
-            <p:nvPicPr>
-              <p:cNvPr id="22" name="Chart 21">
-                <a:extLst>
-                  <a:ext uri="{FF2B5EF4-FFF2-40B4-BE49-F238E27FC236}">
-                    <a16:creationId xmlns:a16="http://schemas.microsoft.com/office/drawing/2014/main" id="{C14132EF-FDBA-4984-A5DA-53110790EB23}"/>
-                  </a:ext>
-                </a:extLst>
-              </p:cNvPr>
-              <p:cNvPicPr>
-                <a:picLocks noGrp="1" noRot="1" noChangeAspect="1" noMove="1" noResize="1" noEditPoints="1" noAdjustHandles="1" noChangeArrowheads="1" noChangeShapeType="1"/>
-              </p:cNvPicPr>
-              <p:nvPr/>
-            </p:nvPicPr>
-            <p:blipFill>
-              <a:blip r:embed="rId5"/>
-              <a:stretch>
-                <a:fillRect/>
-              </a:stretch>
-            </p:blipFill>
-            <p:spPr>
-              <a:xfrm>
-                <a:off x="6453180" y="1433718"/>
-                <a:ext cx="5168660" cy="4204405"/>
-              </a:xfrm>
-              <a:prstGeom prst="rect">
-                <a:avLst/>
-              </a:prstGeom>
-            </p:spPr>
-          </p:pic>
-        </mc:Fallback>
-      </mc:AlternateContent>
-      <p:sp>
-        <p:nvSpPr>
-          <p:cNvPr id="6" name="TextBox 5">
-            <a:extLst>
-              <a:ext uri="{FF2B5EF4-FFF2-40B4-BE49-F238E27FC236}">
-                <a16:creationId xmlns:a16="http://schemas.microsoft.com/office/drawing/2014/main" id="{D865DE7F-9257-4B64-B127-C19C796D370D}"/>
-              </a:ext>
-            </a:extLst>
-          </p:cNvPr>
-          <p:cNvSpPr txBox="1"/>
-          <p:nvPr/>
-        </p:nvSpPr>
-        <p:spPr>
-          <a:xfrm>
-            <a:off x="0" y="5998014"/>
-            <a:ext cx="12192000" cy="369332"/>
-          </a:xfrm>
-          <a:prstGeom prst="rect">
-            <a:avLst/>
-          </a:prstGeom>
-          <a:noFill/>
-        </p:spPr>
-        <p:txBody>
-          <a:bodyPr wrap="square" rtlCol="0">
-            <a:spAutoFit/>
-          </a:bodyPr>
-          <a:lstStyle/>
-          <a:p>
-            <a:r>
-              <a:rPr lang="en-US" dirty="0"/>
-              <a:t>According to the Dietary Guidelines A human need an average of </a:t>
-            </a:r>
-            <a:r>
-              <a:rPr lang="en-US" b="1" dirty="0"/>
-              <a:t>2400</a:t>
-            </a:r>
-            <a:r>
-              <a:rPr lang="en-US" dirty="0"/>
-              <a:t> calories per Day.</a:t>
-            </a:r>
-            <a:endParaRPr lang="it-IT" dirty="0"/>
-          </a:p>
-        </p:txBody>
-      </p:sp>
-    </p:spTree>
-    <p:extLst>
-      <p:ext uri="{BB962C8B-B14F-4D97-AF65-F5344CB8AC3E}">
-        <p14:creationId xmlns:p14="http://schemas.microsoft.com/office/powerpoint/2010/main" val="3819594069"/>
-      </p:ext>
-    </p:extLst>
-  </p:cSld>
-  <p:clrMapOvr>
-    <a:masterClrMapping/>
-  </p:clrMapOvr>
-</p:sld>
-</file>
-
-<file path=ppt/slides/slide12.xml><?xml version="1.0" encoding="utf-8"?>
-<p:sld xmlns:a="http://schemas.openxmlformats.org/drawingml/2006/main" xmlns:r="http://schemas.openxmlformats.org/officeDocument/2006/relationships" xmlns:p="http://schemas.openxmlformats.org/presentationml/2006/main">
-  <p:cSld>
-    <p:spTree>
-      <p:nvGrpSpPr>
-        <p:cNvPr id="1" name=""/>
-        <p:cNvGrpSpPr/>
-        <p:nvPr/>
-      </p:nvGrpSpPr>
-      <p:grpSpPr>
-        <a:xfrm>
-          <a:off x="0" y="0"/>
-          <a:ext cx="0" cy="0"/>
-          <a:chOff x="0" y="0"/>
-          <a:chExt cx="0" cy="0"/>
-        </a:xfrm>
-      </p:grpSpPr>
-    </p:spTree>
-    <p:extLst>
-      <p:ext uri="{BB962C8B-B14F-4D97-AF65-F5344CB8AC3E}">
-        <p14:creationId xmlns:p14="http://schemas.microsoft.com/office/powerpoint/2010/main" val="374019092"/>
-      </p:ext>
-    </p:extLst>
-  </p:cSld>
-  <p:clrMapOvr>
-    <a:masterClrMapping/>
-  </p:clrMapOvr>
-</p:sld>
-</file>
-
-<file path=ppt/slides/slide13.xml><?xml version="1.0" encoding="utf-8"?>
 <p:sld xmlns:a="http://schemas.openxmlformats.org/drawingml/2006/main" xmlns:r="http://schemas.openxmlformats.org/officeDocument/2006/relationships" xmlns:p="http://schemas.openxmlformats.org/presentationml/2006/main">
   <p:cSld>
     <p:bg>
@@ -14061,7 +13821,7 @@
       </p:grpSpPr>
       <p:sp useBgFill="1">
         <p:nvSpPr>
-          <p:cNvPr id="12" name="Rectangle 11">
+          <p:cNvPr id="23" name="Rectangle 22">
             <a:extLst>
               <a:ext uri="{FF2B5EF4-FFF2-40B4-BE49-F238E27FC236}">
                 <a16:creationId xmlns:a16="http://schemas.microsoft.com/office/drawing/2014/main" id="{990D0034-F768-41E7-85D4-F38C4DE85770}"/>
@@ -14121,10 +13881,10 @@
       </p:sp>
       <p:pic>
         <p:nvPicPr>
-          <p:cNvPr id="5" name="Content Placeholder 4" descr="A cow standing next to a fence&#10;&#10;Description automatically generated">
+          <p:cNvPr id="4" name="Picture 3" descr="A pile of fries&#10;&#10;Description automatically generated">
             <a:extLst>
               <a:ext uri="{FF2B5EF4-FFF2-40B4-BE49-F238E27FC236}">
-                <a16:creationId xmlns:a16="http://schemas.microsoft.com/office/drawing/2014/main" id="{790BB3F7-7EC1-4632-B465-D172DB8CFD9D}"/>
+                <a16:creationId xmlns:a16="http://schemas.microsoft.com/office/drawing/2014/main" id="{D7A444BF-9455-4507-A03E-382D28BEEC89}"/>
               </a:ext>
             </a:extLst>
           </p:cNvPr>
@@ -14141,7 +13901,7 @@
               </a:ext>
             </a:extLst>
           </a:blip>
-          <a:srcRect t="10154" r="1" b="3599"/>
+          <a:srcRect r="491"/>
           <a:stretch/>
         </p:blipFill>
         <p:spPr>
@@ -14156,7 +13916,7 @@
       </p:pic>
       <p:sp>
         <p:nvSpPr>
-          <p:cNvPr id="14" name="Rectangle 13">
+          <p:cNvPr id="25" name="Rectangle 24">
             <a:extLst>
               <a:ext uri="{FF2B5EF4-FFF2-40B4-BE49-F238E27FC236}">
                 <a16:creationId xmlns:a16="http://schemas.microsoft.com/office/drawing/2014/main" id="{95B38FD6-641F-41BF-B466-C1C6366420F0}"/>
@@ -14243,7 +14003,7 @@
         </p:spPr>
         <p:txBody>
           <a:bodyPr>
-            <a:normAutofit/>
+            <a:normAutofit fontScale="90000"/>
           </a:bodyPr>
           <a:lstStyle/>
           <a:p>
@@ -14252,20 +14012,24 @@
                 <a:solidFill>
                   <a:srgbClr val="FFFFFF"/>
                 </a:solidFill>
+                <a:latin typeface="Roboto Medium" panose="02000000000000000000" pitchFamily="2" charset="0"/>
+                <a:ea typeface="Roboto Medium" panose="02000000000000000000" pitchFamily="2" charset="0"/>
               </a:rPr>
-              <a:t>46% of Cereals is used for feed</a:t>
+              <a:t>Exportation is Another Insanity</a:t>
             </a:r>
             <a:endParaRPr lang="it-IT" sz="3600" dirty="0">
               <a:solidFill>
                 <a:srgbClr val="FFFFFF"/>
               </a:solidFill>
+              <a:latin typeface="Roboto Medium" panose="02000000000000000000" pitchFamily="2" charset="0"/>
+              <a:ea typeface="Roboto Medium" panose="02000000000000000000" pitchFamily="2" charset="0"/>
             </a:endParaRPr>
           </a:p>
         </p:txBody>
       </p:sp>
       <p:cxnSp>
         <p:nvCxnSpPr>
-          <p:cNvPr id="16" name="Straight Connector 15">
+          <p:cNvPr id="27" name="Straight Connector 26">
             <a:extLst>
               <a:ext uri="{FF2B5EF4-FFF2-40B4-BE49-F238E27FC236}">
                 <a16:creationId xmlns:a16="http://schemas.microsoft.com/office/drawing/2014/main" id="{6BF9119E-766E-4526-AAE5-639F577C0493}"/>
@@ -14344,12 +14108,26 @@
           <a:lstStyle/>
           <a:p>
             <a:r>
-              <a:rPr lang="en-US" sz="1600" dirty="0">
+              <a:rPr lang="en-US">
                 <a:solidFill>
                   <a:srgbClr val="FFFFFF"/>
                 </a:solidFill>
+                <a:latin typeface="Open Sans Light" panose="020B0306030504020204" pitchFamily="34" charset="0"/>
+                <a:ea typeface="Open Sans Light" panose="020B0306030504020204" pitchFamily="34" charset="0"/>
+                <a:cs typeface="Open Sans Light" panose="020B0306030504020204" pitchFamily="34" charset="0"/>
               </a:rPr>
-              <a:t>If United States reduces its production of animal products by 10% 14 million tons of cereals could be released.</a:t>
+              <a:t>Thailand exports </a:t>
+            </a:r>
+            <a:r>
+              <a:rPr lang="en-US" dirty="0">
+                <a:solidFill>
+                  <a:srgbClr val="FFFFFF"/>
+                </a:solidFill>
+                <a:latin typeface="Open Sans Light" panose="020B0306030504020204" pitchFamily="34" charset="0"/>
+                <a:ea typeface="Open Sans Light" panose="020B0306030504020204" pitchFamily="34" charset="0"/>
+                <a:cs typeface="Open Sans Light" panose="020B0306030504020204" pitchFamily="34" charset="0"/>
+              </a:rPr>
+              <a:t>83% of its production of Cassava, while around 9% of its population is undernourished.</a:t>
             </a:r>
           </a:p>
           <a:p>
@@ -14363,7 +14141,7 @@
       </p:sp>
       <p:sp>
         <p:nvSpPr>
-          <p:cNvPr id="18" name="Rectangle 17">
+          <p:cNvPr id="29" name="Rectangle 28">
             <a:extLst>
               <a:ext uri="{FF2B5EF4-FFF2-40B4-BE49-F238E27FC236}">
                 <a16:creationId xmlns:a16="http://schemas.microsoft.com/office/drawing/2014/main" id="{7363FFA6-C551-4935-A474-8B2482E55BAC}"/>
@@ -14418,10 +14196,68 @@
           </a:fontRef>
         </p:style>
       </p:sp>
+      <p:sp>
+        <p:nvSpPr>
+          <p:cNvPr id="3" name="Date Placeholder 2">
+            <a:extLst>
+              <a:ext uri="{FF2B5EF4-FFF2-40B4-BE49-F238E27FC236}">
+                <a16:creationId xmlns:a16="http://schemas.microsoft.com/office/drawing/2014/main" id="{D0560B1D-9CE6-4881-AF55-875B7E329274}"/>
+              </a:ext>
+            </a:extLst>
+          </p:cNvPr>
+          <p:cNvSpPr>
+            <a:spLocks noGrp="1"/>
+          </p:cNvSpPr>
+          <p:nvPr>
+            <p:ph type="dt" sz="half" idx="10"/>
+          </p:nvPr>
+        </p:nvSpPr>
+        <p:spPr/>
+        <p:txBody>
+          <a:bodyPr/>
+          <a:lstStyle/>
+          <a:p>
+            <a:fld id="{AE502658-F657-4195-BC01-ED33904B41C0}" type="datetime1">
+              <a:rPr lang="en-US" smtClean="0"/>
+              <a:t>5/11/2020</a:t>
+            </a:fld>
+            <a:endParaRPr lang="en-US" dirty="0"/>
+          </a:p>
+        </p:txBody>
+      </p:sp>
+      <p:sp>
+        <p:nvSpPr>
+          <p:cNvPr id="5" name="Slide Number Placeholder 4">
+            <a:extLst>
+              <a:ext uri="{FF2B5EF4-FFF2-40B4-BE49-F238E27FC236}">
+                <a16:creationId xmlns:a16="http://schemas.microsoft.com/office/drawing/2014/main" id="{5ECC1C6E-C3B2-46E2-A563-A31219E60C2A}"/>
+              </a:ext>
+            </a:extLst>
+          </p:cNvPr>
+          <p:cNvSpPr>
+            <a:spLocks noGrp="1"/>
+          </p:cNvSpPr>
+          <p:nvPr>
+            <p:ph type="sldNum" sz="quarter" idx="12"/>
+          </p:nvPr>
+        </p:nvSpPr>
+        <p:spPr/>
+        <p:txBody>
+          <a:bodyPr/>
+          <a:lstStyle/>
+          <a:p>
+            <a:fld id="{3A98EE3D-8CD1-4C3F-BD1C-C98C9596463C}" type="slidenum">
+              <a:rPr lang="en-US" smtClean="0"/>
+              <a:t>11</a:t>
+            </a:fld>
+            <a:endParaRPr lang="en-US" dirty="0"/>
+          </a:p>
+        </p:txBody>
+      </p:sp>
     </p:spTree>
     <p:extLst>
       <p:ext uri="{BB962C8B-B14F-4D97-AF65-F5344CB8AC3E}">
-        <p14:creationId xmlns:p14="http://schemas.microsoft.com/office/powerpoint/2010/main" val="344777950"/>
+        <p14:creationId xmlns:p14="http://schemas.microsoft.com/office/powerpoint/2010/main" val="237857299"/>
       </p:ext>
     </p:extLst>
   </p:cSld>
@@ -14431,7 +14267,509 @@
 </p:sld>
 </file>
 
-<file path=ppt/slides/slide14.xml><?xml version="1.0" encoding="utf-8"?>
+<file path=ppt/slides/slide12.xml><?xml version="1.0" encoding="utf-8"?>
+<p:sld xmlns:a="http://schemas.openxmlformats.org/drawingml/2006/main" xmlns:r="http://schemas.openxmlformats.org/officeDocument/2006/relationships" xmlns:p="http://schemas.openxmlformats.org/presentationml/2006/main">
+  <p:cSld>
+    <p:spTree>
+      <p:nvGrpSpPr>
+        <p:cNvPr id="1" name=""/>
+        <p:cNvGrpSpPr/>
+        <p:nvPr/>
+      </p:nvGrpSpPr>
+      <p:grpSpPr>
+        <a:xfrm>
+          <a:off x="0" y="0"/>
+          <a:ext cx="0" cy="0"/>
+          <a:chOff x="0" y="0"/>
+          <a:chExt cx="0" cy="0"/>
+        </a:xfrm>
+      </p:grpSpPr>
+      <p:sp>
+        <p:nvSpPr>
+          <p:cNvPr id="9" name="TextBox 8">
+            <a:extLst>
+              <a:ext uri="{FF2B5EF4-FFF2-40B4-BE49-F238E27FC236}">
+                <a16:creationId xmlns:a16="http://schemas.microsoft.com/office/drawing/2014/main" id="{547160C1-DD19-40A7-B1C9-FDB429920EE7}"/>
+              </a:ext>
+            </a:extLst>
+          </p:cNvPr>
+          <p:cNvSpPr txBox="1"/>
+          <p:nvPr/>
+        </p:nvSpPr>
+        <p:spPr>
+          <a:xfrm>
+            <a:off x="0" y="0"/>
+            <a:ext cx="12192000" cy="523220"/>
+          </a:xfrm>
+          <a:prstGeom prst="rect">
+            <a:avLst/>
+          </a:prstGeom>
+          <a:noFill/>
+        </p:spPr>
+        <p:txBody>
+          <a:bodyPr wrap="square" rtlCol="0">
+            <a:spAutoFit/>
+          </a:bodyPr>
+          <a:lstStyle/>
+          <a:p>
+            <a:pPr algn="ctr"/>
+            <a:r>
+              <a:rPr lang="en-US" sz="2800" dirty="0">
+                <a:solidFill>
+                  <a:schemeClr val="bg1"/>
+                </a:solidFill>
+                <a:highlight>
+                  <a:srgbClr val="808080"/>
+                </a:highlight>
+                <a:latin typeface="Roboto Medium" panose="02000000000000000000" pitchFamily="2" charset="0"/>
+                <a:ea typeface="Roboto Medium" panose="02000000000000000000" pitchFamily="2" charset="0"/>
+              </a:rPr>
+              <a:t>We Are Producing Enough Food For The Entire Planet</a:t>
+            </a:r>
+            <a:endParaRPr lang="it-IT" sz="2800" dirty="0">
+              <a:solidFill>
+                <a:schemeClr val="bg1"/>
+              </a:solidFill>
+              <a:highlight>
+                <a:srgbClr val="808080"/>
+              </a:highlight>
+              <a:latin typeface="Roboto Medium" panose="02000000000000000000" pitchFamily="2" charset="0"/>
+              <a:ea typeface="Roboto Medium" panose="02000000000000000000" pitchFamily="2" charset="0"/>
+            </a:endParaRPr>
+          </a:p>
+        </p:txBody>
+      </p:sp>
+      <p:sp>
+        <p:nvSpPr>
+          <p:cNvPr id="4" name="TextBox 3">
+            <a:extLst>
+              <a:ext uri="{FF2B5EF4-FFF2-40B4-BE49-F238E27FC236}">
+                <a16:creationId xmlns:a16="http://schemas.microsoft.com/office/drawing/2014/main" id="{D0298989-4C75-45C0-9034-4FDDF70F2737}"/>
+              </a:ext>
+            </a:extLst>
+          </p:cNvPr>
+          <p:cNvSpPr txBox="1"/>
+          <p:nvPr/>
+        </p:nvSpPr>
+        <p:spPr>
+          <a:xfrm>
+            <a:off x="1512948" y="653608"/>
+            <a:ext cx="2470548" cy="400110"/>
+          </a:xfrm>
+          <a:prstGeom prst="rect">
+            <a:avLst/>
+          </a:prstGeom>
+          <a:noFill/>
+        </p:spPr>
+        <p:txBody>
+          <a:bodyPr wrap="none" rtlCol="0">
+            <a:spAutoFit/>
+          </a:bodyPr>
+          <a:lstStyle/>
+          <a:p>
+            <a:r>
+              <a:rPr lang="en-US" sz="2000" dirty="0">
+                <a:latin typeface="Open Sans Light" panose="020B0306030504020204" pitchFamily="34" charset="0"/>
+                <a:ea typeface="Open Sans Light" panose="020B0306030504020204" pitchFamily="34" charset="0"/>
+                <a:cs typeface="Open Sans Light" panose="020B0306030504020204" pitchFamily="34" charset="0"/>
+              </a:rPr>
+              <a:t>Considering Vegetal</a:t>
+            </a:r>
+            <a:endParaRPr lang="it-IT" sz="2000" dirty="0">
+              <a:latin typeface="Open Sans Light" panose="020B0306030504020204" pitchFamily="34" charset="0"/>
+              <a:ea typeface="Open Sans Light" panose="020B0306030504020204" pitchFamily="34" charset="0"/>
+              <a:cs typeface="Open Sans Light" panose="020B0306030504020204" pitchFamily="34" charset="0"/>
+            </a:endParaRPr>
+          </a:p>
+        </p:txBody>
+      </p:sp>
+      <p:sp>
+        <p:nvSpPr>
+          <p:cNvPr id="10" name="TextBox 9">
+            <a:extLst>
+              <a:ext uri="{FF2B5EF4-FFF2-40B4-BE49-F238E27FC236}">
+                <a16:creationId xmlns:a16="http://schemas.microsoft.com/office/drawing/2014/main" id="{900A0AA6-8F72-4F88-B48B-724655E75DEF}"/>
+              </a:ext>
+            </a:extLst>
+          </p:cNvPr>
+          <p:cNvSpPr txBox="1"/>
+          <p:nvPr/>
+        </p:nvSpPr>
+        <p:spPr>
+          <a:xfrm>
+            <a:off x="7584682" y="653608"/>
+            <a:ext cx="3852337" cy="400110"/>
+          </a:xfrm>
+          <a:prstGeom prst="rect">
+            <a:avLst/>
+          </a:prstGeom>
+          <a:noFill/>
+        </p:spPr>
+        <p:txBody>
+          <a:bodyPr wrap="none" rtlCol="0">
+            <a:spAutoFit/>
+          </a:bodyPr>
+          <a:lstStyle/>
+          <a:p>
+            <a:r>
+              <a:rPr lang="en-US" sz="2000" dirty="0">
+                <a:latin typeface="Open Sans Light" panose="020B0306030504020204" pitchFamily="34" charset="0"/>
+                <a:ea typeface="Open Sans Light" panose="020B0306030504020204" pitchFamily="34" charset="0"/>
+                <a:cs typeface="Open Sans Light" panose="020B0306030504020204" pitchFamily="34" charset="0"/>
+              </a:rPr>
+              <a:t>Considering Global Food Supply</a:t>
+            </a:r>
+            <a:endParaRPr lang="it-IT" sz="2000" dirty="0">
+              <a:latin typeface="Open Sans Light" panose="020B0306030504020204" pitchFamily="34" charset="0"/>
+              <a:ea typeface="Open Sans Light" panose="020B0306030504020204" pitchFamily="34" charset="0"/>
+              <a:cs typeface="Open Sans Light" panose="020B0306030504020204" pitchFamily="34" charset="0"/>
+            </a:endParaRPr>
+          </a:p>
+        </p:txBody>
+      </p:sp>
+      <p:cxnSp>
+        <p:nvCxnSpPr>
+          <p:cNvPr id="7" name="Straight Connector 6">
+            <a:extLst>
+              <a:ext uri="{FF2B5EF4-FFF2-40B4-BE49-F238E27FC236}">
+                <a16:creationId xmlns:a16="http://schemas.microsoft.com/office/drawing/2014/main" id="{3497C440-45A7-4057-AA77-66FCBA4F8344}"/>
+              </a:ext>
+            </a:extLst>
+          </p:cNvPr>
+          <p:cNvCxnSpPr>
+            <a:stCxn id="9" idx="2"/>
+            <a:endCxn id="9" idx="2"/>
+          </p:cNvCxnSpPr>
+          <p:nvPr/>
+        </p:nvCxnSpPr>
+        <p:spPr>
+          <a:xfrm>
+            <a:off x="6096000" y="523220"/>
+            <a:ext cx="0" cy="0"/>
+          </a:xfrm>
+          <a:prstGeom prst="line">
+            <a:avLst/>
+          </a:prstGeom>
+        </p:spPr>
+        <p:style>
+          <a:lnRef idx="1">
+            <a:schemeClr val="accent1"/>
+          </a:lnRef>
+          <a:fillRef idx="0">
+            <a:schemeClr val="accent1"/>
+          </a:fillRef>
+          <a:effectRef idx="0">
+            <a:schemeClr val="accent1"/>
+          </a:effectRef>
+          <a:fontRef idx="minor">
+            <a:schemeClr val="tx1"/>
+          </a:fontRef>
+        </p:style>
+      </p:cxnSp>
+      <p:cxnSp>
+        <p:nvCxnSpPr>
+          <p:cNvPr id="12" name="Straight Connector 11">
+            <a:extLst>
+              <a:ext uri="{FF2B5EF4-FFF2-40B4-BE49-F238E27FC236}">
+                <a16:creationId xmlns:a16="http://schemas.microsoft.com/office/drawing/2014/main" id="{FE64CEFF-8DF0-4833-A54C-BF2147289130}"/>
+              </a:ext>
+            </a:extLst>
+          </p:cNvPr>
+          <p:cNvCxnSpPr>
+            <a:cxnSpLocks/>
+            <a:stCxn id="9" idx="2"/>
+          </p:cNvCxnSpPr>
+          <p:nvPr/>
+        </p:nvCxnSpPr>
+        <p:spPr>
+          <a:xfrm>
+            <a:off x="6096000" y="523220"/>
+            <a:ext cx="0" cy="5474794"/>
+          </a:xfrm>
+          <a:prstGeom prst="line">
+            <a:avLst/>
+          </a:prstGeom>
+          <a:ln w="31750"/>
+        </p:spPr>
+        <p:style>
+          <a:lnRef idx="1">
+            <a:schemeClr val="accent1"/>
+          </a:lnRef>
+          <a:fillRef idx="0">
+            <a:schemeClr val="accent1"/>
+          </a:fillRef>
+          <a:effectRef idx="0">
+            <a:schemeClr val="accent1"/>
+          </a:effectRef>
+          <a:fontRef idx="minor">
+            <a:schemeClr val="tx1"/>
+          </a:fontRef>
+        </p:style>
+      </p:cxnSp>
+      <mc:AlternateContent xmlns:mc="http://schemas.openxmlformats.org/markup-compatibility/2006" xmlns:cx2="http://schemas.microsoft.com/office/drawing/2015/10/21/chartex">
+        <mc:Choice Requires="cx2">
+          <p:graphicFrame>
+            <p:nvGraphicFramePr>
+              <p:cNvPr id="5" name="Chart 4">
+                <a:extLst>
+                  <a:ext uri="{FF2B5EF4-FFF2-40B4-BE49-F238E27FC236}">
+                    <a16:creationId xmlns:a16="http://schemas.microsoft.com/office/drawing/2014/main" id="{85113DBC-1B38-4D43-A747-31862C0F4CD9}"/>
+                  </a:ext>
+                </a:extLst>
+              </p:cNvPr>
+              <p:cNvGraphicFramePr>
+                <a:graphicFrameLocks/>
+              </p:cNvGraphicFramePr>
+              <p:nvPr>
+                <p:extLst>
+                  <p:ext uri="{D42A27DB-BD31-4B8C-83A1-F6EECF244321}">
+                    <p14:modId xmlns:p14="http://schemas.microsoft.com/office/powerpoint/2010/main" val="3192058520"/>
+                  </p:ext>
+                </p:extLst>
+              </p:nvPr>
+            </p:nvGraphicFramePr>
+            <p:xfrm>
+              <a:off x="163892" y="1433718"/>
+              <a:ext cx="5168660" cy="4204405"/>
+            </p:xfrm>
+            <a:graphic>
+              <a:graphicData uri="http://schemas.microsoft.com/office/drawing/2014/chartex">
+                <cx:chart xmlns:cx="http://schemas.microsoft.com/office/drawing/2014/chartex" xmlns:r="http://schemas.openxmlformats.org/officeDocument/2006/relationships" r:id="rId2"/>
+              </a:graphicData>
+            </a:graphic>
+          </p:graphicFrame>
+        </mc:Choice>
+        <mc:Fallback xmlns="">
+          <p:pic>
+            <p:nvPicPr>
+              <p:cNvPr id="5" name="Chart 4">
+                <a:extLst>
+                  <a:ext uri="{FF2B5EF4-FFF2-40B4-BE49-F238E27FC236}">
+                    <a16:creationId xmlns:a16="http://schemas.microsoft.com/office/drawing/2014/main" id="{85113DBC-1B38-4D43-A747-31862C0F4CD9}"/>
+                  </a:ext>
+                </a:extLst>
+              </p:cNvPr>
+              <p:cNvPicPr>
+                <a:picLocks noGrp="1" noRot="1" noChangeAspect="1" noMove="1" noResize="1" noEditPoints="1" noAdjustHandles="1" noChangeArrowheads="1" noChangeShapeType="1"/>
+              </p:cNvPicPr>
+              <p:nvPr/>
+            </p:nvPicPr>
+            <p:blipFill>
+              <a:blip r:embed="rId3"/>
+              <a:stretch>
+                <a:fillRect/>
+              </a:stretch>
+            </p:blipFill>
+            <p:spPr>
+              <a:xfrm>
+                <a:off x="163892" y="1433718"/>
+                <a:ext cx="5168660" cy="4204405"/>
+              </a:xfrm>
+              <a:prstGeom prst="rect">
+                <a:avLst/>
+              </a:prstGeom>
+            </p:spPr>
+          </p:pic>
+        </mc:Fallback>
+      </mc:AlternateContent>
+      <mc:AlternateContent xmlns:mc="http://schemas.openxmlformats.org/markup-compatibility/2006" xmlns:cx2="http://schemas.microsoft.com/office/drawing/2015/10/21/chartex">
+        <mc:Choice Requires="cx2">
+          <p:graphicFrame>
+            <p:nvGraphicFramePr>
+              <p:cNvPr id="22" name="Chart 21">
+                <a:extLst>
+                  <a:ext uri="{FF2B5EF4-FFF2-40B4-BE49-F238E27FC236}">
+                    <a16:creationId xmlns:a16="http://schemas.microsoft.com/office/drawing/2014/main" id="{C14132EF-FDBA-4984-A5DA-53110790EB23}"/>
+                  </a:ext>
+                </a:extLst>
+              </p:cNvPr>
+              <p:cNvGraphicFramePr>
+                <a:graphicFrameLocks/>
+              </p:cNvGraphicFramePr>
+              <p:nvPr>
+                <p:extLst>
+                  <p:ext uri="{D42A27DB-BD31-4B8C-83A1-F6EECF244321}">
+                    <p14:modId xmlns:p14="http://schemas.microsoft.com/office/powerpoint/2010/main" val="2084508052"/>
+                  </p:ext>
+                </p:extLst>
+              </p:nvPr>
+            </p:nvGraphicFramePr>
+            <p:xfrm>
+              <a:off x="6453180" y="1433718"/>
+              <a:ext cx="5168660" cy="4204405"/>
+            </p:xfrm>
+            <a:graphic>
+              <a:graphicData uri="http://schemas.microsoft.com/office/drawing/2014/chartex">
+                <cx:chart xmlns:cx="http://schemas.microsoft.com/office/drawing/2014/chartex" xmlns:r="http://schemas.openxmlformats.org/officeDocument/2006/relationships" r:id="rId4"/>
+              </a:graphicData>
+            </a:graphic>
+          </p:graphicFrame>
+        </mc:Choice>
+        <mc:Fallback xmlns="">
+          <p:pic>
+            <p:nvPicPr>
+              <p:cNvPr id="22" name="Chart 21">
+                <a:extLst>
+                  <a:ext uri="{FF2B5EF4-FFF2-40B4-BE49-F238E27FC236}">
+                    <a16:creationId xmlns:a16="http://schemas.microsoft.com/office/drawing/2014/main" id="{C14132EF-FDBA-4984-A5DA-53110790EB23}"/>
+                  </a:ext>
+                </a:extLst>
+              </p:cNvPr>
+              <p:cNvPicPr>
+                <a:picLocks noGrp="1" noRot="1" noChangeAspect="1" noMove="1" noResize="1" noEditPoints="1" noAdjustHandles="1" noChangeArrowheads="1" noChangeShapeType="1"/>
+              </p:cNvPicPr>
+              <p:nvPr/>
+            </p:nvPicPr>
+            <p:blipFill>
+              <a:blip r:embed="rId5"/>
+              <a:stretch>
+                <a:fillRect/>
+              </a:stretch>
+            </p:blipFill>
+            <p:spPr>
+              <a:xfrm>
+                <a:off x="6453180" y="1433718"/>
+                <a:ext cx="5168660" cy="4204405"/>
+              </a:xfrm>
+              <a:prstGeom prst="rect">
+                <a:avLst/>
+              </a:prstGeom>
+            </p:spPr>
+          </p:pic>
+        </mc:Fallback>
+      </mc:AlternateContent>
+      <p:sp>
+        <p:nvSpPr>
+          <p:cNvPr id="6" name="TextBox 5">
+            <a:extLst>
+              <a:ext uri="{FF2B5EF4-FFF2-40B4-BE49-F238E27FC236}">
+                <a16:creationId xmlns:a16="http://schemas.microsoft.com/office/drawing/2014/main" id="{D865DE7F-9257-4B64-B127-C19C796D370D}"/>
+              </a:ext>
+            </a:extLst>
+          </p:cNvPr>
+          <p:cNvSpPr txBox="1"/>
+          <p:nvPr/>
+        </p:nvSpPr>
+        <p:spPr>
+          <a:xfrm>
+            <a:off x="0" y="5998014"/>
+            <a:ext cx="12192000" cy="369332"/>
+          </a:xfrm>
+          <a:prstGeom prst="rect">
+            <a:avLst/>
+          </a:prstGeom>
+          <a:noFill/>
+        </p:spPr>
+        <p:txBody>
+          <a:bodyPr wrap="square" rtlCol="0">
+            <a:spAutoFit/>
+          </a:bodyPr>
+          <a:lstStyle/>
+          <a:p>
+            <a:r>
+              <a:rPr lang="en-US" sz="1600" dirty="0">
+                <a:latin typeface="Open Sans Light" panose="020B0306030504020204" pitchFamily="34" charset="0"/>
+                <a:ea typeface="Open Sans Light" panose="020B0306030504020204" pitchFamily="34" charset="0"/>
+                <a:cs typeface="Open Sans Light" panose="020B0306030504020204" pitchFamily="34" charset="0"/>
+              </a:rPr>
+              <a:t>According to the Dietary Guidelines A human need an average of </a:t>
+            </a:r>
+            <a:r>
+              <a:rPr lang="en-US" sz="1600" b="1" i="1" dirty="0">
+                <a:latin typeface="Open Sans Light" panose="020B0306030504020204" pitchFamily="34" charset="0"/>
+                <a:ea typeface="Open Sans Light" panose="020B0306030504020204" pitchFamily="34" charset="0"/>
+                <a:cs typeface="Open Sans Light" panose="020B0306030504020204" pitchFamily="34" charset="0"/>
+              </a:rPr>
+              <a:t>2400</a:t>
+            </a:r>
+            <a:r>
+              <a:rPr lang="en-US" sz="1600" dirty="0">
+                <a:latin typeface="Open Sans Light" panose="020B0306030504020204" pitchFamily="34" charset="0"/>
+                <a:ea typeface="Open Sans Light" panose="020B0306030504020204" pitchFamily="34" charset="0"/>
+                <a:cs typeface="Open Sans Light" panose="020B0306030504020204" pitchFamily="34" charset="0"/>
+              </a:rPr>
+              <a:t> calories per Day</a:t>
+            </a:r>
+            <a:r>
+              <a:rPr lang="en-US" dirty="0"/>
+              <a:t>.</a:t>
+            </a:r>
+            <a:endParaRPr lang="it-IT" dirty="0"/>
+          </a:p>
+        </p:txBody>
+      </p:sp>
+      <p:sp>
+        <p:nvSpPr>
+          <p:cNvPr id="2" name="Date Placeholder 1">
+            <a:extLst>
+              <a:ext uri="{FF2B5EF4-FFF2-40B4-BE49-F238E27FC236}">
+                <a16:creationId xmlns:a16="http://schemas.microsoft.com/office/drawing/2014/main" id="{882B9478-8665-499C-A166-80C2E41CE29F}"/>
+              </a:ext>
+            </a:extLst>
+          </p:cNvPr>
+          <p:cNvSpPr>
+            <a:spLocks noGrp="1"/>
+          </p:cNvSpPr>
+          <p:nvPr>
+            <p:ph type="dt" sz="half" idx="10"/>
+          </p:nvPr>
+        </p:nvSpPr>
+        <p:spPr/>
+        <p:txBody>
+          <a:bodyPr/>
+          <a:lstStyle/>
+          <a:p>
+            <a:fld id="{BCBE050F-BACF-4E69-A0FA-42D6C82A2435}" type="datetime1">
+              <a:rPr lang="en-US" smtClean="0"/>
+              <a:t>5/11/2020</a:t>
+            </a:fld>
+            <a:endParaRPr lang="en-US" dirty="0"/>
+          </a:p>
+        </p:txBody>
+      </p:sp>
+      <p:sp>
+        <p:nvSpPr>
+          <p:cNvPr id="3" name="Slide Number Placeholder 2">
+            <a:extLst>
+              <a:ext uri="{FF2B5EF4-FFF2-40B4-BE49-F238E27FC236}">
+                <a16:creationId xmlns:a16="http://schemas.microsoft.com/office/drawing/2014/main" id="{1789B33A-70BB-4F81-9C99-45CE8643CDAB}"/>
+              </a:ext>
+            </a:extLst>
+          </p:cNvPr>
+          <p:cNvSpPr>
+            <a:spLocks noGrp="1"/>
+          </p:cNvSpPr>
+          <p:nvPr>
+            <p:ph type="sldNum" sz="quarter" idx="12"/>
+          </p:nvPr>
+        </p:nvSpPr>
+        <p:spPr/>
+        <p:txBody>
+          <a:bodyPr/>
+          <a:lstStyle/>
+          <a:p>
+            <a:fld id="{3A98EE3D-8CD1-4C3F-BD1C-C98C9596463C}" type="slidenum">
+              <a:rPr lang="en-US" smtClean="0"/>
+              <a:t>12</a:t>
+            </a:fld>
+            <a:endParaRPr lang="en-US" dirty="0"/>
+          </a:p>
+        </p:txBody>
+      </p:sp>
+    </p:spTree>
+    <p:extLst>
+      <p:ext uri="{BB962C8B-B14F-4D97-AF65-F5344CB8AC3E}">
+        <p14:creationId xmlns:p14="http://schemas.microsoft.com/office/powerpoint/2010/main" val="3819594069"/>
+      </p:ext>
+    </p:extLst>
+  </p:cSld>
+  <p:clrMapOvr>
+    <a:masterClrMapping/>
+  </p:clrMapOvr>
+</p:sld>
+</file>
+
+<file path=ppt/slides/slide13.xml><?xml version="1.0" encoding="utf-8"?>
 <p:sld xmlns:a="http://schemas.openxmlformats.org/drawingml/2006/main" xmlns:r="http://schemas.openxmlformats.org/officeDocument/2006/relationships" xmlns:p="http://schemas.openxmlformats.org/presentationml/2006/main">
   <p:cSld>
     <p:bg>
@@ -14458,7 +14796,7 @@
       </p:grpSpPr>
       <p:sp useBgFill="1">
         <p:nvSpPr>
-          <p:cNvPr id="23" name="Rectangle 22">
+          <p:cNvPr id="12" name="Rectangle 11">
             <a:extLst>
               <a:ext uri="{FF2B5EF4-FFF2-40B4-BE49-F238E27FC236}">
                 <a16:creationId xmlns:a16="http://schemas.microsoft.com/office/drawing/2014/main" id="{990D0034-F768-41E7-85D4-F38C4DE85770}"/>
@@ -14518,10 +14856,10 @@
       </p:sp>
       <p:pic>
         <p:nvPicPr>
-          <p:cNvPr id="4" name="Picture 3" descr="A pile of fries&#10;&#10;Description automatically generated">
+          <p:cNvPr id="5" name="Content Placeholder 4" descr="A cow standing next to a fence&#10;&#10;Description automatically generated">
             <a:extLst>
               <a:ext uri="{FF2B5EF4-FFF2-40B4-BE49-F238E27FC236}">
-                <a16:creationId xmlns:a16="http://schemas.microsoft.com/office/drawing/2014/main" id="{D7A444BF-9455-4507-A03E-382D28BEEC89}"/>
+                <a16:creationId xmlns:a16="http://schemas.microsoft.com/office/drawing/2014/main" id="{790BB3F7-7EC1-4632-B465-D172DB8CFD9D}"/>
               </a:ext>
             </a:extLst>
           </p:cNvPr>
@@ -14538,7 +14876,7 @@
               </a:ext>
             </a:extLst>
           </a:blip>
-          <a:srcRect r="491"/>
+          <a:srcRect t="10154" r="1" b="3599"/>
           <a:stretch/>
         </p:blipFill>
         <p:spPr>
@@ -14553,7 +14891,7 @@
       </p:pic>
       <p:sp>
         <p:nvSpPr>
-          <p:cNvPr id="25" name="Rectangle 24">
+          <p:cNvPr id="14" name="Rectangle 13">
             <a:extLst>
               <a:ext uri="{FF2B5EF4-FFF2-40B4-BE49-F238E27FC236}">
                 <a16:creationId xmlns:a16="http://schemas.microsoft.com/office/drawing/2014/main" id="{95B38FD6-641F-41BF-B466-C1C6366420F0}"/>
@@ -14640,29 +14978,33 @@
         </p:spPr>
         <p:txBody>
           <a:bodyPr>
-            <a:normAutofit/>
+            <a:noAutofit/>
           </a:bodyPr>
           <a:lstStyle/>
           <a:p>
             <a:r>
-              <a:rPr lang="en-US" sz="3600" dirty="0">
+              <a:rPr lang="en-US" sz="3200" dirty="0">
                 <a:solidFill>
                   <a:srgbClr val="FFFFFF"/>
                 </a:solidFill>
+                <a:latin typeface="Roboto Medium" panose="02000000000000000000" pitchFamily="2" charset="0"/>
+                <a:ea typeface="Roboto Medium" panose="02000000000000000000" pitchFamily="2" charset="0"/>
               </a:rPr>
-              <a:t>Exportation is Another Insanity</a:t>
+              <a:t>46% of Cereals is used for feed</a:t>
             </a:r>
-            <a:endParaRPr lang="it-IT" sz="3600" dirty="0">
+            <a:endParaRPr lang="it-IT" sz="3200" dirty="0">
               <a:solidFill>
                 <a:srgbClr val="FFFFFF"/>
               </a:solidFill>
+              <a:latin typeface="Roboto Medium" panose="02000000000000000000" pitchFamily="2" charset="0"/>
+              <a:ea typeface="Roboto Medium" panose="02000000000000000000" pitchFamily="2" charset="0"/>
             </a:endParaRPr>
           </a:p>
         </p:txBody>
       </p:sp>
       <p:cxnSp>
         <p:nvCxnSpPr>
-          <p:cNvPr id="27" name="Straight Connector 26">
+          <p:cNvPr id="16" name="Straight Connector 15">
             <a:extLst>
               <a:ext uri="{FF2B5EF4-FFF2-40B4-BE49-F238E27FC236}">
                 <a16:creationId xmlns:a16="http://schemas.microsoft.com/office/drawing/2014/main" id="{6BF9119E-766E-4526-AAE5-639F577C0493}"/>
@@ -14741,12 +15083,15 @@
           <a:lstStyle/>
           <a:p>
             <a:r>
-              <a:rPr lang="en-US" sz="1600" dirty="0">
+              <a:rPr lang="en-US" dirty="0">
                 <a:solidFill>
                   <a:srgbClr val="FFFFFF"/>
                 </a:solidFill>
+                <a:latin typeface="Open Sans Light" panose="020B0306030504020204" pitchFamily="34" charset="0"/>
+                <a:ea typeface="Open Sans Light" panose="020B0306030504020204" pitchFamily="34" charset="0"/>
+                <a:cs typeface="Open Sans Light" panose="020B0306030504020204" pitchFamily="34" charset="0"/>
               </a:rPr>
-              <a:t>Thailand export 83% of its production of Cassava, while around 9% of its population is undernourished.</a:t>
+              <a:t>If United States reduces its production of animal products by 10%, 14 million tons of cereals could be released.</a:t>
             </a:r>
           </a:p>
           <a:p>
@@ -14760,7 +15105,7 @@
       </p:sp>
       <p:sp>
         <p:nvSpPr>
-          <p:cNvPr id="29" name="Rectangle 28">
+          <p:cNvPr id="18" name="Rectangle 17">
             <a:extLst>
               <a:ext uri="{FF2B5EF4-FFF2-40B4-BE49-F238E27FC236}">
                 <a16:creationId xmlns:a16="http://schemas.microsoft.com/office/drawing/2014/main" id="{7363FFA6-C551-4935-A474-8B2482E55BAC}"/>
@@ -14815,15 +15160,564 @@
           </a:fontRef>
         </p:style>
       </p:sp>
+      <p:sp>
+        <p:nvSpPr>
+          <p:cNvPr id="3" name="Date Placeholder 2">
+            <a:extLst>
+              <a:ext uri="{FF2B5EF4-FFF2-40B4-BE49-F238E27FC236}">
+                <a16:creationId xmlns:a16="http://schemas.microsoft.com/office/drawing/2014/main" id="{1F809E96-F336-46D5-901B-A26D342DBBE1}"/>
+              </a:ext>
+            </a:extLst>
+          </p:cNvPr>
+          <p:cNvSpPr>
+            <a:spLocks noGrp="1"/>
+          </p:cNvSpPr>
+          <p:nvPr>
+            <p:ph type="dt" sz="half" idx="10"/>
+          </p:nvPr>
+        </p:nvSpPr>
+        <p:spPr/>
+        <p:txBody>
+          <a:bodyPr/>
+          <a:lstStyle/>
+          <a:p>
+            <a:fld id="{42051EE6-8A3B-4049-B6B8-7BFD1F5E7EB6}" type="datetime1">
+              <a:rPr lang="en-US" smtClean="0"/>
+              <a:t>5/11/2020</a:t>
+            </a:fld>
+            <a:endParaRPr lang="en-US" dirty="0"/>
+          </a:p>
+        </p:txBody>
+      </p:sp>
+      <p:sp>
+        <p:nvSpPr>
+          <p:cNvPr id="4" name="Slide Number Placeholder 3">
+            <a:extLst>
+              <a:ext uri="{FF2B5EF4-FFF2-40B4-BE49-F238E27FC236}">
+                <a16:creationId xmlns:a16="http://schemas.microsoft.com/office/drawing/2014/main" id="{89B0C41E-BF7A-4BA6-AA45-60DB5293EB24}"/>
+              </a:ext>
+            </a:extLst>
+          </p:cNvPr>
+          <p:cNvSpPr>
+            <a:spLocks noGrp="1"/>
+          </p:cNvSpPr>
+          <p:nvPr>
+            <p:ph type="sldNum" sz="quarter" idx="12"/>
+          </p:nvPr>
+        </p:nvSpPr>
+        <p:spPr/>
+        <p:txBody>
+          <a:bodyPr/>
+          <a:lstStyle/>
+          <a:p>
+            <a:fld id="{3A98EE3D-8CD1-4C3F-BD1C-C98C9596463C}" type="slidenum">
+              <a:rPr lang="en-US" smtClean="0"/>
+              <a:t>13</a:t>
+            </a:fld>
+            <a:endParaRPr lang="en-US" dirty="0"/>
+          </a:p>
+        </p:txBody>
+      </p:sp>
     </p:spTree>
     <p:extLst>
       <p:ext uri="{BB962C8B-B14F-4D97-AF65-F5344CB8AC3E}">
-        <p14:creationId xmlns:p14="http://schemas.microsoft.com/office/powerpoint/2010/main" val="237857299"/>
+        <p14:creationId xmlns:p14="http://schemas.microsoft.com/office/powerpoint/2010/main" val="344777950"/>
       </p:ext>
     </p:extLst>
   </p:cSld>
   <p:clrMapOvr>
     <a:overrideClrMapping bg1="dk1" tx1="lt1" bg2="dk2" tx2="lt2" accent1="accent1" accent2="accent2" accent3="accent3" accent4="accent4" accent5="accent5" accent6="accent6" hlink="hlink" folHlink="folHlink"/>
+  </p:clrMapOvr>
+</p:sld>
+</file>
+
+<file path=ppt/slides/slide14.xml><?xml version="1.0" encoding="utf-8"?>
+<p:sld xmlns:a="http://schemas.openxmlformats.org/drawingml/2006/main" xmlns:r="http://schemas.openxmlformats.org/officeDocument/2006/relationships" xmlns:p="http://schemas.openxmlformats.org/presentationml/2006/main">
+  <p:cSld>
+    <p:bg>
+      <p:bgPr>
+        <a:solidFill>
+          <a:schemeClr val="bg1"/>
+        </a:solidFill>
+        <a:effectLst/>
+      </p:bgPr>
+    </p:bg>
+    <p:spTree>
+      <p:nvGrpSpPr>
+        <p:cNvPr id="1" name=""/>
+        <p:cNvGrpSpPr/>
+        <p:nvPr/>
+      </p:nvGrpSpPr>
+      <p:grpSpPr>
+        <a:xfrm>
+          <a:off x="0" y="0"/>
+          <a:ext cx="0" cy="0"/>
+          <a:chOff x="0" y="0"/>
+          <a:chExt cx="0" cy="0"/>
+        </a:xfrm>
+      </p:grpSpPr>
+      <p:sp>
+        <p:nvSpPr>
+          <p:cNvPr id="42" name="Rectangle 31">
+            <a:extLst>
+              <a:ext uri="{FF2B5EF4-FFF2-40B4-BE49-F238E27FC236}">
+                <a16:creationId xmlns:a16="http://schemas.microsoft.com/office/drawing/2014/main" id="{39E3965E-AC41-4711-9D10-E25ABB132D86}"/>
+              </a:ext>
+              <a:ext uri="{C183D7F6-B498-43B3-948B-1728B52AA6E4}">
+                <adec:decorative xmlns:adec="http://schemas.microsoft.com/office/drawing/2017/decorative" val="1"/>
+              </a:ext>
+            </a:extLst>
+          </p:cNvPr>
+          <p:cNvSpPr>
+            <a:spLocks noGrp="1" noRot="1" noChangeAspect="1" noMove="1" noResize="1" noEditPoints="1" noAdjustHandles="1" noChangeArrowheads="1" noChangeShapeType="1" noTextEdit="1"/>
+          </p:cNvSpPr>
+          <p:nvPr>
+            <p:extLst>
+              <p:ext uri="{386F3935-93C4-4BCD-93E2-E3B085C9AB24}">
+                <p16:designElem xmlns:p16="http://schemas.microsoft.com/office/powerpoint/2015/main" val="1"/>
+              </p:ext>
+            </p:extLst>
+          </p:nvPr>
+        </p:nvSpPr>
+        <p:spPr>
+          <a:xfrm>
+            <a:off x="3175" y="6400800"/>
+            <a:ext cx="12188825" cy="457200"/>
+          </a:xfrm>
+          <a:prstGeom prst="rect">
+            <a:avLst/>
+          </a:prstGeom>
+          <a:solidFill>
+            <a:srgbClr val="262626"/>
+          </a:solidFill>
+          <a:ln>
+            <a:noFill/>
+          </a:ln>
+        </p:spPr>
+        <p:style>
+          <a:lnRef idx="2">
+            <a:schemeClr val="accent1">
+              <a:shade val="50000"/>
+            </a:schemeClr>
+          </a:lnRef>
+          <a:fillRef idx="1">
+            <a:schemeClr val="accent1"/>
+          </a:fillRef>
+          <a:effectRef idx="0">
+            <a:schemeClr val="accent1"/>
+          </a:effectRef>
+          <a:fontRef idx="minor">
+            <a:schemeClr val="lt1"/>
+          </a:fontRef>
+        </p:style>
+      </p:sp>
+      <p:cxnSp>
+        <p:nvCxnSpPr>
+          <p:cNvPr id="43" name="Straight Connector 33">
+            <a:extLst>
+              <a:ext uri="{FF2B5EF4-FFF2-40B4-BE49-F238E27FC236}">
+                <a16:creationId xmlns:a16="http://schemas.microsoft.com/office/drawing/2014/main" id="{1F5DC8C3-BA5F-4EED-BB9A-A14272BD82A1}"/>
+              </a:ext>
+              <a:ext uri="{C183D7F6-B498-43B3-948B-1728B52AA6E4}">
+                <adec:decorative xmlns:adec="http://schemas.microsoft.com/office/drawing/2017/decorative" val="1"/>
+              </a:ext>
+            </a:extLst>
+          </p:cNvPr>
+          <p:cNvCxnSpPr>
+            <a:cxnSpLocks noGrp="1" noRot="1" noChangeAspect="1" noMove="1" noResize="1" noEditPoints="1" noAdjustHandles="1" noChangeArrowheads="1" noChangeShapeType="1"/>
+          </p:cNvCxnSpPr>
+          <p:nvPr>
+            <p:extLst>
+              <p:ext uri="{386F3935-93C4-4BCD-93E2-E3B085C9AB24}">
+                <p16:designElem xmlns:p16="http://schemas.microsoft.com/office/powerpoint/2015/main" val="1"/>
+              </p:ext>
+            </p:extLst>
+          </p:nvPr>
+        </p:nvCxnSpPr>
+        <p:spPr>
+          <a:xfrm>
+            <a:off x="1207658" y="4474741"/>
+            <a:ext cx="9875520" cy="0"/>
+          </a:xfrm>
+          <a:prstGeom prst="line">
+            <a:avLst/>
+          </a:prstGeom>
+          <a:ln w="12700">
+            <a:solidFill>
+              <a:schemeClr val="tx1">
+                <a:lumMod val="75000"/>
+                <a:lumOff val="25000"/>
+              </a:schemeClr>
+            </a:solidFill>
+          </a:ln>
+        </p:spPr>
+        <p:style>
+          <a:lnRef idx="1">
+            <a:schemeClr val="accent1"/>
+          </a:lnRef>
+          <a:fillRef idx="0">
+            <a:schemeClr val="accent1"/>
+          </a:fillRef>
+          <a:effectRef idx="0">
+            <a:schemeClr val="accent1"/>
+          </a:effectRef>
+          <a:fontRef idx="minor">
+            <a:schemeClr val="tx1"/>
+          </a:fontRef>
+        </p:style>
+      </p:cxnSp>
+      <p:sp useBgFill="1">
+        <p:nvSpPr>
+          <p:cNvPr id="44" name="Rectangle 35">
+            <a:extLst>
+              <a:ext uri="{FF2B5EF4-FFF2-40B4-BE49-F238E27FC236}">
+                <a16:creationId xmlns:a16="http://schemas.microsoft.com/office/drawing/2014/main" id="{548B4202-DCD5-4F8C-B481-743A989A9DFF}"/>
+              </a:ext>
+              <a:ext uri="{C183D7F6-B498-43B3-948B-1728B52AA6E4}">
+                <adec:decorative xmlns:adec="http://schemas.microsoft.com/office/drawing/2017/decorative" val="1"/>
+              </a:ext>
+            </a:extLst>
+          </p:cNvPr>
+          <p:cNvSpPr>
+            <a:spLocks noGrp="1" noRot="1" noChangeAspect="1" noMove="1" noResize="1" noEditPoints="1" noAdjustHandles="1" noChangeArrowheads="1" noChangeShapeType="1" noTextEdit="1"/>
+          </p:cNvSpPr>
+          <p:nvPr>
+            <p:extLst>
+              <p:ext uri="{386F3935-93C4-4BCD-93E2-E3B085C9AB24}">
+                <p16:designElem xmlns:p16="http://schemas.microsoft.com/office/powerpoint/2015/main" val="1"/>
+              </p:ext>
+            </p:extLst>
+          </p:nvPr>
+        </p:nvSpPr>
+        <p:spPr>
+          <a:xfrm>
+            <a:off x="0" y="0"/>
+            <a:ext cx="12192001" cy="6858000"/>
+          </a:xfrm>
+          <a:prstGeom prst="rect">
+            <a:avLst/>
+          </a:prstGeom>
+          <a:ln>
+            <a:noFill/>
+          </a:ln>
+        </p:spPr>
+        <p:style>
+          <a:lnRef idx="2">
+            <a:schemeClr val="accent1">
+              <a:shade val="50000"/>
+            </a:schemeClr>
+          </a:lnRef>
+          <a:fillRef idx="1">
+            <a:schemeClr val="accent1"/>
+          </a:fillRef>
+          <a:effectRef idx="0">
+            <a:schemeClr val="accent1"/>
+          </a:effectRef>
+          <a:fontRef idx="minor">
+            <a:schemeClr val="lt1"/>
+          </a:fontRef>
+        </p:style>
+        <p:txBody>
+          <a:bodyPr rtlCol="0" anchor="ctr"/>
+          <a:lstStyle/>
+          <a:p>
+            <a:pPr algn="ctr"/>
+            <a:endParaRPr lang="en-US"/>
+          </a:p>
+        </p:txBody>
+      </p:sp>
+      <p:sp>
+        <p:nvSpPr>
+          <p:cNvPr id="2" name="Title 1">
+            <a:extLst>
+              <a:ext uri="{FF2B5EF4-FFF2-40B4-BE49-F238E27FC236}">
+                <a16:creationId xmlns:a16="http://schemas.microsoft.com/office/drawing/2014/main" id="{D37712D8-67FF-4258-AA38-77A7915565CA}"/>
+              </a:ext>
+            </a:extLst>
+          </p:cNvPr>
+          <p:cNvSpPr>
+            <a:spLocks noGrp="1"/>
+          </p:cNvSpPr>
+          <p:nvPr>
+            <p:ph type="title"/>
+          </p:nvPr>
+        </p:nvSpPr>
+        <p:spPr>
+          <a:xfrm>
+            <a:off x="633999" y="4550230"/>
+            <a:ext cx="10909073" cy="957902"/>
+          </a:xfrm>
+        </p:spPr>
+        <p:txBody>
+          <a:bodyPr vert="horz" lIns="91440" tIns="45720" rIns="91440" bIns="45720" rtlCol="0" anchor="b">
+            <a:normAutofit/>
+          </a:bodyPr>
+          <a:lstStyle/>
+          <a:p>
+            <a:r>
+              <a:rPr lang="en-US" sz="5000" dirty="0">
+                <a:solidFill>
+                  <a:schemeClr val="tx1">
+                    <a:lumMod val="85000"/>
+                    <a:lumOff val="15000"/>
+                  </a:schemeClr>
+                </a:solidFill>
+                <a:latin typeface="Roboto Medium" panose="02000000000000000000" pitchFamily="2" charset="0"/>
+                <a:ea typeface="Roboto Medium" panose="02000000000000000000" pitchFamily="2" charset="0"/>
+              </a:rPr>
+              <a:t>Population Growth is Not a Problem</a:t>
+            </a:r>
+          </a:p>
+        </p:txBody>
+      </p:sp>
+      <p:pic>
+        <p:nvPicPr>
+          <p:cNvPr id="5" name="Content Placeholder 4" descr="A close up of a map&#10;&#10;Description automatically generated">
+            <a:extLst>
+              <a:ext uri="{FF2B5EF4-FFF2-40B4-BE49-F238E27FC236}">
+                <a16:creationId xmlns:a16="http://schemas.microsoft.com/office/drawing/2014/main" id="{5DC22FC8-4FF7-4894-98E8-40080CA840C6}"/>
+              </a:ext>
+            </a:extLst>
+          </p:cNvPr>
+          <p:cNvPicPr>
+            <a:picLocks noGrp="1" noChangeAspect="1"/>
+          </p:cNvPicPr>
+          <p:nvPr>
+            <p:ph idx="1"/>
+          </p:nvPr>
+        </p:nvPicPr>
+        <p:blipFill rotWithShape="1">
+          <a:blip r:embed="rId2">
+            <a:extLst>
+              <a:ext uri="{28A0092B-C50C-407E-A947-70E740481C1C}">
+                <a14:useLocalDpi xmlns:a14="http://schemas.microsoft.com/office/drawing/2010/main" val="0"/>
+              </a:ext>
+            </a:extLst>
+          </a:blip>
+          <a:srcRect r="-1" b="49030"/>
+          <a:stretch/>
+        </p:blipFill>
+        <p:spPr>
+          <a:xfrm>
+            <a:off x="635457" y="640080"/>
+            <a:ext cx="10916463" cy="3602736"/>
+          </a:xfrm>
+          <a:prstGeom prst="rect">
+            <a:avLst/>
+          </a:prstGeom>
+        </p:spPr>
+      </p:pic>
+      <p:cxnSp>
+        <p:nvCxnSpPr>
+          <p:cNvPr id="45" name="Straight Connector 37">
+            <a:extLst>
+              <a:ext uri="{FF2B5EF4-FFF2-40B4-BE49-F238E27FC236}">
+                <a16:creationId xmlns:a16="http://schemas.microsoft.com/office/drawing/2014/main" id="{F7F57F6B-E621-4E40-A34D-2FE12902AA20}"/>
+              </a:ext>
+              <a:ext uri="{C183D7F6-B498-43B3-948B-1728B52AA6E4}">
+                <adec:decorative xmlns:adec="http://schemas.microsoft.com/office/drawing/2017/decorative" val="1"/>
+              </a:ext>
+            </a:extLst>
+          </p:cNvPr>
+          <p:cNvCxnSpPr>
+            <a:cxnSpLocks noGrp="1" noRot="1" noChangeAspect="1" noMove="1" noResize="1" noEditPoints="1" noAdjustHandles="1" noChangeArrowheads="1" noChangeShapeType="1"/>
+          </p:cNvCxnSpPr>
+          <p:nvPr>
+            <p:extLst>
+              <p:ext uri="{386F3935-93C4-4BCD-93E2-E3B085C9AB24}">
+                <p16:designElem xmlns:p16="http://schemas.microsoft.com/office/powerpoint/2015/main" val="1"/>
+              </p:ext>
+            </p:extLst>
+          </p:nvPr>
+        </p:nvCxnSpPr>
+        <p:spPr>
+          <a:xfrm>
+            <a:off x="721086" y="5645296"/>
+            <a:ext cx="10515600" cy="0"/>
+          </a:xfrm>
+          <a:prstGeom prst="line">
+            <a:avLst/>
+          </a:prstGeom>
+          <a:ln w="12700">
+            <a:solidFill>
+              <a:schemeClr val="tx1">
+                <a:lumMod val="75000"/>
+                <a:lumOff val="25000"/>
+              </a:schemeClr>
+            </a:solidFill>
+          </a:ln>
+        </p:spPr>
+        <p:style>
+          <a:lnRef idx="1">
+            <a:schemeClr val="accent1"/>
+          </a:lnRef>
+          <a:fillRef idx="0">
+            <a:schemeClr val="accent1"/>
+          </a:fillRef>
+          <a:effectRef idx="0">
+            <a:schemeClr val="accent1"/>
+          </a:effectRef>
+          <a:fontRef idx="minor">
+            <a:schemeClr val="tx1"/>
+          </a:fontRef>
+        </p:style>
+      </p:cxnSp>
+      <p:sp>
+        <p:nvSpPr>
+          <p:cNvPr id="46" name="Rectangle 39">
+            <a:extLst>
+              <a:ext uri="{FF2B5EF4-FFF2-40B4-BE49-F238E27FC236}">
+                <a16:creationId xmlns:a16="http://schemas.microsoft.com/office/drawing/2014/main" id="{8EE702CF-91CE-4661-ACBF-3C8160D1B433}"/>
+              </a:ext>
+              <a:ext uri="{C183D7F6-B498-43B3-948B-1728B52AA6E4}">
+                <adec:decorative xmlns:adec="http://schemas.microsoft.com/office/drawing/2017/decorative" val="1"/>
+              </a:ext>
+            </a:extLst>
+          </p:cNvPr>
+          <p:cNvSpPr>
+            <a:spLocks noGrp="1" noRot="1" noChangeAspect="1" noMove="1" noResize="1" noEditPoints="1" noAdjustHandles="1" noChangeArrowheads="1" noChangeShapeType="1" noTextEdit="1"/>
+          </p:cNvSpPr>
+          <p:nvPr>
+            <p:extLst>
+              <p:ext uri="{386F3935-93C4-4BCD-93E2-E3B085C9AB24}">
+                <p16:designElem xmlns:p16="http://schemas.microsoft.com/office/powerpoint/2015/main" val="1"/>
+              </p:ext>
+            </p:extLst>
+          </p:nvPr>
+        </p:nvSpPr>
+        <p:spPr>
+          <a:xfrm>
+            <a:off x="1" y="6400800"/>
+            <a:ext cx="12192000" cy="457200"/>
+          </a:xfrm>
+          <a:prstGeom prst="rect">
+            <a:avLst/>
+          </a:prstGeom>
+          <a:solidFill>
+            <a:srgbClr val="262626"/>
+          </a:solidFill>
+          <a:ln>
+            <a:noFill/>
+          </a:ln>
+        </p:spPr>
+        <p:style>
+          <a:lnRef idx="2">
+            <a:schemeClr val="accent1">
+              <a:shade val="50000"/>
+            </a:schemeClr>
+          </a:lnRef>
+          <a:fillRef idx="1">
+            <a:schemeClr val="accent1"/>
+          </a:fillRef>
+          <a:effectRef idx="0">
+            <a:schemeClr val="accent1"/>
+          </a:effectRef>
+          <a:fontRef idx="minor">
+            <a:schemeClr val="lt1"/>
+          </a:fontRef>
+        </p:style>
+      </p:sp>
+      <p:sp>
+        <p:nvSpPr>
+          <p:cNvPr id="3" name="Date Placeholder 2">
+            <a:extLst>
+              <a:ext uri="{FF2B5EF4-FFF2-40B4-BE49-F238E27FC236}">
+                <a16:creationId xmlns:a16="http://schemas.microsoft.com/office/drawing/2014/main" id="{2DDED0F8-6CF3-4CEE-AEEB-D1AE4D861839}"/>
+              </a:ext>
+            </a:extLst>
+          </p:cNvPr>
+          <p:cNvSpPr>
+            <a:spLocks noGrp="1"/>
+          </p:cNvSpPr>
+          <p:nvPr>
+            <p:ph type="dt" sz="half" idx="10"/>
+          </p:nvPr>
+        </p:nvSpPr>
+        <p:spPr>
+          <a:xfrm>
+            <a:off x="8218426" y="6446838"/>
+            <a:ext cx="2584850" cy="365125"/>
+          </a:xfrm>
+        </p:spPr>
+        <p:txBody>
+          <a:bodyPr vert="horz" lIns="91440" tIns="45720" rIns="91440" bIns="45720" rtlCol="0" anchor="ctr">
+            <a:normAutofit/>
+          </a:bodyPr>
+          <a:lstStyle/>
+          <a:p>
+            <a:pPr>
+              <a:spcAft>
+                <a:spcPts val="600"/>
+              </a:spcAft>
+            </a:pPr>
+            <a:fld id="{35A15BE6-E285-4C02-B0BE-B181853D5CE8}" type="datetime1">
+              <a:rPr lang="en-US" smtClean="0"/>
+              <a:pPr>
+                <a:spcAft>
+                  <a:spcPts val="600"/>
+                </a:spcAft>
+              </a:pPr>
+              <a:t>5/11/2020</a:t>
+            </a:fld>
+            <a:endParaRPr lang="en-US"/>
+          </a:p>
+        </p:txBody>
+      </p:sp>
+      <p:sp>
+        <p:nvSpPr>
+          <p:cNvPr id="4" name="Slide Number Placeholder 3">
+            <a:extLst>
+              <a:ext uri="{FF2B5EF4-FFF2-40B4-BE49-F238E27FC236}">
+                <a16:creationId xmlns:a16="http://schemas.microsoft.com/office/drawing/2014/main" id="{330D424A-FE6E-4135-8C5C-EB61DF8EF6E9}"/>
+              </a:ext>
+            </a:extLst>
+          </p:cNvPr>
+          <p:cNvSpPr>
+            <a:spLocks noGrp="1"/>
+          </p:cNvSpPr>
+          <p:nvPr>
+            <p:ph type="sldNum" sz="quarter" idx="12"/>
+          </p:nvPr>
+        </p:nvSpPr>
+        <p:spPr>
+          <a:xfrm>
+            <a:off x="10993582" y="6446838"/>
+            <a:ext cx="780010" cy="365125"/>
+          </a:xfrm>
+        </p:spPr>
+        <p:txBody>
+          <a:bodyPr vert="horz" lIns="91440" tIns="45720" rIns="91440" bIns="45720" rtlCol="0" anchor="ctr">
+            <a:normAutofit/>
+          </a:bodyPr>
+          <a:lstStyle/>
+          <a:p>
+            <a:pPr>
+              <a:spcAft>
+                <a:spcPts val="600"/>
+              </a:spcAft>
+            </a:pPr>
+            <a:fld id="{3A98EE3D-8CD1-4C3F-BD1C-C98C9596463C}" type="slidenum">
+              <a:rPr lang="en-US" sz="1050" smtClean="0"/>
+              <a:pPr>
+                <a:spcAft>
+                  <a:spcPts val="600"/>
+                </a:spcAft>
+              </a:pPr>
+              <a:t>14</a:t>
+            </a:fld>
+            <a:endParaRPr lang="en-US" sz="1050"/>
+          </a:p>
+        </p:txBody>
+      </p:sp>
+    </p:spTree>
+    <p:extLst>
+      <p:ext uri="{BB962C8B-B14F-4D97-AF65-F5344CB8AC3E}">
+        <p14:creationId xmlns:p14="http://schemas.microsoft.com/office/powerpoint/2010/main" val="2787994351"/>
+      </p:ext>
+    </p:extLst>
+  </p:cSld>
+  <p:clrMapOvr>
+    <a:masterClrMapping/>
   </p:clrMapOvr>
 </p:sld>
 </file>
@@ -14855,10 +15749,10 @@
       </p:grpSpPr>
       <p:sp useBgFill="1">
         <p:nvSpPr>
-          <p:cNvPr id="25" name="Rectangle 24">
+          <p:cNvPr id="19" name="Rectangle 18">
             <a:extLst>
               <a:ext uri="{FF2B5EF4-FFF2-40B4-BE49-F238E27FC236}">
-                <a16:creationId xmlns:a16="http://schemas.microsoft.com/office/drawing/2014/main" id="{990D0034-F768-41E7-85D4-F38C4DE85770}"/>
+                <a16:creationId xmlns:a16="http://schemas.microsoft.com/office/drawing/2014/main" id="{88F0A37D-2337-4AAF-98B0-7E4E9B98719A}"/>
               </a:ext>
               <a:ext uri="{C183D7F6-B498-43B3-948B-1728B52AA6E4}">
                 <adec:decorative xmlns:adec="http://schemas.microsoft.com/office/drawing/2017/decorative" val="1"/>
@@ -14878,8 +15772,8 @@
         </p:nvSpPr>
         <p:spPr>
           <a:xfrm>
-            <a:off x="5685" y="0"/>
-            <a:ext cx="12186315" cy="6858000"/>
+            <a:off x="0" y="0"/>
+            <a:ext cx="12192000" cy="6858000"/>
           </a:xfrm>
           <a:prstGeom prst="rect">
             <a:avLst/>
@@ -14890,15 +15784,15 @@
         </p:spPr>
         <p:style>
           <a:lnRef idx="2">
-            <a:schemeClr val="accent6">
+            <a:schemeClr val="accent1">
               <a:shade val="50000"/>
             </a:schemeClr>
           </a:lnRef>
-          <a:fillRef idx="1001">
-            <a:schemeClr val="lt1"/>
+          <a:fillRef idx="1">
+            <a:schemeClr val="accent1"/>
           </a:fillRef>
           <a:effectRef idx="0">
-            <a:schemeClr val="accent6"/>
+            <a:schemeClr val="accent1"/>
           </a:effectRef>
           <a:fontRef idx="minor">
             <a:schemeClr val="lt1"/>
@@ -14918,7 +15812,7 @@
           <p:cNvPr id="2" name="Title 1">
             <a:extLst>
               <a:ext uri="{FF2B5EF4-FFF2-40B4-BE49-F238E27FC236}">
-                <a16:creationId xmlns:a16="http://schemas.microsoft.com/office/drawing/2014/main" id="{D37712D8-67FF-4258-AA38-77A7915565CA}"/>
+                <a16:creationId xmlns:a16="http://schemas.microsoft.com/office/drawing/2014/main" id="{AD1EDEC1-61A8-45DF-839E-F03C3B8F3944}"/>
               </a:ext>
             </a:extLst>
           </p:cNvPr>
@@ -14931,73 +15825,37 @@
         </p:nvSpPr>
         <p:spPr>
           <a:xfrm>
-            <a:off x="8614786" y="516836"/>
-            <a:ext cx="3100136" cy="1960234"/>
+            <a:off x="1097280" y="286603"/>
+            <a:ext cx="10058400" cy="1450757"/>
           </a:xfrm>
         </p:spPr>
         <p:txBody>
-          <a:bodyPr vert="horz" lIns="91440" tIns="45720" rIns="91440" bIns="45720" rtlCol="0">
+          <a:bodyPr>
             <a:normAutofit/>
           </a:bodyPr>
           <a:lstStyle/>
           <a:p>
+            <a:pPr algn="ctr"/>
             <a:r>
-              <a:rPr lang="en-US" sz="4100">
-                <a:solidFill>
-                  <a:srgbClr val="C696A1"/>
-                </a:solidFill>
+              <a:rPr lang="en-US" sz="5000" dirty="0">
+                <a:latin typeface="Roboto Medium" panose="02000000000000000000" pitchFamily="2" charset="0"/>
+                <a:ea typeface="Roboto Medium" panose="02000000000000000000" pitchFamily="2" charset="0"/>
               </a:rPr>
-              <a:t>Population Growth is Not a Problem</a:t>
+              <a:t>Conclusion</a:t>
             </a:r>
-            <a:endParaRPr lang="en-US" sz="4100" dirty="0">
-              <a:solidFill>
-                <a:srgbClr val="C696A1"/>
-              </a:solidFill>
+            <a:endParaRPr lang="it-IT" sz="5000" dirty="0">
+              <a:latin typeface="Roboto Medium" panose="02000000000000000000" pitchFamily="2" charset="0"/>
+              <a:ea typeface="Roboto Medium" panose="02000000000000000000" pitchFamily="2" charset="0"/>
             </a:endParaRPr>
           </a:p>
         </p:txBody>
       </p:sp>
-      <p:pic>
-        <p:nvPicPr>
-          <p:cNvPr id="5" name="Content Placeholder 4" descr="A close up of a map&#10;&#10;Description automatically generated">
-            <a:extLst>
-              <a:ext uri="{FF2B5EF4-FFF2-40B4-BE49-F238E27FC236}">
-                <a16:creationId xmlns:a16="http://schemas.microsoft.com/office/drawing/2014/main" id="{5DC22FC8-4FF7-4894-98E8-40080CA840C6}"/>
-              </a:ext>
-            </a:extLst>
-          </p:cNvPr>
-          <p:cNvPicPr>
-            <a:picLocks noChangeAspect="1"/>
-          </p:cNvPicPr>
-          <p:nvPr/>
-        </p:nvPicPr>
-        <p:blipFill rotWithShape="1">
-          <a:blip r:embed="rId2">
-            <a:extLst>
-              <a:ext uri="{28A0092B-C50C-407E-A947-70E740481C1C}">
-                <a14:useLocalDpi xmlns:a14="http://schemas.microsoft.com/office/drawing/2010/main" val="0"/>
-              </a:ext>
-            </a:extLst>
-          </a:blip>
-          <a:srcRect l="23417" r="1" b="1"/>
-          <a:stretch/>
-        </p:blipFill>
-        <p:spPr>
-          <a:xfrm>
-            <a:off x="-1" y="10"/>
-            <a:ext cx="8111272" cy="6857990"/>
-          </a:xfrm>
-          <a:prstGeom prst="rect">
-            <a:avLst/>
-          </a:prstGeom>
-        </p:spPr>
-      </p:pic>
       <p:cxnSp>
         <p:nvCxnSpPr>
-          <p:cNvPr id="27" name="Straight Connector 26">
+          <p:cNvPr id="21" name="Straight Connector 20">
             <a:extLst>
               <a:ext uri="{FF2B5EF4-FFF2-40B4-BE49-F238E27FC236}">
-                <a16:creationId xmlns:a16="http://schemas.microsoft.com/office/drawing/2014/main" id="{5A0A5CF6-407C-4691-8122-49DF69D0020D}"/>
+                <a16:creationId xmlns:a16="http://schemas.microsoft.com/office/drawing/2014/main" id="{F15CCCF0-E573-463A-9760-1FDC0B2CFBD7}"/>
               </a:ext>
               <a:ext uri="{C183D7F6-B498-43B3-948B-1728B52AA6E4}">
                 <adec:decorative xmlns:adec="http://schemas.microsoft.com/office/drawing/2017/decorative" val="1"/>
@@ -15017,8 +15875,8 @@
         </p:nvCxnSpPr>
         <p:spPr>
           <a:xfrm>
-            <a:off x="8730145" y="2633962"/>
-            <a:ext cx="2926080" cy="0"/>
+            <a:off x="1193532" y="1897380"/>
+            <a:ext cx="9966960" cy="0"/>
           </a:xfrm>
           <a:prstGeom prst="line">
             <a:avLst/>
@@ -15049,254 +15907,10 @@
       </p:cxnSp>
       <p:sp>
         <p:nvSpPr>
-          <p:cNvPr id="22" name="Content Placeholder 21">
+          <p:cNvPr id="23" name="Rectangle 22">
             <a:extLst>
               <a:ext uri="{FF2B5EF4-FFF2-40B4-BE49-F238E27FC236}">
-                <a16:creationId xmlns:a16="http://schemas.microsoft.com/office/drawing/2014/main" id="{98B24A92-C3BF-459B-B73C-AE37D5979CC2}"/>
-              </a:ext>
-            </a:extLst>
-          </p:cNvPr>
-          <p:cNvSpPr>
-            <a:spLocks noGrp="1"/>
-          </p:cNvSpPr>
-          <p:nvPr>
-            <p:ph idx="1"/>
-          </p:nvPr>
-        </p:nvSpPr>
-        <p:spPr>
-          <a:xfrm>
-            <a:off x="8614786" y="2790855"/>
-            <a:ext cx="3084844" cy="3311766"/>
-          </a:xfrm>
-        </p:spPr>
-        <p:txBody>
-          <a:bodyPr>
-            <a:normAutofit/>
-          </a:bodyPr>
-          <a:lstStyle/>
-          <a:p>
-            <a:endParaRPr lang="en-US" sz="1600"/>
-          </a:p>
-        </p:txBody>
-      </p:sp>
-    </p:spTree>
-    <p:extLst>
-      <p:ext uri="{BB962C8B-B14F-4D97-AF65-F5344CB8AC3E}">
-        <p14:creationId xmlns:p14="http://schemas.microsoft.com/office/powerpoint/2010/main" val="2787994351"/>
-      </p:ext>
-    </p:extLst>
-  </p:cSld>
-  <p:clrMapOvr>
-    <a:masterClrMapping/>
-  </p:clrMapOvr>
-</p:sld>
-</file>
-
-<file path=ppt/slides/slide16.xml><?xml version="1.0" encoding="utf-8"?>
-<p:sld xmlns:a="http://schemas.openxmlformats.org/drawingml/2006/main" xmlns:r="http://schemas.openxmlformats.org/officeDocument/2006/relationships" xmlns:p="http://schemas.openxmlformats.org/presentationml/2006/main">
-  <p:cSld>
-    <p:bg>
-      <p:bgPr>
-        <a:gradFill rotWithShape="1">
-          <a:gsLst>
-            <a:gs pos="0">
-              <a:schemeClr val="bg1">
-                <a:tint val="96000"/>
-                <a:shade val="99000"/>
-                <a:satMod val="140000"/>
-              </a:schemeClr>
-            </a:gs>
-            <a:gs pos="65000">
-              <a:schemeClr val="bg1">
-                <a:tint val="100000"/>
-                <a:shade val="80000"/>
-                <a:satMod val="130000"/>
-              </a:schemeClr>
-            </a:gs>
-            <a:gs pos="100000">
-              <a:schemeClr val="bg1">
-                <a:tint val="100000"/>
-                <a:shade val="48000"/>
-                <a:satMod val="120000"/>
-              </a:schemeClr>
-            </a:gs>
-          </a:gsLst>
-          <a:lin ang="16200000" scaled="0"/>
-        </a:gradFill>
-        <a:effectLst/>
-      </p:bgPr>
-    </p:bg>
-    <p:spTree>
-      <p:nvGrpSpPr>
-        <p:cNvPr id="1" name=""/>
-        <p:cNvGrpSpPr/>
-        <p:nvPr/>
-      </p:nvGrpSpPr>
-      <p:grpSpPr>
-        <a:xfrm>
-          <a:off x="0" y="0"/>
-          <a:ext cx="0" cy="0"/>
-          <a:chOff x="0" y="0"/>
-          <a:chExt cx="0" cy="0"/>
-        </a:xfrm>
-      </p:grpSpPr>
-      <p:sp useBgFill="1">
-        <p:nvSpPr>
-          <p:cNvPr id="10" name="Rectangle 9">
-            <a:extLst>
-              <a:ext uri="{FF2B5EF4-FFF2-40B4-BE49-F238E27FC236}">
-                <a16:creationId xmlns:a16="http://schemas.microsoft.com/office/drawing/2014/main" id="{103E59AE-44F8-4FB9-BF05-C888FE3E1DFA}"/>
-              </a:ext>
-              <a:ext uri="{C183D7F6-B498-43B3-948B-1728B52AA6E4}">
-                <adec:decorative xmlns:adec="http://schemas.microsoft.com/office/drawing/2017/decorative" val="1"/>
-              </a:ext>
-            </a:extLst>
-          </p:cNvPr>
-          <p:cNvSpPr>
-            <a:spLocks noGrp="1" noRot="1" noChangeAspect="1" noMove="1" noResize="1" noEditPoints="1" noAdjustHandles="1" noChangeArrowheads="1" noChangeShapeType="1" noTextEdit="1"/>
-          </p:cNvSpPr>
-          <p:nvPr>
-            <p:extLst>
-              <p:ext uri="{386F3935-93C4-4BCD-93E2-E3B085C9AB24}">
-                <p16:designElem xmlns:p16="http://schemas.microsoft.com/office/powerpoint/2015/main" val="1"/>
-              </p:ext>
-            </p:extLst>
-          </p:nvPr>
-        </p:nvSpPr>
-        <p:spPr>
-          <a:xfrm>
-            <a:off x="-1" y="0"/>
-            <a:ext cx="12192001" cy="6858000"/>
-          </a:xfrm>
-          <a:prstGeom prst="rect">
-            <a:avLst/>
-          </a:prstGeom>
-          <a:ln>
-            <a:noFill/>
-          </a:ln>
-        </p:spPr>
-        <p:style>
-          <a:lnRef idx="2">
-            <a:schemeClr val="accent1">
-              <a:shade val="50000"/>
-            </a:schemeClr>
-          </a:lnRef>
-          <a:fillRef idx="1">
-            <a:schemeClr val="accent1"/>
-          </a:fillRef>
-          <a:effectRef idx="0">
-            <a:schemeClr val="accent1"/>
-          </a:effectRef>
-          <a:fontRef idx="minor">
-            <a:schemeClr val="lt1"/>
-          </a:fontRef>
-        </p:style>
-        <p:txBody>
-          <a:bodyPr rtlCol="0" anchor="ctr"/>
-          <a:lstStyle/>
-          <a:p>
-            <a:pPr algn="ctr"/>
-            <a:endParaRPr lang="en-US" dirty="0"/>
-          </a:p>
-        </p:txBody>
-      </p:sp>
-      <p:sp>
-        <p:nvSpPr>
-          <p:cNvPr id="2" name="Title 1">
-            <a:extLst>
-              <a:ext uri="{FF2B5EF4-FFF2-40B4-BE49-F238E27FC236}">
-                <a16:creationId xmlns:a16="http://schemas.microsoft.com/office/drawing/2014/main" id="{AD1EDEC1-61A8-45DF-839E-F03C3B8F3944}"/>
-              </a:ext>
-            </a:extLst>
-          </p:cNvPr>
-          <p:cNvSpPr>
-            <a:spLocks noGrp="1"/>
-          </p:cNvSpPr>
-          <p:nvPr>
-            <p:ph type="title"/>
-          </p:nvPr>
-        </p:nvSpPr>
-        <p:spPr>
-          <a:xfrm>
-            <a:off x="642259" y="634946"/>
-            <a:ext cx="3372529" cy="5055904"/>
-          </a:xfrm>
-        </p:spPr>
-        <p:txBody>
-          <a:bodyPr anchor="ctr">
-            <a:normAutofit/>
-          </a:bodyPr>
-          <a:lstStyle/>
-          <a:p>
-            <a:r>
-              <a:rPr lang="en-US" dirty="0"/>
-              <a:t>Conclusion</a:t>
-            </a:r>
-            <a:endParaRPr lang="it-IT" dirty="0"/>
-          </a:p>
-        </p:txBody>
-      </p:sp>
-      <p:cxnSp>
-        <p:nvCxnSpPr>
-          <p:cNvPr id="12" name="Straight Connector 11">
-            <a:extLst>
-              <a:ext uri="{FF2B5EF4-FFF2-40B4-BE49-F238E27FC236}">
-                <a16:creationId xmlns:a16="http://schemas.microsoft.com/office/drawing/2014/main" id="{2752F38C-F560-47AA-90AD-209F39C04150}"/>
-              </a:ext>
-              <a:ext uri="{C183D7F6-B498-43B3-948B-1728B52AA6E4}">
-                <adec:decorative xmlns:adec="http://schemas.microsoft.com/office/drawing/2017/decorative" val="1"/>
-              </a:ext>
-            </a:extLst>
-          </p:cNvPr>
-          <p:cNvCxnSpPr>
-            <a:cxnSpLocks noGrp="1" noRot="1" noChangeAspect="1" noMove="1" noResize="1" noEditPoints="1" noAdjustHandles="1" noChangeArrowheads="1" noChangeShapeType="1"/>
-          </p:cNvCxnSpPr>
-          <p:nvPr>
-            <p:extLst>
-              <p:ext uri="{386F3935-93C4-4BCD-93E2-E3B085C9AB24}">
-                <p16:designElem xmlns:p16="http://schemas.microsoft.com/office/powerpoint/2015/main" val="1"/>
-              </p:ext>
-            </p:extLst>
-          </p:nvPr>
-        </p:nvCxnSpPr>
-        <p:spPr>
-          <a:xfrm>
-            <a:off x="4335022" y="1791298"/>
-            <a:ext cx="0" cy="2743200"/>
-          </a:xfrm>
-          <a:prstGeom prst="line">
-            <a:avLst/>
-          </a:prstGeom>
-          <a:ln w="12700">
-            <a:solidFill>
-              <a:schemeClr val="tx1">
-                <a:lumMod val="50000"/>
-                <a:lumOff val="50000"/>
-              </a:schemeClr>
-            </a:solidFill>
-          </a:ln>
-        </p:spPr>
-        <p:style>
-          <a:lnRef idx="1">
-            <a:schemeClr val="accent1"/>
-          </a:lnRef>
-          <a:fillRef idx="0">
-            <a:schemeClr val="accent1"/>
-          </a:fillRef>
-          <a:effectRef idx="0">
-            <a:schemeClr val="accent1"/>
-          </a:effectRef>
-          <a:fontRef idx="minor">
-            <a:schemeClr val="tx1"/>
-          </a:fontRef>
-        </p:style>
-      </p:cxnSp>
-      <p:sp>
-        <p:nvSpPr>
-          <p:cNvPr id="14" name="Rectangle 13">
-            <a:extLst>
-              <a:ext uri="{FF2B5EF4-FFF2-40B4-BE49-F238E27FC236}">
-                <a16:creationId xmlns:a16="http://schemas.microsoft.com/office/drawing/2014/main" id="{8B6B14AE-589A-45CC-A30D-41995FC1F8BA}"/>
+                <a16:creationId xmlns:a16="http://schemas.microsoft.com/office/drawing/2014/main" id="{F7234D70-FB65-4E99-985E-64D219674D45}"/>
               </a:ext>
               <a:ext uri="{C183D7F6-B498-43B3-948B-1728B52AA6E4}">
                 <adec:decorative xmlns:adec="http://schemas.microsoft.com/office/drawing/2017/decorative" val="1"/>
@@ -15317,7 +15931,7 @@
         <p:spPr>
           <a:xfrm>
             <a:off x="0" y="6400800"/>
-            <a:ext cx="12188825" cy="457200"/>
+            <a:ext cx="12192000" cy="457200"/>
           </a:xfrm>
           <a:prstGeom prst="rect">
             <a:avLst/>
@@ -15346,6 +15960,98 @@
           </a:fontRef>
         </p:style>
       </p:sp>
+      <p:sp>
+        <p:nvSpPr>
+          <p:cNvPr id="3" name="Date Placeholder 2">
+            <a:extLst>
+              <a:ext uri="{FF2B5EF4-FFF2-40B4-BE49-F238E27FC236}">
+                <a16:creationId xmlns:a16="http://schemas.microsoft.com/office/drawing/2014/main" id="{A226353B-81FA-4C27-A381-C64A0B7E62AD}"/>
+              </a:ext>
+            </a:extLst>
+          </p:cNvPr>
+          <p:cNvSpPr>
+            <a:spLocks noGrp="1"/>
+          </p:cNvSpPr>
+          <p:nvPr>
+            <p:ph type="dt" sz="half" idx="10"/>
+          </p:nvPr>
+        </p:nvSpPr>
+        <p:spPr>
+          <a:xfrm>
+            <a:off x="8218426" y="6446838"/>
+            <a:ext cx="2584850" cy="365125"/>
+          </a:xfrm>
+        </p:spPr>
+        <p:txBody>
+          <a:bodyPr>
+            <a:normAutofit/>
+          </a:bodyPr>
+          <a:lstStyle/>
+          <a:p>
+            <a:pPr>
+              <a:spcAft>
+                <a:spcPts val="600"/>
+              </a:spcAft>
+            </a:pPr>
+            <a:fld id="{44DBAB10-9889-4C70-9DDA-B75985246378}" type="datetime1">
+              <a:rPr lang="en-US" smtClean="0"/>
+              <a:pPr>
+                <a:spcAft>
+                  <a:spcPts val="600"/>
+                </a:spcAft>
+              </a:pPr>
+              <a:t>5/11/2020</a:t>
+            </a:fld>
+            <a:endParaRPr lang="en-US"/>
+          </a:p>
+        </p:txBody>
+      </p:sp>
+      <p:sp>
+        <p:nvSpPr>
+          <p:cNvPr id="4" name="Slide Number Placeholder 3">
+            <a:extLst>
+              <a:ext uri="{FF2B5EF4-FFF2-40B4-BE49-F238E27FC236}">
+                <a16:creationId xmlns:a16="http://schemas.microsoft.com/office/drawing/2014/main" id="{F39C269B-839D-4697-9DF9-0836525B22D2}"/>
+              </a:ext>
+            </a:extLst>
+          </p:cNvPr>
+          <p:cNvSpPr>
+            <a:spLocks noGrp="1"/>
+          </p:cNvSpPr>
+          <p:nvPr>
+            <p:ph type="sldNum" sz="quarter" idx="12"/>
+          </p:nvPr>
+        </p:nvSpPr>
+        <p:spPr>
+          <a:xfrm>
+            <a:off x="10993582" y="6446838"/>
+            <a:ext cx="780010" cy="365125"/>
+          </a:xfrm>
+        </p:spPr>
+        <p:txBody>
+          <a:bodyPr>
+            <a:normAutofit/>
+          </a:bodyPr>
+          <a:lstStyle/>
+          <a:p>
+            <a:pPr>
+              <a:spcAft>
+                <a:spcPts val="600"/>
+              </a:spcAft>
+            </a:pPr>
+            <a:fld id="{3A98EE3D-8CD1-4C3F-BD1C-C98C9596463C}" type="slidenum">
+              <a:rPr lang="en-US" smtClean="0"/>
+              <a:pPr>
+                <a:spcAft>
+                  <a:spcPts val="600"/>
+                </a:spcAft>
+              </a:pPr>
+              <a:t>15</a:t>
+            </a:fld>
+            <a:endParaRPr lang="en-US"/>
+          </a:p>
+        </p:txBody>
+      </p:sp>
       <p:graphicFrame>
         <p:nvGraphicFramePr>
           <p:cNvPr id="5" name="Content Placeholder 2">
@@ -15362,14 +16068,14 @@
             <p:ph idx="1"/>
             <p:extLst>
               <p:ext uri="{D42A27DB-BD31-4B8C-83A1-F6EECF244321}">
-                <p14:modId xmlns:p14="http://schemas.microsoft.com/office/powerpoint/2010/main" val="1959671134"/>
+                <p14:modId xmlns:p14="http://schemas.microsoft.com/office/powerpoint/2010/main" val="1710605300"/>
               </p:ext>
             </p:extLst>
           </p:nvPr>
         </p:nvGraphicFramePr>
         <p:xfrm>
-          <a:off x="4648201" y="639763"/>
-          <a:ext cx="6910387" cy="5051425"/>
+          <a:off x="1096963" y="2098515"/>
+          <a:ext cx="10058400" cy="3786080"/>
         </p:xfrm>
         <a:graphic>
           <a:graphicData uri="http://schemas.openxmlformats.org/drawingml/2006/diagram">
@@ -15385,42 +16091,19 @@
     </p:extLst>
   </p:cSld>
   <p:clrMapOvr>
-    <a:overrideClrMapping bg1="dk1" tx1="lt1" bg2="dk2" tx2="lt2" accent1="accent1" accent2="accent2" accent3="accent3" accent4="accent4" accent5="accent5" accent6="accent6" hlink="hlink" folHlink="folHlink"/>
+    <a:masterClrMapping/>
   </p:clrMapOvr>
 </p:sld>
 </file>
 
-<file path=ppt/slides/slide17.xml><?xml version="1.0" encoding="utf-8"?>
+<file path=ppt/slides/slide16.xml><?xml version="1.0" encoding="utf-8"?>
 <p:sld xmlns:a="http://schemas.openxmlformats.org/drawingml/2006/main" xmlns:r="http://schemas.openxmlformats.org/officeDocument/2006/relationships" xmlns:p="http://schemas.openxmlformats.org/presentationml/2006/main">
   <p:cSld>
     <p:bg>
       <p:bgPr>
-        <a:gradFill rotWithShape="1">
-          <a:gsLst>
-            <a:gs pos="0">
-              <a:schemeClr val="bg1">
-                <a:tint val="96000"/>
-                <a:shade val="99000"/>
-                <a:satMod val="140000"/>
-              </a:schemeClr>
-            </a:gs>
-            <a:gs pos="65000">
-              <a:schemeClr val="bg1">
-                <a:tint val="100000"/>
-                <a:shade val="80000"/>
-                <a:satMod val="130000"/>
-              </a:schemeClr>
-            </a:gs>
-            <a:gs pos="100000">
-              <a:schemeClr val="bg1">
-                <a:tint val="100000"/>
-                <a:shade val="48000"/>
-                <a:satMod val="120000"/>
-              </a:schemeClr>
-            </a:gs>
-          </a:gsLst>
-          <a:lin ang="16200000" scaled="0"/>
-        </a:gradFill>
+        <a:solidFill>
+          <a:schemeClr val="bg1"/>
+        </a:solidFill>
         <a:effectLst/>
       </p:bgPr>
     </p:bg>
@@ -15440,10 +16123,10 @@
       </p:grpSpPr>
       <p:sp useBgFill="1">
         <p:nvSpPr>
-          <p:cNvPr id="10" name="Rectangle 9">
+          <p:cNvPr id="19" name="Rectangle 18">
             <a:extLst>
               <a:ext uri="{FF2B5EF4-FFF2-40B4-BE49-F238E27FC236}">
-                <a16:creationId xmlns:a16="http://schemas.microsoft.com/office/drawing/2014/main" id="{103E59AE-44F8-4FB9-BF05-C888FE3E1DFA}"/>
+                <a16:creationId xmlns:a16="http://schemas.microsoft.com/office/drawing/2014/main" id="{88F0A37D-2337-4AAF-98B0-7E4E9B98719A}"/>
               </a:ext>
               <a:ext uri="{C183D7F6-B498-43B3-948B-1728B52AA6E4}">
                 <adec:decorative xmlns:adec="http://schemas.microsoft.com/office/drawing/2017/decorative" val="1"/>
@@ -15463,8 +16146,8 @@
         </p:nvSpPr>
         <p:spPr>
           <a:xfrm>
-            <a:off x="-1" y="0"/>
-            <a:ext cx="12192001" cy="6858000"/>
+            <a:off x="0" y="0"/>
+            <a:ext cx="12192000" cy="6858000"/>
           </a:xfrm>
           <a:prstGeom prst="rect">
             <a:avLst/>
@@ -15494,7 +16177,7 @@
           <a:lstStyle/>
           <a:p>
             <a:pPr algn="ctr"/>
-            <a:endParaRPr lang="en-US" dirty="0"/>
+            <a:endParaRPr lang="en-US"/>
           </a:p>
         </p:txBody>
       </p:sp>
@@ -15516,30 +16199,37 @@
         </p:nvSpPr>
         <p:spPr>
           <a:xfrm>
-            <a:off x="642259" y="634946"/>
-            <a:ext cx="3372529" cy="5055904"/>
+            <a:off x="1097280" y="286603"/>
+            <a:ext cx="10058400" cy="1450757"/>
           </a:xfrm>
         </p:spPr>
         <p:txBody>
-          <a:bodyPr anchor="ctr">
-            <a:normAutofit/>
+          <a:bodyPr>
+            <a:noAutofit/>
           </a:bodyPr>
           <a:lstStyle/>
           <a:p>
+            <a:pPr algn="ctr"/>
             <a:r>
-              <a:rPr lang="en-US" dirty="0"/>
-              <a:t>But There are some Solutions</a:t>
+              <a:rPr lang="en-US" sz="5000" dirty="0">
+                <a:latin typeface="Roboto Medium" panose="02000000000000000000" pitchFamily="2" charset="0"/>
+                <a:ea typeface="Roboto Medium" panose="02000000000000000000" pitchFamily="2" charset="0"/>
+              </a:rPr>
+              <a:t>But There Are Some Solutions</a:t>
             </a:r>
-            <a:endParaRPr lang="it-IT" dirty="0"/>
+            <a:endParaRPr lang="it-IT" sz="5000" dirty="0">
+              <a:latin typeface="Roboto Medium" panose="02000000000000000000" pitchFamily="2" charset="0"/>
+              <a:ea typeface="Roboto Medium" panose="02000000000000000000" pitchFamily="2" charset="0"/>
+            </a:endParaRPr>
           </a:p>
         </p:txBody>
       </p:sp>
       <p:cxnSp>
         <p:nvCxnSpPr>
-          <p:cNvPr id="12" name="Straight Connector 11">
+          <p:cNvPr id="32" name="Straight Connector 20">
             <a:extLst>
               <a:ext uri="{FF2B5EF4-FFF2-40B4-BE49-F238E27FC236}">
-                <a16:creationId xmlns:a16="http://schemas.microsoft.com/office/drawing/2014/main" id="{2752F38C-F560-47AA-90AD-209F39C04150}"/>
+                <a16:creationId xmlns:a16="http://schemas.microsoft.com/office/drawing/2014/main" id="{F15CCCF0-E573-463A-9760-1FDC0B2CFBD7}"/>
               </a:ext>
               <a:ext uri="{C183D7F6-B498-43B3-948B-1728B52AA6E4}">
                 <adec:decorative xmlns:adec="http://schemas.microsoft.com/office/drawing/2017/decorative" val="1"/>
@@ -15559,8 +16249,8 @@
         </p:nvCxnSpPr>
         <p:spPr>
           <a:xfrm>
-            <a:off x="4335022" y="1791298"/>
-            <a:ext cx="0" cy="2743200"/>
+            <a:off x="1193532" y="1897380"/>
+            <a:ext cx="9966960" cy="0"/>
           </a:xfrm>
           <a:prstGeom prst="line">
             <a:avLst/>
@@ -15568,8 +16258,8 @@
           <a:ln w="12700">
             <a:solidFill>
               <a:schemeClr val="tx1">
-                <a:lumMod val="50000"/>
-                <a:lumOff val="50000"/>
+                <a:lumMod val="75000"/>
+                <a:lumOff val="25000"/>
               </a:schemeClr>
             </a:solidFill>
           </a:ln>
@@ -15591,10 +16281,10 @@
       </p:cxnSp>
       <p:sp>
         <p:nvSpPr>
-          <p:cNvPr id="14" name="Rectangle 13">
+          <p:cNvPr id="33" name="Rectangle 22">
             <a:extLst>
               <a:ext uri="{FF2B5EF4-FFF2-40B4-BE49-F238E27FC236}">
-                <a16:creationId xmlns:a16="http://schemas.microsoft.com/office/drawing/2014/main" id="{8B6B14AE-589A-45CC-A30D-41995FC1F8BA}"/>
+                <a16:creationId xmlns:a16="http://schemas.microsoft.com/office/drawing/2014/main" id="{F7234D70-FB65-4E99-985E-64D219674D45}"/>
               </a:ext>
               <a:ext uri="{C183D7F6-B498-43B3-948B-1728B52AA6E4}">
                 <adec:decorative xmlns:adec="http://schemas.microsoft.com/office/drawing/2017/decorative" val="1"/>
@@ -15615,7 +16305,7 @@
         <p:spPr>
           <a:xfrm>
             <a:off x="0" y="6400800"/>
-            <a:ext cx="12188825" cy="457200"/>
+            <a:ext cx="12192000" cy="457200"/>
           </a:xfrm>
           <a:prstGeom prst="rect">
             <a:avLst/>
@@ -15644,9 +16334,101 @@
           </a:fontRef>
         </p:style>
       </p:sp>
+      <p:sp>
+        <p:nvSpPr>
+          <p:cNvPr id="3" name="Date Placeholder 2">
+            <a:extLst>
+              <a:ext uri="{FF2B5EF4-FFF2-40B4-BE49-F238E27FC236}">
+                <a16:creationId xmlns:a16="http://schemas.microsoft.com/office/drawing/2014/main" id="{48B830A6-2461-4590-8A4A-124F56CB3914}"/>
+              </a:ext>
+            </a:extLst>
+          </p:cNvPr>
+          <p:cNvSpPr>
+            <a:spLocks noGrp="1"/>
+          </p:cNvSpPr>
+          <p:nvPr>
+            <p:ph type="dt" sz="half" idx="10"/>
+          </p:nvPr>
+        </p:nvSpPr>
+        <p:spPr>
+          <a:xfrm>
+            <a:off x="8218426" y="6446838"/>
+            <a:ext cx="2584850" cy="365125"/>
+          </a:xfrm>
+        </p:spPr>
+        <p:txBody>
+          <a:bodyPr>
+            <a:normAutofit/>
+          </a:bodyPr>
+          <a:lstStyle/>
+          <a:p>
+            <a:pPr>
+              <a:spcAft>
+                <a:spcPts val="600"/>
+              </a:spcAft>
+            </a:pPr>
+            <a:fld id="{57A09FC6-314D-4EFF-AE42-F70735D1684C}" type="datetime1">
+              <a:rPr lang="en-US" smtClean="0"/>
+              <a:pPr>
+                <a:spcAft>
+                  <a:spcPts val="600"/>
+                </a:spcAft>
+              </a:pPr>
+              <a:t>5/11/2020</a:t>
+            </a:fld>
+            <a:endParaRPr lang="en-US"/>
+          </a:p>
+        </p:txBody>
+      </p:sp>
+      <p:sp>
+        <p:nvSpPr>
+          <p:cNvPr id="4" name="Slide Number Placeholder 3">
+            <a:extLst>
+              <a:ext uri="{FF2B5EF4-FFF2-40B4-BE49-F238E27FC236}">
+                <a16:creationId xmlns:a16="http://schemas.microsoft.com/office/drawing/2014/main" id="{B1EFA257-9A0E-48CE-AC6E-22D38A689711}"/>
+              </a:ext>
+            </a:extLst>
+          </p:cNvPr>
+          <p:cNvSpPr>
+            <a:spLocks noGrp="1"/>
+          </p:cNvSpPr>
+          <p:nvPr>
+            <p:ph type="sldNum" sz="quarter" idx="12"/>
+          </p:nvPr>
+        </p:nvSpPr>
+        <p:spPr>
+          <a:xfrm>
+            <a:off x="10993582" y="6446838"/>
+            <a:ext cx="780010" cy="365125"/>
+          </a:xfrm>
+        </p:spPr>
+        <p:txBody>
+          <a:bodyPr>
+            <a:normAutofit/>
+          </a:bodyPr>
+          <a:lstStyle/>
+          <a:p>
+            <a:pPr>
+              <a:spcAft>
+                <a:spcPts val="600"/>
+              </a:spcAft>
+            </a:pPr>
+            <a:fld id="{3A98EE3D-8CD1-4C3F-BD1C-C98C9596463C}" type="slidenum">
+              <a:rPr lang="en-US" smtClean="0"/>
+              <a:pPr>
+                <a:spcAft>
+                  <a:spcPts val="600"/>
+                </a:spcAft>
+              </a:pPr>
+              <a:t>16</a:t>
+            </a:fld>
+            <a:endParaRPr lang="en-US"/>
+          </a:p>
+        </p:txBody>
+      </p:sp>
       <p:graphicFrame>
         <p:nvGraphicFramePr>
-          <p:cNvPr id="5" name="Content Placeholder 2">
+          <p:cNvPr id="34" name="Content Placeholder 2">
             <a:extLst>
               <a:ext uri="{FF2B5EF4-FFF2-40B4-BE49-F238E27FC236}">
                 <a16:creationId xmlns:a16="http://schemas.microsoft.com/office/drawing/2014/main" id="{313CFB60-9655-4A58-9A69-8BB49D278D2E}"/>
@@ -15660,14 +16442,14 @@
             <p:ph idx="1"/>
             <p:extLst>
               <p:ext uri="{D42A27DB-BD31-4B8C-83A1-F6EECF244321}">
-                <p14:modId xmlns:p14="http://schemas.microsoft.com/office/powerpoint/2010/main" val="496869802"/>
+                <p14:modId xmlns:p14="http://schemas.microsoft.com/office/powerpoint/2010/main" val="1848791263"/>
               </p:ext>
             </p:extLst>
           </p:nvPr>
         </p:nvGraphicFramePr>
         <p:xfrm>
-          <a:off x="4648201" y="639763"/>
-          <a:ext cx="6910387" cy="5051425"/>
+          <a:off x="1096963" y="2098515"/>
+          <a:ext cx="10058400" cy="3786080"/>
         </p:xfrm>
         <a:graphic>
           <a:graphicData uri="http://schemas.openxmlformats.org/drawingml/2006/diagram">
@@ -15683,7 +16465,213 @@
     </p:extLst>
   </p:cSld>
   <p:clrMapOvr>
-    <a:overrideClrMapping bg1="dk1" tx1="lt1" bg2="dk2" tx2="lt2" accent1="accent1" accent2="accent2" accent3="accent3" accent4="accent4" accent5="accent5" accent6="accent6" hlink="hlink" folHlink="folHlink"/>
+    <a:masterClrMapping/>
+  </p:clrMapOvr>
+</p:sld>
+</file>
+
+<file path=ppt/slides/slide17.xml><?xml version="1.0" encoding="utf-8"?>
+<p:sld xmlns:a="http://schemas.openxmlformats.org/drawingml/2006/main" xmlns:r="http://schemas.openxmlformats.org/officeDocument/2006/relationships" xmlns:p="http://schemas.openxmlformats.org/presentationml/2006/main">
+  <p:cSld>
+    <p:spTree>
+      <p:nvGrpSpPr>
+        <p:cNvPr id="1" name=""/>
+        <p:cNvGrpSpPr/>
+        <p:nvPr/>
+      </p:nvGrpSpPr>
+      <p:grpSpPr>
+        <a:xfrm>
+          <a:off x="0" y="0"/>
+          <a:ext cx="0" cy="0"/>
+          <a:chOff x="0" y="0"/>
+          <a:chExt cx="0" cy="0"/>
+        </a:xfrm>
+      </p:grpSpPr>
+      <p:sp>
+        <p:nvSpPr>
+          <p:cNvPr id="2" name="Title 1">
+            <a:extLst>
+              <a:ext uri="{FF2B5EF4-FFF2-40B4-BE49-F238E27FC236}">
+                <a16:creationId xmlns:a16="http://schemas.microsoft.com/office/drawing/2014/main" id="{52F4565C-6BA6-41F9-9564-05C4DC7D1131}"/>
+              </a:ext>
+            </a:extLst>
+          </p:cNvPr>
+          <p:cNvSpPr>
+            <a:spLocks noGrp="1"/>
+          </p:cNvSpPr>
+          <p:nvPr>
+            <p:ph type="title"/>
+          </p:nvPr>
+        </p:nvSpPr>
+        <p:spPr/>
+        <p:txBody>
+          <a:bodyPr>
+            <a:noAutofit/>
+          </a:bodyPr>
+          <a:lstStyle/>
+          <a:p>
+            <a:pPr algn="ctr"/>
+            <a:r>
+              <a:rPr lang="en-US" sz="4000" dirty="0">
+                <a:latin typeface="Roboto Medium" panose="02000000000000000000" pitchFamily="2" charset="0"/>
+                <a:ea typeface="Roboto Medium" panose="02000000000000000000" pitchFamily="2" charset="0"/>
+              </a:rPr>
+              <a:t>INFORMATION ABOUT THE DATASET</a:t>
+            </a:r>
+            <a:endParaRPr lang="it-IT" sz="4000" dirty="0">
+              <a:latin typeface="Roboto Medium" panose="02000000000000000000" pitchFamily="2" charset="0"/>
+              <a:ea typeface="Roboto Medium" panose="02000000000000000000" pitchFamily="2" charset="0"/>
+            </a:endParaRPr>
+          </a:p>
+        </p:txBody>
+      </p:sp>
+      <p:sp>
+        <p:nvSpPr>
+          <p:cNvPr id="3" name="Content Placeholder 2">
+            <a:extLst>
+              <a:ext uri="{FF2B5EF4-FFF2-40B4-BE49-F238E27FC236}">
+                <a16:creationId xmlns:a16="http://schemas.microsoft.com/office/drawing/2014/main" id="{64D66E10-C438-405A-9B93-7F4A73D1995E}"/>
+              </a:ext>
+            </a:extLst>
+          </p:cNvPr>
+          <p:cNvSpPr>
+            <a:spLocks noGrp="1"/>
+          </p:cNvSpPr>
+          <p:nvPr>
+            <p:ph idx="1"/>
+          </p:nvPr>
+        </p:nvSpPr>
+        <p:spPr/>
+        <p:txBody>
+          <a:bodyPr/>
+          <a:lstStyle/>
+          <a:p>
+            <a:r>
+              <a:rPr lang="en-US" dirty="0"/>
+              <a:t>All the data has been downloaded from the FAO(</a:t>
+            </a:r>
+            <a:r>
+              <a:rPr lang="it-IT" dirty="0">
+                <a:hlinkClick r:id="rId2"/>
+              </a:rPr>
+              <a:t>http://www.fao.org/faostat/en/#data</a:t>
+            </a:r>
+            <a:r>
+              <a:rPr lang="it-IT" dirty="0"/>
+              <a:t>) website.</a:t>
+            </a:r>
+          </a:p>
+          <a:p>
+            <a:r>
+              <a:rPr lang="it-IT" dirty="0"/>
+              <a:t> </a:t>
+            </a:r>
+          </a:p>
+        </p:txBody>
+      </p:sp>
+      <p:pic>
+        <p:nvPicPr>
+          <p:cNvPr id="5" name="Picture 4" descr="A screenshot of a cell phone&#10;&#10;Description automatically generated">
+            <a:extLst>
+              <a:ext uri="{FF2B5EF4-FFF2-40B4-BE49-F238E27FC236}">
+                <a16:creationId xmlns:a16="http://schemas.microsoft.com/office/drawing/2014/main" id="{C2090C5A-E0F7-40BE-95B1-13A565B7CDD0}"/>
+              </a:ext>
+            </a:extLst>
+          </p:cNvPr>
+          <p:cNvPicPr>
+            <a:picLocks noChangeAspect="1"/>
+          </p:cNvPicPr>
+          <p:nvPr/>
+        </p:nvPicPr>
+        <p:blipFill>
+          <a:blip r:embed="rId3">
+            <a:extLst>
+              <a:ext uri="{28A0092B-C50C-407E-A947-70E740481C1C}">
+                <a14:useLocalDpi xmlns:a14="http://schemas.microsoft.com/office/drawing/2010/main" val="0"/>
+              </a:ext>
+            </a:extLst>
+          </a:blip>
+          <a:stretch>
+            <a:fillRect/>
+          </a:stretch>
+        </p:blipFill>
+        <p:spPr>
+          <a:xfrm>
+            <a:off x="2269067" y="2698044"/>
+            <a:ext cx="7507111" cy="3171047"/>
+          </a:xfrm>
+          <a:prstGeom prst="rect">
+            <a:avLst/>
+          </a:prstGeom>
+        </p:spPr>
+      </p:pic>
+      <p:sp>
+        <p:nvSpPr>
+          <p:cNvPr id="4" name="Date Placeholder 3">
+            <a:extLst>
+              <a:ext uri="{FF2B5EF4-FFF2-40B4-BE49-F238E27FC236}">
+                <a16:creationId xmlns:a16="http://schemas.microsoft.com/office/drawing/2014/main" id="{7594D324-BFAC-4EF5-A2F9-83026B6A47E9}"/>
+              </a:ext>
+            </a:extLst>
+          </p:cNvPr>
+          <p:cNvSpPr>
+            <a:spLocks noGrp="1"/>
+          </p:cNvSpPr>
+          <p:nvPr>
+            <p:ph type="dt" sz="half" idx="10"/>
+          </p:nvPr>
+        </p:nvSpPr>
+        <p:spPr/>
+        <p:txBody>
+          <a:bodyPr/>
+          <a:lstStyle/>
+          <a:p>
+            <a:fld id="{4CF139F8-2E89-4701-8937-82251712523C}" type="datetime1">
+              <a:rPr lang="en-US" smtClean="0"/>
+              <a:t>5/11/2020</a:t>
+            </a:fld>
+            <a:endParaRPr lang="en-US" dirty="0"/>
+          </a:p>
+        </p:txBody>
+      </p:sp>
+      <p:sp>
+        <p:nvSpPr>
+          <p:cNvPr id="6" name="Slide Number Placeholder 5">
+            <a:extLst>
+              <a:ext uri="{FF2B5EF4-FFF2-40B4-BE49-F238E27FC236}">
+                <a16:creationId xmlns:a16="http://schemas.microsoft.com/office/drawing/2014/main" id="{92A6E9D3-65F9-4EC6-B262-7D04F7CD8824}"/>
+              </a:ext>
+            </a:extLst>
+          </p:cNvPr>
+          <p:cNvSpPr>
+            <a:spLocks noGrp="1"/>
+          </p:cNvSpPr>
+          <p:nvPr>
+            <p:ph type="sldNum" sz="quarter" idx="12"/>
+          </p:nvPr>
+        </p:nvSpPr>
+        <p:spPr/>
+        <p:txBody>
+          <a:bodyPr/>
+          <a:lstStyle/>
+          <a:p>
+            <a:fld id="{3A98EE3D-8CD1-4C3F-BD1C-C98C9596463C}" type="slidenum">
+              <a:rPr lang="en-US" smtClean="0"/>
+              <a:t>17</a:t>
+            </a:fld>
+            <a:endParaRPr lang="en-US" dirty="0"/>
+          </a:p>
+        </p:txBody>
+      </p:sp>
+    </p:spTree>
+    <p:extLst>
+      <p:ext uri="{BB962C8B-B14F-4D97-AF65-F5344CB8AC3E}">
+        <p14:creationId xmlns:p14="http://schemas.microsoft.com/office/powerpoint/2010/main" val="3470633238"/>
+      </p:ext>
+    </p:extLst>
+  </p:cSld>
+  <p:clrMapOvr>
+    <a:masterClrMapping/>
   </p:clrMapOvr>
 </p:sld>
 </file>
@@ -15710,7 +16698,7 @@
           <p:cNvPr id="2" name="Title 1">
             <a:extLst>
               <a:ext uri="{FF2B5EF4-FFF2-40B4-BE49-F238E27FC236}">
-                <a16:creationId xmlns:a16="http://schemas.microsoft.com/office/drawing/2014/main" id="{52F4565C-6BA6-41F9-9564-05C4DC7D1131}"/>
+                <a16:creationId xmlns:a16="http://schemas.microsoft.com/office/drawing/2014/main" id="{562D4D3E-9C92-4800-8C16-806EF4D153D3}"/>
               </a:ext>
             </a:extLst>
           </p:cNvPr>
@@ -15723,77 +16711,44 @@
         </p:nvSpPr>
         <p:spPr/>
         <p:txBody>
-          <a:bodyPr/>
+          <a:bodyPr>
+            <a:normAutofit/>
+          </a:bodyPr>
           <a:lstStyle/>
           <a:p>
+            <a:pPr algn="ctr"/>
             <a:r>
-              <a:rPr lang="en-US" dirty="0"/>
-              <a:t>INFORMATION ABOUT THE DATASET</a:t>
+              <a:rPr lang="en-US" sz="4000" dirty="0">
+                <a:latin typeface="Roboto Medium" panose="02000000000000000000" pitchFamily="2" charset="0"/>
+                <a:ea typeface="Roboto Medium" panose="02000000000000000000" pitchFamily="2" charset="0"/>
+              </a:rPr>
+              <a:t>food_balance_animal.csv</a:t>
             </a:r>
-            <a:endParaRPr lang="it-IT" dirty="0"/>
-          </a:p>
-        </p:txBody>
-      </p:sp>
-      <p:sp>
-        <p:nvSpPr>
-          <p:cNvPr id="3" name="Content Placeholder 2">
-            <a:extLst>
-              <a:ext uri="{FF2B5EF4-FFF2-40B4-BE49-F238E27FC236}">
-                <a16:creationId xmlns:a16="http://schemas.microsoft.com/office/drawing/2014/main" id="{64D66E10-C438-405A-9B93-7F4A73D1995E}"/>
-              </a:ext>
-            </a:extLst>
-          </p:cNvPr>
-          <p:cNvSpPr>
-            <a:spLocks noGrp="1"/>
-          </p:cNvSpPr>
-          <p:nvPr>
-            <p:ph idx="1"/>
-          </p:nvPr>
-        </p:nvSpPr>
-        <p:spPr/>
-        <p:txBody>
-          <a:bodyPr/>
-          <a:lstStyle/>
-          <a:p>
-            <a:r>
-              <a:rPr lang="en-US" dirty="0"/>
-              <a:t>All the data has been downloaded from the FAO(</a:t>
-            </a:r>
-            <a:r>
-              <a:rPr lang="it-IT" dirty="0">
-                <a:hlinkClick r:id="rId2"/>
-              </a:rPr>
-              <a:t>http://www.fao.org/faostat/en/#data</a:t>
-            </a:r>
-            <a:r>
-              <a:rPr lang="it-IT" dirty="0"/>
-              <a:t>) website.</a:t>
-            </a:r>
-          </a:p>
-          <a:p>
-            <a:r>
-              <a:rPr lang="it-IT" dirty="0"/>
-              <a:t> </a:t>
-            </a:r>
+            <a:endParaRPr lang="it-IT" sz="4000" dirty="0">
+              <a:latin typeface="Roboto Medium" panose="02000000000000000000" pitchFamily="2" charset="0"/>
+              <a:ea typeface="Roboto Medium" panose="02000000000000000000" pitchFamily="2" charset="0"/>
+            </a:endParaRPr>
           </a:p>
         </p:txBody>
       </p:sp>
       <p:pic>
         <p:nvPicPr>
-          <p:cNvPr id="5" name="Picture 4" descr="A screenshot of a cell phone&#10;&#10;Description automatically generated">
+          <p:cNvPr id="5" name="Content Placeholder 4" descr="A screenshot of a computer&#10;&#10;Description automatically generated">
             <a:extLst>
               <a:ext uri="{FF2B5EF4-FFF2-40B4-BE49-F238E27FC236}">
-                <a16:creationId xmlns:a16="http://schemas.microsoft.com/office/drawing/2014/main" id="{C2090C5A-E0F7-40BE-95B1-13A565B7CDD0}"/>
+                <a16:creationId xmlns:a16="http://schemas.microsoft.com/office/drawing/2014/main" id="{B91659B8-6C0D-4F7F-B49E-E37EC0177B88}"/>
               </a:ext>
             </a:extLst>
           </p:cNvPr>
           <p:cNvPicPr>
-            <a:picLocks noChangeAspect="1"/>
+            <a:picLocks noGrp="1" noChangeAspect="1"/>
           </p:cNvPicPr>
-          <p:nvPr/>
+          <p:nvPr>
+            <p:ph idx="1"/>
+          </p:nvPr>
         </p:nvPicPr>
         <p:blipFill>
-          <a:blip r:embed="rId3">
+          <a:blip r:embed="rId2">
             <a:extLst>
               <a:ext uri="{28A0092B-C50C-407E-A947-70E740481C1C}">
                 <a14:useLocalDpi xmlns:a14="http://schemas.microsoft.com/office/drawing/2010/main" val="0"/>
@@ -15806,18 +16761,73 @@
         </p:blipFill>
         <p:spPr>
           <a:xfrm>
-            <a:off x="2269067" y="2698044"/>
-            <a:ext cx="7507111" cy="3171047"/>
+            <a:off x="948267" y="1956990"/>
+            <a:ext cx="10622844" cy="3163651"/>
           </a:xfrm>
-          <a:prstGeom prst="rect">
-            <a:avLst/>
-          </a:prstGeom>
         </p:spPr>
       </p:pic>
+      <p:sp>
+        <p:nvSpPr>
+          <p:cNvPr id="3" name="Date Placeholder 2">
+            <a:extLst>
+              <a:ext uri="{FF2B5EF4-FFF2-40B4-BE49-F238E27FC236}">
+                <a16:creationId xmlns:a16="http://schemas.microsoft.com/office/drawing/2014/main" id="{CFD99795-167B-43BA-9047-B7F2B2B4CC05}"/>
+              </a:ext>
+            </a:extLst>
+          </p:cNvPr>
+          <p:cNvSpPr>
+            <a:spLocks noGrp="1"/>
+          </p:cNvSpPr>
+          <p:nvPr>
+            <p:ph type="dt" sz="half" idx="10"/>
+          </p:nvPr>
+        </p:nvSpPr>
+        <p:spPr/>
+        <p:txBody>
+          <a:bodyPr/>
+          <a:lstStyle/>
+          <a:p>
+            <a:fld id="{F3301FC6-AA7D-4256-81D7-661FC68C3458}" type="datetime1">
+              <a:rPr lang="en-US" smtClean="0"/>
+              <a:t>5/11/2020</a:t>
+            </a:fld>
+            <a:endParaRPr lang="en-US" dirty="0"/>
+          </a:p>
+        </p:txBody>
+      </p:sp>
+      <p:sp>
+        <p:nvSpPr>
+          <p:cNvPr id="4" name="Slide Number Placeholder 3">
+            <a:extLst>
+              <a:ext uri="{FF2B5EF4-FFF2-40B4-BE49-F238E27FC236}">
+                <a16:creationId xmlns:a16="http://schemas.microsoft.com/office/drawing/2014/main" id="{DCEBECDC-EFD5-45BD-A139-7FB8251BA3CD}"/>
+              </a:ext>
+            </a:extLst>
+          </p:cNvPr>
+          <p:cNvSpPr>
+            <a:spLocks noGrp="1"/>
+          </p:cNvSpPr>
+          <p:nvPr>
+            <p:ph type="sldNum" sz="quarter" idx="12"/>
+          </p:nvPr>
+        </p:nvSpPr>
+        <p:spPr/>
+        <p:txBody>
+          <a:bodyPr/>
+          <a:lstStyle/>
+          <a:p>
+            <a:fld id="{3A98EE3D-8CD1-4C3F-BD1C-C98C9596463C}" type="slidenum">
+              <a:rPr lang="en-US" smtClean="0"/>
+              <a:t>18</a:t>
+            </a:fld>
+            <a:endParaRPr lang="en-US" dirty="0"/>
+          </a:p>
+        </p:txBody>
+      </p:sp>
     </p:spTree>
     <p:extLst>
       <p:ext uri="{BB962C8B-B14F-4D97-AF65-F5344CB8AC3E}">
-        <p14:creationId xmlns:p14="http://schemas.microsoft.com/office/powerpoint/2010/main" val="3470633238"/>
+        <p14:creationId xmlns:p14="http://schemas.microsoft.com/office/powerpoint/2010/main" val="440842070"/>
       </p:ext>
     </p:extLst>
   </p:cSld>
@@ -15862,24 +16872,34 @@
         </p:nvSpPr>
         <p:spPr/>
         <p:txBody>
-          <a:bodyPr/>
+          <a:bodyPr>
+            <a:normAutofit/>
+          </a:bodyPr>
           <a:lstStyle/>
           <a:p>
             <a:pPr algn="ctr"/>
             <a:r>
-              <a:rPr lang="en-US" dirty="0"/>
-              <a:t>Food_balance_animal.csv</a:t>
+              <a:rPr lang="en-US" sz="4000" dirty="0">
+                <a:latin typeface="Roboto Medium" panose="02000000000000000000" pitchFamily="2" charset="0"/>
+                <a:ea typeface="Roboto Medium" panose="02000000000000000000" pitchFamily="2" charset="0"/>
+                <a:cs typeface="Open Sans Light" panose="020B0306030504020204" pitchFamily="34" charset="0"/>
+              </a:rPr>
+              <a:t>food_balance_vegetal.csv</a:t>
             </a:r>
-            <a:endParaRPr lang="it-IT" dirty="0"/>
+            <a:endParaRPr lang="it-IT" sz="4000" dirty="0">
+              <a:latin typeface="Roboto Medium" panose="02000000000000000000" pitchFamily="2" charset="0"/>
+              <a:ea typeface="Roboto Medium" panose="02000000000000000000" pitchFamily="2" charset="0"/>
+              <a:cs typeface="Open Sans Light" panose="020B0306030504020204" pitchFamily="34" charset="0"/>
+            </a:endParaRPr>
           </a:p>
         </p:txBody>
       </p:sp>
       <p:pic>
         <p:nvPicPr>
-          <p:cNvPr id="5" name="Content Placeholder 4" descr="A screenshot of a computer&#10;&#10;Description automatically generated">
+          <p:cNvPr id="7" name="Content Placeholder 6" descr="A screenshot of a computer&#10;&#10;Description automatically generated">
             <a:extLst>
               <a:ext uri="{FF2B5EF4-FFF2-40B4-BE49-F238E27FC236}">
-                <a16:creationId xmlns:a16="http://schemas.microsoft.com/office/drawing/2014/main" id="{B91659B8-6C0D-4F7F-B49E-E37EC0177B88}"/>
+                <a16:creationId xmlns:a16="http://schemas.microsoft.com/office/drawing/2014/main" id="{2CB1E2CF-1115-4CA3-BB6C-C540B6A4DB18}"/>
               </a:ext>
             </a:extLst>
           </p:cNvPr>
@@ -15904,15 +16924,73 @@
         </p:blipFill>
         <p:spPr>
           <a:xfrm>
-            <a:off x="948267" y="1956990"/>
-            <a:ext cx="10622844" cy="3163651"/>
+            <a:off x="0" y="1851378"/>
+            <a:ext cx="12192000" cy="4165600"/>
           </a:xfrm>
         </p:spPr>
       </p:pic>
+      <p:sp>
+        <p:nvSpPr>
+          <p:cNvPr id="3" name="Date Placeholder 2">
+            <a:extLst>
+              <a:ext uri="{FF2B5EF4-FFF2-40B4-BE49-F238E27FC236}">
+                <a16:creationId xmlns:a16="http://schemas.microsoft.com/office/drawing/2014/main" id="{E765AB79-A3F6-4C6F-8BBD-BD49B542D422}"/>
+              </a:ext>
+            </a:extLst>
+          </p:cNvPr>
+          <p:cNvSpPr>
+            <a:spLocks noGrp="1"/>
+          </p:cNvSpPr>
+          <p:nvPr>
+            <p:ph type="dt" sz="half" idx="10"/>
+          </p:nvPr>
+        </p:nvSpPr>
+        <p:spPr/>
+        <p:txBody>
+          <a:bodyPr/>
+          <a:lstStyle/>
+          <a:p>
+            <a:fld id="{DCF36EBB-4F55-4F2B-88B5-D5A217A57E07}" type="datetime1">
+              <a:rPr lang="en-US" smtClean="0"/>
+              <a:t>5/11/2020</a:t>
+            </a:fld>
+            <a:endParaRPr lang="en-US" dirty="0"/>
+          </a:p>
+        </p:txBody>
+      </p:sp>
+      <p:sp>
+        <p:nvSpPr>
+          <p:cNvPr id="4" name="Slide Number Placeholder 3">
+            <a:extLst>
+              <a:ext uri="{FF2B5EF4-FFF2-40B4-BE49-F238E27FC236}">
+                <a16:creationId xmlns:a16="http://schemas.microsoft.com/office/drawing/2014/main" id="{0176A34D-0445-43F5-8556-7D9625C596D4}"/>
+              </a:ext>
+            </a:extLst>
+          </p:cNvPr>
+          <p:cNvSpPr>
+            <a:spLocks noGrp="1"/>
+          </p:cNvSpPr>
+          <p:nvPr>
+            <p:ph type="sldNum" sz="quarter" idx="12"/>
+          </p:nvPr>
+        </p:nvSpPr>
+        <p:spPr/>
+        <p:txBody>
+          <a:bodyPr/>
+          <a:lstStyle/>
+          <a:p>
+            <a:fld id="{3A98EE3D-8CD1-4C3F-BD1C-C98C9596463C}" type="slidenum">
+              <a:rPr lang="en-US" smtClean="0"/>
+              <a:t>19</a:t>
+            </a:fld>
+            <a:endParaRPr lang="en-US" dirty="0"/>
+          </a:p>
+        </p:txBody>
+      </p:sp>
     </p:spTree>
     <p:extLst>
       <p:ext uri="{BB962C8B-B14F-4D97-AF65-F5344CB8AC3E}">
-        <p14:creationId xmlns:p14="http://schemas.microsoft.com/office/powerpoint/2010/main" val="440842070"/>
+        <p14:creationId xmlns:p14="http://schemas.microsoft.com/office/powerpoint/2010/main" val="253725878"/>
       </p:ext>
     </p:extLst>
   </p:cSld>
@@ -16179,10 +17257,12 @@
           <a:p>
             <a:pPr algn="ctr"/>
             <a:r>
-              <a:rPr lang="en-US" sz="4100" dirty="0">
+              <a:rPr lang="en-US" sz="4000" dirty="0">
                 <a:solidFill>
                   <a:srgbClr val="FFFFFF"/>
                 </a:solidFill>
+                <a:latin typeface="Roboto Medium" panose="02000000000000000000" pitchFamily="2" charset="0"/>
+                <a:ea typeface="Roboto Medium" panose="02000000000000000000" pitchFamily="2" charset="0"/>
               </a:rPr>
               <a:t>A Child Dies From Hunger Every 10 Seconds</a:t>
             </a:r>
@@ -16241,6 +17321,64 @@
           </a:fontRef>
         </p:style>
       </p:cxnSp>
+      <p:sp>
+        <p:nvSpPr>
+          <p:cNvPr id="3" name="Date Placeholder 2">
+            <a:extLst>
+              <a:ext uri="{FF2B5EF4-FFF2-40B4-BE49-F238E27FC236}">
+                <a16:creationId xmlns:a16="http://schemas.microsoft.com/office/drawing/2014/main" id="{F7F4A686-C203-494B-B948-476133437E34}"/>
+              </a:ext>
+            </a:extLst>
+          </p:cNvPr>
+          <p:cNvSpPr>
+            <a:spLocks noGrp="1"/>
+          </p:cNvSpPr>
+          <p:nvPr>
+            <p:ph type="dt" sz="half" idx="10"/>
+          </p:nvPr>
+        </p:nvSpPr>
+        <p:spPr/>
+        <p:txBody>
+          <a:bodyPr/>
+          <a:lstStyle/>
+          <a:p>
+            <a:fld id="{DE634414-683F-492E-9ECE-8C8BB152BA2B}" type="datetime1">
+              <a:rPr lang="en-US" smtClean="0"/>
+              <a:t>5/11/2020</a:t>
+            </a:fld>
+            <a:endParaRPr lang="en-US" dirty="0"/>
+          </a:p>
+        </p:txBody>
+      </p:sp>
+      <p:sp>
+        <p:nvSpPr>
+          <p:cNvPr id="4" name="Slide Number Placeholder 3">
+            <a:extLst>
+              <a:ext uri="{FF2B5EF4-FFF2-40B4-BE49-F238E27FC236}">
+                <a16:creationId xmlns:a16="http://schemas.microsoft.com/office/drawing/2014/main" id="{E9FA8B27-6C4C-4369-AAC4-C86EC00B9FB1}"/>
+              </a:ext>
+            </a:extLst>
+          </p:cNvPr>
+          <p:cNvSpPr>
+            <a:spLocks noGrp="1"/>
+          </p:cNvSpPr>
+          <p:nvPr>
+            <p:ph type="sldNum" sz="quarter" idx="12"/>
+          </p:nvPr>
+        </p:nvSpPr>
+        <p:spPr/>
+        <p:txBody>
+          <a:bodyPr/>
+          <a:lstStyle/>
+          <a:p>
+            <a:fld id="{3A98EE3D-8CD1-4C3F-BD1C-C98C9596463C}" type="slidenum">
+              <a:rPr lang="en-US" smtClean="0"/>
+              <a:t>2</a:t>
+            </a:fld>
+            <a:endParaRPr lang="en-US" dirty="0"/>
+          </a:p>
+        </p:txBody>
+      </p:sp>
     </p:spTree>
     <p:extLst>
       <p:ext uri="{BB962C8B-B14F-4D97-AF65-F5344CB8AC3E}">
@@ -16289,24 +17427,32 @@
         </p:nvSpPr>
         <p:spPr/>
         <p:txBody>
-          <a:bodyPr/>
+          <a:bodyPr>
+            <a:normAutofit/>
+          </a:bodyPr>
           <a:lstStyle/>
           <a:p>
             <a:pPr algn="ctr"/>
             <a:r>
-              <a:rPr lang="en-US" dirty="0"/>
-              <a:t>Food_balance_vegetal.csv</a:t>
+              <a:rPr lang="en-US" sz="4000" dirty="0">
+                <a:latin typeface="Roboto Medium" panose="02000000000000000000" pitchFamily="2" charset="0"/>
+                <a:ea typeface="Roboto Medium" panose="02000000000000000000" pitchFamily="2" charset="0"/>
+              </a:rPr>
+              <a:t>food_balance_cereals.csv</a:t>
             </a:r>
-            <a:endParaRPr lang="it-IT" dirty="0"/>
+            <a:endParaRPr lang="it-IT" sz="4000" dirty="0">
+              <a:latin typeface="Roboto Medium" panose="02000000000000000000" pitchFamily="2" charset="0"/>
+              <a:ea typeface="Roboto Medium" panose="02000000000000000000" pitchFamily="2" charset="0"/>
+            </a:endParaRPr>
           </a:p>
         </p:txBody>
       </p:sp>
       <p:pic>
         <p:nvPicPr>
-          <p:cNvPr id="7" name="Content Placeholder 6" descr="A screenshot of a computer&#10;&#10;Description automatically generated">
+          <p:cNvPr id="8" name="Content Placeholder 7" descr="A screenshot of a computer screen&#10;&#10;Description automatically generated">
             <a:extLst>
               <a:ext uri="{FF2B5EF4-FFF2-40B4-BE49-F238E27FC236}">
-                <a16:creationId xmlns:a16="http://schemas.microsoft.com/office/drawing/2014/main" id="{2CB1E2CF-1115-4CA3-BB6C-C540B6A4DB18}"/>
+                <a16:creationId xmlns:a16="http://schemas.microsoft.com/office/drawing/2014/main" id="{C173A25A-EE3A-4FA1-84F4-CEF7CE9F91FF}"/>
               </a:ext>
             </a:extLst>
           </p:cNvPr>
@@ -16331,15 +17477,73 @@
         </p:blipFill>
         <p:spPr>
           <a:xfrm>
-            <a:off x="0" y="1851378"/>
-            <a:ext cx="12192000" cy="4165600"/>
+            <a:off x="462844" y="2156140"/>
+            <a:ext cx="11379200" cy="3341549"/>
           </a:xfrm>
         </p:spPr>
       </p:pic>
+      <p:sp>
+        <p:nvSpPr>
+          <p:cNvPr id="3" name="Date Placeholder 2">
+            <a:extLst>
+              <a:ext uri="{FF2B5EF4-FFF2-40B4-BE49-F238E27FC236}">
+                <a16:creationId xmlns:a16="http://schemas.microsoft.com/office/drawing/2014/main" id="{ADFF6A6D-47AD-4B3F-BAB3-062D4CA6017B}"/>
+              </a:ext>
+            </a:extLst>
+          </p:cNvPr>
+          <p:cNvSpPr>
+            <a:spLocks noGrp="1"/>
+          </p:cNvSpPr>
+          <p:nvPr>
+            <p:ph type="dt" sz="half" idx="10"/>
+          </p:nvPr>
+        </p:nvSpPr>
+        <p:spPr/>
+        <p:txBody>
+          <a:bodyPr/>
+          <a:lstStyle/>
+          <a:p>
+            <a:fld id="{AED8C2CA-1DC0-428C-BAC7-565B5AC2CD40}" type="datetime1">
+              <a:rPr lang="en-US" smtClean="0"/>
+              <a:t>5/11/2020</a:t>
+            </a:fld>
+            <a:endParaRPr lang="en-US" dirty="0"/>
+          </a:p>
+        </p:txBody>
+      </p:sp>
+      <p:sp>
+        <p:nvSpPr>
+          <p:cNvPr id="4" name="Slide Number Placeholder 3">
+            <a:extLst>
+              <a:ext uri="{FF2B5EF4-FFF2-40B4-BE49-F238E27FC236}">
+                <a16:creationId xmlns:a16="http://schemas.microsoft.com/office/drawing/2014/main" id="{47121B0C-C81B-4EEC-8C60-C6D6E6444D18}"/>
+              </a:ext>
+            </a:extLst>
+          </p:cNvPr>
+          <p:cNvSpPr>
+            <a:spLocks noGrp="1"/>
+          </p:cNvSpPr>
+          <p:nvPr>
+            <p:ph type="sldNum" sz="quarter" idx="12"/>
+          </p:nvPr>
+        </p:nvSpPr>
+        <p:spPr/>
+        <p:txBody>
+          <a:bodyPr/>
+          <a:lstStyle/>
+          <a:p>
+            <a:fld id="{3A98EE3D-8CD1-4C3F-BD1C-C98C9596463C}" type="slidenum">
+              <a:rPr lang="en-US" smtClean="0"/>
+              <a:t>20</a:t>
+            </a:fld>
+            <a:endParaRPr lang="en-US" dirty="0"/>
+          </a:p>
+        </p:txBody>
+      </p:sp>
     </p:spTree>
     <p:extLst>
       <p:ext uri="{BB962C8B-B14F-4D97-AF65-F5344CB8AC3E}">
-        <p14:creationId xmlns:p14="http://schemas.microsoft.com/office/powerpoint/2010/main" val="253725878"/>
+        <p14:creationId xmlns:p14="http://schemas.microsoft.com/office/powerpoint/2010/main" val="2155968103"/>
       </p:ext>
     </p:extLst>
   </p:cSld>
@@ -16384,24 +17588,32 @@
         </p:nvSpPr>
         <p:spPr/>
         <p:txBody>
-          <a:bodyPr/>
+          <a:bodyPr>
+            <a:normAutofit/>
+          </a:bodyPr>
           <a:lstStyle/>
           <a:p>
             <a:pPr algn="ctr"/>
             <a:r>
-              <a:rPr lang="en-US" dirty="0"/>
-              <a:t>Food_balance_cereals.csv</a:t>
+              <a:rPr lang="en-US" sz="4000" dirty="0">
+                <a:latin typeface="Roboto Medium" panose="02000000000000000000" pitchFamily="2" charset="0"/>
+                <a:ea typeface="Roboto Medium" panose="02000000000000000000" pitchFamily="2" charset="0"/>
+              </a:rPr>
+              <a:t>food_security_indicators.csv</a:t>
             </a:r>
-            <a:endParaRPr lang="it-IT" dirty="0"/>
+            <a:endParaRPr lang="it-IT" sz="4000" dirty="0">
+              <a:latin typeface="Roboto Medium" panose="02000000000000000000" pitchFamily="2" charset="0"/>
+              <a:ea typeface="Roboto Medium" panose="02000000000000000000" pitchFamily="2" charset="0"/>
+            </a:endParaRPr>
           </a:p>
         </p:txBody>
       </p:sp>
       <p:pic>
         <p:nvPicPr>
-          <p:cNvPr id="8" name="Content Placeholder 7" descr="A screenshot of a computer screen&#10;&#10;Description automatically generated">
+          <p:cNvPr id="6" name="Content Placeholder 5" descr="A screenshot of a computer&#10;&#10;Description automatically generated">
             <a:extLst>
               <a:ext uri="{FF2B5EF4-FFF2-40B4-BE49-F238E27FC236}">
-                <a16:creationId xmlns:a16="http://schemas.microsoft.com/office/drawing/2014/main" id="{C173A25A-EE3A-4FA1-84F4-CEF7CE9F91FF}"/>
+                <a16:creationId xmlns:a16="http://schemas.microsoft.com/office/drawing/2014/main" id="{5DC8BD0C-CB01-400C-957A-27F8F218CD86}"/>
               </a:ext>
             </a:extLst>
           </p:cNvPr>
@@ -16426,15 +17638,73 @@
         </p:blipFill>
         <p:spPr>
           <a:xfrm>
-            <a:off x="462844" y="2156140"/>
-            <a:ext cx="11379200" cy="3341549"/>
+            <a:off x="259644" y="2106558"/>
+            <a:ext cx="11706578" cy="3379842"/>
           </a:xfrm>
         </p:spPr>
       </p:pic>
+      <p:sp>
+        <p:nvSpPr>
+          <p:cNvPr id="3" name="Date Placeholder 2">
+            <a:extLst>
+              <a:ext uri="{FF2B5EF4-FFF2-40B4-BE49-F238E27FC236}">
+                <a16:creationId xmlns:a16="http://schemas.microsoft.com/office/drawing/2014/main" id="{F4DF3B54-7589-45C6-AEDD-C09B18CB9D93}"/>
+              </a:ext>
+            </a:extLst>
+          </p:cNvPr>
+          <p:cNvSpPr>
+            <a:spLocks noGrp="1"/>
+          </p:cNvSpPr>
+          <p:nvPr>
+            <p:ph type="dt" sz="half" idx="10"/>
+          </p:nvPr>
+        </p:nvSpPr>
+        <p:spPr/>
+        <p:txBody>
+          <a:bodyPr/>
+          <a:lstStyle/>
+          <a:p>
+            <a:fld id="{0A1095B0-369E-4780-97E2-E1A48F0676E5}" type="datetime1">
+              <a:rPr lang="en-US" smtClean="0"/>
+              <a:t>5/11/2020</a:t>
+            </a:fld>
+            <a:endParaRPr lang="en-US" dirty="0"/>
+          </a:p>
+        </p:txBody>
+      </p:sp>
+      <p:sp>
+        <p:nvSpPr>
+          <p:cNvPr id="4" name="Slide Number Placeholder 3">
+            <a:extLst>
+              <a:ext uri="{FF2B5EF4-FFF2-40B4-BE49-F238E27FC236}">
+                <a16:creationId xmlns:a16="http://schemas.microsoft.com/office/drawing/2014/main" id="{4116F18A-92D1-4455-8115-D831A313BAD6}"/>
+              </a:ext>
+            </a:extLst>
+          </p:cNvPr>
+          <p:cNvSpPr>
+            <a:spLocks noGrp="1"/>
+          </p:cNvSpPr>
+          <p:nvPr>
+            <p:ph type="sldNum" sz="quarter" idx="12"/>
+          </p:nvPr>
+        </p:nvSpPr>
+        <p:spPr/>
+        <p:txBody>
+          <a:bodyPr/>
+          <a:lstStyle/>
+          <a:p>
+            <a:fld id="{3A98EE3D-8CD1-4C3F-BD1C-C98C9596463C}" type="slidenum">
+              <a:rPr lang="en-US" smtClean="0"/>
+              <a:t>21</a:t>
+            </a:fld>
+            <a:endParaRPr lang="en-US" dirty="0"/>
+          </a:p>
+        </p:txBody>
+      </p:sp>
     </p:spTree>
     <p:extLst>
       <p:ext uri="{BB962C8B-B14F-4D97-AF65-F5344CB8AC3E}">
-        <p14:creationId xmlns:p14="http://schemas.microsoft.com/office/powerpoint/2010/main" val="2155968103"/>
+        <p14:creationId xmlns:p14="http://schemas.microsoft.com/office/powerpoint/2010/main" val="1396505261"/>
       </p:ext>
     </p:extLst>
   </p:cSld>
@@ -16479,24 +17749,32 @@
         </p:nvSpPr>
         <p:spPr/>
         <p:txBody>
-          <a:bodyPr/>
+          <a:bodyPr>
+            <a:normAutofit/>
+          </a:bodyPr>
           <a:lstStyle/>
           <a:p>
             <a:pPr algn="ctr"/>
             <a:r>
-              <a:rPr lang="en-US" dirty="0"/>
-              <a:t>food_security_indicators.csv</a:t>
+              <a:rPr lang="en-US" sz="4000" dirty="0">
+                <a:latin typeface="Roboto Medium" panose="02000000000000000000" pitchFamily="2" charset="0"/>
+                <a:ea typeface="Roboto Medium" panose="02000000000000000000" pitchFamily="2" charset="0"/>
+              </a:rPr>
+              <a:t>population.csv</a:t>
             </a:r>
-            <a:endParaRPr lang="it-IT" dirty="0"/>
+            <a:endParaRPr lang="it-IT" sz="4000" dirty="0">
+              <a:latin typeface="Roboto Medium" panose="02000000000000000000" pitchFamily="2" charset="0"/>
+              <a:ea typeface="Roboto Medium" panose="02000000000000000000" pitchFamily="2" charset="0"/>
+            </a:endParaRPr>
           </a:p>
         </p:txBody>
       </p:sp>
       <p:pic>
         <p:nvPicPr>
-          <p:cNvPr id="6" name="Content Placeholder 5" descr="A screenshot of a computer&#10;&#10;Description automatically generated">
+          <p:cNvPr id="9" name="Content Placeholder 8" descr="A screenshot of a computer screen&#10;&#10;Description automatically generated">
             <a:extLst>
               <a:ext uri="{FF2B5EF4-FFF2-40B4-BE49-F238E27FC236}">
-                <a16:creationId xmlns:a16="http://schemas.microsoft.com/office/drawing/2014/main" id="{5DC8BD0C-CB01-400C-957A-27F8F218CD86}"/>
+                <a16:creationId xmlns:a16="http://schemas.microsoft.com/office/drawing/2014/main" id="{2990F6C2-E6A1-40D4-BCB7-81ED95E06C83}"/>
               </a:ext>
             </a:extLst>
           </p:cNvPr>
@@ -16521,15 +17799,73 @@
         </p:blipFill>
         <p:spPr>
           <a:xfrm>
-            <a:off x="259644" y="2106558"/>
-            <a:ext cx="11706578" cy="3379842"/>
+            <a:off x="338667" y="2023675"/>
+            <a:ext cx="11469511" cy="3435016"/>
           </a:xfrm>
         </p:spPr>
       </p:pic>
+      <p:sp>
+        <p:nvSpPr>
+          <p:cNvPr id="3" name="Date Placeholder 2">
+            <a:extLst>
+              <a:ext uri="{FF2B5EF4-FFF2-40B4-BE49-F238E27FC236}">
+                <a16:creationId xmlns:a16="http://schemas.microsoft.com/office/drawing/2014/main" id="{A7C49169-0362-4AC8-AB2D-134C59855D99}"/>
+              </a:ext>
+            </a:extLst>
+          </p:cNvPr>
+          <p:cNvSpPr>
+            <a:spLocks noGrp="1"/>
+          </p:cNvSpPr>
+          <p:nvPr>
+            <p:ph type="dt" sz="half" idx="10"/>
+          </p:nvPr>
+        </p:nvSpPr>
+        <p:spPr/>
+        <p:txBody>
+          <a:bodyPr/>
+          <a:lstStyle/>
+          <a:p>
+            <a:fld id="{DE4AF5B2-D50A-4D0E-ACED-67A8D8BDD7AB}" type="datetime1">
+              <a:rPr lang="en-US" smtClean="0"/>
+              <a:t>5/11/2020</a:t>
+            </a:fld>
+            <a:endParaRPr lang="en-US" dirty="0"/>
+          </a:p>
+        </p:txBody>
+      </p:sp>
+      <p:sp>
+        <p:nvSpPr>
+          <p:cNvPr id="4" name="Slide Number Placeholder 3">
+            <a:extLst>
+              <a:ext uri="{FF2B5EF4-FFF2-40B4-BE49-F238E27FC236}">
+                <a16:creationId xmlns:a16="http://schemas.microsoft.com/office/drawing/2014/main" id="{0E627232-1C3B-4D81-80CF-05C72EA069CB}"/>
+              </a:ext>
+            </a:extLst>
+          </p:cNvPr>
+          <p:cNvSpPr>
+            <a:spLocks noGrp="1"/>
+          </p:cNvSpPr>
+          <p:nvPr>
+            <p:ph type="sldNum" sz="quarter" idx="12"/>
+          </p:nvPr>
+        </p:nvSpPr>
+        <p:spPr/>
+        <p:txBody>
+          <a:bodyPr/>
+          <a:lstStyle/>
+          <a:p>
+            <a:fld id="{3A98EE3D-8CD1-4C3F-BD1C-C98C9596463C}" type="slidenum">
+              <a:rPr lang="en-US" smtClean="0"/>
+              <a:t>22</a:t>
+            </a:fld>
+            <a:endParaRPr lang="en-US" dirty="0"/>
+          </a:p>
+        </p:txBody>
+      </p:sp>
     </p:spTree>
     <p:extLst>
       <p:ext uri="{BB962C8B-B14F-4D97-AF65-F5344CB8AC3E}">
-        <p14:creationId xmlns:p14="http://schemas.microsoft.com/office/powerpoint/2010/main" val="1396505261"/>
+        <p14:creationId xmlns:p14="http://schemas.microsoft.com/office/powerpoint/2010/main" val="3878448169"/>
       </p:ext>
     </p:extLst>
   </p:cSld>
@@ -16579,19 +17915,36 @@
           <a:p>
             <a:pPr algn="ctr"/>
             <a:r>
+              <a:rPr lang="en-US" sz="4000" dirty="0">
+                <a:latin typeface="Roboto Medium" panose="02000000000000000000" pitchFamily="2" charset="0"/>
+                <a:ea typeface="Roboto Medium" panose="02000000000000000000" pitchFamily="2" charset="0"/>
+              </a:rPr>
+              <a:t>Some Relational Algebra Operations 1</a:t>
+            </a:r>
+            <a:r>
               <a:rPr lang="en-US" dirty="0"/>
-              <a:t>population.csv</a:t>
+              <a:t>.</a:t>
             </a:r>
-            <a:endParaRPr lang="it-IT" dirty="0"/>
+            <a:r>
+              <a:rPr lang="en-US" sz="3600" dirty="0">
+                <a:latin typeface="Roboto Light" panose="02000000000000000000" pitchFamily="2" charset="0"/>
+                <a:ea typeface="Roboto Light" panose="02000000000000000000" pitchFamily="2" charset="0"/>
+              </a:rPr>
+              <a:t>Aggregation </a:t>
+            </a:r>
+            <a:endParaRPr lang="it-IT" sz="3600" dirty="0">
+              <a:latin typeface="Roboto Light" panose="02000000000000000000" pitchFamily="2" charset="0"/>
+              <a:ea typeface="Roboto Light" panose="02000000000000000000" pitchFamily="2" charset="0"/>
+            </a:endParaRPr>
           </a:p>
         </p:txBody>
       </p:sp>
       <p:pic>
         <p:nvPicPr>
-          <p:cNvPr id="9" name="Content Placeholder 8" descr="A screenshot of a computer screen&#10;&#10;Description automatically generated">
+          <p:cNvPr id="6" name="Content Placeholder 5" descr="A close up of a piece of paper&#10;&#10;Description automatically generated">
             <a:extLst>
               <a:ext uri="{FF2B5EF4-FFF2-40B4-BE49-F238E27FC236}">
-                <a16:creationId xmlns:a16="http://schemas.microsoft.com/office/drawing/2014/main" id="{2990F6C2-E6A1-40D4-BCB7-81ED95E06C83}"/>
+                <a16:creationId xmlns:a16="http://schemas.microsoft.com/office/drawing/2014/main" id="{AC2F5C45-835E-4E87-AA64-A5440BD0C3A7}"/>
               </a:ext>
             </a:extLst>
           </p:cNvPr>
@@ -16616,15 +17969,73 @@
         </p:blipFill>
         <p:spPr>
           <a:xfrm>
-            <a:off x="338667" y="2023675"/>
-            <a:ext cx="11469511" cy="3435016"/>
+            <a:off x="1444978" y="1919112"/>
+            <a:ext cx="9482666" cy="4425244"/>
           </a:xfrm>
         </p:spPr>
       </p:pic>
+      <p:sp>
+        <p:nvSpPr>
+          <p:cNvPr id="3" name="Date Placeholder 2">
+            <a:extLst>
+              <a:ext uri="{FF2B5EF4-FFF2-40B4-BE49-F238E27FC236}">
+                <a16:creationId xmlns:a16="http://schemas.microsoft.com/office/drawing/2014/main" id="{1AFACAB1-6771-4A5B-90BE-76B5EC0EA365}"/>
+              </a:ext>
+            </a:extLst>
+          </p:cNvPr>
+          <p:cNvSpPr>
+            <a:spLocks noGrp="1"/>
+          </p:cNvSpPr>
+          <p:nvPr>
+            <p:ph type="dt" sz="half" idx="10"/>
+          </p:nvPr>
+        </p:nvSpPr>
+        <p:spPr/>
+        <p:txBody>
+          <a:bodyPr/>
+          <a:lstStyle/>
+          <a:p>
+            <a:fld id="{A00BD8F2-F208-4EE1-BD62-20861964B5AB}" type="datetime1">
+              <a:rPr lang="en-US" smtClean="0"/>
+              <a:t>5/11/2020</a:t>
+            </a:fld>
+            <a:endParaRPr lang="en-US" dirty="0"/>
+          </a:p>
+        </p:txBody>
+      </p:sp>
+      <p:sp>
+        <p:nvSpPr>
+          <p:cNvPr id="4" name="Slide Number Placeholder 3">
+            <a:extLst>
+              <a:ext uri="{FF2B5EF4-FFF2-40B4-BE49-F238E27FC236}">
+                <a16:creationId xmlns:a16="http://schemas.microsoft.com/office/drawing/2014/main" id="{E43F3EB0-AB40-413F-8244-9F046D107701}"/>
+              </a:ext>
+            </a:extLst>
+          </p:cNvPr>
+          <p:cNvSpPr>
+            <a:spLocks noGrp="1"/>
+          </p:cNvSpPr>
+          <p:nvPr>
+            <p:ph type="sldNum" sz="quarter" idx="12"/>
+          </p:nvPr>
+        </p:nvSpPr>
+        <p:spPr/>
+        <p:txBody>
+          <a:bodyPr/>
+          <a:lstStyle/>
+          <a:p>
+            <a:fld id="{3A98EE3D-8CD1-4C3F-BD1C-C98C9596463C}" type="slidenum">
+              <a:rPr lang="en-US" smtClean="0"/>
+              <a:t>23</a:t>
+            </a:fld>
+            <a:endParaRPr lang="en-US" dirty="0"/>
+          </a:p>
+        </p:txBody>
+      </p:sp>
     </p:spTree>
     <p:extLst>
       <p:ext uri="{BB962C8B-B14F-4D97-AF65-F5344CB8AC3E}">
-        <p14:creationId xmlns:p14="http://schemas.microsoft.com/office/powerpoint/2010/main" val="3878448169"/>
+        <p14:creationId xmlns:p14="http://schemas.microsoft.com/office/powerpoint/2010/main" val="3273382475"/>
       </p:ext>
     </p:extLst>
   </p:cSld>
@@ -16669,24 +18080,59 @@
         </p:nvSpPr>
         <p:spPr/>
         <p:txBody>
-          <a:bodyPr/>
+          <a:bodyPr>
+            <a:normAutofit/>
+          </a:bodyPr>
           <a:lstStyle/>
           <a:p>
             <a:pPr algn="ctr"/>
             <a:r>
-              <a:rPr lang="en-US" dirty="0"/>
-              <a:t>Some Relational Algebra Operations 1.Aggregation </a:t>
+              <a:rPr lang="en-US" sz="4000" dirty="0">
+                <a:latin typeface="Roboto Medium" panose="02000000000000000000" pitchFamily="2" charset="0"/>
+                <a:ea typeface="Roboto Medium" panose="02000000000000000000" pitchFamily="2" charset="0"/>
+              </a:rPr>
+              <a:t>Some Relational Algebra Operations </a:t>
             </a:r>
-            <a:endParaRPr lang="it-IT" dirty="0"/>
+            <a:br>
+              <a:rPr lang="en-US" sz="4000" dirty="0">
+                <a:latin typeface="Roboto Medium" panose="02000000000000000000" pitchFamily="2" charset="0"/>
+                <a:ea typeface="Roboto Medium" panose="02000000000000000000" pitchFamily="2" charset="0"/>
+              </a:rPr>
+            </a:br>
+            <a:r>
+              <a:rPr lang="en-US" sz="4000" dirty="0">
+                <a:latin typeface="Roboto Medium" panose="02000000000000000000" pitchFamily="2" charset="0"/>
+                <a:ea typeface="Roboto Medium" panose="02000000000000000000" pitchFamily="2" charset="0"/>
+              </a:rPr>
+              <a:t>2.</a:t>
+            </a:r>
+            <a:r>
+              <a:rPr lang="en-US" sz="3600" dirty="0">
+                <a:latin typeface="Roboto Light" panose="02000000000000000000" pitchFamily="2" charset="0"/>
+                <a:ea typeface="Roboto Light" panose="02000000000000000000" pitchFamily="2" charset="0"/>
+              </a:rPr>
+              <a:t>Join</a:t>
+            </a:r>
+            <a:r>
+              <a:rPr lang="en-US" sz="4000" dirty="0">
+                <a:latin typeface="Roboto Medium" panose="02000000000000000000" pitchFamily="2" charset="0"/>
+                <a:ea typeface="Roboto Medium" panose="02000000000000000000" pitchFamily="2" charset="0"/>
+              </a:rPr>
+              <a:t> </a:t>
+            </a:r>
+            <a:endParaRPr lang="it-IT" sz="4000" dirty="0">
+              <a:latin typeface="Roboto Medium" panose="02000000000000000000" pitchFamily="2" charset="0"/>
+              <a:ea typeface="Roboto Medium" panose="02000000000000000000" pitchFamily="2" charset="0"/>
+            </a:endParaRPr>
           </a:p>
         </p:txBody>
       </p:sp>
       <p:pic>
         <p:nvPicPr>
-          <p:cNvPr id="6" name="Content Placeholder 5" descr="A close up of a piece of paper&#10;&#10;Description automatically generated">
+          <p:cNvPr id="7" name="Content Placeholder 6" descr="A screenshot of a cell phone&#10;&#10;Description automatically generated">
             <a:extLst>
               <a:ext uri="{FF2B5EF4-FFF2-40B4-BE49-F238E27FC236}">
-                <a16:creationId xmlns:a16="http://schemas.microsoft.com/office/drawing/2014/main" id="{AC2F5C45-835E-4E87-AA64-A5440BD0C3A7}"/>
+                <a16:creationId xmlns:a16="http://schemas.microsoft.com/office/drawing/2014/main" id="{E8A7D97F-B6D2-40F8-999A-2B62EFF9404E}"/>
               </a:ext>
             </a:extLst>
           </p:cNvPr>
@@ -16711,15 +18157,73 @@
         </p:blipFill>
         <p:spPr>
           <a:xfrm>
-            <a:off x="1444978" y="1919112"/>
-            <a:ext cx="9482666" cy="4425244"/>
+            <a:off x="158045" y="1998133"/>
+            <a:ext cx="11921066" cy="4323645"/>
           </a:xfrm>
         </p:spPr>
       </p:pic>
+      <p:sp>
+        <p:nvSpPr>
+          <p:cNvPr id="3" name="Date Placeholder 2">
+            <a:extLst>
+              <a:ext uri="{FF2B5EF4-FFF2-40B4-BE49-F238E27FC236}">
+                <a16:creationId xmlns:a16="http://schemas.microsoft.com/office/drawing/2014/main" id="{4E9E0FE8-CDAB-4E56-9D95-CA2E6320FC07}"/>
+              </a:ext>
+            </a:extLst>
+          </p:cNvPr>
+          <p:cNvSpPr>
+            <a:spLocks noGrp="1"/>
+          </p:cNvSpPr>
+          <p:nvPr>
+            <p:ph type="dt" sz="half" idx="10"/>
+          </p:nvPr>
+        </p:nvSpPr>
+        <p:spPr/>
+        <p:txBody>
+          <a:bodyPr/>
+          <a:lstStyle/>
+          <a:p>
+            <a:fld id="{1F5275B6-74EB-4A76-921C-BEFB0C1949DD}" type="datetime1">
+              <a:rPr lang="en-US" smtClean="0"/>
+              <a:t>5/11/2020</a:t>
+            </a:fld>
+            <a:endParaRPr lang="en-US" dirty="0"/>
+          </a:p>
+        </p:txBody>
+      </p:sp>
+      <p:sp>
+        <p:nvSpPr>
+          <p:cNvPr id="4" name="Slide Number Placeholder 3">
+            <a:extLst>
+              <a:ext uri="{FF2B5EF4-FFF2-40B4-BE49-F238E27FC236}">
+                <a16:creationId xmlns:a16="http://schemas.microsoft.com/office/drawing/2014/main" id="{162F537E-16E0-439E-8282-DCA9CBF4C18B}"/>
+              </a:ext>
+            </a:extLst>
+          </p:cNvPr>
+          <p:cNvSpPr>
+            <a:spLocks noGrp="1"/>
+          </p:cNvSpPr>
+          <p:nvPr>
+            <p:ph type="sldNum" sz="quarter" idx="12"/>
+          </p:nvPr>
+        </p:nvSpPr>
+        <p:spPr/>
+        <p:txBody>
+          <a:bodyPr/>
+          <a:lstStyle/>
+          <a:p>
+            <a:fld id="{3A98EE3D-8CD1-4C3F-BD1C-C98C9596463C}" type="slidenum">
+              <a:rPr lang="en-US" smtClean="0"/>
+              <a:t>24</a:t>
+            </a:fld>
+            <a:endParaRPr lang="en-US" dirty="0"/>
+          </a:p>
+        </p:txBody>
+      </p:sp>
     </p:spTree>
     <p:extLst>
       <p:ext uri="{BB962C8B-B14F-4D97-AF65-F5344CB8AC3E}">
-        <p14:creationId xmlns:p14="http://schemas.microsoft.com/office/powerpoint/2010/main" val="3273382475"/>
+        <p14:creationId xmlns:p14="http://schemas.microsoft.com/office/powerpoint/2010/main" val="2784676605"/>
       </p:ext>
     </p:extLst>
   </p:cSld>
@@ -16769,26 +18273,42 @@
           <a:p>
             <a:pPr algn="ctr"/>
             <a:r>
-              <a:rPr lang="en-US" dirty="0"/>
+              <a:rPr lang="en-US" sz="4000" dirty="0">
+                <a:latin typeface="Roboto Medium" panose="02000000000000000000" pitchFamily="2" charset="0"/>
+                <a:ea typeface="Roboto Medium" panose="02000000000000000000" pitchFamily="2" charset="0"/>
+              </a:rPr>
               <a:t>Some Relational Algebra Operations </a:t>
             </a:r>
             <a:br>
               <a:rPr lang="en-US" dirty="0"/>
             </a:br>
             <a:r>
-              <a:rPr lang="en-US" dirty="0"/>
-              <a:t>1.Join </a:t>
+              <a:rPr lang="en-US" sz="3600" dirty="0">
+                <a:latin typeface="Roboto Medium" panose="02000000000000000000" pitchFamily="2" charset="0"/>
+                <a:ea typeface="Roboto Medium" panose="02000000000000000000" pitchFamily="2" charset="0"/>
+              </a:rPr>
+              <a:t>3</a:t>
             </a:r>
-            <a:endParaRPr lang="it-IT" dirty="0"/>
+            <a:r>
+              <a:rPr lang="en-US" sz="3600" dirty="0">
+                <a:latin typeface="Roboto Light" panose="02000000000000000000" pitchFamily="2" charset="0"/>
+                <a:ea typeface="Roboto Light" panose="02000000000000000000" pitchFamily="2" charset="0"/>
+              </a:rPr>
+              <a:t>.Projection </a:t>
+            </a:r>
+            <a:endParaRPr lang="it-IT" sz="3600" dirty="0">
+              <a:latin typeface="Roboto Light" panose="02000000000000000000" pitchFamily="2" charset="0"/>
+              <a:ea typeface="Roboto Light" panose="02000000000000000000" pitchFamily="2" charset="0"/>
+            </a:endParaRPr>
           </a:p>
         </p:txBody>
       </p:sp>
       <p:pic>
         <p:nvPicPr>
-          <p:cNvPr id="7" name="Content Placeholder 6" descr="A screenshot of a cell phone&#10;&#10;Description automatically generated">
+          <p:cNvPr id="6" name="Content Placeholder 5" descr="A screenshot of a social media post&#10;&#10;Description automatically generated">
             <a:extLst>
               <a:ext uri="{FF2B5EF4-FFF2-40B4-BE49-F238E27FC236}">
-                <a16:creationId xmlns:a16="http://schemas.microsoft.com/office/drawing/2014/main" id="{E8A7D97F-B6D2-40F8-999A-2B62EFF9404E}"/>
+                <a16:creationId xmlns:a16="http://schemas.microsoft.com/office/drawing/2014/main" id="{AB5029BD-298B-4BAD-B202-0DF250B8CDB4}"/>
               </a:ext>
             </a:extLst>
           </p:cNvPr>
@@ -16813,15 +18333,73 @@
         </p:blipFill>
         <p:spPr>
           <a:xfrm>
-            <a:off x="158045" y="1998133"/>
-            <a:ext cx="11921066" cy="4323645"/>
+            <a:off x="180622" y="1930402"/>
+            <a:ext cx="12011378" cy="4165598"/>
           </a:xfrm>
         </p:spPr>
       </p:pic>
+      <p:sp>
+        <p:nvSpPr>
+          <p:cNvPr id="3" name="Date Placeholder 2">
+            <a:extLst>
+              <a:ext uri="{FF2B5EF4-FFF2-40B4-BE49-F238E27FC236}">
+                <a16:creationId xmlns:a16="http://schemas.microsoft.com/office/drawing/2014/main" id="{C0386553-B96F-4514-8354-F65B339B54F5}"/>
+              </a:ext>
+            </a:extLst>
+          </p:cNvPr>
+          <p:cNvSpPr>
+            <a:spLocks noGrp="1"/>
+          </p:cNvSpPr>
+          <p:nvPr>
+            <p:ph type="dt" sz="half" idx="10"/>
+          </p:nvPr>
+        </p:nvSpPr>
+        <p:spPr/>
+        <p:txBody>
+          <a:bodyPr/>
+          <a:lstStyle/>
+          <a:p>
+            <a:fld id="{CFEA5F33-4B2C-4D37-A935-FB0507B1FC2C}" type="datetime1">
+              <a:rPr lang="en-US" smtClean="0"/>
+              <a:t>5/11/2020</a:t>
+            </a:fld>
+            <a:endParaRPr lang="en-US" dirty="0"/>
+          </a:p>
+        </p:txBody>
+      </p:sp>
+      <p:sp>
+        <p:nvSpPr>
+          <p:cNvPr id="4" name="Slide Number Placeholder 3">
+            <a:extLst>
+              <a:ext uri="{FF2B5EF4-FFF2-40B4-BE49-F238E27FC236}">
+                <a16:creationId xmlns:a16="http://schemas.microsoft.com/office/drawing/2014/main" id="{DD23A886-D944-4556-A1F8-01548AB51AAD}"/>
+              </a:ext>
+            </a:extLst>
+          </p:cNvPr>
+          <p:cNvSpPr>
+            <a:spLocks noGrp="1"/>
+          </p:cNvSpPr>
+          <p:nvPr>
+            <p:ph type="sldNum" sz="quarter" idx="12"/>
+          </p:nvPr>
+        </p:nvSpPr>
+        <p:spPr/>
+        <p:txBody>
+          <a:bodyPr/>
+          <a:lstStyle/>
+          <a:p>
+            <a:fld id="{3A98EE3D-8CD1-4C3F-BD1C-C98C9596463C}" type="slidenum">
+              <a:rPr lang="en-US" smtClean="0"/>
+              <a:t>25</a:t>
+            </a:fld>
+            <a:endParaRPr lang="en-US" dirty="0"/>
+          </a:p>
+        </p:txBody>
+      </p:sp>
     </p:spTree>
     <p:extLst>
       <p:ext uri="{BB962C8B-B14F-4D97-AF65-F5344CB8AC3E}">
-        <p14:creationId xmlns:p14="http://schemas.microsoft.com/office/powerpoint/2010/main" val="2784676605"/>
+        <p14:creationId xmlns:p14="http://schemas.microsoft.com/office/powerpoint/2010/main" val="2607016197"/>
       </p:ext>
     </p:extLst>
   </p:cSld>
@@ -16871,117 +18449,36 @@
           <a:p>
             <a:pPr algn="ctr"/>
             <a:r>
-              <a:rPr lang="en-US" dirty="0"/>
+              <a:rPr lang="en-US" sz="4000" dirty="0">
+                <a:latin typeface="Roboto Medium" panose="02000000000000000000" pitchFamily="2" charset="0"/>
+                <a:ea typeface="Roboto Medium" panose="02000000000000000000" pitchFamily="2" charset="0"/>
+              </a:rPr>
               <a:t>Some Relational Algebra Operations </a:t>
             </a:r>
             <a:br>
               <a:rPr lang="en-US" dirty="0"/>
             </a:br>
             <a:r>
-              <a:rPr lang="en-US" dirty="0"/>
-              <a:t>1.Projection </a:t>
+              <a:rPr lang="en-US" sz="3600" dirty="0">
+                <a:latin typeface="Roboto Medium" panose="02000000000000000000" pitchFamily="2" charset="0"/>
+                <a:ea typeface="Roboto Medium" panose="02000000000000000000" pitchFamily="2" charset="0"/>
+              </a:rPr>
+              <a:t>4</a:t>
             </a:r>
-            <a:endParaRPr lang="it-IT" dirty="0"/>
-          </a:p>
-        </p:txBody>
-      </p:sp>
-      <p:pic>
-        <p:nvPicPr>
-          <p:cNvPr id="6" name="Content Placeholder 5" descr="A screenshot of a social media post&#10;&#10;Description automatically generated">
-            <a:extLst>
-              <a:ext uri="{FF2B5EF4-FFF2-40B4-BE49-F238E27FC236}">
-                <a16:creationId xmlns:a16="http://schemas.microsoft.com/office/drawing/2014/main" id="{AB5029BD-298B-4BAD-B202-0DF250B8CDB4}"/>
-              </a:ext>
-            </a:extLst>
-          </p:cNvPr>
-          <p:cNvPicPr>
-            <a:picLocks noGrp="1" noChangeAspect="1"/>
-          </p:cNvPicPr>
-          <p:nvPr>
-            <p:ph idx="1"/>
-          </p:nvPr>
-        </p:nvPicPr>
-        <p:blipFill>
-          <a:blip r:embed="rId2">
-            <a:extLst>
-              <a:ext uri="{28A0092B-C50C-407E-A947-70E740481C1C}">
-                <a14:useLocalDpi xmlns:a14="http://schemas.microsoft.com/office/drawing/2010/main" val="0"/>
-              </a:ext>
-            </a:extLst>
-          </a:blip>
-          <a:stretch>
-            <a:fillRect/>
-          </a:stretch>
-        </p:blipFill>
-        <p:spPr>
-          <a:xfrm>
-            <a:off x="180622" y="1930402"/>
-            <a:ext cx="12011378" cy="4165598"/>
-          </a:xfrm>
-        </p:spPr>
-      </p:pic>
-    </p:spTree>
-    <p:extLst>
-      <p:ext uri="{BB962C8B-B14F-4D97-AF65-F5344CB8AC3E}">
-        <p14:creationId xmlns:p14="http://schemas.microsoft.com/office/powerpoint/2010/main" val="2607016197"/>
-      </p:ext>
-    </p:extLst>
-  </p:cSld>
-  <p:clrMapOvr>
-    <a:masterClrMapping/>
-  </p:clrMapOvr>
-</p:sld>
-</file>
-
-<file path=ppt/slides/slide27.xml><?xml version="1.0" encoding="utf-8"?>
-<p:sld xmlns:a="http://schemas.openxmlformats.org/drawingml/2006/main" xmlns:r="http://schemas.openxmlformats.org/officeDocument/2006/relationships" xmlns:p="http://schemas.openxmlformats.org/presentationml/2006/main">
-  <p:cSld>
-    <p:spTree>
-      <p:nvGrpSpPr>
-        <p:cNvPr id="1" name=""/>
-        <p:cNvGrpSpPr/>
-        <p:nvPr/>
-      </p:nvGrpSpPr>
-      <p:grpSpPr>
-        <a:xfrm>
-          <a:off x="0" y="0"/>
-          <a:ext cx="0" cy="0"/>
-          <a:chOff x="0" y="0"/>
-          <a:chExt cx="0" cy="0"/>
-        </a:xfrm>
-      </p:grpSpPr>
-      <p:sp>
-        <p:nvSpPr>
-          <p:cNvPr id="2" name="Title 1">
-            <a:extLst>
-              <a:ext uri="{FF2B5EF4-FFF2-40B4-BE49-F238E27FC236}">
-                <a16:creationId xmlns:a16="http://schemas.microsoft.com/office/drawing/2014/main" id="{562D4D3E-9C92-4800-8C16-806EF4D153D3}"/>
-              </a:ext>
-            </a:extLst>
-          </p:cNvPr>
-          <p:cNvSpPr>
-            <a:spLocks noGrp="1"/>
-          </p:cNvSpPr>
-          <p:nvPr>
-            <p:ph type="title"/>
-          </p:nvPr>
-        </p:nvSpPr>
-        <p:spPr/>
-        <p:txBody>
-          <a:bodyPr/>
-          <a:lstStyle/>
-          <a:p>
-            <a:pPr algn="ctr"/>
             <a:r>
               <a:rPr lang="en-US" dirty="0"/>
-              <a:t>Some Relational Algebra Operations </a:t>
+              <a:t>.</a:t>
             </a:r>
-            <a:br>
-              <a:rPr lang="en-US" dirty="0"/>
-            </a:br>
+            <a:r>
+              <a:rPr lang="en-US" sz="3600" dirty="0">
+                <a:latin typeface="Roboto Light" panose="02000000000000000000" pitchFamily="2" charset="0"/>
+                <a:ea typeface="Roboto Light" panose="02000000000000000000" pitchFamily="2" charset="0"/>
+              </a:rPr>
+              <a:t>Restriction</a:t>
+            </a:r>
             <a:r>
               <a:rPr lang="en-US" dirty="0"/>
-              <a:t>1.Restriction </a:t>
+              <a:t> </a:t>
             </a:r>
             <a:endParaRPr lang="it-IT" dirty="0"/>
           </a:p>
@@ -17022,6 +18519,64 @@
           </a:xfrm>
         </p:spPr>
       </p:pic>
+      <p:sp>
+        <p:nvSpPr>
+          <p:cNvPr id="3" name="Date Placeholder 2">
+            <a:extLst>
+              <a:ext uri="{FF2B5EF4-FFF2-40B4-BE49-F238E27FC236}">
+                <a16:creationId xmlns:a16="http://schemas.microsoft.com/office/drawing/2014/main" id="{23D4BEF0-5612-45C5-AE69-6DD16E2A41E8}"/>
+              </a:ext>
+            </a:extLst>
+          </p:cNvPr>
+          <p:cNvSpPr>
+            <a:spLocks noGrp="1"/>
+          </p:cNvSpPr>
+          <p:nvPr>
+            <p:ph type="dt" sz="half" idx="10"/>
+          </p:nvPr>
+        </p:nvSpPr>
+        <p:spPr/>
+        <p:txBody>
+          <a:bodyPr/>
+          <a:lstStyle/>
+          <a:p>
+            <a:fld id="{5A98CA39-4FFF-4A59-BDA1-84FFEE1CD0AA}" type="datetime1">
+              <a:rPr lang="en-US" smtClean="0"/>
+              <a:t>5/11/2020</a:t>
+            </a:fld>
+            <a:endParaRPr lang="en-US" dirty="0"/>
+          </a:p>
+        </p:txBody>
+      </p:sp>
+      <p:sp>
+        <p:nvSpPr>
+          <p:cNvPr id="4" name="Slide Number Placeholder 3">
+            <a:extLst>
+              <a:ext uri="{FF2B5EF4-FFF2-40B4-BE49-F238E27FC236}">
+                <a16:creationId xmlns:a16="http://schemas.microsoft.com/office/drawing/2014/main" id="{8CB18A8D-16AB-4828-AAC1-DAEFB1B6A07A}"/>
+              </a:ext>
+            </a:extLst>
+          </p:cNvPr>
+          <p:cNvSpPr>
+            <a:spLocks noGrp="1"/>
+          </p:cNvSpPr>
+          <p:nvPr>
+            <p:ph type="sldNum" sz="quarter" idx="12"/>
+          </p:nvPr>
+        </p:nvSpPr>
+        <p:spPr/>
+        <p:txBody>
+          <a:bodyPr/>
+          <a:lstStyle/>
+          <a:p>
+            <a:fld id="{3A98EE3D-8CD1-4C3F-BD1C-C98C9596463C}" type="slidenum">
+              <a:rPr lang="en-US" smtClean="0"/>
+              <a:t>26</a:t>
+            </a:fld>
+            <a:endParaRPr lang="en-US" dirty="0"/>
+          </a:p>
+        </p:txBody>
+      </p:sp>
     </p:spTree>
     <p:extLst>
       <p:ext uri="{BB962C8B-B14F-4D97-AF65-F5344CB8AC3E}">
@@ -17255,10 +18810,12 @@
           <a:p>
             <a:pPr algn="ctr"/>
             <a:r>
-              <a:rPr lang="en-US" sz="4100" dirty="0">
+              <a:rPr lang="en-US" sz="4000" dirty="0">
                 <a:solidFill>
                   <a:srgbClr val="FFFFFF"/>
                 </a:solidFill>
+                <a:latin typeface="Roboto Medium" panose="02000000000000000000" pitchFamily="2" charset="0"/>
+                <a:ea typeface="Roboto Medium" panose="02000000000000000000" pitchFamily="2" charset="0"/>
               </a:rPr>
               <a:t>The Number Of  Chronic Undernutrition is Increasing </a:t>
             </a:r>
@@ -17396,6 +18953,64 @@
           </a:p>
         </p:txBody>
       </p:sp>
+      <p:sp>
+        <p:nvSpPr>
+          <p:cNvPr id="3" name="Date Placeholder 2">
+            <a:extLst>
+              <a:ext uri="{FF2B5EF4-FFF2-40B4-BE49-F238E27FC236}">
+                <a16:creationId xmlns:a16="http://schemas.microsoft.com/office/drawing/2014/main" id="{6568D9CC-1F41-42A3-9B91-B0CDBDFBE04A}"/>
+              </a:ext>
+            </a:extLst>
+          </p:cNvPr>
+          <p:cNvSpPr>
+            <a:spLocks noGrp="1"/>
+          </p:cNvSpPr>
+          <p:nvPr>
+            <p:ph type="dt" sz="half" idx="10"/>
+          </p:nvPr>
+        </p:nvSpPr>
+        <p:spPr/>
+        <p:txBody>
+          <a:bodyPr/>
+          <a:lstStyle/>
+          <a:p>
+            <a:fld id="{2630E15A-9410-4645-9FE5-137384939962}" type="datetime1">
+              <a:rPr lang="en-US" smtClean="0"/>
+              <a:t>5/11/2020</a:t>
+            </a:fld>
+            <a:endParaRPr lang="en-US" dirty="0"/>
+          </a:p>
+        </p:txBody>
+      </p:sp>
+      <p:sp>
+        <p:nvSpPr>
+          <p:cNvPr id="4" name="Slide Number Placeholder 3">
+            <a:extLst>
+              <a:ext uri="{FF2B5EF4-FFF2-40B4-BE49-F238E27FC236}">
+                <a16:creationId xmlns:a16="http://schemas.microsoft.com/office/drawing/2014/main" id="{3604EEFA-AAAE-47DB-82D7-DD1DE00D78F3}"/>
+              </a:ext>
+            </a:extLst>
+          </p:cNvPr>
+          <p:cNvSpPr>
+            <a:spLocks noGrp="1"/>
+          </p:cNvSpPr>
+          <p:nvPr>
+            <p:ph type="sldNum" sz="quarter" idx="12"/>
+          </p:nvPr>
+        </p:nvSpPr>
+        <p:spPr/>
+        <p:txBody>
+          <a:bodyPr/>
+          <a:lstStyle/>
+          <a:p>
+            <a:fld id="{3A98EE3D-8CD1-4C3F-BD1C-C98C9596463C}" type="slidenum">
+              <a:rPr lang="en-US" smtClean="0"/>
+              <a:t>3</a:t>
+            </a:fld>
+            <a:endParaRPr lang="en-US" dirty="0"/>
+          </a:p>
+        </p:txBody>
+      </p:sp>
     </p:spTree>
     <p:extLst>
       <p:ext uri="{BB962C8B-B14F-4D97-AF65-F5344CB8AC3E}">
@@ -17412,6 +19027,14 @@
 <file path=ppt/slides/slide4.xml><?xml version="1.0" encoding="utf-8"?>
 <p:sld xmlns:a="http://schemas.openxmlformats.org/drawingml/2006/main" xmlns:r="http://schemas.openxmlformats.org/officeDocument/2006/relationships" xmlns:p="http://schemas.openxmlformats.org/presentationml/2006/main">
   <p:cSld>
+    <p:bg>
+      <p:bgPr>
+        <a:solidFill>
+          <a:schemeClr val="bg1"/>
+        </a:solidFill>
+        <a:effectLst/>
+      </p:bgPr>
+    </p:bg>
     <p:spTree>
       <p:nvGrpSpPr>
         <p:cNvPr id="1" name=""/>
@@ -17428,10 +19051,214 @@
       </p:grpSpPr>
       <p:sp>
         <p:nvSpPr>
+          <p:cNvPr id="49" name="Rectangle 48">
+            <a:extLst>
+              <a:ext uri="{FF2B5EF4-FFF2-40B4-BE49-F238E27FC236}">
+                <a16:creationId xmlns:a16="http://schemas.microsoft.com/office/drawing/2014/main" id="{39E3965E-AC41-4711-9D10-E25ABB132D86}"/>
+              </a:ext>
+              <a:ext uri="{C183D7F6-B498-43B3-948B-1728B52AA6E4}">
+                <adec:decorative xmlns:adec="http://schemas.microsoft.com/office/drawing/2017/decorative" val="1"/>
+              </a:ext>
+            </a:extLst>
+          </p:cNvPr>
+          <p:cNvSpPr>
+            <a:spLocks noGrp="1" noRot="1" noChangeAspect="1" noMove="1" noResize="1" noEditPoints="1" noAdjustHandles="1" noChangeArrowheads="1" noChangeShapeType="1" noTextEdit="1"/>
+          </p:cNvSpPr>
+          <p:nvPr>
+            <p:extLst>
+              <p:ext uri="{386F3935-93C4-4BCD-93E2-E3B085C9AB24}">
+                <p16:designElem xmlns:p16="http://schemas.microsoft.com/office/powerpoint/2015/main" val="1"/>
+              </p:ext>
+            </p:extLst>
+          </p:nvPr>
+        </p:nvSpPr>
+        <p:spPr>
+          <a:xfrm>
+            <a:off x="3175" y="6400800"/>
+            <a:ext cx="12188825" cy="457200"/>
+          </a:xfrm>
+          <a:prstGeom prst="rect">
+            <a:avLst/>
+          </a:prstGeom>
+          <a:solidFill>
+            <a:srgbClr val="262626"/>
+          </a:solidFill>
+          <a:ln>
+            <a:noFill/>
+          </a:ln>
+        </p:spPr>
+        <p:style>
+          <a:lnRef idx="2">
+            <a:schemeClr val="accent1">
+              <a:shade val="50000"/>
+            </a:schemeClr>
+          </a:lnRef>
+          <a:fillRef idx="1">
+            <a:schemeClr val="accent1"/>
+          </a:fillRef>
+          <a:effectRef idx="0">
+            <a:schemeClr val="accent1"/>
+          </a:effectRef>
+          <a:fontRef idx="minor">
+            <a:schemeClr val="lt1"/>
+          </a:fontRef>
+        </p:style>
+      </p:sp>
+      <p:cxnSp>
+        <p:nvCxnSpPr>
+          <p:cNvPr id="51" name="Straight Connector 50">
+            <a:extLst>
+              <a:ext uri="{FF2B5EF4-FFF2-40B4-BE49-F238E27FC236}">
+                <a16:creationId xmlns:a16="http://schemas.microsoft.com/office/drawing/2014/main" id="{1F5DC8C3-BA5F-4EED-BB9A-A14272BD82A1}"/>
+              </a:ext>
+              <a:ext uri="{C183D7F6-B498-43B3-948B-1728B52AA6E4}">
+                <adec:decorative xmlns:adec="http://schemas.microsoft.com/office/drawing/2017/decorative" val="1"/>
+              </a:ext>
+            </a:extLst>
+          </p:cNvPr>
+          <p:cNvCxnSpPr>
+            <a:cxnSpLocks noGrp="1" noRot="1" noChangeAspect="1" noMove="1" noResize="1" noEditPoints="1" noAdjustHandles="1" noChangeArrowheads="1" noChangeShapeType="1"/>
+          </p:cNvCxnSpPr>
+          <p:nvPr>
+            <p:extLst>
+              <p:ext uri="{386F3935-93C4-4BCD-93E2-E3B085C9AB24}">
+                <p16:designElem xmlns:p16="http://schemas.microsoft.com/office/powerpoint/2015/main" val="1"/>
+              </p:ext>
+            </p:extLst>
+          </p:nvPr>
+        </p:nvCxnSpPr>
+        <p:spPr>
+          <a:xfrm>
+            <a:off x="1207658" y="4474741"/>
+            <a:ext cx="9875520" cy="0"/>
+          </a:xfrm>
+          <a:prstGeom prst="line">
+            <a:avLst/>
+          </a:prstGeom>
+          <a:ln w="12700">
+            <a:solidFill>
+              <a:schemeClr val="tx1">
+                <a:lumMod val="75000"/>
+                <a:lumOff val="25000"/>
+              </a:schemeClr>
+            </a:solidFill>
+          </a:ln>
+        </p:spPr>
+        <p:style>
+          <a:lnRef idx="1">
+            <a:schemeClr val="accent1"/>
+          </a:lnRef>
+          <a:fillRef idx="0">
+            <a:schemeClr val="accent1"/>
+          </a:fillRef>
+          <a:effectRef idx="0">
+            <a:schemeClr val="accent1"/>
+          </a:effectRef>
+          <a:fontRef idx="minor">
+            <a:schemeClr val="tx1"/>
+          </a:fontRef>
+        </p:style>
+      </p:cxnSp>
+      <p:sp>
+        <p:nvSpPr>
+          <p:cNvPr id="53" name="Rectangle 52">
+            <a:extLst>
+              <a:ext uri="{FF2B5EF4-FFF2-40B4-BE49-F238E27FC236}">
+                <a16:creationId xmlns:a16="http://schemas.microsoft.com/office/drawing/2014/main" id="{0AF4F2BA-3C03-4E2C-8ABC-0949B61B3C5E}"/>
+              </a:ext>
+              <a:ext uri="{C183D7F6-B498-43B3-948B-1728B52AA6E4}">
+                <adec:decorative xmlns:adec="http://schemas.microsoft.com/office/drawing/2017/decorative" val="1"/>
+              </a:ext>
+            </a:extLst>
+          </p:cNvPr>
+          <p:cNvSpPr>
+            <a:spLocks noGrp="1" noRot="1" noChangeAspect="1" noMove="1" noResize="1" noEditPoints="1" noAdjustHandles="1" noChangeArrowheads="1" noChangeShapeType="1" noTextEdit="1"/>
+          </p:cNvSpPr>
+          <p:nvPr>
+            <p:extLst>
+              <p:ext uri="{386F3935-93C4-4BCD-93E2-E3B085C9AB24}">
+                <p16:designElem xmlns:p16="http://schemas.microsoft.com/office/powerpoint/2015/main" val="1"/>
+              </p:ext>
+            </p:extLst>
+          </p:nvPr>
+        </p:nvSpPr>
+        <p:spPr>
+          <a:xfrm>
+            <a:off x="0" y="0"/>
+            <a:ext cx="12192000" cy="6858000"/>
+          </a:xfrm>
+          <a:prstGeom prst="rect">
+            <a:avLst/>
+          </a:prstGeom>
+          <a:solidFill>
+            <a:srgbClr val="000000"/>
+          </a:solidFill>
+          <a:ln>
+            <a:noFill/>
+          </a:ln>
+        </p:spPr>
+        <p:style>
+          <a:lnRef idx="2">
+            <a:schemeClr val="accent1">
+              <a:shade val="50000"/>
+            </a:schemeClr>
+          </a:lnRef>
+          <a:fillRef idx="1">
+            <a:schemeClr val="accent1"/>
+          </a:fillRef>
+          <a:effectRef idx="0">
+            <a:schemeClr val="accent1"/>
+          </a:effectRef>
+          <a:fontRef idx="minor">
+            <a:schemeClr val="lt1"/>
+          </a:fontRef>
+        </p:style>
+        <p:txBody>
+          <a:bodyPr rtlCol="0" anchor="ctr"/>
+          <a:lstStyle/>
+          <a:p>
+            <a:pPr algn="ctr"/>
+            <a:endParaRPr lang="en-US"/>
+          </a:p>
+        </p:txBody>
+      </p:sp>
+      <p:pic>
+        <p:nvPicPr>
+          <p:cNvPr id="23" name="Picture 3">
+            <a:extLst>
+              <a:ext uri="{FF2B5EF4-FFF2-40B4-BE49-F238E27FC236}">
+                <a16:creationId xmlns:a16="http://schemas.microsoft.com/office/drawing/2014/main" id="{7DCB325E-4ADC-4403-8BC1-F52759E24323}"/>
+              </a:ext>
+            </a:extLst>
+          </p:cNvPr>
+          <p:cNvPicPr>
+            <a:picLocks noChangeAspect="1"/>
+          </p:cNvPicPr>
+          <p:nvPr/>
+        </p:nvPicPr>
+        <p:blipFill rotWithShape="1">
+          <a:blip r:embed="rId2">
+            <a:alphaModFix amt="35000"/>
+          </a:blip>
+          <a:srcRect t="5051" b="10679"/>
+          <a:stretch/>
+        </p:blipFill>
+        <p:spPr>
+          <a:xfrm>
+            <a:off x="20" y="975"/>
+            <a:ext cx="12191980" cy="6858000"/>
+          </a:xfrm>
+          <a:prstGeom prst="rect">
+            <a:avLst/>
+          </a:prstGeom>
+        </p:spPr>
+      </p:pic>
+      <p:sp>
+        <p:nvSpPr>
           <p:cNvPr id="2" name="Title 1">
             <a:extLst>
               <a:ext uri="{FF2B5EF4-FFF2-40B4-BE49-F238E27FC236}">
-                <a16:creationId xmlns:a16="http://schemas.microsoft.com/office/drawing/2014/main" id="{CA220DAE-D661-420C-BC4D-A828DF6727D9}"/>
+                <a16:creationId xmlns:a16="http://schemas.microsoft.com/office/drawing/2014/main" id="{74E1A5EA-5AB4-4328-98CA-F1385D514B53}"/>
               </a:ext>
             </a:extLst>
           </p:cNvPr>
@@ -17442,25 +19269,147 @@
             <p:ph type="title"/>
           </p:nvPr>
         </p:nvSpPr>
-        <p:spPr/>
+        <p:spPr>
+          <a:xfrm>
+            <a:off x="1097280" y="758952"/>
+            <a:ext cx="10058400" cy="3566160"/>
+          </a:xfrm>
+        </p:spPr>
         <p:txBody>
-          <a:bodyPr/>
+          <a:bodyPr vert="horz" lIns="91440" tIns="45720" rIns="91440" bIns="45720" rtlCol="0" anchor="b">
+            <a:normAutofit/>
+          </a:bodyPr>
           <a:lstStyle/>
           <a:p>
+            <a:pPr algn="ctr"/>
             <a:r>
-              <a:rPr lang="en-US" dirty="0"/>
-              <a:t>There are many causes of HUNGER</a:t>
+              <a:rPr lang="en-US" sz="8000" dirty="0">
+                <a:solidFill>
+                  <a:srgbClr val="FFFFFF"/>
+                </a:solidFill>
+                <a:latin typeface="Roboto Medium" panose="02000000000000000000" pitchFamily="2" charset="0"/>
+                <a:ea typeface="Roboto Medium" panose="02000000000000000000" pitchFamily="2" charset="0"/>
+              </a:rPr>
+              <a:t>But What Are The Causes Of Hunger In The World ?</a:t>
             </a:r>
-            <a:endParaRPr lang="it-IT" dirty="0"/>
           </a:p>
         </p:txBody>
+      </p:sp>
+      <p:cxnSp>
+        <p:nvCxnSpPr>
+          <p:cNvPr id="55" name="Straight Connector 54">
+            <a:extLst>
+              <a:ext uri="{FF2B5EF4-FFF2-40B4-BE49-F238E27FC236}">
+                <a16:creationId xmlns:a16="http://schemas.microsoft.com/office/drawing/2014/main" id="{A07787ED-5EDC-4C54-AD87-55B60D0FE397}"/>
+              </a:ext>
+              <a:ext uri="{C183D7F6-B498-43B3-948B-1728B52AA6E4}">
+                <adec:decorative xmlns:adec="http://schemas.microsoft.com/office/drawing/2017/decorative" val="1"/>
+              </a:ext>
+            </a:extLst>
+          </p:cNvPr>
+          <p:cNvCxnSpPr>
+            <a:cxnSpLocks noGrp="1" noRot="1" noChangeAspect="1" noMove="1" noResize="1" noEditPoints="1" noAdjustHandles="1" noChangeArrowheads="1" noChangeShapeType="1"/>
+          </p:cNvCxnSpPr>
+          <p:nvPr>
+            <p:extLst>
+              <p:ext uri="{386F3935-93C4-4BCD-93E2-E3B085C9AB24}">
+                <p16:designElem xmlns:p16="http://schemas.microsoft.com/office/powerpoint/2015/main" val="1"/>
+              </p:ext>
+            </p:extLst>
+          </p:nvPr>
+        </p:nvCxnSpPr>
+        <p:spPr>
+          <a:xfrm>
+            <a:off x="1207658" y="4474741"/>
+            <a:ext cx="9875520" cy="0"/>
+          </a:xfrm>
+          <a:prstGeom prst="line">
+            <a:avLst/>
+          </a:prstGeom>
+          <a:ln w="12700">
+            <a:solidFill>
+              <a:srgbClr val="FFFFFF"/>
+            </a:solidFill>
+          </a:ln>
+        </p:spPr>
+        <p:style>
+          <a:lnRef idx="1">
+            <a:schemeClr val="accent1"/>
+          </a:lnRef>
+          <a:fillRef idx="0">
+            <a:schemeClr val="accent1"/>
+          </a:fillRef>
+          <a:effectRef idx="0">
+            <a:schemeClr val="accent1"/>
+          </a:effectRef>
+          <a:fontRef idx="minor">
+            <a:schemeClr val="tx1"/>
+          </a:fontRef>
+        </p:style>
+      </p:cxnSp>
+      <p:sp>
+        <p:nvSpPr>
+          <p:cNvPr id="57" name="Rectangle 56">
+            <a:extLst>
+              <a:ext uri="{FF2B5EF4-FFF2-40B4-BE49-F238E27FC236}">
+                <a16:creationId xmlns:a16="http://schemas.microsoft.com/office/drawing/2014/main" id="{B40A8CA7-7D5A-43B0-A1A0-B558ECA9EED1}"/>
+              </a:ext>
+              <a:ext uri="{C183D7F6-B498-43B3-948B-1728B52AA6E4}">
+                <adec:decorative xmlns:adec="http://schemas.microsoft.com/office/drawing/2017/decorative" val="1"/>
+              </a:ext>
+            </a:extLst>
+          </p:cNvPr>
+          <p:cNvSpPr>
+            <a:spLocks noGrp="1" noRot="1" noChangeAspect="1" noMove="1" noResize="1" noEditPoints="1" noAdjustHandles="1" noChangeArrowheads="1" noChangeShapeType="1" noTextEdit="1"/>
+          </p:cNvSpPr>
+          <p:nvPr>
+            <p:extLst>
+              <p:ext uri="{386F3935-93C4-4BCD-93E2-E3B085C9AB24}">
+                <p16:designElem xmlns:p16="http://schemas.microsoft.com/office/powerpoint/2015/main" val="1"/>
+              </p:ext>
+            </p:extLst>
+          </p:nvPr>
+        </p:nvSpPr>
+        <p:spPr>
+          <a:xfrm>
+            <a:off x="3175" y="6400800"/>
+            <a:ext cx="12188825" cy="457200"/>
+          </a:xfrm>
+          <a:prstGeom prst="rect">
+            <a:avLst/>
+          </a:prstGeom>
+          <a:solidFill>
+            <a:srgbClr val="262626">
+              <a:alpha val="95000"/>
+            </a:srgbClr>
+          </a:solidFill>
+          <a:ln>
+            <a:noFill/>
+          </a:ln>
+        </p:spPr>
+        <p:style>
+          <a:lnRef idx="2">
+            <a:schemeClr val="accent1">
+              <a:shade val="50000"/>
+            </a:schemeClr>
+          </a:lnRef>
+          <a:fillRef idx="1">
+            <a:schemeClr val="accent1"/>
+          </a:fillRef>
+          <a:effectRef idx="0">
+            <a:schemeClr val="accent1"/>
+          </a:effectRef>
+          <a:fontRef idx="minor">
+            <a:schemeClr val="lt1"/>
+          </a:fontRef>
+        </p:style>
       </p:sp>
       <p:sp>
         <p:nvSpPr>
-          <p:cNvPr id="3" name="Text Placeholder 2">
+          <p:cNvPr id="3" name="Date Placeholder 2">
             <a:extLst>
               <a:ext uri="{FF2B5EF4-FFF2-40B4-BE49-F238E27FC236}">
-                <a16:creationId xmlns:a16="http://schemas.microsoft.com/office/drawing/2014/main" id="{C145CD10-7815-4A0F-8EBE-15784D35C3E6}"/>
+                <a16:creationId xmlns:a16="http://schemas.microsoft.com/office/drawing/2014/main" id="{A2437C34-5FC0-4EF3-BA7D-60817269B1B0}"/>
               </a:ext>
             </a:extLst>
           </p:cNvPr>
@@ -17468,27 +19417,94 @@
             <a:spLocks noGrp="1"/>
           </p:cNvSpPr>
           <p:nvPr>
-            <p:ph type="body" idx="1"/>
+            <p:ph type="dt" sz="half" idx="10"/>
           </p:nvPr>
         </p:nvSpPr>
-        <p:spPr/>
+        <p:spPr>
+          <a:xfrm>
+            <a:off x="8218426" y="6446838"/>
+            <a:ext cx="2584850" cy="365125"/>
+          </a:xfrm>
+        </p:spPr>
         <p:txBody>
-          <a:bodyPr/>
+          <a:bodyPr vert="horz" lIns="91440" tIns="45720" rIns="91440" bIns="45720" rtlCol="0" anchor="ctr">
+            <a:normAutofit/>
+          </a:bodyPr>
           <a:lstStyle/>
           <a:p>
-            <a:endParaRPr lang="it-IT"/>
+            <a:pPr>
+              <a:spcAft>
+                <a:spcPts val="600"/>
+              </a:spcAft>
+            </a:pPr>
+            <a:fld id="{44990228-4582-45A6-8804-8C422C15B8B5}" type="datetime1">
+              <a:rPr lang="en-US" smtClean="0"/>
+              <a:pPr>
+                <a:spcAft>
+                  <a:spcPts val="600"/>
+                </a:spcAft>
+              </a:pPr>
+              <a:t>5/11/2020</a:t>
+            </a:fld>
+            <a:endParaRPr lang="en-US"/>
+          </a:p>
+        </p:txBody>
+      </p:sp>
+      <p:sp>
+        <p:nvSpPr>
+          <p:cNvPr id="5" name="Slide Number Placeholder 4">
+            <a:extLst>
+              <a:ext uri="{FF2B5EF4-FFF2-40B4-BE49-F238E27FC236}">
+                <a16:creationId xmlns:a16="http://schemas.microsoft.com/office/drawing/2014/main" id="{D084B3DB-2E72-4727-A470-EE9F48475300}"/>
+              </a:ext>
+            </a:extLst>
+          </p:cNvPr>
+          <p:cNvSpPr>
+            <a:spLocks noGrp="1"/>
+          </p:cNvSpPr>
+          <p:nvPr>
+            <p:ph type="sldNum" sz="quarter" idx="12"/>
+          </p:nvPr>
+        </p:nvSpPr>
+        <p:spPr>
+          <a:xfrm>
+            <a:off x="10993582" y="6446838"/>
+            <a:ext cx="780010" cy="365125"/>
+          </a:xfrm>
+        </p:spPr>
+        <p:txBody>
+          <a:bodyPr vert="horz" lIns="91440" tIns="45720" rIns="91440" bIns="45720" rtlCol="0" anchor="ctr">
+            <a:normAutofit/>
+          </a:bodyPr>
+          <a:lstStyle/>
+          <a:p>
+            <a:pPr>
+              <a:spcAft>
+                <a:spcPts val="600"/>
+              </a:spcAft>
+            </a:pPr>
+            <a:fld id="{3A98EE3D-8CD1-4C3F-BD1C-C98C9596463C}" type="slidenum">
+              <a:rPr lang="en-US" sz="1050" smtClean="0"/>
+              <a:pPr>
+                <a:spcAft>
+                  <a:spcPts val="600"/>
+                </a:spcAft>
+              </a:pPr>
+              <a:t>4</a:t>
+            </a:fld>
+            <a:endParaRPr lang="en-US" sz="1050"/>
           </a:p>
         </p:txBody>
       </p:sp>
     </p:spTree>
     <p:extLst>
       <p:ext uri="{BB962C8B-B14F-4D97-AF65-F5344CB8AC3E}">
-        <p14:creationId xmlns:p14="http://schemas.microsoft.com/office/powerpoint/2010/main" val="3564309828"/>
+        <p14:creationId xmlns:p14="http://schemas.microsoft.com/office/powerpoint/2010/main" val="626898306"/>
       </p:ext>
     </p:extLst>
   </p:cSld>
   <p:clrMapOvr>
-    <a:masterClrMapping/>
+    <a:overrideClrMapping bg1="dk1" tx1="lt1" bg2="dk2" tx2="lt2" accent1="accent1" accent2="accent2" accent3="accent3" accent4="accent4" accent5="accent5" accent6="accent6" hlink="hlink" folHlink="folHlink"/>
   </p:clrMapOvr>
 </p:sld>
 </file>
@@ -17605,12 +19621,20 @@
         </p:blipFill>
         <p:spPr>
           <a:xfrm>
-            <a:off x="20" y="10"/>
+            <a:off x="5705" y="10"/>
             <a:ext cx="12186295" cy="6857990"/>
           </a:xfrm>
           <a:prstGeom prst="rect">
             <a:avLst/>
           </a:prstGeom>
+          <a:solidFill>
+            <a:schemeClr val="bg1">
+              <a:alpha val="20000"/>
+            </a:schemeClr>
+          </a:solidFill>
+          <a:ln>
+            <a:noFill/>
+          </a:ln>
         </p:spPr>
       </p:pic>
       <p:sp>
@@ -17702,15 +19726,17 @@
         </p:spPr>
         <p:txBody>
           <a:bodyPr vert="horz" lIns="91440" tIns="45720" rIns="91440" bIns="45720" rtlCol="0">
-            <a:normAutofit/>
+            <a:normAutofit fontScale="90000"/>
           </a:bodyPr>
           <a:lstStyle/>
           <a:p>
             <a:r>
-              <a:rPr lang="en-US" sz="1700">
+              <a:rPr lang="en-US" sz="4000">
                 <a:solidFill>
                   <a:srgbClr val="FFFFFF"/>
                 </a:solidFill>
+                <a:latin typeface="Roboto Medium" panose="02000000000000000000" pitchFamily="2" charset="0"/>
+                <a:ea typeface="Roboto Medium" panose="02000000000000000000" pitchFamily="2" charset="0"/>
               </a:rPr>
               <a:t>Absolute Poverty</a:t>
             </a:r>
@@ -17721,14 +19747,11 @@
                 </a:solidFill>
               </a:rPr>
             </a:br>
-            <a:r>
-              <a:rPr lang="en-US" sz="1700">
-                <a:solidFill>
-                  <a:srgbClr val="FFFFFF"/>
-                </a:solidFill>
-              </a:rPr>
-              <a:t>The complete lack of the means necessary to meet basic personal needs, such as food, clothing and shelter(Wikipedia)</a:t>
-            </a:r>
+            <a:endParaRPr lang="en-US" sz="1700" dirty="0">
+              <a:solidFill>
+                <a:srgbClr val="FFFFFF"/>
+              </a:solidFill>
+            </a:endParaRPr>
           </a:p>
         </p:txBody>
       </p:sp>
@@ -17812,10 +19835,24 @@
           </a:bodyPr>
           <a:lstStyle/>
           <a:p>
-            <a:endParaRPr lang="en-US" sz="1600">
+            <a:r>
+              <a:rPr lang="en-US">
+                <a:solidFill>
+                  <a:srgbClr val="FFFFFF"/>
+                </a:solidFill>
+                <a:latin typeface="Open Sans Light" panose="020B0306030504020204" pitchFamily="34" charset="0"/>
+                <a:ea typeface="Open Sans Light" panose="020B0306030504020204" pitchFamily="34" charset="0"/>
+                <a:cs typeface="Open Sans Light" panose="020B0306030504020204" pitchFamily="34" charset="0"/>
+              </a:rPr>
+              <a:t>The complete lack of the means necessary to meet basic personal needs, such as food, clothing and shelter(Wikipedia)</a:t>
+            </a:r>
+            <a:endParaRPr lang="en-US" dirty="0">
               <a:solidFill>
                 <a:srgbClr val="FFFFFF"/>
               </a:solidFill>
+              <a:latin typeface="Open Sans Light" panose="020B0306030504020204" pitchFamily="34" charset="0"/>
+              <a:ea typeface="Open Sans Light" panose="020B0306030504020204" pitchFamily="34" charset="0"/>
+              <a:cs typeface="Open Sans Light" panose="020B0306030504020204" pitchFamily="34" charset="0"/>
             </a:endParaRPr>
           </a:p>
         </p:txBody>
@@ -17877,6 +19914,127 @@
           </a:fontRef>
         </p:style>
       </p:sp>
+      <p:sp>
+        <p:nvSpPr>
+          <p:cNvPr id="3" name="Date Placeholder 2">
+            <a:extLst>
+              <a:ext uri="{FF2B5EF4-FFF2-40B4-BE49-F238E27FC236}">
+                <a16:creationId xmlns:a16="http://schemas.microsoft.com/office/drawing/2014/main" id="{EEB0291C-9CFC-4E7A-8EBB-5631ADD7650E}"/>
+              </a:ext>
+            </a:extLst>
+          </p:cNvPr>
+          <p:cNvSpPr>
+            <a:spLocks noGrp="1"/>
+          </p:cNvSpPr>
+          <p:nvPr>
+            <p:ph type="dt" sz="half" idx="10"/>
+          </p:nvPr>
+        </p:nvSpPr>
+        <p:spPr/>
+        <p:txBody>
+          <a:bodyPr/>
+          <a:lstStyle/>
+          <a:p>
+            <a:fld id="{B2B8A8B5-C292-46E5-8FA8-6804AB238AB9}" type="datetime1">
+              <a:rPr lang="en-US" smtClean="0"/>
+              <a:t>5/11/2020</a:t>
+            </a:fld>
+            <a:endParaRPr lang="en-US" dirty="0"/>
+          </a:p>
+        </p:txBody>
+      </p:sp>
+      <p:sp>
+        <p:nvSpPr>
+          <p:cNvPr id="4" name="Slide Number Placeholder 3">
+            <a:extLst>
+              <a:ext uri="{FF2B5EF4-FFF2-40B4-BE49-F238E27FC236}">
+                <a16:creationId xmlns:a16="http://schemas.microsoft.com/office/drawing/2014/main" id="{54B1C8A5-AF18-4E74-9ADB-2536F9A91F22}"/>
+              </a:ext>
+            </a:extLst>
+          </p:cNvPr>
+          <p:cNvSpPr>
+            <a:spLocks noGrp="1"/>
+          </p:cNvSpPr>
+          <p:nvPr>
+            <p:ph type="sldNum" sz="quarter" idx="12"/>
+          </p:nvPr>
+        </p:nvSpPr>
+        <p:spPr/>
+        <p:txBody>
+          <a:bodyPr/>
+          <a:lstStyle/>
+          <a:p>
+            <a:fld id="{3A98EE3D-8CD1-4C3F-BD1C-C98C9596463C}" type="slidenum">
+              <a:rPr lang="en-US" smtClean="0"/>
+              <a:t>5</a:t>
+            </a:fld>
+            <a:endParaRPr lang="en-US" dirty="0"/>
+          </a:p>
+        </p:txBody>
+      </p:sp>
+      <p:sp>
+        <p:nvSpPr>
+          <p:cNvPr id="5" name="Rectangle 4">
+            <a:extLst>
+              <a:ext uri="{FF2B5EF4-FFF2-40B4-BE49-F238E27FC236}">
+                <a16:creationId xmlns:a16="http://schemas.microsoft.com/office/drawing/2014/main" id="{CC8B0422-744C-46B5-8082-D51E3B821EBD}"/>
+              </a:ext>
+            </a:extLst>
+          </p:cNvPr>
+          <p:cNvSpPr/>
+          <p:nvPr/>
+        </p:nvSpPr>
+        <p:spPr>
+          <a:xfrm>
+            <a:off x="5685" y="0"/>
+            <a:ext cx="5500249" cy="344905"/>
+          </a:xfrm>
+          <a:prstGeom prst="rect">
+            <a:avLst/>
+          </a:prstGeom>
+          <a:solidFill>
+            <a:schemeClr val="bg1">
+              <a:alpha val="20000"/>
+            </a:schemeClr>
+          </a:solidFill>
+          <a:ln>
+            <a:noFill/>
+          </a:ln>
+        </p:spPr>
+        <p:style>
+          <a:lnRef idx="2">
+            <a:schemeClr val="dk1">
+              <a:shade val="50000"/>
+            </a:schemeClr>
+          </a:lnRef>
+          <a:fillRef idx="1">
+            <a:schemeClr val="dk1"/>
+          </a:fillRef>
+          <a:effectRef idx="0">
+            <a:schemeClr val="dk1"/>
+          </a:effectRef>
+          <a:fontRef idx="minor">
+            <a:schemeClr val="lt1"/>
+          </a:fontRef>
+        </p:style>
+        <p:txBody>
+          <a:bodyPr rtlCol="0" anchor="ctr"/>
+          <a:lstStyle/>
+          <a:p>
+            <a:r>
+              <a:rPr lang="en-US" sz="3000" dirty="0">
+                <a:latin typeface="Roboto Medium" panose="02000000000000000000" pitchFamily="2" charset="0"/>
+                <a:ea typeface="Roboto Medium" panose="02000000000000000000" pitchFamily="2" charset="0"/>
+              </a:rPr>
+              <a:t>CAUSES OF UNDERNUTRITION</a:t>
+            </a:r>
+            <a:endParaRPr lang="it-IT" sz="3000" dirty="0">
+              <a:latin typeface="Roboto Medium" panose="02000000000000000000" pitchFamily="2" charset="0"/>
+              <a:ea typeface="Roboto Medium" panose="02000000000000000000" pitchFamily="2" charset="0"/>
+            </a:endParaRPr>
+          </a:p>
+        </p:txBody>
+      </p:sp>
     </p:spTree>
     <p:extLst>
       <p:ext uri="{BB962C8B-B14F-4D97-AF65-F5344CB8AC3E}">
@@ -18002,7 +20160,7 @@
         </p:blipFill>
         <p:spPr>
           <a:xfrm>
-            <a:off x="20" y="10"/>
+            <a:off x="-88212" y="10"/>
             <a:ext cx="12186295" cy="6857990"/>
           </a:xfrm>
           <a:prstGeom prst="rect">
@@ -18099,15 +20257,17 @@
         </p:spPr>
         <p:txBody>
           <a:bodyPr vert="horz" lIns="91440" tIns="45720" rIns="91440" bIns="45720" rtlCol="0">
-            <a:normAutofit/>
+            <a:normAutofit fontScale="90000"/>
           </a:bodyPr>
           <a:lstStyle/>
           <a:p>
             <a:r>
-              <a:rPr lang="en-US" sz="1700" dirty="0">
+              <a:rPr lang="en-US" sz="4400" dirty="0">
                 <a:solidFill>
                   <a:srgbClr val="FFFFFF"/>
                 </a:solidFill>
+                <a:latin typeface="Roboto Medium" panose="02000000000000000000" pitchFamily="2" charset="0"/>
+                <a:ea typeface="Roboto Medium" panose="02000000000000000000" pitchFamily="2" charset="0"/>
               </a:rPr>
               <a:t>Food Shortage</a:t>
             </a:r>
@@ -18207,10 +20367,13 @@
           <a:lstStyle/>
           <a:p>
             <a:r>
-              <a:rPr lang="en-US" sz="1600" dirty="0">
+              <a:rPr lang="en-US" dirty="0">
                 <a:solidFill>
                   <a:srgbClr val="FFFFFF"/>
                 </a:solidFill>
+                <a:latin typeface="Open Sans Light" panose="020B0306030504020204" pitchFamily="34" charset="0"/>
+                <a:ea typeface="Open Sans Light" panose="020B0306030504020204" pitchFamily="34" charset="0"/>
+                <a:cs typeface="Open Sans Light" panose="020B0306030504020204" pitchFamily="34" charset="0"/>
               </a:rPr>
               <a:t>In country afflicted by pandemic like COVID-19 </a:t>
             </a:r>
@@ -18273,6 +20436,127 @@
             <a:schemeClr val="lt1"/>
           </a:fontRef>
         </p:style>
+      </p:sp>
+      <p:sp>
+        <p:nvSpPr>
+          <p:cNvPr id="3" name="Date Placeholder 2">
+            <a:extLst>
+              <a:ext uri="{FF2B5EF4-FFF2-40B4-BE49-F238E27FC236}">
+                <a16:creationId xmlns:a16="http://schemas.microsoft.com/office/drawing/2014/main" id="{56D60A26-147E-43A1-825C-DCEB0A6A208B}"/>
+              </a:ext>
+            </a:extLst>
+          </p:cNvPr>
+          <p:cNvSpPr>
+            <a:spLocks noGrp="1"/>
+          </p:cNvSpPr>
+          <p:nvPr>
+            <p:ph type="dt" sz="half" idx="10"/>
+          </p:nvPr>
+        </p:nvSpPr>
+        <p:spPr/>
+        <p:txBody>
+          <a:bodyPr/>
+          <a:lstStyle/>
+          <a:p>
+            <a:fld id="{E4D11326-14F7-44CD-9F6C-558AED359B6E}" type="datetime1">
+              <a:rPr lang="en-US" smtClean="0"/>
+              <a:t>5/11/2020</a:t>
+            </a:fld>
+            <a:endParaRPr lang="en-US" dirty="0"/>
+          </a:p>
+        </p:txBody>
+      </p:sp>
+      <p:sp>
+        <p:nvSpPr>
+          <p:cNvPr id="4" name="Slide Number Placeholder 3">
+            <a:extLst>
+              <a:ext uri="{FF2B5EF4-FFF2-40B4-BE49-F238E27FC236}">
+                <a16:creationId xmlns:a16="http://schemas.microsoft.com/office/drawing/2014/main" id="{2C976F6B-CC73-47AF-ACC7-6A069BAFD5FF}"/>
+              </a:ext>
+            </a:extLst>
+          </p:cNvPr>
+          <p:cNvSpPr>
+            <a:spLocks noGrp="1"/>
+          </p:cNvSpPr>
+          <p:nvPr>
+            <p:ph type="sldNum" sz="quarter" idx="12"/>
+          </p:nvPr>
+        </p:nvSpPr>
+        <p:spPr/>
+        <p:txBody>
+          <a:bodyPr/>
+          <a:lstStyle/>
+          <a:p>
+            <a:fld id="{3A98EE3D-8CD1-4C3F-BD1C-C98C9596463C}" type="slidenum">
+              <a:rPr lang="en-US" smtClean="0"/>
+              <a:t>6</a:t>
+            </a:fld>
+            <a:endParaRPr lang="en-US" dirty="0"/>
+          </a:p>
+        </p:txBody>
+      </p:sp>
+      <p:sp>
+        <p:nvSpPr>
+          <p:cNvPr id="11" name="Rectangle 10">
+            <a:extLst>
+              <a:ext uri="{FF2B5EF4-FFF2-40B4-BE49-F238E27FC236}">
+                <a16:creationId xmlns:a16="http://schemas.microsoft.com/office/drawing/2014/main" id="{D1D2980F-B39B-47A3-BFB7-F22682816EDB}"/>
+              </a:ext>
+            </a:extLst>
+          </p:cNvPr>
+          <p:cNvSpPr/>
+          <p:nvPr/>
+        </p:nvSpPr>
+        <p:spPr>
+          <a:xfrm>
+            <a:off x="-93898" y="0"/>
+            <a:ext cx="5500249" cy="344905"/>
+          </a:xfrm>
+          <a:prstGeom prst="rect">
+            <a:avLst/>
+          </a:prstGeom>
+          <a:solidFill>
+            <a:schemeClr val="bg1">
+              <a:alpha val="20000"/>
+            </a:schemeClr>
+          </a:solidFill>
+          <a:ln>
+            <a:noFill/>
+          </a:ln>
+        </p:spPr>
+        <p:style>
+          <a:lnRef idx="2">
+            <a:schemeClr val="dk1">
+              <a:shade val="50000"/>
+            </a:schemeClr>
+          </a:lnRef>
+          <a:fillRef idx="1">
+            <a:schemeClr val="dk1"/>
+          </a:fillRef>
+          <a:effectRef idx="0">
+            <a:schemeClr val="dk1"/>
+          </a:effectRef>
+          <a:fontRef idx="minor">
+            <a:schemeClr val="lt1"/>
+          </a:fontRef>
+        </p:style>
+        <p:txBody>
+          <a:bodyPr rtlCol="0" anchor="ctr"/>
+          <a:lstStyle/>
+          <a:p>
+            <a:r>
+              <a:rPr lang="en-US" sz="3000" dirty="0">
+                <a:latin typeface="Roboto Medium" panose="02000000000000000000" pitchFamily="2" charset="0"/>
+                <a:ea typeface="Roboto Medium" panose="02000000000000000000" pitchFamily="2" charset="0"/>
+              </a:rPr>
+              <a:t>CAUSES OF UNDERNUTRITION</a:t>
+            </a:r>
+            <a:endParaRPr lang="it-IT" sz="3000" dirty="0">
+              <a:latin typeface="Roboto Medium" panose="02000000000000000000" pitchFamily="2" charset="0"/>
+              <a:ea typeface="Roboto Medium" panose="02000000000000000000" pitchFamily="2" charset="0"/>
+            </a:endParaRPr>
+          </a:p>
+        </p:txBody>
       </p:sp>
     </p:spTree>
     <p:extLst>
@@ -18502,10 +20786,12 @@
           <a:lstStyle/>
           <a:p>
             <a:r>
-              <a:rPr lang="en-US" sz="1700" dirty="0">
+              <a:rPr lang="en-US" sz="4000" dirty="0">
                 <a:solidFill>
                   <a:srgbClr val="FFFFFF"/>
                 </a:solidFill>
+                <a:latin typeface="Roboto Medium" panose="02000000000000000000" pitchFamily="2" charset="0"/>
+                <a:ea typeface="Roboto Medium" panose="02000000000000000000" pitchFamily="2" charset="0"/>
               </a:rPr>
               <a:t>Food Waste</a:t>
             </a:r>
@@ -18605,48 +20891,15 @@
           <a:lstStyle/>
           <a:p>
             <a:r>
-              <a:rPr lang="en-US" sz="1600" dirty="0">
+              <a:rPr lang="en-US" dirty="0">
                 <a:solidFill>
                   <a:srgbClr val="FFFFFF"/>
                 </a:solidFill>
+                <a:latin typeface="Open Sans Light" panose="020B0306030504020204" pitchFamily="34" charset="0"/>
+                <a:ea typeface="Open Sans Light" panose="020B0306030504020204" pitchFamily="34" charset="0"/>
+                <a:cs typeface="Open Sans Light" panose="020B0306030504020204" pitchFamily="34" charset="0"/>
               </a:rPr>
               <a:t>1/3 of the global food production is wasted.</a:t>
-            </a:r>
-          </a:p>
-          <a:p>
-            <a:r>
-              <a:rPr lang="en-US" sz="1600" dirty="0">
-                <a:solidFill>
-                  <a:srgbClr val="FFFFFF"/>
-                </a:solidFill>
-              </a:rPr>
-              <a:t>Mention other causes</a:t>
-            </a:r>
-          </a:p>
-          <a:p>
-            <a:r>
-              <a:rPr lang="en-US" sz="1600" dirty="0">
-                <a:solidFill>
-                  <a:srgbClr val="FFFFFF"/>
-                </a:solidFill>
-              </a:rPr>
-              <a:t>War and conflict, migration, </a:t>
-            </a:r>
-            <a:r>
-              <a:rPr lang="en-US" sz="1600" dirty="0" err="1">
-                <a:solidFill>
-                  <a:srgbClr val="FFFFFF"/>
-                </a:solidFill>
-              </a:rPr>
-              <a:t>Climat</a:t>
-            </a:r>
-            <a:r>
-              <a:rPr lang="en-US" sz="1600" dirty="0">
-                <a:solidFill>
-                  <a:srgbClr val="FFFFFF"/>
-                </a:solidFill>
-              </a:rPr>
-              <a:t> Change, economy</a:t>
             </a:r>
           </a:p>
         </p:txBody>
@@ -18708,6 +20961,127 @@
           </a:fontRef>
         </p:style>
       </p:sp>
+      <p:sp>
+        <p:nvSpPr>
+          <p:cNvPr id="3" name="Date Placeholder 2">
+            <a:extLst>
+              <a:ext uri="{FF2B5EF4-FFF2-40B4-BE49-F238E27FC236}">
+                <a16:creationId xmlns:a16="http://schemas.microsoft.com/office/drawing/2014/main" id="{BB7900A0-BFEC-4614-9EA1-895B98E031D1}"/>
+              </a:ext>
+            </a:extLst>
+          </p:cNvPr>
+          <p:cNvSpPr>
+            <a:spLocks noGrp="1"/>
+          </p:cNvSpPr>
+          <p:nvPr>
+            <p:ph type="dt" sz="half" idx="10"/>
+          </p:nvPr>
+        </p:nvSpPr>
+        <p:spPr/>
+        <p:txBody>
+          <a:bodyPr/>
+          <a:lstStyle/>
+          <a:p>
+            <a:fld id="{BF3CB5E3-B0D8-4810-A8D5-536E937CE402}" type="datetime1">
+              <a:rPr lang="en-US" smtClean="0"/>
+              <a:t>5/11/2020</a:t>
+            </a:fld>
+            <a:endParaRPr lang="en-US" dirty="0"/>
+          </a:p>
+        </p:txBody>
+      </p:sp>
+      <p:sp>
+        <p:nvSpPr>
+          <p:cNvPr id="5" name="Slide Number Placeholder 4">
+            <a:extLst>
+              <a:ext uri="{FF2B5EF4-FFF2-40B4-BE49-F238E27FC236}">
+                <a16:creationId xmlns:a16="http://schemas.microsoft.com/office/drawing/2014/main" id="{22BCB8F0-B903-4A3E-80C5-63A041125E1A}"/>
+              </a:ext>
+            </a:extLst>
+          </p:cNvPr>
+          <p:cNvSpPr>
+            <a:spLocks noGrp="1"/>
+          </p:cNvSpPr>
+          <p:nvPr>
+            <p:ph type="sldNum" sz="quarter" idx="12"/>
+          </p:nvPr>
+        </p:nvSpPr>
+        <p:spPr/>
+        <p:txBody>
+          <a:bodyPr/>
+          <a:lstStyle/>
+          <a:p>
+            <a:fld id="{3A98EE3D-8CD1-4C3F-BD1C-C98C9596463C}" type="slidenum">
+              <a:rPr lang="en-US" smtClean="0"/>
+              <a:t>7</a:t>
+            </a:fld>
+            <a:endParaRPr lang="en-US" dirty="0"/>
+          </a:p>
+        </p:txBody>
+      </p:sp>
+      <p:sp>
+        <p:nvSpPr>
+          <p:cNvPr id="11" name="Rectangle 10">
+            <a:extLst>
+              <a:ext uri="{FF2B5EF4-FFF2-40B4-BE49-F238E27FC236}">
+                <a16:creationId xmlns:a16="http://schemas.microsoft.com/office/drawing/2014/main" id="{C5A8E0A2-2CD3-4551-BEAC-B82852D02928}"/>
+              </a:ext>
+            </a:extLst>
+          </p:cNvPr>
+          <p:cNvSpPr/>
+          <p:nvPr/>
+        </p:nvSpPr>
+        <p:spPr>
+          <a:xfrm>
+            <a:off x="-5686" y="0"/>
+            <a:ext cx="5500249" cy="344905"/>
+          </a:xfrm>
+          <a:prstGeom prst="rect">
+            <a:avLst/>
+          </a:prstGeom>
+          <a:solidFill>
+            <a:schemeClr val="bg1">
+              <a:alpha val="20000"/>
+            </a:schemeClr>
+          </a:solidFill>
+          <a:ln>
+            <a:noFill/>
+          </a:ln>
+        </p:spPr>
+        <p:style>
+          <a:lnRef idx="2">
+            <a:schemeClr val="dk1">
+              <a:shade val="50000"/>
+            </a:schemeClr>
+          </a:lnRef>
+          <a:fillRef idx="1">
+            <a:schemeClr val="dk1"/>
+          </a:fillRef>
+          <a:effectRef idx="0">
+            <a:schemeClr val="dk1"/>
+          </a:effectRef>
+          <a:fontRef idx="minor">
+            <a:schemeClr val="lt1"/>
+          </a:fontRef>
+        </p:style>
+        <p:txBody>
+          <a:bodyPr rtlCol="0" anchor="ctr"/>
+          <a:lstStyle/>
+          <a:p>
+            <a:r>
+              <a:rPr lang="en-US" sz="3000" dirty="0">
+                <a:latin typeface="Roboto Medium" panose="02000000000000000000" pitchFamily="2" charset="0"/>
+                <a:ea typeface="Roboto Medium" panose="02000000000000000000" pitchFamily="2" charset="0"/>
+              </a:rPr>
+              <a:t>CAUSES OF UNDERNUTRITION</a:t>
+            </a:r>
+            <a:endParaRPr lang="it-IT" sz="3000" dirty="0">
+              <a:latin typeface="Roboto Medium" panose="02000000000000000000" pitchFamily="2" charset="0"/>
+              <a:ea typeface="Roboto Medium" panose="02000000000000000000" pitchFamily="2" charset="0"/>
+            </a:endParaRPr>
+          </a:p>
+        </p:txBody>
+      </p:sp>
     </p:spTree>
     <p:extLst>
       <p:ext uri="{BB962C8B-B14F-4D97-AF65-F5344CB8AC3E}">
@@ -18724,6 +21098,14 @@
 <file path=ppt/slides/slide8.xml><?xml version="1.0" encoding="utf-8"?>
 <p:sld xmlns:a="http://schemas.openxmlformats.org/drawingml/2006/main" xmlns:r="http://schemas.openxmlformats.org/officeDocument/2006/relationships" xmlns:p="http://schemas.openxmlformats.org/presentationml/2006/main">
   <p:cSld>
+    <p:bg>
+      <p:bgPr>
+        <a:solidFill>
+          <a:schemeClr val="bg1"/>
+        </a:solidFill>
+        <a:effectLst/>
+      </p:bgPr>
+    </p:bg>
     <p:spTree>
       <p:nvGrpSpPr>
         <p:cNvPr id="1" name=""/>
@@ -18740,10 +21122,214 @@
       </p:grpSpPr>
       <p:sp>
         <p:nvSpPr>
+          <p:cNvPr id="10" name="Rectangle 9">
+            <a:extLst>
+              <a:ext uri="{FF2B5EF4-FFF2-40B4-BE49-F238E27FC236}">
+                <a16:creationId xmlns:a16="http://schemas.microsoft.com/office/drawing/2014/main" id="{39E3965E-AC41-4711-9D10-E25ABB132D86}"/>
+              </a:ext>
+              <a:ext uri="{C183D7F6-B498-43B3-948B-1728B52AA6E4}">
+                <adec:decorative xmlns:adec="http://schemas.microsoft.com/office/drawing/2017/decorative" val="1"/>
+              </a:ext>
+            </a:extLst>
+          </p:cNvPr>
+          <p:cNvSpPr>
+            <a:spLocks noGrp="1" noRot="1" noChangeAspect="1" noMove="1" noResize="1" noEditPoints="1" noAdjustHandles="1" noChangeArrowheads="1" noChangeShapeType="1" noTextEdit="1"/>
+          </p:cNvSpPr>
+          <p:nvPr>
+            <p:extLst>
+              <p:ext uri="{386F3935-93C4-4BCD-93E2-E3B085C9AB24}">
+                <p16:designElem xmlns:p16="http://schemas.microsoft.com/office/powerpoint/2015/main" val="1"/>
+              </p:ext>
+            </p:extLst>
+          </p:nvPr>
+        </p:nvSpPr>
+        <p:spPr>
+          <a:xfrm>
+            <a:off x="3175" y="6400800"/>
+            <a:ext cx="12188825" cy="457200"/>
+          </a:xfrm>
+          <a:prstGeom prst="rect">
+            <a:avLst/>
+          </a:prstGeom>
+          <a:solidFill>
+            <a:srgbClr val="262626"/>
+          </a:solidFill>
+          <a:ln>
+            <a:noFill/>
+          </a:ln>
+        </p:spPr>
+        <p:style>
+          <a:lnRef idx="2">
+            <a:schemeClr val="accent1">
+              <a:shade val="50000"/>
+            </a:schemeClr>
+          </a:lnRef>
+          <a:fillRef idx="1">
+            <a:schemeClr val="accent1"/>
+          </a:fillRef>
+          <a:effectRef idx="0">
+            <a:schemeClr val="accent1"/>
+          </a:effectRef>
+          <a:fontRef idx="minor">
+            <a:schemeClr val="lt1"/>
+          </a:fontRef>
+        </p:style>
+      </p:sp>
+      <p:cxnSp>
+        <p:nvCxnSpPr>
+          <p:cNvPr id="12" name="Straight Connector 11">
+            <a:extLst>
+              <a:ext uri="{FF2B5EF4-FFF2-40B4-BE49-F238E27FC236}">
+                <a16:creationId xmlns:a16="http://schemas.microsoft.com/office/drawing/2014/main" id="{1F5DC8C3-BA5F-4EED-BB9A-A14272BD82A1}"/>
+              </a:ext>
+              <a:ext uri="{C183D7F6-B498-43B3-948B-1728B52AA6E4}">
+                <adec:decorative xmlns:adec="http://schemas.microsoft.com/office/drawing/2017/decorative" val="1"/>
+              </a:ext>
+            </a:extLst>
+          </p:cNvPr>
+          <p:cNvCxnSpPr>
+            <a:cxnSpLocks noGrp="1" noRot="1" noChangeAspect="1" noMove="1" noResize="1" noEditPoints="1" noAdjustHandles="1" noChangeArrowheads="1" noChangeShapeType="1"/>
+          </p:cNvCxnSpPr>
+          <p:nvPr>
+            <p:extLst>
+              <p:ext uri="{386F3935-93C4-4BCD-93E2-E3B085C9AB24}">
+                <p16:designElem xmlns:p16="http://schemas.microsoft.com/office/powerpoint/2015/main" val="1"/>
+              </p:ext>
+            </p:extLst>
+          </p:nvPr>
+        </p:nvCxnSpPr>
+        <p:spPr>
+          <a:xfrm>
+            <a:off x="1207658" y="4474741"/>
+            <a:ext cx="9875520" cy="0"/>
+          </a:xfrm>
+          <a:prstGeom prst="line">
+            <a:avLst/>
+          </a:prstGeom>
+          <a:ln w="12700">
+            <a:solidFill>
+              <a:schemeClr val="tx1">
+                <a:lumMod val="75000"/>
+                <a:lumOff val="25000"/>
+              </a:schemeClr>
+            </a:solidFill>
+          </a:ln>
+        </p:spPr>
+        <p:style>
+          <a:lnRef idx="1">
+            <a:schemeClr val="accent1"/>
+          </a:lnRef>
+          <a:fillRef idx="0">
+            <a:schemeClr val="accent1"/>
+          </a:fillRef>
+          <a:effectRef idx="0">
+            <a:schemeClr val="accent1"/>
+          </a:effectRef>
+          <a:fontRef idx="minor">
+            <a:schemeClr val="tx1"/>
+          </a:fontRef>
+        </p:style>
+      </p:cxnSp>
+      <p:sp>
+        <p:nvSpPr>
+          <p:cNvPr id="14" name="Rectangle 13">
+            <a:extLst>
+              <a:ext uri="{FF2B5EF4-FFF2-40B4-BE49-F238E27FC236}">
+                <a16:creationId xmlns:a16="http://schemas.microsoft.com/office/drawing/2014/main" id="{0AF4F2BA-3C03-4E2C-8ABC-0949B61B3C5E}"/>
+              </a:ext>
+              <a:ext uri="{C183D7F6-B498-43B3-948B-1728B52AA6E4}">
+                <adec:decorative xmlns:adec="http://schemas.microsoft.com/office/drawing/2017/decorative" val="1"/>
+              </a:ext>
+            </a:extLst>
+          </p:cNvPr>
+          <p:cNvSpPr>
+            <a:spLocks noGrp="1" noRot="1" noChangeAspect="1" noMove="1" noResize="1" noEditPoints="1" noAdjustHandles="1" noChangeArrowheads="1" noChangeShapeType="1" noTextEdit="1"/>
+          </p:cNvSpPr>
+          <p:nvPr>
+            <p:extLst>
+              <p:ext uri="{386F3935-93C4-4BCD-93E2-E3B085C9AB24}">
+                <p16:designElem xmlns:p16="http://schemas.microsoft.com/office/powerpoint/2015/main" val="1"/>
+              </p:ext>
+            </p:extLst>
+          </p:nvPr>
+        </p:nvSpPr>
+        <p:spPr>
+          <a:xfrm>
+            <a:off x="0" y="0"/>
+            <a:ext cx="12192000" cy="6858000"/>
+          </a:xfrm>
+          <a:prstGeom prst="rect">
+            <a:avLst/>
+          </a:prstGeom>
+          <a:solidFill>
+            <a:srgbClr val="000000"/>
+          </a:solidFill>
+          <a:ln>
+            <a:noFill/>
+          </a:ln>
+        </p:spPr>
+        <p:style>
+          <a:lnRef idx="2">
+            <a:schemeClr val="accent1">
+              <a:shade val="50000"/>
+            </a:schemeClr>
+          </a:lnRef>
+          <a:fillRef idx="1">
+            <a:schemeClr val="accent1"/>
+          </a:fillRef>
+          <a:effectRef idx="0">
+            <a:schemeClr val="accent1"/>
+          </a:effectRef>
+          <a:fontRef idx="minor">
+            <a:schemeClr val="lt1"/>
+          </a:fontRef>
+        </p:style>
+        <p:txBody>
+          <a:bodyPr rtlCol="0" anchor="ctr"/>
+          <a:lstStyle/>
+          <a:p>
+            <a:pPr algn="ctr"/>
+            <a:endParaRPr lang="en-US"/>
+          </a:p>
+        </p:txBody>
+      </p:sp>
+      <p:pic>
+        <p:nvPicPr>
+          <p:cNvPr id="6" name="Picture 5">
+            <a:extLst>
+              <a:ext uri="{FF2B5EF4-FFF2-40B4-BE49-F238E27FC236}">
+                <a16:creationId xmlns:a16="http://schemas.microsoft.com/office/drawing/2014/main" id="{A7BEAD9E-8DF9-4362-97B5-4E8A650B07E3}"/>
+              </a:ext>
+            </a:extLst>
+          </p:cNvPr>
+          <p:cNvPicPr>
+            <a:picLocks noChangeAspect="1"/>
+          </p:cNvPicPr>
+          <p:nvPr/>
+        </p:nvPicPr>
+        <p:blipFill rotWithShape="1">
+          <a:blip r:embed="rId2">
+            <a:alphaModFix amt="35000"/>
+          </a:blip>
+          <a:srcRect t="6259" b="9471"/>
+          <a:stretch/>
+        </p:blipFill>
+        <p:spPr>
+          <a:xfrm>
+            <a:off x="20" y="10"/>
+            <a:ext cx="12191980" cy="6857990"/>
+          </a:xfrm>
+          <a:prstGeom prst="rect">
+            <a:avLst/>
+          </a:prstGeom>
+        </p:spPr>
+      </p:pic>
+      <p:sp>
+        <p:nvSpPr>
           <p:cNvPr id="2" name="Title 1">
             <a:extLst>
               <a:ext uri="{FF2B5EF4-FFF2-40B4-BE49-F238E27FC236}">
-                <a16:creationId xmlns:a16="http://schemas.microsoft.com/office/drawing/2014/main" id="{6F358308-E510-476D-BEC8-0DB31A9FAEA2}"/>
+                <a16:creationId xmlns:a16="http://schemas.microsoft.com/office/drawing/2014/main" id="{F4FEF8DF-F641-4B4B-9ECB-EEDE8AA3231F}"/>
               </a:ext>
             </a:extLst>
           </p:cNvPr>
@@ -18754,25 +21340,147 @@
             <p:ph type="title"/>
           </p:nvPr>
         </p:nvSpPr>
-        <p:spPr/>
+        <p:spPr>
+          <a:xfrm>
+            <a:off x="1097280" y="758952"/>
+            <a:ext cx="10058400" cy="3566160"/>
+          </a:xfrm>
+        </p:spPr>
         <p:txBody>
-          <a:bodyPr/>
+          <a:bodyPr vert="horz" lIns="91440" tIns="45720" rIns="91440" bIns="45720" rtlCol="0" anchor="b">
+            <a:normAutofit/>
+          </a:bodyPr>
           <a:lstStyle/>
           <a:p>
+            <a:pPr algn="ctr"/>
             <a:r>
-              <a:rPr lang="en-US" dirty="0"/>
+              <a:rPr lang="en-US" sz="8000" dirty="0">
+                <a:solidFill>
+                  <a:srgbClr val="FFFFFF"/>
+                </a:solidFill>
+                <a:latin typeface="Roboto Medium" panose="02000000000000000000" pitchFamily="2" charset="0"/>
+                <a:ea typeface="Roboto Medium" panose="02000000000000000000" pitchFamily="2" charset="0"/>
+              </a:rPr>
               <a:t>An Irrational Food Consumption</a:t>
             </a:r>
-            <a:endParaRPr lang="it-IT" dirty="0"/>
           </a:p>
         </p:txBody>
+      </p:sp>
+      <p:cxnSp>
+        <p:nvCxnSpPr>
+          <p:cNvPr id="16" name="Straight Connector 15">
+            <a:extLst>
+              <a:ext uri="{FF2B5EF4-FFF2-40B4-BE49-F238E27FC236}">
+                <a16:creationId xmlns:a16="http://schemas.microsoft.com/office/drawing/2014/main" id="{A07787ED-5EDC-4C54-AD87-55B60D0FE397}"/>
+              </a:ext>
+              <a:ext uri="{C183D7F6-B498-43B3-948B-1728B52AA6E4}">
+                <adec:decorative xmlns:adec="http://schemas.microsoft.com/office/drawing/2017/decorative" val="1"/>
+              </a:ext>
+            </a:extLst>
+          </p:cNvPr>
+          <p:cNvCxnSpPr>
+            <a:cxnSpLocks noGrp="1" noRot="1" noChangeAspect="1" noMove="1" noResize="1" noEditPoints="1" noAdjustHandles="1" noChangeArrowheads="1" noChangeShapeType="1"/>
+          </p:cNvCxnSpPr>
+          <p:nvPr>
+            <p:extLst>
+              <p:ext uri="{386F3935-93C4-4BCD-93E2-E3B085C9AB24}">
+                <p16:designElem xmlns:p16="http://schemas.microsoft.com/office/powerpoint/2015/main" val="1"/>
+              </p:ext>
+            </p:extLst>
+          </p:nvPr>
+        </p:nvCxnSpPr>
+        <p:spPr>
+          <a:xfrm>
+            <a:off x="1207658" y="4474741"/>
+            <a:ext cx="9875520" cy="0"/>
+          </a:xfrm>
+          <a:prstGeom prst="line">
+            <a:avLst/>
+          </a:prstGeom>
+          <a:ln w="12700">
+            <a:solidFill>
+              <a:srgbClr val="FFFFFF"/>
+            </a:solidFill>
+          </a:ln>
+        </p:spPr>
+        <p:style>
+          <a:lnRef idx="1">
+            <a:schemeClr val="accent1"/>
+          </a:lnRef>
+          <a:fillRef idx="0">
+            <a:schemeClr val="accent1"/>
+          </a:fillRef>
+          <a:effectRef idx="0">
+            <a:schemeClr val="accent1"/>
+          </a:effectRef>
+          <a:fontRef idx="minor">
+            <a:schemeClr val="tx1"/>
+          </a:fontRef>
+        </p:style>
+      </p:cxnSp>
+      <p:sp>
+        <p:nvSpPr>
+          <p:cNvPr id="18" name="Rectangle 17">
+            <a:extLst>
+              <a:ext uri="{FF2B5EF4-FFF2-40B4-BE49-F238E27FC236}">
+                <a16:creationId xmlns:a16="http://schemas.microsoft.com/office/drawing/2014/main" id="{B40A8CA7-7D5A-43B0-A1A0-B558ECA9EED1}"/>
+              </a:ext>
+              <a:ext uri="{C183D7F6-B498-43B3-948B-1728B52AA6E4}">
+                <adec:decorative xmlns:adec="http://schemas.microsoft.com/office/drawing/2017/decorative" val="1"/>
+              </a:ext>
+            </a:extLst>
+          </p:cNvPr>
+          <p:cNvSpPr>
+            <a:spLocks noGrp="1" noRot="1" noChangeAspect="1" noMove="1" noResize="1" noEditPoints="1" noAdjustHandles="1" noChangeArrowheads="1" noChangeShapeType="1" noTextEdit="1"/>
+          </p:cNvSpPr>
+          <p:nvPr>
+            <p:extLst>
+              <p:ext uri="{386F3935-93C4-4BCD-93E2-E3B085C9AB24}">
+                <p16:designElem xmlns:p16="http://schemas.microsoft.com/office/powerpoint/2015/main" val="1"/>
+              </p:ext>
+            </p:extLst>
+          </p:nvPr>
+        </p:nvSpPr>
+        <p:spPr>
+          <a:xfrm>
+            <a:off x="3175" y="6400800"/>
+            <a:ext cx="12188825" cy="457200"/>
+          </a:xfrm>
+          <a:prstGeom prst="rect">
+            <a:avLst/>
+          </a:prstGeom>
+          <a:solidFill>
+            <a:srgbClr val="262626">
+              <a:alpha val="95000"/>
+            </a:srgbClr>
+          </a:solidFill>
+          <a:ln>
+            <a:noFill/>
+          </a:ln>
+        </p:spPr>
+        <p:style>
+          <a:lnRef idx="2">
+            <a:schemeClr val="accent1">
+              <a:shade val="50000"/>
+            </a:schemeClr>
+          </a:lnRef>
+          <a:fillRef idx="1">
+            <a:schemeClr val="accent1"/>
+          </a:fillRef>
+          <a:effectRef idx="0">
+            <a:schemeClr val="accent1"/>
+          </a:effectRef>
+          <a:fontRef idx="minor">
+            <a:schemeClr val="lt1"/>
+          </a:fontRef>
+        </p:style>
       </p:sp>
       <p:sp>
         <p:nvSpPr>
-          <p:cNvPr id="3" name="Text Placeholder 2">
+          <p:cNvPr id="3" name="Date Placeholder 2">
             <a:extLst>
               <a:ext uri="{FF2B5EF4-FFF2-40B4-BE49-F238E27FC236}">
-                <a16:creationId xmlns:a16="http://schemas.microsoft.com/office/drawing/2014/main" id="{326275BA-BCF7-409D-9C2C-4F5A17EC727C}"/>
+                <a16:creationId xmlns:a16="http://schemas.microsoft.com/office/drawing/2014/main" id="{526E92CC-A80E-49E6-8A03-AF724397C461}"/>
               </a:ext>
             </a:extLst>
           </p:cNvPr>
@@ -18780,27 +21488,94 @@
             <a:spLocks noGrp="1"/>
           </p:cNvSpPr>
           <p:nvPr>
-            <p:ph type="body" idx="1"/>
+            <p:ph type="dt" sz="half" idx="10"/>
           </p:nvPr>
         </p:nvSpPr>
-        <p:spPr/>
+        <p:spPr>
+          <a:xfrm>
+            <a:off x="8218426" y="6446838"/>
+            <a:ext cx="2584850" cy="365125"/>
+          </a:xfrm>
+        </p:spPr>
         <p:txBody>
-          <a:bodyPr/>
+          <a:bodyPr vert="horz" lIns="91440" tIns="45720" rIns="91440" bIns="45720" rtlCol="0" anchor="ctr">
+            <a:normAutofit/>
+          </a:bodyPr>
           <a:lstStyle/>
           <a:p>
-            <a:endParaRPr lang="it-IT"/>
+            <a:pPr>
+              <a:spcAft>
+                <a:spcPts val="600"/>
+              </a:spcAft>
+            </a:pPr>
+            <a:fld id="{A2284725-CA75-4CAF-A763-9CE700EE05D9}" type="datetime1">
+              <a:rPr lang="en-US" smtClean="0"/>
+              <a:pPr>
+                <a:spcAft>
+                  <a:spcPts val="600"/>
+                </a:spcAft>
+              </a:pPr>
+              <a:t>5/11/2020</a:t>
+            </a:fld>
+            <a:endParaRPr lang="en-US"/>
+          </a:p>
+        </p:txBody>
+      </p:sp>
+      <p:sp>
+        <p:nvSpPr>
+          <p:cNvPr id="4" name="Slide Number Placeholder 3">
+            <a:extLst>
+              <a:ext uri="{FF2B5EF4-FFF2-40B4-BE49-F238E27FC236}">
+                <a16:creationId xmlns:a16="http://schemas.microsoft.com/office/drawing/2014/main" id="{426FBC39-6180-4D9F-BED6-0A6A0FC6FEF1}"/>
+              </a:ext>
+            </a:extLst>
+          </p:cNvPr>
+          <p:cNvSpPr>
+            <a:spLocks noGrp="1"/>
+          </p:cNvSpPr>
+          <p:nvPr>
+            <p:ph type="sldNum" sz="quarter" idx="12"/>
+          </p:nvPr>
+        </p:nvSpPr>
+        <p:spPr>
+          <a:xfrm>
+            <a:off x="10993582" y="6446838"/>
+            <a:ext cx="780010" cy="365125"/>
+          </a:xfrm>
+        </p:spPr>
+        <p:txBody>
+          <a:bodyPr vert="horz" lIns="91440" tIns="45720" rIns="91440" bIns="45720" rtlCol="0" anchor="ctr">
+            <a:normAutofit/>
+          </a:bodyPr>
+          <a:lstStyle/>
+          <a:p>
+            <a:pPr>
+              <a:spcAft>
+                <a:spcPts val="600"/>
+              </a:spcAft>
+            </a:pPr>
+            <a:fld id="{3A98EE3D-8CD1-4C3F-BD1C-C98C9596463C}" type="slidenum">
+              <a:rPr lang="en-US" sz="1050" smtClean="0"/>
+              <a:pPr>
+                <a:spcAft>
+                  <a:spcPts val="600"/>
+                </a:spcAft>
+              </a:pPr>
+              <a:t>8</a:t>
+            </a:fld>
+            <a:endParaRPr lang="en-US" sz="1050"/>
           </a:p>
         </p:txBody>
       </p:sp>
     </p:spTree>
     <p:extLst>
       <p:ext uri="{BB962C8B-B14F-4D97-AF65-F5344CB8AC3E}">
-        <p14:creationId xmlns:p14="http://schemas.microsoft.com/office/powerpoint/2010/main" val="3486743929"/>
+        <p14:creationId xmlns:p14="http://schemas.microsoft.com/office/powerpoint/2010/main" val="800392384"/>
       </p:ext>
     </p:extLst>
   </p:cSld>
   <p:clrMapOvr>
-    <a:masterClrMapping/>
+    <a:overrideClrMapping bg1="dk1" tx1="lt1" bg2="dk2" tx2="lt2" accent1="accent1" accent2="accent2" accent3="accent3" accent4="accent4" accent5="accent5" accent6="accent6" hlink="hlink" folHlink="folHlink"/>
   </p:clrMapOvr>
 </p:sld>
 </file>
@@ -18870,7 +21645,11 @@
           <a:prstGeom prst="rect">
             <a:avLst/>
           </a:prstGeom>
-          <a:noFill/>
+          <a:solidFill>
+            <a:schemeClr val="bg1">
+              <a:alpha val="20000"/>
+            </a:schemeClr>
+          </a:solidFill>
         </p:spPr>
         <p:txBody>
           <a:bodyPr wrap="square" rtlCol="0">
@@ -18885,8 +21664,10 @@
                   <a:schemeClr val="bg1"/>
                 </a:solidFill>
                 <a:highlight>
-                  <a:srgbClr val="000000"/>
+                  <a:srgbClr val="808080"/>
                 </a:highlight>
+                <a:latin typeface="Roboto Medium" panose="02000000000000000000" pitchFamily="2" charset="0"/>
+                <a:ea typeface="Roboto Medium" panose="02000000000000000000" pitchFamily="2" charset="0"/>
               </a:rPr>
               <a:t>How is the Global Domestic Supply Used Considering Only Plant Products?</a:t>
             </a:r>
@@ -18895,9 +21676,69 @@
                 <a:schemeClr val="bg1"/>
               </a:solidFill>
               <a:highlight>
-                <a:srgbClr val="000000"/>
+                <a:srgbClr val="808080"/>
               </a:highlight>
+              <a:latin typeface="Roboto Medium" panose="02000000000000000000" pitchFamily="2" charset="0"/>
+              <a:ea typeface="Roboto Medium" panose="02000000000000000000" pitchFamily="2" charset="0"/>
             </a:endParaRPr>
+          </a:p>
+        </p:txBody>
+      </p:sp>
+      <p:sp>
+        <p:nvSpPr>
+          <p:cNvPr id="2" name="Date Placeholder 1">
+            <a:extLst>
+              <a:ext uri="{FF2B5EF4-FFF2-40B4-BE49-F238E27FC236}">
+                <a16:creationId xmlns:a16="http://schemas.microsoft.com/office/drawing/2014/main" id="{A2A981A0-BE12-4397-A1D4-A85907058B70}"/>
+              </a:ext>
+            </a:extLst>
+          </p:cNvPr>
+          <p:cNvSpPr>
+            <a:spLocks noGrp="1"/>
+          </p:cNvSpPr>
+          <p:nvPr>
+            <p:ph type="dt" sz="half" idx="10"/>
+          </p:nvPr>
+        </p:nvSpPr>
+        <p:spPr/>
+        <p:txBody>
+          <a:bodyPr/>
+          <a:lstStyle/>
+          <a:p>
+            <a:fld id="{B139C3DE-283F-4D49-9A7C-AD61B391C49F}" type="datetime1">
+              <a:rPr lang="en-US" smtClean="0"/>
+              <a:t>5/11/2020</a:t>
+            </a:fld>
+            <a:endParaRPr lang="en-US" dirty="0"/>
+          </a:p>
+        </p:txBody>
+      </p:sp>
+      <p:sp>
+        <p:nvSpPr>
+          <p:cNvPr id="3" name="Slide Number Placeholder 2">
+            <a:extLst>
+              <a:ext uri="{FF2B5EF4-FFF2-40B4-BE49-F238E27FC236}">
+                <a16:creationId xmlns:a16="http://schemas.microsoft.com/office/drawing/2014/main" id="{8873519E-4233-42C9-B47E-0FCCCC10425B}"/>
+              </a:ext>
+            </a:extLst>
+          </p:cNvPr>
+          <p:cNvSpPr>
+            <a:spLocks noGrp="1"/>
+          </p:cNvSpPr>
+          <p:nvPr>
+            <p:ph type="sldNum" sz="quarter" idx="12"/>
+          </p:nvPr>
+        </p:nvSpPr>
+        <p:spPr/>
+        <p:txBody>
+          <a:bodyPr/>
+          <a:lstStyle/>
+          <a:p>
+            <a:fld id="{3A98EE3D-8CD1-4C3F-BD1C-C98C9596463C}" type="slidenum">
+              <a:rPr lang="en-US" smtClean="0"/>
+              <a:t>9</a:t>
+            </a:fld>
+            <a:endParaRPr lang="en-US" dirty="0"/>
           </a:p>
         </p:txBody>
       </p:sp>
